--- a/Cyber exercise.pptx
+++ b/Cyber exercise.pptx
@@ -48894,17 +48894,22 @@
               <a:buChar char="•"/>
             </a:pPr>
             <a:r>
-              <a:rPr lang="hu-HU" dirty="0" err="1"/>
+              <a:rPr lang="hu-HU" dirty="0">
+                <a:hlinkClick r:id="rId4"/>
+              </a:rPr>
               <a:t>Readme</a:t>
             </a:r>
-            <a:endParaRPr lang="hu-HU"/>
+            <a:endParaRPr lang="hu-HU" dirty="0"/>
           </a:p>
           <a:p>
             <a:pPr marL="285750" indent="-285750">
               <a:buFont typeface="Arial" panose="020B0604020202020204" pitchFamily="34" charset="0"/>
               <a:buChar char="•"/>
             </a:pPr>
-            <a:endParaRPr lang="hu-HU" dirty="0"/>
+            <a:r>
+              <a:rPr lang="hu-HU" dirty="0"/>
+              <a:t>OilRig</a:t>
+            </a:r>
           </a:p>
           <a:p>
             <a:pPr marL="285750" indent="-285750">
@@ -48952,7 +48957,7 @@
           <a:p>
             <a:r>
               <a:rPr lang="hu-HU" sz="3200" dirty="0">
-                <a:hlinkClick r:id="rId4"/>
+                <a:hlinkClick r:id="rId5"/>
               </a:rPr>
               <a:t>https://www.virustotal.com/gui/home/upload</a:t>
             </a:r>
@@ -52737,6 +52742,12 @@
 </file>
 
 <file path=customXml/item1.xml><?xml version="1.0" encoding="utf-8"?>
+<p:properties xmlns:p="http://schemas.microsoft.com/office/2006/metadata/properties" xmlns:xsi="http://www.w3.org/2001/XMLSchema-instance" xmlns:pc="http://schemas.microsoft.com/office/infopath/2007/PartnerControls">
+  <documentManagement/>
+</p:properties>
+</file>
+
+<file path=customXml/item2.xml><?xml version="1.0" encoding="utf-8"?>
 <ct:contentTypeSchema xmlns:ct="http://schemas.microsoft.com/office/2006/metadata/contentType" xmlns:ma="http://schemas.microsoft.com/office/2006/metadata/properties/metaAttributes" ct:_="" ma:_="" ma:contentTypeName="Document" ma:contentTypeID="0x0101009A1848C9F21A504CA7152D81B4825E39" ma:contentTypeVersion="4" ma:contentTypeDescription="Create a new document." ma:contentTypeScope="" ma:versionID="98a07da6ef07519fcdec19bf065509a7">
   <xsd:schema xmlns:xsd="http://www.w3.org/2001/XMLSchema" xmlns:xs="http://www.w3.org/2001/XMLSchema" xmlns:p="http://schemas.microsoft.com/office/2006/metadata/properties" xmlns:ns2="d4b83485-4571-4848-b80f-9395d4c7fedb" targetNamespace="http://schemas.microsoft.com/office/2006/metadata/properties" ma:root="true" ma:fieldsID="ce4401a11adc0d635126e3dbcbedf590" ns2:_="">
     <xsd:import namespace="d4b83485-4571-4848-b80f-9395d4c7fedb"/>
@@ -52880,12 +52891,6 @@
 </ct:contentTypeSchema>
 </file>
 
-<file path=customXml/item2.xml><?xml version="1.0" encoding="utf-8"?>
-<p:properties xmlns:p="http://schemas.microsoft.com/office/2006/metadata/properties" xmlns:xsi="http://www.w3.org/2001/XMLSchema-instance" xmlns:pc="http://schemas.microsoft.com/office/infopath/2007/PartnerControls">
-  <documentManagement/>
-</p:properties>
-</file>
-
 <file path=customXml/item3.xml><?xml version="1.0" encoding="utf-8"?>
 <?mso-contentType ?>
 <FormTemplates xmlns="http://schemas.microsoft.com/sharepoint/v3/contenttype/forms">
@@ -52896,6 +52901,15 @@
 </file>
 
 <file path=customXml/itemProps1.xml><?xml version="1.0" encoding="utf-8"?>
+<ds:datastoreItem xmlns:ds="http://schemas.openxmlformats.org/officeDocument/2006/customXml" ds:itemID="{8B9AA292-43A5-4729-8971-3F885FF3ED0C}">
+  <ds:schemaRefs>
+    <ds:schemaRef ds:uri="http://schemas.microsoft.com/office/2006/metadata/properties"/>
+    <ds:schemaRef ds:uri="http://schemas.microsoft.com/office/infopath/2007/PartnerControls"/>
+  </ds:schemaRefs>
+</ds:datastoreItem>
+</file>
+
+<file path=customXml/itemProps2.xml><?xml version="1.0" encoding="utf-8"?>
 <ds:datastoreItem xmlns:ds="http://schemas.openxmlformats.org/officeDocument/2006/customXml" ds:itemID="{5C1CDA6F-0620-4809-85AD-69E9B388C165}">
   <ds:schemaRefs>
     <ds:schemaRef ds:uri="http://schemas.microsoft.com/office/2006/metadata/contentType"/>
@@ -52913,15 +52927,6 @@
 </ds:datastoreItem>
 </file>
 
-<file path=customXml/itemProps2.xml><?xml version="1.0" encoding="utf-8"?>
-<ds:datastoreItem xmlns:ds="http://schemas.openxmlformats.org/officeDocument/2006/customXml" ds:itemID="{8B9AA292-43A5-4729-8971-3F885FF3ED0C}">
-  <ds:schemaRefs>
-    <ds:schemaRef ds:uri="http://schemas.microsoft.com/office/2006/metadata/properties"/>
-    <ds:schemaRef ds:uri="http://schemas.microsoft.com/office/infopath/2007/PartnerControls"/>
-  </ds:schemaRefs>
-</ds:datastoreItem>
-</file>
-
 <file path=customXml/itemProps3.xml><?xml version="1.0" encoding="utf-8"?>
 <ds:datastoreItem xmlns:ds="http://schemas.openxmlformats.org/officeDocument/2006/customXml" ds:itemID="{76FCC6D6-0EA7-4836-8197-8D03045983EB}">
   <ds:schemaRefs>

--- a/Cyber exercise.pptx
+++ b/Cyber exercise.pptx
@@ -5,10 +5,10 @@
     <p:sldMasterId id="2147483648" r:id="rId4"/>
   </p:sldMasterIdLst>
   <p:notesMasterIdLst>
-    <p:notesMasterId r:id="rId33"/>
+    <p:notesMasterId r:id="rId35"/>
   </p:notesMasterIdLst>
   <p:handoutMasterIdLst>
-    <p:handoutMasterId r:id="rId34"/>
+    <p:handoutMasterId r:id="rId36"/>
   </p:handoutMasterIdLst>
   <p:sldIdLst>
     <p:sldId id="284" r:id="rId5"/>
@@ -35,10 +35,12 @@
     <p:sldId id="566" r:id="rId26"/>
     <p:sldId id="319" r:id="rId27"/>
     <p:sldId id="493" r:id="rId28"/>
-    <p:sldId id="311" r:id="rId29"/>
+    <p:sldId id="575" r:id="rId29"/>
     <p:sldId id="573" r:id="rId30"/>
     <p:sldId id="574" r:id="rId31"/>
-    <p:sldId id="277" r:id="rId32"/>
+    <p:sldId id="576" r:id="rId32"/>
+    <p:sldId id="577" r:id="rId33"/>
+    <p:sldId id="277" r:id="rId34"/>
   </p:sldIdLst>
   <p:sldSz cx="9144000" cy="6858000" type="screen4x3"/>
   <p:notesSz cx="6858000" cy="9144000"/>
@@ -6851,753 +6853,6 @@
 </file>
 
 <file path=ppt/diagrams/colors8.xml><?xml version="1.0" encoding="utf-8"?>
-<dgm:colorsDef xmlns:dgm="http://schemas.openxmlformats.org/drawingml/2006/diagram" xmlns:a="http://schemas.openxmlformats.org/drawingml/2006/main" uniqueId="urn:microsoft.com/office/officeart/2005/8/colors/accent1_2">
-  <dgm:title val=""/>
-  <dgm:desc val=""/>
-  <dgm:catLst>
-    <dgm:cat type="accent1" pri="11200"/>
-  </dgm:catLst>
-  <dgm:styleLbl name="node0">
-    <dgm:fillClrLst meth="repeat">
-      <a:schemeClr val="accent1"/>
-    </dgm:fillClrLst>
-    <dgm:linClrLst meth="repeat">
-      <a:schemeClr val="lt1"/>
-    </dgm:linClrLst>
-    <dgm:effectClrLst/>
-    <dgm:txLinClrLst/>
-    <dgm:txFillClrLst/>
-    <dgm:txEffectClrLst/>
-  </dgm:styleLbl>
-  <dgm:styleLbl name="alignNode1">
-    <dgm:fillClrLst meth="repeat">
-      <a:schemeClr val="accent1"/>
-    </dgm:fillClrLst>
-    <dgm:linClrLst meth="repeat">
-      <a:schemeClr val="accent1"/>
-    </dgm:linClrLst>
-    <dgm:effectClrLst/>
-    <dgm:txLinClrLst/>
-    <dgm:txFillClrLst/>
-    <dgm:txEffectClrLst/>
-  </dgm:styleLbl>
-  <dgm:styleLbl name="node1">
-    <dgm:fillClrLst meth="repeat">
-      <a:schemeClr val="accent1"/>
-    </dgm:fillClrLst>
-    <dgm:linClrLst meth="repeat">
-      <a:schemeClr val="lt1"/>
-    </dgm:linClrLst>
-    <dgm:effectClrLst/>
-    <dgm:txLinClrLst/>
-    <dgm:txFillClrLst/>
-    <dgm:txEffectClrLst/>
-  </dgm:styleLbl>
-  <dgm:styleLbl name="lnNode1">
-    <dgm:fillClrLst meth="repeat">
-      <a:schemeClr val="accent1"/>
-    </dgm:fillClrLst>
-    <dgm:linClrLst meth="repeat">
-      <a:schemeClr val="lt1"/>
-    </dgm:linClrLst>
-    <dgm:effectClrLst/>
-    <dgm:txLinClrLst/>
-    <dgm:txFillClrLst/>
-    <dgm:txEffectClrLst/>
-  </dgm:styleLbl>
-  <dgm:styleLbl name="vennNode1">
-    <dgm:fillClrLst meth="repeat">
-      <a:schemeClr val="accent1">
-        <a:alpha val="50000"/>
-      </a:schemeClr>
-    </dgm:fillClrLst>
-    <dgm:linClrLst meth="repeat">
-      <a:schemeClr val="lt1"/>
-    </dgm:linClrLst>
-    <dgm:effectClrLst/>
-    <dgm:txLinClrLst/>
-    <dgm:txFillClrLst/>
-    <dgm:txEffectClrLst/>
-  </dgm:styleLbl>
-  <dgm:styleLbl name="node2">
-    <dgm:fillClrLst meth="repeat">
-      <a:schemeClr val="accent1"/>
-    </dgm:fillClrLst>
-    <dgm:linClrLst meth="repeat">
-      <a:schemeClr val="lt1"/>
-    </dgm:linClrLst>
-    <dgm:effectClrLst/>
-    <dgm:txLinClrLst/>
-    <dgm:txFillClrLst/>
-    <dgm:txEffectClrLst/>
-  </dgm:styleLbl>
-  <dgm:styleLbl name="node3">
-    <dgm:fillClrLst meth="repeat">
-      <a:schemeClr val="accent1"/>
-    </dgm:fillClrLst>
-    <dgm:linClrLst meth="repeat">
-      <a:schemeClr val="lt1"/>
-    </dgm:linClrLst>
-    <dgm:effectClrLst/>
-    <dgm:txLinClrLst/>
-    <dgm:txFillClrLst/>
-    <dgm:txEffectClrLst/>
-  </dgm:styleLbl>
-  <dgm:styleLbl name="node4">
-    <dgm:fillClrLst meth="repeat">
-      <a:schemeClr val="accent1"/>
-    </dgm:fillClrLst>
-    <dgm:linClrLst meth="repeat">
-      <a:schemeClr val="lt1"/>
-    </dgm:linClrLst>
-    <dgm:effectClrLst/>
-    <dgm:txLinClrLst/>
-    <dgm:txFillClrLst/>
-    <dgm:txEffectClrLst/>
-  </dgm:styleLbl>
-  <dgm:styleLbl name="fgImgPlace1">
-    <dgm:fillClrLst meth="repeat">
-      <a:schemeClr val="accent1">
-        <a:tint val="50000"/>
-      </a:schemeClr>
-    </dgm:fillClrLst>
-    <dgm:linClrLst meth="repeat">
-      <a:schemeClr val="lt1"/>
-    </dgm:linClrLst>
-    <dgm:effectClrLst/>
-    <dgm:txLinClrLst/>
-    <dgm:txFillClrLst meth="repeat">
-      <a:schemeClr val="lt1"/>
-    </dgm:txFillClrLst>
-    <dgm:txEffectClrLst/>
-  </dgm:styleLbl>
-  <dgm:styleLbl name="alignImgPlace1">
-    <dgm:fillClrLst meth="repeat">
-      <a:schemeClr val="accent1">
-        <a:tint val="50000"/>
-      </a:schemeClr>
-    </dgm:fillClrLst>
-    <dgm:linClrLst meth="repeat">
-      <a:schemeClr val="lt1"/>
-    </dgm:linClrLst>
-    <dgm:effectClrLst/>
-    <dgm:txLinClrLst/>
-    <dgm:txFillClrLst meth="repeat">
-      <a:schemeClr val="lt1"/>
-    </dgm:txFillClrLst>
-    <dgm:txEffectClrLst/>
-  </dgm:styleLbl>
-  <dgm:styleLbl name="bgImgPlace1">
-    <dgm:fillClrLst meth="repeat">
-      <a:schemeClr val="accent1">
-        <a:tint val="50000"/>
-      </a:schemeClr>
-    </dgm:fillClrLst>
-    <dgm:linClrLst meth="repeat">
-      <a:schemeClr val="lt1"/>
-    </dgm:linClrLst>
-    <dgm:effectClrLst/>
-    <dgm:txLinClrLst/>
-    <dgm:txFillClrLst meth="repeat">
-      <a:schemeClr val="lt1"/>
-    </dgm:txFillClrLst>
-    <dgm:txEffectClrLst/>
-  </dgm:styleLbl>
-  <dgm:styleLbl name="sibTrans2D1">
-    <dgm:fillClrLst meth="repeat">
-      <a:schemeClr val="accent1">
-        <a:tint val="60000"/>
-      </a:schemeClr>
-    </dgm:fillClrLst>
-    <dgm:linClrLst meth="repeat">
-      <a:schemeClr val="accent1">
-        <a:tint val="60000"/>
-      </a:schemeClr>
-    </dgm:linClrLst>
-    <dgm:effectClrLst/>
-    <dgm:txLinClrLst/>
-    <dgm:txFillClrLst/>
-    <dgm:txEffectClrLst/>
-  </dgm:styleLbl>
-  <dgm:styleLbl name="fgSibTrans2D1">
-    <dgm:fillClrLst meth="repeat">
-      <a:schemeClr val="accent1">
-        <a:tint val="60000"/>
-      </a:schemeClr>
-    </dgm:fillClrLst>
-    <dgm:linClrLst meth="repeat">
-      <a:schemeClr val="accent1">
-        <a:tint val="60000"/>
-      </a:schemeClr>
-    </dgm:linClrLst>
-    <dgm:effectClrLst/>
-    <dgm:txLinClrLst/>
-    <dgm:txFillClrLst/>
-    <dgm:txEffectClrLst/>
-  </dgm:styleLbl>
-  <dgm:styleLbl name="bgSibTrans2D1">
-    <dgm:fillClrLst meth="repeat">
-      <a:schemeClr val="accent1">
-        <a:tint val="60000"/>
-      </a:schemeClr>
-    </dgm:fillClrLst>
-    <dgm:linClrLst meth="repeat">
-      <a:schemeClr val="accent1">
-        <a:tint val="60000"/>
-      </a:schemeClr>
-    </dgm:linClrLst>
-    <dgm:effectClrLst/>
-    <dgm:txLinClrLst/>
-    <dgm:txFillClrLst/>
-    <dgm:txEffectClrLst/>
-  </dgm:styleLbl>
-  <dgm:styleLbl name="sibTrans1D1">
-    <dgm:fillClrLst meth="repeat">
-      <a:schemeClr val="accent1"/>
-    </dgm:fillClrLst>
-    <dgm:linClrLst meth="repeat">
-      <a:schemeClr val="accent1"/>
-    </dgm:linClrLst>
-    <dgm:effectClrLst/>
-    <dgm:txLinClrLst/>
-    <dgm:txFillClrLst meth="repeat">
-      <a:schemeClr val="tx1"/>
-    </dgm:txFillClrLst>
-    <dgm:txEffectClrLst/>
-  </dgm:styleLbl>
-  <dgm:styleLbl name="callout">
-    <dgm:fillClrLst meth="repeat">
-      <a:schemeClr val="accent1"/>
-    </dgm:fillClrLst>
-    <dgm:linClrLst meth="repeat">
-      <a:schemeClr val="accent1">
-        <a:tint val="50000"/>
-      </a:schemeClr>
-    </dgm:linClrLst>
-    <dgm:effectClrLst/>
-    <dgm:txLinClrLst/>
-    <dgm:txFillClrLst meth="repeat">
-      <a:schemeClr val="tx1"/>
-    </dgm:txFillClrLst>
-    <dgm:txEffectClrLst/>
-  </dgm:styleLbl>
-  <dgm:styleLbl name="asst0">
-    <dgm:fillClrLst meth="repeat">
-      <a:schemeClr val="accent1"/>
-    </dgm:fillClrLst>
-    <dgm:linClrLst meth="repeat">
-      <a:schemeClr val="lt1"/>
-    </dgm:linClrLst>
-    <dgm:effectClrLst/>
-    <dgm:txLinClrLst/>
-    <dgm:txFillClrLst/>
-    <dgm:txEffectClrLst/>
-  </dgm:styleLbl>
-  <dgm:styleLbl name="asst1">
-    <dgm:fillClrLst meth="repeat">
-      <a:schemeClr val="accent1"/>
-    </dgm:fillClrLst>
-    <dgm:linClrLst meth="repeat">
-      <a:schemeClr val="lt1"/>
-    </dgm:linClrLst>
-    <dgm:effectClrLst/>
-    <dgm:txLinClrLst/>
-    <dgm:txFillClrLst/>
-    <dgm:txEffectClrLst/>
-  </dgm:styleLbl>
-  <dgm:styleLbl name="asst2">
-    <dgm:fillClrLst meth="repeat">
-      <a:schemeClr val="accent1"/>
-    </dgm:fillClrLst>
-    <dgm:linClrLst meth="repeat">
-      <a:schemeClr val="lt1"/>
-    </dgm:linClrLst>
-    <dgm:effectClrLst/>
-    <dgm:txLinClrLst/>
-    <dgm:txFillClrLst/>
-    <dgm:txEffectClrLst/>
-  </dgm:styleLbl>
-  <dgm:styleLbl name="asst3">
-    <dgm:fillClrLst meth="repeat">
-      <a:schemeClr val="accent1"/>
-    </dgm:fillClrLst>
-    <dgm:linClrLst meth="repeat">
-      <a:schemeClr val="lt1"/>
-    </dgm:linClrLst>
-    <dgm:effectClrLst/>
-    <dgm:txLinClrLst/>
-    <dgm:txFillClrLst/>
-    <dgm:txEffectClrLst/>
-  </dgm:styleLbl>
-  <dgm:styleLbl name="asst4">
-    <dgm:fillClrLst meth="repeat">
-      <a:schemeClr val="accent1"/>
-    </dgm:fillClrLst>
-    <dgm:linClrLst meth="repeat">
-      <a:schemeClr val="lt1"/>
-    </dgm:linClrLst>
-    <dgm:effectClrLst/>
-    <dgm:txLinClrLst/>
-    <dgm:txFillClrLst/>
-    <dgm:txEffectClrLst/>
-  </dgm:styleLbl>
-  <dgm:styleLbl name="parChTrans2D1">
-    <dgm:fillClrLst meth="repeat">
-      <a:schemeClr val="accent1">
-        <a:tint val="60000"/>
-      </a:schemeClr>
-    </dgm:fillClrLst>
-    <dgm:linClrLst meth="repeat">
-      <a:schemeClr val="accent1">
-        <a:tint val="60000"/>
-      </a:schemeClr>
-    </dgm:linClrLst>
-    <dgm:effectClrLst/>
-    <dgm:txLinClrLst/>
-    <dgm:txFillClrLst meth="repeat">
-      <a:schemeClr val="lt1"/>
-    </dgm:txFillClrLst>
-    <dgm:txEffectClrLst/>
-  </dgm:styleLbl>
-  <dgm:styleLbl name="parChTrans2D2">
-    <dgm:fillClrLst meth="repeat">
-      <a:schemeClr val="accent1"/>
-    </dgm:fillClrLst>
-    <dgm:linClrLst meth="repeat">
-      <a:schemeClr val="accent1"/>
-    </dgm:linClrLst>
-    <dgm:effectClrLst/>
-    <dgm:txLinClrLst/>
-    <dgm:txFillClrLst meth="repeat">
-      <a:schemeClr val="lt1"/>
-    </dgm:txFillClrLst>
-    <dgm:txEffectClrLst/>
-  </dgm:styleLbl>
-  <dgm:styleLbl name="parChTrans2D3">
-    <dgm:fillClrLst meth="repeat">
-      <a:schemeClr val="accent1"/>
-    </dgm:fillClrLst>
-    <dgm:linClrLst meth="repeat">
-      <a:schemeClr val="accent1"/>
-    </dgm:linClrLst>
-    <dgm:effectClrLst/>
-    <dgm:txLinClrLst/>
-    <dgm:txFillClrLst meth="repeat">
-      <a:schemeClr val="lt1"/>
-    </dgm:txFillClrLst>
-    <dgm:txEffectClrLst/>
-  </dgm:styleLbl>
-  <dgm:styleLbl name="parChTrans2D4">
-    <dgm:fillClrLst meth="repeat">
-      <a:schemeClr val="accent1"/>
-    </dgm:fillClrLst>
-    <dgm:linClrLst meth="repeat">
-      <a:schemeClr val="accent1"/>
-    </dgm:linClrLst>
-    <dgm:effectClrLst/>
-    <dgm:txLinClrLst/>
-    <dgm:txFillClrLst meth="repeat">
-      <a:schemeClr val="lt1"/>
-    </dgm:txFillClrLst>
-    <dgm:txEffectClrLst/>
-  </dgm:styleLbl>
-  <dgm:styleLbl name="parChTrans1D1">
-    <dgm:fillClrLst meth="repeat">
-      <a:schemeClr val="accent1"/>
-    </dgm:fillClrLst>
-    <dgm:linClrLst meth="repeat">
-      <a:schemeClr val="accent1">
-        <a:shade val="60000"/>
-      </a:schemeClr>
-    </dgm:linClrLst>
-    <dgm:effectClrLst/>
-    <dgm:txLinClrLst/>
-    <dgm:txFillClrLst meth="repeat">
-      <a:schemeClr val="tx1"/>
-    </dgm:txFillClrLst>
-    <dgm:txEffectClrLst/>
-  </dgm:styleLbl>
-  <dgm:styleLbl name="parChTrans1D2">
-    <dgm:fillClrLst meth="repeat">
-      <a:schemeClr val="accent1"/>
-    </dgm:fillClrLst>
-    <dgm:linClrLst meth="repeat">
-      <a:schemeClr val="accent1">
-        <a:shade val="60000"/>
-      </a:schemeClr>
-    </dgm:linClrLst>
-    <dgm:effectClrLst/>
-    <dgm:txLinClrLst/>
-    <dgm:txFillClrLst meth="repeat">
-      <a:schemeClr val="tx1"/>
-    </dgm:txFillClrLst>
-    <dgm:txEffectClrLst/>
-  </dgm:styleLbl>
-  <dgm:styleLbl name="parChTrans1D3">
-    <dgm:fillClrLst meth="repeat">
-      <a:schemeClr val="accent1"/>
-    </dgm:fillClrLst>
-    <dgm:linClrLst meth="repeat">
-      <a:schemeClr val="accent1">
-        <a:shade val="80000"/>
-      </a:schemeClr>
-    </dgm:linClrLst>
-    <dgm:effectClrLst/>
-    <dgm:txLinClrLst/>
-    <dgm:txFillClrLst meth="repeat">
-      <a:schemeClr val="tx1"/>
-    </dgm:txFillClrLst>
-    <dgm:txEffectClrLst/>
-  </dgm:styleLbl>
-  <dgm:styleLbl name="parChTrans1D4">
-    <dgm:fillClrLst meth="repeat">
-      <a:schemeClr val="accent1"/>
-    </dgm:fillClrLst>
-    <dgm:linClrLst meth="repeat">
-      <a:schemeClr val="accent1">
-        <a:shade val="80000"/>
-      </a:schemeClr>
-    </dgm:linClrLst>
-    <dgm:effectClrLst/>
-    <dgm:txLinClrLst/>
-    <dgm:txFillClrLst meth="repeat">
-      <a:schemeClr val="tx1"/>
-    </dgm:txFillClrLst>
-    <dgm:txEffectClrLst/>
-  </dgm:styleLbl>
-  <dgm:styleLbl name="fgAcc1">
-    <dgm:fillClrLst meth="repeat">
-      <a:schemeClr val="lt1">
-        <a:alpha val="90000"/>
-      </a:schemeClr>
-    </dgm:fillClrLst>
-    <dgm:linClrLst meth="repeat">
-      <a:schemeClr val="accent1"/>
-    </dgm:linClrLst>
-    <dgm:effectClrLst/>
-    <dgm:txLinClrLst/>
-    <dgm:txFillClrLst meth="repeat">
-      <a:schemeClr val="dk1"/>
-    </dgm:txFillClrLst>
-    <dgm:txEffectClrLst/>
-  </dgm:styleLbl>
-  <dgm:styleLbl name="conFgAcc1">
-    <dgm:fillClrLst meth="repeat">
-      <a:schemeClr val="lt1">
-        <a:alpha val="90000"/>
-      </a:schemeClr>
-    </dgm:fillClrLst>
-    <dgm:linClrLst meth="repeat">
-      <a:schemeClr val="accent1"/>
-    </dgm:linClrLst>
-    <dgm:effectClrLst/>
-    <dgm:txLinClrLst/>
-    <dgm:txFillClrLst meth="repeat">
-      <a:schemeClr val="dk1"/>
-    </dgm:txFillClrLst>
-    <dgm:txEffectClrLst/>
-  </dgm:styleLbl>
-  <dgm:styleLbl name="alignAcc1">
-    <dgm:fillClrLst meth="repeat">
-      <a:schemeClr val="lt1">
-        <a:alpha val="90000"/>
-      </a:schemeClr>
-    </dgm:fillClrLst>
-    <dgm:linClrLst meth="repeat">
-      <a:schemeClr val="accent1"/>
-    </dgm:linClrLst>
-    <dgm:effectClrLst/>
-    <dgm:txLinClrLst/>
-    <dgm:txFillClrLst meth="repeat">
-      <a:schemeClr val="dk1"/>
-    </dgm:txFillClrLst>
-    <dgm:txEffectClrLst/>
-  </dgm:styleLbl>
-  <dgm:styleLbl name="trAlignAcc1">
-    <dgm:fillClrLst meth="repeat">
-      <a:schemeClr val="lt1">
-        <a:alpha val="40000"/>
-      </a:schemeClr>
-    </dgm:fillClrLst>
-    <dgm:linClrLst meth="repeat">
-      <a:schemeClr val="accent1"/>
-    </dgm:linClrLst>
-    <dgm:effectClrLst/>
-    <dgm:txLinClrLst/>
-    <dgm:txFillClrLst meth="repeat">
-      <a:schemeClr val="dk1"/>
-    </dgm:txFillClrLst>
-    <dgm:txEffectClrLst/>
-  </dgm:styleLbl>
-  <dgm:styleLbl name="bgAcc1">
-    <dgm:fillClrLst meth="repeat">
-      <a:schemeClr val="lt1">
-        <a:alpha val="90000"/>
-      </a:schemeClr>
-    </dgm:fillClrLst>
-    <dgm:linClrLst meth="repeat">
-      <a:schemeClr val="accent1"/>
-    </dgm:linClrLst>
-    <dgm:effectClrLst/>
-    <dgm:txLinClrLst/>
-    <dgm:txFillClrLst meth="repeat">
-      <a:schemeClr val="dk1"/>
-    </dgm:txFillClrLst>
-    <dgm:txEffectClrLst/>
-  </dgm:styleLbl>
-  <dgm:styleLbl name="solidFgAcc1">
-    <dgm:fillClrLst meth="repeat">
-      <a:schemeClr val="lt1"/>
-    </dgm:fillClrLst>
-    <dgm:linClrLst meth="repeat">
-      <a:schemeClr val="accent1"/>
-    </dgm:linClrLst>
-    <dgm:effectClrLst/>
-    <dgm:txLinClrLst/>
-    <dgm:txFillClrLst meth="repeat">
-      <a:schemeClr val="dk1"/>
-    </dgm:txFillClrLst>
-    <dgm:txEffectClrLst/>
-  </dgm:styleLbl>
-  <dgm:styleLbl name="solidAlignAcc1">
-    <dgm:fillClrLst meth="repeat">
-      <a:schemeClr val="lt1"/>
-    </dgm:fillClrLst>
-    <dgm:linClrLst meth="repeat">
-      <a:schemeClr val="accent1"/>
-    </dgm:linClrLst>
-    <dgm:effectClrLst/>
-    <dgm:txLinClrLst/>
-    <dgm:txFillClrLst meth="repeat">
-      <a:schemeClr val="dk1"/>
-    </dgm:txFillClrLst>
-    <dgm:txEffectClrLst/>
-  </dgm:styleLbl>
-  <dgm:styleLbl name="solidBgAcc1">
-    <dgm:fillClrLst meth="repeat">
-      <a:schemeClr val="lt1"/>
-    </dgm:fillClrLst>
-    <dgm:linClrLst meth="repeat">
-      <a:schemeClr val="accent1"/>
-    </dgm:linClrLst>
-    <dgm:effectClrLst/>
-    <dgm:txLinClrLst/>
-    <dgm:txFillClrLst meth="repeat">
-      <a:schemeClr val="dk1"/>
-    </dgm:txFillClrLst>
-    <dgm:txEffectClrLst/>
-  </dgm:styleLbl>
-  <dgm:styleLbl name="fgAccFollowNode1">
-    <dgm:fillClrLst meth="repeat">
-      <a:schemeClr val="accent1">
-        <a:alpha val="90000"/>
-        <a:tint val="40000"/>
-      </a:schemeClr>
-    </dgm:fillClrLst>
-    <dgm:linClrLst meth="repeat">
-      <a:schemeClr val="accent1">
-        <a:alpha val="90000"/>
-        <a:tint val="40000"/>
-      </a:schemeClr>
-    </dgm:linClrLst>
-    <dgm:effectClrLst/>
-    <dgm:txLinClrLst/>
-    <dgm:txFillClrLst meth="repeat">
-      <a:schemeClr val="dk1"/>
-    </dgm:txFillClrLst>
-    <dgm:txEffectClrLst/>
-  </dgm:styleLbl>
-  <dgm:styleLbl name="alignAccFollowNode1">
-    <dgm:fillClrLst meth="repeat">
-      <a:schemeClr val="accent1">
-        <a:alpha val="90000"/>
-        <a:tint val="40000"/>
-      </a:schemeClr>
-    </dgm:fillClrLst>
-    <dgm:linClrLst meth="repeat">
-      <a:schemeClr val="accent1">
-        <a:alpha val="90000"/>
-        <a:tint val="40000"/>
-      </a:schemeClr>
-    </dgm:linClrLst>
-    <dgm:effectClrLst/>
-    <dgm:txLinClrLst/>
-    <dgm:txFillClrLst meth="repeat">
-      <a:schemeClr val="dk1"/>
-    </dgm:txFillClrLst>
-    <dgm:txEffectClrLst/>
-  </dgm:styleLbl>
-  <dgm:styleLbl name="bgAccFollowNode1">
-    <dgm:fillClrLst meth="repeat">
-      <a:schemeClr val="accent1">
-        <a:alpha val="90000"/>
-        <a:tint val="40000"/>
-      </a:schemeClr>
-    </dgm:fillClrLst>
-    <dgm:linClrLst meth="repeat">
-      <a:schemeClr val="accent1">
-        <a:alpha val="90000"/>
-        <a:tint val="40000"/>
-      </a:schemeClr>
-    </dgm:linClrLst>
-    <dgm:effectClrLst/>
-    <dgm:txLinClrLst/>
-    <dgm:txFillClrLst meth="repeat">
-      <a:schemeClr val="dk1"/>
-    </dgm:txFillClrLst>
-    <dgm:txEffectClrLst/>
-  </dgm:styleLbl>
-  <dgm:styleLbl name="fgAcc0">
-    <dgm:fillClrLst meth="repeat">
-      <a:schemeClr val="lt1">
-        <a:alpha val="90000"/>
-      </a:schemeClr>
-    </dgm:fillClrLst>
-    <dgm:linClrLst meth="repeat">
-      <a:schemeClr val="accent1"/>
-    </dgm:linClrLst>
-    <dgm:effectClrLst/>
-    <dgm:txLinClrLst/>
-    <dgm:txFillClrLst meth="repeat">
-      <a:schemeClr val="dk1"/>
-    </dgm:txFillClrLst>
-    <dgm:txEffectClrLst/>
-  </dgm:styleLbl>
-  <dgm:styleLbl name="fgAcc2">
-    <dgm:fillClrLst meth="repeat">
-      <a:schemeClr val="lt1">
-        <a:alpha val="90000"/>
-      </a:schemeClr>
-    </dgm:fillClrLst>
-    <dgm:linClrLst meth="repeat">
-      <a:schemeClr val="accent1"/>
-    </dgm:linClrLst>
-    <dgm:effectClrLst/>
-    <dgm:txLinClrLst/>
-    <dgm:txFillClrLst meth="repeat">
-      <a:schemeClr val="dk1"/>
-    </dgm:txFillClrLst>
-    <dgm:txEffectClrLst/>
-  </dgm:styleLbl>
-  <dgm:styleLbl name="fgAcc3">
-    <dgm:fillClrLst meth="repeat">
-      <a:schemeClr val="lt1">
-        <a:alpha val="90000"/>
-      </a:schemeClr>
-    </dgm:fillClrLst>
-    <dgm:linClrLst meth="repeat">
-      <a:schemeClr val="accent1"/>
-    </dgm:linClrLst>
-    <dgm:effectClrLst/>
-    <dgm:txLinClrLst/>
-    <dgm:txFillClrLst meth="repeat">
-      <a:schemeClr val="dk1"/>
-    </dgm:txFillClrLst>
-    <dgm:txEffectClrLst/>
-  </dgm:styleLbl>
-  <dgm:styleLbl name="fgAcc4">
-    <dgm:fillClrLst meth="repeat">
-      <a:schemeClr val="lt1">
-        <a:alpha val="90000"/>
-      </a:schemeClr>
-    </dgm:fillClrLst>
-    <dgm:linClrLst meth="repeat">
-      <a:schemeClr val="accent1"/>
-    </dgm:linClrLst>
-    <dgm:effectClrLst/>
-    <dgm:txLinClrLst/>
-    <dgm:txFillClrLst meth="repeat">
-      <a:schemeClr val="dk1"/>
-    </dgm:txFillClrLst>
-    <dgm:txEffectClrLst/>
-  </dgm:styleLbl>
-  <dgm:styleLbl name="bgShp">
-    <dgm:fillClrLst meth="repeat">
-      <a:schemeClr val="accent1">
-        <a:tint val="40000"/>
-      </a:schemeClr>
-    </dgm:fillClrLst>
-    <dgm:linClrLst meth="repeat">
-      <a:schemeClr val="accent1"/>
-    </dgm:linClrLst>
-    <dgm:effectClrLst/>
-    <dgm:txLinClrLst/>
-    <dgm:txFillClrLst meth="repeat">
-      <a:schemeClr val="dk1"/>
-    </dgm:txFillClrLst>
-    <dgm:txEffectClrLst/>
-  </dgm:styleLbl>
-  <dgm:styleLbl name="dkBgShp">
-    <dgm:fillClrLst meth="repeat">
-      <a:schemeClr val="accent1">
-        <a:shade val="80000"/>
-      </a:schemeClr>
-    </dgm:fillClrLst>
-    <dgm:linClrLst meth="repeat">
-      <a:schemeClr val="accent1"/>
-    </dgm:linClrLst>
-    <dgm:effectClrLst/>
-    <dgm:txLinClrLst/>
-    <dgm:txFillClrLst meth="repeat">
-      <a:schemeClr val="lt1"/>
-    </dgm:txFillClrLst>
-    <dgm:txEffectClrLst/>
-  </dgm:styleLbl>
-  <dgm:styleLbl name="trBgShp">
-    <dgm:fillClrLst meth="repeat">
-      <a:schemeClr val="accent1">
-        <a:tint val="50000"/>
-        <a:alpha val="40000"/>
-      </a:schemeClr>
-    </dgm:fillClrLst>
-    <dgm:linClrLst meth="repeat">
-      <a:schemeClr val="accent1"/>
-    </dgm:linClrLst>
-    <dgm:effectClrLst/>
-    <dgm:txLinClrLst/>
-    <dgm:txFillClrLst meth="repeat">
-      <a:schemeClr val="lt1"/>
-    </dgm:txFillClrLst>
-    <dgm:txEffectClrLst/>
-  </dgm:styleLbl>
-  <dgm:styleLbl name="fgShp">
-    <dgm:fillClrLst meth="repeat">
-      <a:schemeClr val="accent1">
-        <a:tint val="60000"/>
-      </a:schemeClr>
-    </dgm:fillClrLst>
-    <dgm:linClrLst meth="repeat">
-      <a:schemeClr val="lt1"/>
-    </dgm:linClrLst>
-    <dgm:effectClrLst/>
-    <dgm:txLinClrLst/>
-    <dgm:txFillClrLst meth="repeat">
-      <a:schemeClr val="dk1"/>
-    </dgm:txFillClrLst>
-    <dgm:txEffectClrLst/>
-  </dgm:styleLbl>
-  <dgm:styleLbl name="revTx">
-    <dgm:fillClrLst meth="repeat">
-      <a:schemeClr val="lt1">
-        <a:alpha val="0"/>
-      </a:schemeClr>
-    </dgm:fillClrLst>
-    <dgm:linClrLst meth="repeat">
-      <a:schemeClr val="dk1">
-        <a:alpha val="0"/>
-      </a:schemeClr>
-    </dgm:linClrLst>
-    <dgm:effectClrLst/>
-    <dgm:txLinClrLst/>
-    <dgm:txFillClrLst meth="repeat">
-      <a:schemeClr val="tx1"/>
-    </dgm:txFillClrLst>
-    <dgm:txEffectClrLst/>
-  </dgm:styleLbl>
-</dgm:colorsDef>
-</file>
-
-<file path=ppt/diagrams/colors9.xml><?xml version="1.0" encoding="utf-8"?>
 <dgm:colorsDef xmlns:dgm="http://schemas.openxmlformats.org/drawingml/2006/diagram" xmlns:a="http://schemas.openxmlformats.org/drawingml/2006/main" uniqueId="urn:microsoft.com/office/officeart/2005/8/colors/accent1_2">
   <dgm:title val=""/>
   <dgm:desc val=""/>
@@ -11227,681 +10482,6 @@
     <dgm:cxn modelId="{A76FD5FA-C826-4978-9F3C-6E29B45361E9}" type="presParOf" srcId="{56075C8B-6FD5-4DFF-9C89-9A6792380E77}" destId="{F51064E4-7099-457D-B04B-A1A2089938CA}" srcOrd="3" destOrd="0" presId="urn:microsoft.com/office/officeart/2005/8/layout/pyramid2"/>
     <dgm:cxn modelId="{C104FAD4-2944-4F39-94DA-18049AADF136}" type="presParOf" srcId="{56075C8B-6FD5-4DFF-9C89-9A6792380E77}" destId="{71558CB5-B5EB-4421-AFA5-0B4C3BDB6ED6}" srcOrd="4" destOrd="0" presId="urn:microsoft.com/office/officeart/2005/8/layout/pyramid2"/>
     <dgm:cxn modelId="{94C4EB82-C79E-4088-89C6-AF935A6B21D2}" type="presParOf" srcId="{56075C8B-6FD5-4DFF-9C89-9A6792380E77}" destId="{A7B0249F-9A98-4091-99B2-5F986C612D0F}" srcOrd="5" destOrd="0" presId="urn:microsoft.com/office/officeart/2005/8/layout/pyramid2"/>
-  </dgm:cxnLst>
-  <dgm:bg/>
-  <dgm:whole/>
-  <dgm:extLst>
-    <a:ext uri="http://schemas.microsoft.com/office/drawing/2008/diagram">
-      <dsp:dataModelExt xmlns:dsp="http://schemas.microsoft.com/office/drawing/2008/diagram" relId="rId7" minVer="http://schemas.openxmlformats.org/drawingml/2006/diagram"/>
-    </a:ext>
-  </dgm:extLst>
-</dgm:dataModel>
-</file>
-
-<file path=ppt/diagrams/data9.xml><?xml version="1.0" encoding="utf-8"?>
-<dgm:dataModel xmlns:dgm="http://schemas.openxmlformats.org/drawingml/2006/diagram" xmlns:a="http://schemas.openxmlformats.org/drawingml/2006/main">
-  <dgm:ptLst>
-    <dgm:pt modelId="{033D946D-273E-4821-B540-E668B6FC766C}" type="doc">
-      <dgm:prSet loTypeId="urn:microsoft.com/office/officeart/2005/8/layout/StepDownProcess" loCatId="process" qsTypeId="urn:microsoft.com/office/officeart/2005/8/quickstyle/simple1" qsCatId="simple" csTypeId="urn:microsoft.com/office/officeart/2005/8/colors/accent1_2" csCatId="accent1" phldr="1"/>
-      <dgm:spPr/>
-      <dgm:t>
-        <a:bodyPr/>
-        <a:lstStyle/>
-        <a:p>
-          <a:endParaRPr lang="nl-BE"/>
-        </a:p>
-      </dgm:t>
-    </dgm:pt>
-    <dgm:pt modelId="{39E1F9EF-3BDA-4BBC-A20D-D24CA636831E}">
-      <dgm:prSet phldrT="[Text]"/>
-      <dgm:spPr/>
-      <dgm:t>
-        <a:bodyPr/>
-        <a:lstStyle/>
-        <a:p>
-          <a:r>
-            <a:rPr lang="en-GB" noProof="0"/>
-            <a:t>Used</a:t>
-          </a:r>
-          <a:r>
-            <a:rPr lang="nl-BE"/>
-            <a:t> by Threat Actor?</a:t>
-          </a:r>
-        </a:p>
-      </dgm:t>
-    </dgm:pt>
-    <dgm:pt modelId="{6289ECBE-8043-4A22-88A4-C31826B44D8F}" type="parTrans" cxnId="{18B51947-11EE-44E7-9686-6D87305B5D18}">
-      <dgm:prSet/>
-      <dgm:spPr/>
-      <dgm:t>
-        <a:bodyPr/>
-        <a:lstStyle/>
-        <a:p>
-          <a:endParaRPr lang="nl-BE"/>
-        </a:p>
-      </dgm:t>
-    </dgm:pt>
-    <dgm:pt modelId="{FE82AD56-DF5E-443E-9218-6CD688DAE83A}" type="sibTrans" cxnId="{18B51947-11EE-44E7-9686-6D87305B5D18}">
-      <dgm:prSet/>
-      <dgm:spPr/>
-      <dgm:t>
-        <a:bodyPr/>
-        <a:lstStyle/>
-        <a:p>
-          <a:endParaRPr lang="nl-BE"/>
-        </a:p>
-      </dgm:t>
-    </dgm:pt>
-    <dgm:pt modelId="{235593BE-F113-46DD-84B8-F572A24A3E4D}">
-      <dgm:prSet phldrT="[Text]"/>
-      <dgm:spPr/>
-      <dgm:t>
-        <a:bodyPr/>
-        <a:lstStyle/>
-        <a:p>
-          <a:r>
-            <a:rPr lang="nl-BE"/>
-            <a:t>Based on MITRE ATT&amp;CK</a:t>
-          </a:r>
-        </a:p>
-      </dgm:t>
-    </dgm:pt>
-    <dgm:pt modelId="{CCB2F79E-56D2-4B75-913D-054943E2B2EE}" type="parTrans" cxnId="{7E309DF9-DFD9-44F8-97B7-7D169FD7661F}">
-      <dgm:prSet/>
-      <dgm:spPr/>
-      <dgm:t>
-        <a:bodyPr/>
-        <a:lstStyle/>
-        <a:p>
-          <a:endParaRPr lang="nl-BE"/>
-        </a:p>
-      </dgm:t>
-    </dgm:pt>
-    <dgm:pt modelId="{AE37E2E5-41A2-4BBB-BB5A-F3959CFDA749}" type="sibTrans" cxnId="{7E309DF9-DFD9-44F8-97B7-7D169FD7661F}">
-      <dgm:prSet/>
-      <dgm:spPr/>
-      <dgm:t>
-        <a:bodyPr/>
-        <a:lstStyle/>
-        <a:p>
-          <a:endParaRPr lang="nl-BE"/>
-        </a:p>
-      </dgm:t>
-    </dgm:pt>
-    <dgm:pt modelId="{D080D021-00CA-4AB4-A326-6F566D5E9BF4}">
-      <dgm:prSet phldrT="[Text]"/>
-      <dgm:spPr/>
-      <dgm:t>
-        <a:bodyPr/>
-        <a:lstStyle/>
-        <a:p>
-          <a:r>
-            <a:rPr lang="nl-BE"/>
-            <a:t>Complexity of emulation</a:t>
-          </a:r>
-        </a:p>
-      </dgm:t>
-    </dgm:pt>
-    <dgm:pt modelId="{23E66860-9BFC-4078-8DBE-B48E5B0E4442}" type="parTrans" cxnId="{9C413EC1-6A08-49D5-83B9-81BC8F5EA017}">
-      <dgm:prSet/>
-      <dgm:spPr/>
-      <dgm:t>
-        <a:bodyPr/>
-        <a:lstStyle/>
-        <a:p>
-          <a:endParaRPr lang="nl-BE"/>
-        </a:p>
-      </dgm:t>
-    </dgm:pt>
-    <dgm:pt modelId="{46F6A826-319B-47DF-A36F-00D1659EC289}" type="sibTrans" cxnId="{9C413EC1-6A08-49D5-83B9-81BC8F5EA017}">
-      <dgm:prSet/>
-      <dgm:spPr/>
-      <dgm:t>
-        <a:bodyPr/>
-        <a:lstStyle/>
-        <a:p>
-          <a:endParaRPr lang="nl-BE"/>
-        </a:p>
-      </dgm:t>
-    </dgm:pt>
-    <dgm:pt modelId="{08D0CCA3-28FE-4D35-BE2D-A0FBF1BA86AC}">
-      <dgm:prSet phldrT="[Text]"/>
-      <dgm:spPr/>
-      <dgm:t>
-        <a:bodyPr/>
-        <a:lstStyle/>
-        <a:p>
-          <a:r>
-            <a:rPr lang="nl-BE"/>
-            <a:t>Technology?</a:t>
-          </a:r>
-        </a:p>
-      </dgm:t>
-    </dgm:pt>
-    <dgm:pt modelId="{155E52F7-783D-48D2-A30F-A11DCD7FB879}" type="parTrans" cxnId="{6074E174-9AE7-4AB1-8B2C-F3FE59427FEB}">
-      <dgm:prSet/>
-      <dgm:spPr/>
-      <dgm:t>
-        <a:bodyPr/>
-        <a:lstStyle/>
-        <a:p>
-          <a:endParaRPr lang="nl-BE"/>
-        </a:p>
-      </dgm:t>
-    </dgm:pt>
-    <dgm:pt modelId="{D88E7369-84F0-4576-B61F-E75F94A39405}" type="sibTrans" cxnId="{6074E174-9AE7-4AB1-8B2C-F3FE59427FEB}">
-      <dgm:prSet/>
-      <dgm:spPr/>
-      <dgm:t>
-        <a:bodyPr/>
-        <a:lstStyle/>
-        <a:p>
-          <a:endParaRPr lang="nl-BE"/>
-        </a:p>
-      </dgm:t>
-    </dgm:pt>
-    <dgm:pt modelId="{616DAB5F-D16E-44E2-896D-59568352BC9B}">
-      <dgm:prSet phldrT="[Text]"/>
-      <dgm:spPr/>
-      <dgm:t>
-        <a:bodyPr/>
-        <a:lstStyle/>
-        <a:p>
-          <a:r>
-            <a:rPr lang="nl-BE"/>
-            <a:t>Detection usefulness</a:t>
-          </a:r>
-        </a:p>
-      </dgm:t>
-    </dgm:pt>
-    <dgm:pt modelId="{BE870373-4310-45AB-AA6F-74D946892654}" type="parTrans" cxnId="{34DECB6D-1055-4C37-A634-AD4D1830DE26}">
-      <dgm:prSet/>
-      <dgm:spPr/>
-      <dgm:t>
-        <a:bodyPr/>
-        <a:lstStyle/>
-        <a:p>
-          <a:endParaRPr lang="nl-BE"/>
-        </a:p>
-      </dgm:t>
-    </dgm:pt>
-    <dgm:pt modelId="{E81519BE-9211-4A1B-9C34-BC1ED0A44615}" type="sibTrans" cxnId="{34DECB6D-1055-4C37-A634-AD4D1830DE26}">
-      <dgm:prSet/>
-      <dgm:spPr/>
-      <dgm:t>
-        <a:bodyPr/>
-        <a:lstStyle/>
-        <a:p>
-          <a:endParaRPr lang="nl-BE"/>
-        </a:p>
-      </dgm:t>
-    </dgm:pt>
-    <dgm:pt modelId="{75731247-8ED8-4A05-8097-2BF7B02111D8}">
-      <dgm:prSet phldrT="[Text]"/>
-      <dgm:spPr/>
-      <dgm:t>
-        <a:bodyPr/>
-        <a:lstStyle/>
-        <a:p>
-          <a:r>
-            <a:rPr lang="nl-BE"/>
-            <a:t>Useful for training?</a:t>
-          </a:r>
-        </a:p>
-      </dgm:t>
-    </dgm:pt>
-    <dgm:pt modelId="{FEAB0426-1F10-450E-9E0B-BE1AE4D30C83}" type="parTrans" cxnId="{83901CA2-7AB9-4F13-8C16-2B1111DA937A}">
-      <dgm:prSet/>
-      <dgm:spPr/>
-      <dgm:t>
-        <a:bodyPr/>
-        <a:lstStyle/>
-        <a:p>
-          <a:endParaRPr lang="nl-BE"/>
-        </a:p>
-      </dgm:t>
-    </dgm:pt>
-    <dgm:pt modelId="{C30F612E-6140-4B7F-8969-78A6440B22B9}" type="sibTrans" cxnId="{83901CA2-7AB9-4F13-8C16-2B1111DA937A}">
-      <dgm:prSet/>
-      <dgm:spPr/>
-      <dgm:t>
-        <a:bodyPr/>
-        <a:lstStyle/>
-        <a:p>
-          <a:endParaRPr lang="nl-BE"/>
-        </a:p>
-      </dgm:t>
-    </dgm:pt>
-    <dgm:pt modelId="{5EF5C6B6-94EC-40AE-99F2-A47EF1E7E4CA}">
-      <dgm:prSet phldrT="[Text]"/>
-      <dgm:spPr/>
-      <dgm:t>
-        <a:bodyPr/>
-        <a:lstStyle/>
-        <a:p>
-          <a:r>
-            <a:rPr lang="nl-BE"/>
-            <a:t>Via Navigator</a:t>
-          </a:r>
-        </a:p>
-      </dgm:t>
-    </dgm:pt>
-    <dgm:pt modelId="{5B9445D8-6B58-4E75-927F-557DA2FB46A7}" type="parTrans" cxnId="{EA797094-C793-416F-B326-FA3474563B22}">
-      <dgm:prSet/>
-      <dgm:spPr/>
-      <dgm:t>
-        <a:bodyPr/>
-        <a:lstStyle/>
-        <a:p>
-          <a:endParaRPr lang="nl-BE"/>
-        </a:p>
-      </dgm:t>
-    </dgm:pt>
-    <dgm:pt modelId="{89A690FD-9BC0-45F2-8DD6-CB634FC461AF}" type="sibTrans" cxnId="{EA797094-C793-416F-B326-FA3474563B22}">
-      <dgm:prSet/>
-      <dgm:spPr/>
-      <dgm:t>
-        <a:bodyPr/>
-        <a:lstStyle/>
-        <a:p>
-          <a:endParaRPr lang="nl-BE"/>
-        </a:p>
-      </dgm:t>
-    </dgm:pt>
-    <dgm:pt modelId="{96F2B802-385D-4F18-BBCC-A1855BD046B9}">
-      <dgm:prSet phldrT="[Text]"/>
-      <dgm:spPr/>
-      <dgm:t>
-        <a:bodyPr/>
-        <a:lstStyle/>
-        <a:p>
-          <a:r>
-            <a:rPr lang="nl-BE"/>
-            <a:t>Human interventation?</a:t>
-          </a:r>
-        </a:p>
-      </dgm:t>
-    </dgm:pt>
-    <dgm:pt modelId="{ACC68A05-DD92-41D3-ADDD-DD9F1E75EE44}" type="parTrans" cxnId="{E5C9AF93-44A4-4D7D-BBC1-736AC560A1DA}">
-      <dgm:prSet/>
-      <dgm:spPr/>
-      <dgm:t>
-        <a:bodyPr/>
-        <a:lstStyle/>
-        <a:p>
-          <a:endParaRPr lang="nl-BE"/>
-        </a:p>
-      </dgm:t>
-    </dgm:pt>
-    <dgm:pt modelId="{5C082814-260E-4621-BB78-525EE24D86F3}" type="sibTrans" cxnId="{E5C9AF93-44A4-4D7D-BBC1-736AC560A1DA}">
-      <dgm:prSet/>
-      <dgm:spPr/>
-      <dgm:t>
-        <a:bodyPr/>
-        <a:lstStyle/>
-        <a:p>
-          <a:endParaRPr lang="nl-BE"/>
-        </a:p>
-      </dgm:t>
-    </dgm:pt>
-    <dgm:pt modelId="{024C78BF-ACA6-49F4-8987-A13A213D932B}">
-      <dgm:prSet phldrT="[Text]"/>
-      <dgm:spPr/>
-      <dgm:t>
-        <a:bodyPr/>
-        <a:lstStyle/>
-        <a:p>
-          <a:r>
-            <a:rPr lang="nl-BE"/>
-            <a:t>Single or multiple steps?</a:t>
-          </a:r>
-        </a:p>
-      </dgm:t>
-    </dgm:pt>
-    <dgm:pt modelId="{EF307147-2C7B-4B4E-905A-686FEE965323}" type="parTrans" cxnId="{2D7EAB3A-114B-4A7D-80B3-24B421720027}">
-      <dgm:prSet/>
-      <dgm:spPr/>
-      <dgm:t>
-        <a:bodyPr/>
-        <a:lstStyle/>
-        <a:p>
-          <a:endParaRPr lang="nl-BE"/>
-        </a:p>
-      </dgm:t>
-    </dgm:pt>
-    <dgm:pt modelId="{FB4089C8-11A7-4146-86F8-32F6DEE26CEA}" type="sibTrans" cxnId="{2D7EAB3A-114B-4A7D-80B3-24B421720027}">
-      <dgm:prSet/>
-      <dgm:spPr/>
-      <dgm:t>
-        <a:bodyPr/>
-        <a:lstStyle/>
-        <a:p>
-          <a:endParaRPr lang="nl-BE"/>
-        </a:p>
-      </dgm:t>
-    </dgm:pt>
-    <dgm:pt modelId="{0BF0385B-BC2A-4995-B060-7ACD99064397}">
-      <dgm:prSet phldrT="[Text]"/>
-      <dgm:spPr/>
-      <dgm:t>
-        <a:bodyPr/>
-        <a:lstStyle/>
-        <a:p>
-          <a:r>
-            <a:rPr lang="nl-BE"/>
-            <a:t>Additional Infrastructure</a:t>
-          </a:r>
-        </a:p>
-      </dgm:t>
-    </dgm:pt>
-    <dgm:pt modelId="{CE2B5713-CE0F-4C36-B534-421E3E092ADE}" type="parTrans" cxnId="{D21627DB-753F-40CC-B1B1-E8A6131C44B2}">
-      <dgm:prSet/>
-      <dgm:spPr/>
-      <dgm:t>
-        <a:bodyPr/>
-        <a:lstStyle/>
-        <a:p>
-          <a:endParaRPr lang="nl-BE"/>
-        </a:p>
-      </dgm:t>
-    </dgm:pt>
-    <dgm:pt modelId="{D14B9F1E-C5D5-4143-A5D3-59D3D9C567B7}" type="sibTrans" cxnId="{D21627DB-753F-40CC-B1B1-E8A6131C44B2}">
-      <dgm:prSet/>
-      <dgm:spPr/>
-      <dgm:t>
-        <a:bodyPr/>
-        <a:lstStyle/>
-        <a:p>
-          <a:endParaRPr lang="nl-BE"/>
-        </a:p>
-      </dgm:t>
-    </dgm:pt>
-    <dgm:pt modelId="{68DADEE9-951D-4F4E-A775-9EA67003F372}">
-      <dgm:prSet phldrT="[Text]" custT="1"/>
-      <dgm:spPr/>
-      <dgm:t>
-        <a:bodyPr/>
-        <a:lstStyle/>
-        <a:p>
-          <a:r>
-            <a:rPr lang="nl-BE" sz="700"/>
-            <a:t>Complexity</a:t>
-          </a:r>
-        </a:p>
-      </dgm:t>
-    </dgm:pt>
-    <dgm:pt modelId="{D1800DC4-C229-414C-AEF6-A0273022FBDA}" type="parTrans" cxnId="{74E385CC-9929-452E-AEAA-AFAF0D9C0115}">
-      <dgm:prSet/>
-      <dgm:spPr/>
-      <dgm:t>
-        <a:bodyPr/>
-        <a:lstStyle/>
-        <a:p>
-          <a:endParaRPr lang="nl-BE"/>
-        </a:p>
-      </dgm:t>
-    </dgm:pt>
-    <dgm:pt modelId="{9B5FAA02-4E33-4607-9F2A-4790EF2F98CF}" type="sibTrans" cxnId="{74E385CC-9929-452E-AEAA-AFAF0D9C0115}">
-      <dgm:prSet/>
-      <dgm:spPr/>
-      <dgm:t>
-        <a:bodyPr/>
-        <a:lstStyle/>
-        <a:p>
-          <a:endParaRPr lang="nl-BE"/>
-        </a:p>
-      </dgm:t>
-    </dgm:pt>
-    <dgm:pt modelId="{63C5265C-C174-4B31-BCCE-D1FA00A42354}">
-      <dgm:prSet phldrT="[Text]" custT="1"/>
-      <dgm:spPr/>
-      <dgm:t>
-        <a:bodyPr/>
-        <a:lstStyle/>
-        <a:p>
-          <a:r>
-            <a:rPr lang="nl-BE" sz="700"/>
-            <a:t>Attacker infrastructure</a:t>
-          </a:r>
-        </a:p>
-      </dgm:t>
-    </dgm:pt>
-    <dgm:pt modelId="{5CCE017E-BA75-4B63-8E51-7DD0056FEB12}" type="parTrans" cxnId="{217CCDA0-64C1-4996-B193-FCFA8D1F048D}">
-      <dgm:prSet/>
-      <dgm:spPr/>
-      <dgm:t>
-        <a:bodyPr/>
-        <a:lstStyle/>
-        <a:p>
-          <a:endParaRPr lang="nl-BE"/>
-        </a:p>
-      </dgm:t>
-    </dgm:pt>
-    <dgm:pt modelId="{32BD45F9-4469-4F76-8AC5-E58E608411BB}" type="sibTrans" cxnId="{217CCDA0-64C1-4996-B193-FCFA8D1F048D}">
-      <dgm:prSet/>
-      <dgm:spPr/>
-      <dgm:t>
-        <a:bodyPr/>
-        <a:lstStyle/>
-        <a:p>
-          <a:endParaRPr lang="nl-BE"/>
-        </a:p>
-      </dgm:t>
-    </dgm:pt>
-    <dgm:pt modelId="{075F9D17-5D7A-411A-9FB6-4CAFCE6FE53A}">
-      <dgm:prSet phldrT="[Text]" custT="1"/>
-      <dgm:spPr/>
-      <dgm:t>
-        <a:bodyPr/>
-        <a:lstStyle/>
-        <a:p>
-          <a:r>
-            <a:rPr lang="nl-BE" sz="700"/>
-            <a:t>Network </a:t>
-          </a:r>
-        </a:p>
-      </dgm:t>
-    </dgm:pt>
-    <dgm:pt modelId="{71CAA1D2-13BE-4542-B208-0DC4FA237415}" type="parTrans" cxnId="{DB85DA94-8957-4490-BD15-B59C64D4C5D4}">
-      <dgm:prSet/>
-      <dgm:spPr/>
-      <dgm:t>
-        <a:bodyPr/>
-        <a:lstStyle/>
-        <a:p>
-          <a:endParaRPr lang="nl-BE"/>
-        </a:p>
-      </dgm:t>
-    </dgm:pt>
-    <dgm:pt modelId="{DB5956DC-52B9-488C-86B0-5996EE378761}" type="sibTrans" cxnId="{DB85DA94-8957-4490-BD15-B59C64D4C5D4}">
-      <dgm:prSet/>
-      <dgm:spPr/>
-      <dgm:t>
-        <a:bodyPr/>
-        <a:lstStyle/>
-        <a:p>
-          <a:endParaRPr lang="nl-BE"/>
-        </a:p>
-      </dgm:t>
-    </dgm:pt>
-    <dgm:pt modelId="{E557EEC1-E92F-4F40-831F-8B076ADA0B6F}" type="pres">
-      <dgm:prSet presAssocID="{033D946D-273E-4821-B540-E668B6FC766C}" presName="rootnode" presStyleCnt="0">
-        <dgm:presLayoutVars>
-          <dgm:chMax/>
-          <dgm:chPref/>
-          <dgm:dir/>
-          <dgm:animLvl val="lvl"/>
-        </dgm:presLayoutVars>
-      </dgm:prSet>
-      <dgm:spPr/>
-    </dgm:pt>
-    <dgm:pt modelId="{2C5EA270-0178-41FE-9A0C-BF9C3F141EF1}" type="pres">
-      <dgm:prSet presAssocID="{39E1F9EF-3BDA-4BBC-A20D-D24CA636831E}" presName="composite" presStyleCnt="0"/>
-      <dgm:spPr/>
-    </dgm:pt>
-    <dgm:pt modelId="{D1ACC31B-61FC-4B65-B073-A07ABB601EAA}" type="pres">
-      <dgm:prSet presAssocID="{39E1F9EF-3BDA-4BBC-A20D-D24CA636831E}" presName="bentUpArrow1" presStyleLbl="alignImgPlace1" presStyleIdx="0" presStyleCnt="3"/>
-      <dgm:spPr/>
-    </dgm:pt>
-    <dgm:pt modelId="{EB4C67A3-3FEB-407E-916A-FABF07C2EAD0}" type="pres">
-      <dgm:prSet presAssocID="{39E1F9EF-3BDA-4BBC-A20D-D24CA636831E}" presName="ParentText" presStyleLbl="node1" presStyleIdx="0" presStyleCnt="4">
-        <dgm:presLayoutVars>
-          <dgm:chMax val="1"/>
-          <dgm:chPref val="1"/>
-          <dgm:bulletEnabled val="1"/>
-        </dgm:presLayoutVars>
-      </dgm:prSet>
-      <dgm:spPr/>
-    </dgm:pt>
-    <dgm:pt modelId="{1387BE6F-4A7A-46EB-85C4-5750C0DD55A8}" type="pres">
-      <dgm:prSet presAssocID="{39E1F9EF-3BDA-4BBC-A20D-D24CA636831E}" presName="ChildText" presStyleLbl="revTx" presStyleIdx="0" presStyleCnt="4">
-        <dgm:presLayoutVars>
-          <dgm:chMax val="0"/>
-          <dgm:chPref val="0"/>
-          <dgm:bulletEnabled val="1"/>
-        </dgm:presLayoutVars>
-      </dgm:prSet>
-      <dgm:spPr/>
-    </dgm:pt>
-    <dgm:pt modelId="{5A904084-22EC-474D-B581-7FEBC7EEA8F5}" type="pres">
-      <dgm:prSet presAssocID="{FE82AD56-DF5E-443E-9218-6CD688DAE83A}" presName="sibTrans" presStyleCnt="0"/>
-      <dgm:spPr/>
-    </dgm:pt>
-    <dgm:pt modelId="{C152D962-5CC1-47FD-9FCA-D851387C0F0C}" type="pres">
-      <dgm:prSet presAssocID="{D080D021-00CA-4AB4-A326-6F566D5E9BF4}" presName="composite" presStyleCnt="0"/>
-      <dgm:spPr/>
-    </dgm:pt>
-    <dgm:pt modelId="{E834ED6A-02F0-485C-B617-627684283ADD}" type="pres">
-      <dgm:prSet presAssocID="{D080D021-00CA-4AB4-A326-6F566D5E9BF4}" presName="bentUpArrow1" presStyleLbl="alignImgPlace1" presStyleIdx="1" presStyleCnt="3"/>
-      <dgm:spPr/>
-    </dgm:pt>
-    <dgm:pt modelId="{D38D170D-73CA-425F-9B2D-660C8118AEE7}" type="pres">
-      <dgm:prSet presAssocID="{D080D021-00CA-4AB4-A326-6F566D5E9BF4}" presName="ParentText" presStyleLbl="node1" presStyleIdx="1" presStyleCnt="4">
-        <dgm:presLayoutVars>
-          <dgm:chMax val="1"/>
-          <dgm:chPref val="1"/>
-          <dgm:bulletEnabled val="1"/>
-        </dgm:presLayoutVars>
-      </dgm:prSet>
-      <dgm:spPr/>
-    </dgm:pt>
-    <dgm:pt modelId="{AE1468F7-1875-49EA-9CD1-A7924E97FF76}" type="pres">
-      <dgm:prSet presAssocID="{D080D021-00CA-4AB4-A326-6F566D5E9BF4}" presName="ChildText" presStyleLbl="revTx" presStyleIdx="1" presStyleCnt="4">
-        <dgm:presLayoutVars>
-          <dgm:chMax val="0"/>
-          <dgm:chPref val="0"/>
-          <dgm:bulletEnabled val="1"/>
-        </dgm:presLayoutVars>
-      </dgm:prSet>
-      <dgm:spPr/>
-    </dgm:pt>
-    <dgm:pt modelId="{41FDE638-8146-42E9-8553-9945D917B091}" type="pres">
-      <dgm:prSet presAssocID="{46F6A826-319B-47DF-A36F-00D1659EC289}" presName="sibTrans" presStyleCnt="0"/>
-      <dgm:spPr/>
-    </dgm:pt>
-    <dgm:pt modelId="{23C60CDA-93ED-4DB8-BBFE-AD0B308D916D}" type="pres">
-      <dgm:prSet presAssocID="{616DAB5F-D16E-44E2-896D-59568352BC9B}" presName="composite" presStyleCnt="0"/>
-      <dgm:spPr/>
-    </dgm:pt>
-    <dgm:pt modelId="{83CAC81F-A3BF-4FBC-8102-9BED91350D97}" type="pres">
-      <dgm:prSet presAssocID="{616DAB5F-D16E-44E2-896D-59568352BC9B}" presName="bentUpArrow1" presStyleLbl="alignImgPlace1" presStyleIdx="2" presStyleCnt="3"/>
-      <dgm:spPr/>
-    </dgm:pt>
-    <dgm:pt modelId="{20C90FEA-403F-45F9-8084-4D76E24EF3A7}" type="pres">
-      <dgm:prSet presAssocID="{616DAB5F-D16E-44E2-896D-59568352BC9B}" presName="ParentText" presStyleLbl="node1" presStyleIdx="2" presStyleCnt="4">
-        <dgm:presLayoutVars>
-          <dgm:chMax val="1"/>
-          <dgm:chPref val="1"/>
-          <dgm:bulletEnabled val="1"/>
-        </dgm:presLayoutVars>
-      </dgm:prSet>
-      <dgm:spPr/>
-    </dgm:pt>
-    <dgm:pt modelId="{6FF0C8AD-74EB-4770-AA18-055DC768EB3C}" type="pres">
-      <dgm:prSet presAssocID="{616DAB5F-D16E-44E2-896D-59568352BC9B}" presName="ChildText" presStyleLbl="revTx" presStyleIdx="2" presStyleCnt="4">
-        <dgm:presLayoutVars>
-          <dgm:chMax val="0"/>
-          <dgm:chPref val="0"/>
-          <dgm:bulletEnabled val="1"/>
-        </dgm:presLayoutVars>
-      </dgm:prSet>
-      <dgm:spPr/>
-    </dgm:pt>
-    <dgm:pt modelId="{7815C318-9FAF-493D-A362-65243ECFB6D5}" type="pres">
-      <dgm:prSet presAssocID="{E81519BE-9211-4A1B-9C34-BC1ED0A44615}" presName="sibTrans" presStyleCnt="0"/>
-      <dgm:spPr/>
-    </dgm:pt>
-    <dgm:pt modelId="{C47DB961-D79F-4269-8340-DE3C9408C712}" type="pres">
-      <dgm:prSet presAssocID="{0BF0385B-BC2A-4995-B060-7ACD99064397}" presName="composite" presStyleCnt="0"/>
-      <dgm:spPr/>
-    </dgm:pt>
-    <dgm:pt modelId="{6BC90481-B202-4918-926C-32EFF716DC2A}" type="pres">
-      <dgm:prSet presAssocID="{0BF0385B-BC2A-4995-B060-7ACD99064397}" presName="ParentText" presStyleLbl="node1" presStyleIdx="3" presStyleCnt="4">
-        <dgm:presLayoutVars>
-          <dgm:chMax val="1"/>
-          <dgm:chPref val="1"/>
-          <dgm:bulletEnabled val="1"/>
-        </dgm:presLayoutVars>
-      </dgm:prSet>
-      <dgm:spPr/>
-    </dgm:pt>
-    <dgm:pt modelId="{5F8CCA5F-7B52-4DD5-BBC2-9806B2332F8D}" type="pres">
-      <dgm:prSet presAssocID="{0BF0385B-BC2A-4995-B060-7ACD99064397}" presName="FinalChildText" presStyleLbl="revTx" presStyleIdx="3" presStyleCnt="4">
-        <dgm:presLayoutVars>
-          <dgm:chMax val="0"/>
-          <dgm:chPref val="0"/>
-          <dgm:bulletEnabled val="1"/>
-        </dgm:presLayoutVars>
-      </dgm:prSet>
-      <dgm:spPr/>
-    </dgm:pt>
-  </dgm:ptLst>
-  <dgm:cxnLst>
-    <dgm:cxn modelId="{EE654501-8FE4-419F-9095-E0BFB6AB0467}" type="presOf" srcId="{39E1F9EF-3BDA-4BBC-A20D-D24CA636831E}" destId="{EB4C67A3-3FEB-407E-916A-FABF07C2EAD0}" srcOrd="0" destOrd="0" presId="urn:microsoft.com/office/officeart/2005/8/layout/StepDownProcess"/>
-    <dgm:cxn modelId="{6557071B-F169-4C0B-B96C-078E9B04D842}" type="presOf" srcId="{75731247-8ED8-4A05-8097-2BF7B02111D8}" destId="{6FF0C8AD-74EB-4770-AA18-055DC768EB3C}" srcOrd="0" destOrd="0" presId="urn:microsoft.com/office/officeart/2005/8/layout/StepDownProcess"/>
-    <dgm:cxn modelId="{89233221-52AA-4E5F-8D82-1030F41A599E}" type="presOf" srcId="{68DADEE9-951D-4F4E-A775-9EA67003F372}" destId="{5F8CCA5F-7B52-4DD5-BBC2-9806B2332F8D}" srcOrd="0" destOrd="0" presId="urn:microsoft.com/office/officeart/2005/8/layout/StepDownProcess"/>
-    <dgm:cxn modelId="{728D4427-70FF-44BC-A630-7FF03AD4CAE3}" type="presOf" srcId="{033D946D-273E-4821-B540-E668B6FC766C}" destId="{E557EEC1-E92F-4F40-831F-8B076ADA0B6F}" srcOrd="0" destOrd="0" presId="urn:microsoft.com/office/officeart/2005/8/layout/StepDownProcess"/>
-    <dgm:cxn modelId="{2D7EAB3A-114B-4A7D-80B3-24B421720027}" srcId="{D080D021-00CA-4AB4-A326-6F566D5E9BF4}" destId="{024C78BF-ACA6-49F4-8987-A13A213D932B}" srcOrd="2" destOrd="0" parTransId="{EF307147-2C7B-4B4E-905A-686FEE965323}" sibTransId="{FB4089C8-11A7-4146-86F8-32F6DEE26CEA}"/>
-    <dgm:cxn modelId="{58E17764-116C-4F51-A44B-CF003602A86D}" type="presOf" srcId="{08D0CCA3-28FE-4D35-BE2D-A0FBF1BA86AC}" destId="{AE1468F7-1875-49EA-9CD1-A7924E97FF76}" srcOrd="0" destOrd="0" presId="urn:microsoft.com/office/officeart/2005/8/layout/StepDownProcess"/>
-    <dgm:cxn modelId="{18B51947-11EE-44E7-9686-6D87305B5D18}" srcId="{033D946D-273E-4821-B540-E668B6FC766C}" destId="{39E1F9EF-3BDA-4BBC-A20D-D24CA636831E}" srcOrd="0" destOrd="0" parTransId="{6289ECBE-8043-4A22-88A4-C31826B44D8F}" sibTransId="{FE82AD56-DF5E-443E-9218-6CD688DAE83A}"/>
-    <dgm:cxn modelId="{34DECB6D-1055-4C37-A634-AD4D1830DE26}" srcId="{033D946D-273E-4821-B540-E668B6FC766C}" destId="{616DAB5F-D16E-44E2-896D-59568352BC9B}" srcOrd="2" destOrd="0" parTransId="{BE870373-4310-45AB-AA6F-74D946892654}" sibTransId="{E81519BE-9211-4A1B-9C34-BC1ED0A44615}"/>
-    <dgm:cxn modelId="{6074E174-9AE7-4AB1-8B2C-F3FE59427FEB}" srcId="{D080D021-00CA-4AB4-A326-6F566D5E9BF4}" destId="{08D0CCA3-28FE-4D35-BE2D-A0FBF1BA86AC}" srcOrd="0" destOrd="0" parTransId="{155E52F7-783D-48D2-A30F-A11DCD7FB879}" sibTransId="{D88E7369-84F0-4576-B61F-E75F94A39405}"/>
-    <dgm:cxn modelId="{5B81BF57-930E-4BDD-B079-743340F7017F}" type="presOf" srcId="{5EF5C6B6-94EC-40AE-99F2-A47EF1E7E4CA}" destId="{1387BE6F-4A7A-46EB-85C4-5750C0DD55A8}" srcOrd="0" destOrd="1" presId="urn:microsoft.com/office/officeart/2005/8/layout/StepDownProcess"/>
-    <dgm:cxn modelId="{3AB7CA59-D186-40F9-ABD7-9021DE7B9500}" type="presOf" srcId="{0BF0385B-BC2A-4995-B060-7ACD99064397}" destId="{6BC90481-B202-4918-926C-32EFF716DC2A}" srcOrd="0" destOrd="0" presId="urn:microsoft.com/office/officeart/2005/8/layout/StepDownProcess"/>
-    <dgm:cxn modelId="{71751E8B-0273-499B-A938-E419D511D82F}" type="presOf" srcId="{D080D021-00CA-4AB4-A326-6F566D5E9BF4}" destId="{D38D170D-73CA-425F-9B2D-660C8118AEE7}" srcOrd="0" destOrd="0" presId="urn:microsoft.com/office/officeart/2005/8/layout/StepDownProcess"/>
-    <dgm:cxn modelId="{AB98D392-89B3-46F8-A102-3EFABDCE89A3}" type="presOf" srcId="{024C78BF-ACA6-49F4-8987-A13A213D932B}" destId="{AE1468F7-1875-49EA-9CD1-A7924E97FF76}" srcOrd="0" destOrd="2" presId="urn:microsoft.com/office/officeart/2005/8/layout/StepDownProcess"/>
-    <dgm:cxn modelId="{E5C9AF93-44A4-4D7D-BBC1-736AC560A1DA}" srcId="{D080D021-00CA-4AB4-A326-6F566D5E9BF4}" destId="{96F2B802-385D-4F18-BBCC-A1855BD046B9}" srcOrd="1" destOrd="0" parTransId="{ACC68A05-DD92-41D3-ADDD-DD9F1E75EE44}" sibTransId="{5C082814-260E-4621-BB78-525EE24D86F3}"/>
-    <dgm:cxn modelId="{EA797094-C793-416F-B326-FA3474563B22}" srcId="{39E1F9EF-3BDA-4BBC-A20D-D24CA636831E}" destId="{5EF5C6B6-94EC-40AE-99F2-A47EF1E7E4CA}" srcOrd="1" destOrd="0" parTransId="{5B9445D8-6B58-4E75-927F-557DA2FB46A7}" sibTransId="{89A690FD-9BC0-45F2-8DD6-CB634FC461AF}"/>
-    <dgm:cxn modelId="{DB85DA94-8957-4490-BD15-B59C64D4C5D4}" srcId="{0BF0385B-BC2A-4995-B060-7ACD99064397}" destId="{075F9D17-5D7A-411A-9FB6-4CAFCE6FE53A}" srcOrd="2" destOrd="0" parTransId="{71CAA1D2-13BE-4542-B208-0DC4FA237415}" sibTransId="{DB5956DC-52B9-488C-86B0-5996EE378761}"/>
-    <dgm:cxn modelId="{06C3199B-E861-4E82-9FB6-88A24F79B2D0}" type="presOf" srcId="{63C5265C-C174-4B31-BCCE-D1FA00A42354}" destId="{5F8CCA5F-7B52-4DD5-BBC2-9806B2332F8D}" srcOrd="0" destOrd="1" presId="urn:microsoft.com/office/officeart/2005/8/layout/StepDownProcess"/>
-    <dgm:cxn modelId="{217CCDA0-64C1-4996-B193-FCFA8D1F048D}" srcId="{0BF0385B-BC2A-4995-B060-7ACD99064397}" destId="{63C5265C-C174-4B31-BCCE-D1FA00A42354}" srcOrd="1" destOrd="0" parTransId="{5CCE017E-BA75-4B63-8E51-7DD0056FEB12}" sibTransId="{32BD45F9-4469-4F76-8AC5-E58E608411BB}"/>
-    <dgm:cxn modelId="{83901CA2-7AB9-4F13-8C16-2B1111DA937A}" srcId="{616DAB5F-D16E-44E2-896D-59568352BC9B}" destId="{75731247-8ED8-4A05-8097-2BF7B02111D8}" srcOrd="0" destOrd="0" parTransId="{FEAB0426-1F10-450E-9E0B-BE1AE4D30C83}" sibTransId="{C30F612E-6140-4B7F-8969-78A6440B22B9}"/>
-    <dgm:cxn modelId="{7CCA72AA-1884-4418-898F-C18723353717}" type="presOf" srcId="{075F9D17-5D7A-411A-9FB6-4CAFCE6FE53A}" destId="{5F8CCA5F-7B52-4DD5-BBC2-9806B2332F8D}" srcOrd="0" destOrd="2" presId="urn:microsoft.com/office/officeart/2005/8/layout/StepDownProcess"/>
-    <dgm:cxn modelId="{9C413EC1-6A08-49D5-83B9-81BC8F5EA017}" srcId="{033D946D-273E-4821-B540-E668B6FC766C}" destId="{D080D021-00CA-4AB4-A326-6F566D5E9BF4}" srcOrd="1" destOrd="0" parTransId="{23E66860-9BFC-4078-8DBE-B48E5B0E4442}" sibTransId="{46F6A826-319B-47DF-A36F-00D1659EC289}"/>
-    <dgm:cxn modelId="{CB9676C9-108F-4FA4-ACDB-B6FC42EC188A}" type="presOf" srcId="{96F2B802-385D-4F18-BBCC-A1855BD046B9}" destId="{AE1468F7-1875-49EA-9CD1-A7924E97FF76}" srcOrd="0" destOrd="1" presId="urn:microsoft.com/office/officeart/2005/8/layout/StepDownProcess"/>
-    <dgm:cxn modelId="{07726BCC-8421-4250-BB72-A24CC9F2677C}" type="presOf" srcId="{235593BE-F113-46DD-84B8-F572A24A3E4D}" destId="{1387BE6F-4A7A-46EB-85C4-5750C0DD55A8}" srcOrd="0" destOrd="0" presId="urn:microsoft.com/office/officeart/2005/8/layout/StepDownProcess"/>
-    <dgm:cxn modelId="{74E385CC-9929-452E-AEAA-AFAF0D9C0115}" srcId="{0BF0385B-BC2A-4995-B060-7ACD99064397}" destId="{68DADEE9-951D-4F4E-A775-9EA67003F372}" srcOrd="0" destOrd="0" parTransId="{D1800DC4-C229-414C-AEF6-A0273022FBDA}" sibTransId="{9B5FAA02-4E33-4607-9F2A-4790EF2F98CF}"/>
-    <dgm:cxn modelId="{D21627DB-753F-40CC-B1B1-E8A6131C44B2}" srcId="{033D946D-273E-4821-B540-E668B6FC766C}" destId="{0BF0385B-BC2A-4995-B060-7ACD99064397}" srcOrd="3" destOrd="0" parTransId="{CE2B5713-CE0F-4C36-B534-421E3E092ADE}" sibTransId="{D14B9F1E-C5D5-4143-A5D3-59D3D9C567B7}"/>
-    <dgm:cxn modelId="{98D088F2-6E0B-4454-A709-4B440E028EBF}" type="presOf" srcId="{616DAB5F-D16E-44E2-896D-59568352BC9B}" destId="{20C90FEA-403F-45F9-8084-4D76E24EF3A7}" srcOrd="0" destOrd="0" presId="urn:microsoft.com/office/officeart/2005/8/layout/StepDownProcess"/>
-    <dgm:cxn modelId="{7E309DF9-DFD9-44F8-97B7-7D169FD7661F}" srcId="{39E1F9EF-3BDA-4BBC-A20D-D24CA636831E}" destId="{235593BE-F113-46DD-84B8-F572A24A3E4D}" srcOrd="0" destOrd="0" parTransId="{CCB2F79E-56D2-4B75-913D-054943E2B2EE}" sibTransId="{AE37E2E5-41A2-4BBB-BB5A-F3959CFDA749}"/>
-    <dgm:cxn modelId="{B99DFD56-279C-4FBD-A4FF-763B5753A2E6}" type="presParOf" srcId="{E557EEC1-E92F-4F40-831F-8B076ADA0B6F}" destId="{2C5EA270-0178-41FE-9A0C-BF9C3F141EF1}" srcOrd="0" destOrd="0" presId="urn:microsoft.com/office/officeart/2005/8/layout/StepDownProcess"/>
-    <dgm:cxn modelId="{F9306629-513D-4CF1-A154-ACDD35B911F6}" type="presParOf" srcId="{2C5EA270-0178-41FE-9A0C-BF9C3F141EF1}" destId="{D1ACC31B-61FC-4B65-B073-A07ABB601EAA}" srcOrd="0" destOrd="0" presId="urn:microsoft.com/office/officeart/2005/8/layout/StepDownProcess"/>
-    <dgm:cxn modelId="{CCE55F65-3423-43BB-AEB2-8F5C06BA3167}" type="presParOf" srcId="{2C5EA270-0178-41FE-9A0C-BF9C3F141EF1}" destId="{EB4C67A3-3FEB-407E-916A-FABF07C2EAD0}" srcOrd="1" destOrd="0" presId="urn:microsoft.com/office/officeart/2005/8/layout/StepDownProcess"/>
-    <dgm:cxn modelId="{09BFFA39-A3E7-4B8A-ACAC-34B45619DF22}" type="presParOf" srcId="{2C5EA270-0178-41FE-9A0C-BF9C3F141EF1}" destId="{1387BE6F-4A7A-46EB-85C4-5750C0DD55A8}" srcOrd="2" destOrd="0" presId="urn:microsoft.com/office/officeart/2005/8/layout/StepDownProcess"/>
-    <dgm:cxn modelId="{AAD1750B-DBC6-4392-B2F1-9E7C4937021B}" type="presParOf" srcId="{E557EEC1-E92F-4F40-831F-8B076ADA0B6F}" destId="{5A904084-22EC-474D-B581-7FEBC7EEA8F5}" srcOrd="1" destOrd="0" presId="urn:microsoft.com/office/officeart/2005/8/layout/StepDownProcess"/>
-    <dgm:cxn modelId="{BBB17A02-11D1-4FA2-AEAF-1B4F8E6C8B96}" type="presParOf" srcId="{E557EEC1-E92F-4F40-831F-8B076ADA0B6F}" destId="{C152D962-5CC1-47FD-9FCA-D851387C0F0C}" srcOrd="2" destOrd="0" presId="urn:microsoft.com/office/officeart/2005/8/layout/StepDownProcess"/>
-    <dgm:cxn modelId="{AF1C6F05-50F3-45CD-91F2-3D42C0AA70DB}" type="presParOf" srcId="{C152D962-5CC1-47FD-9FCA-D851387C0F0C}" destId="{E834ED6A-02F0-485C-B617-627684283ADD}" srcOrd="0" destOrd="0" presId="urn:microsoft.com/office/officeart/2005/8/layout/StepDownProcess"/>
-    <dgm:cxn modelId="{BFCC404A-99F3-47CE-B8FB-C9A8299F3774}" type="presParOf" srcId="{C152D962-5CC1-47FD-9FCA-D851387C0F0C}" destId="{D38D170D-73CA-425F-9B2D-660C8118AEE7}" srcOrd="1" destOrd="0" presId="urn:microsoft.com/office/officeart/2005/8/layout/StepDownProcess"/>
-    <dgm:cxn modelId="{F809DD90-C9B3-40D0-A074-61EDF4F7248C}" type="presParOf" srcId="{C152D962-5CC1-47FD-9FCA-D851387C0F0C}" destId="{AE1468F7-1875-49EA-9CD1-A7924E97FF76}" srcOrd="2" destOrd="0" presId="urn:microsoft.com/office/officeart/2005/8/layout/StepDownProcess"/>
-    <dgm:cxn modelId="{4F71CD61-F254-4647-B3C3-A5123F35C4E2}" type="presParOf" srcId="{E557EEC1-E92F-4F40-831F-8B076ADA0B6F}" destId="{41FDE638-8146-42E9-8553-9945D917B091}" srcOrd="3" destOrd="0" presId="urn:microsoft.com/office/officeart/2005/8/layout/StepDownProcess"/>
-    <dgm:cxn modelId="{4CA4A7CD-95B7-4D97-87AD-727331437444}" type="presParOf" srcId="{E557EEC1-E92F-4F40-831F-8B076ADA0B6F}" destId="{23C60CDA-93ED-4DB8-BBFE-AD0B308D916D}" srcOrd="4" destOrd="0" presId="urn:microsoft.com/office/officeart/2005/8/layout/StepDownProcess"/>
-    <dgm:cxn modelId="{BF176ED7-404D-414B-AF7B-18DBDD4BB627}" type="presParOf" srcId="{23C60CDA-93ED-4DB8-BBFE-AD0B308D916D}" destId="{83CAC81F-A3BF-4FBC-8102-9BED91350D97}" srcOrd="0" destOrd="0" presId="urn:microsoft.com/office/officeart/2005/8/layout/StepDownProcess"/>
-    <dgm:cxn modelId="{DA3CCFE3-7A4C-4F03-A100-D0EC49993D67}" type="presParOf" srcId="{23C60CDA-93ED-4DB8-BBFE-AD0B308D916D}" destId="{20C90FEA-403F-45F9-8084-4D76E24EF3A7}" srcOrd="1" destOrd="0" presId="urn:microsoft.com/office/officeart/2005/8/layout/StepDownProcess"/>
-    <dgm:cxn modelId="{E4BD3335-A059-4C10-A25F-646874D983B4}" type="presParOf" srcId="{23C60CDA-93ED-4DB8-BBFE-AD0B308D916D}" destId="{6FF0C8AD-74EB-4770-AA18-055DC768EB3C}" srcOrd="2" destOrd="0" presId="urn:microsoft.com/office/officeart/2005/8/layout/StepDownProcess"/>
-    <dgm:cxn modelId="{149ADD09-F5CD-4055-AE7C-05BFF7DF43E9}" type="presParOf" srcId="{E557EEC1-E92F-4F40-831F-8B076ADA0B6F}" destId="{7815C318-9FAF-493D-A362-65243ECFB6D5}" srcOrd="5" destOrd="0" presId="urn:microsoft.com/office/officeart/2005/8/layout/StepDownProcess"/>
-    <dgm:cxn modelId="{724A2C8A-95EC-4F44-86B6-AFE07B465825}" type="presParOf" srcId="{E557EEC1-E92F-4F40-831F-8B076ADA0B6F}" destId="{C47DB961-D79F-4269-8340-DE3C9408C712}" srcOrd="6" destOrd="0" presId="urn:microsoft.com/office/officeart/2005/8/layout/StepDownProcess"/>
-    <dgm:cxn modelId="{404C5616-E25C-46CD-B483-0E52E5AFFE12}" type="presParOf" srcId="{C47DB961-D79F-4269-8340-DE3C9408C712}" destId="{6BC90481-B202-4918-926C-32EFF716DC2A}" srcOrd="0" destOrd="0" presId="urn:microsoft.com/office/officeart/2005/8/layout/StepDownProcess"/>
-    <dgm:cxn modelId="{6BF908F1-787E-4BAF-8417-10A23491EA72}" type="presParOf" srcId="{C47DB961-D79F-4269-8340-DE3C9408C712}" destId="{5F8CCA5F-7B52-4DD5-BBC2-9806B2332F8D}" srcOrd="1" destOrd="0" presId="urn:microsoft.com/office/officeart/2005/8/layout/StepDownProcess"/>
   </dgm:cxnLst>
   <dgm:bg/>
   <dgm:whole/>
@@ -16058,831 +14638,6 @@
       <dsp:txXfrm>
         <a:off x="2790161" y="2620101"/>
         <a:ext cx="2547676" cy="868101"/>
-      </dsp:txXfrm>
-    </dsp:sp>
-  </dsp:spTree>
-</dsp:drawing>
-</file>
-
-<file path=ppt/diagrams/drawing9.xml><?xml version="1.0" encoding="utf-8"?>
-<dsp:drawing xmlns:dgm="http://schemas.openxmlformats.org/drawingml/2006/diagram" xmlns:dsp="http://schemas.microsoft.com/office/drawing/2008/diagram" xmlns:a="http://schemas.openxmlformats.org/drawingml/2006/main">
-  <dsp:spTree>
-    <dsp:nvGrpSpPr>
-      <dsp:cNvPr id="0" name=""/>
-      <dsp:cNvGrpSpPr/>
-    </dsp:nvGrpSpPr>
-    <dsp:grpSpPr/>
-    <dsp:sp modelId="{D1ACC31B-61FC-4B65-B073-A07ABB601EAA}">
-      <dsp:nvSpPr>
-        <dsp:cNvPr id="0" name=""/>
-        <dsp:cNvSpPr/>
-      </dsp:nvSpPr>
-      <dsp:spPr>
-        <a:xfrm rot="5400000">
-          <a:off x="1355600" y="875050"/>
-          <a:ext cx="768484" cy="874892"/>
-        </a:xfrm>
-        <a:prstGeom prst="bentUpArrow">
-          <a:avLst>
-            <a:gd name="adj1" fmla="val 32840"/>
-            <a:gd name="adj2" fmla="val 25000"/>
-            <a:gd name="adj3" fmla="val 35780"/>
-          </a:avLst>
-        </a:prstGeom>
-        <a:solidFill>
-          <a:schemeClr val="accent1">
-            <a:tint val="50000"/>
-            <a:hueOff val="0"/>
-            <a:satOff val="0"/>
-            <a:lumOff val="0"/>
-            <a:alphaOff val="0"/>
-          </a:schemeClr>
-        </a:solidFill>
-        <a:ln w="12700" cap="flat" cmpd="sng" algn="ctr">
-          <a:solidFill>
-            <a:schemeClr val="lt1">
-              <a:hueOff val="0"/>
-              <a:satOff val="0"/>
-              <a:lumOff val="0"/>
-              <a:alphaOff val="0"/>
-            </a:schemeClr>
-          </a:solidFill>
-          <a:prstDash val="solid"/>
-          <a:miter lim="800000"/>
-        </a:ln>
-        <a:effectLst/>
-      </dsp:spPr>
-      <dsp:style>
-        <a:lnRef idx="2">
-          <a:scrgbClr r="0" g="0" b="0"/>
-        </a:lnRef>
-        <a:fillRef idx="1">
-          <a:scrgbClr r="0" g="0" b="0"/>
-        </a:fillRef>
-        <a:effectRef idx="0">
-          <a:scrgbClr r="0" g="0" b="0"/>
-        </a:effectRef>
-        <a:fontRef idx="minor"/>
-      </dsp:style>
-    </dsp:sp>
-    <dsp:sp modelId="{EB4C67A3-3FEB-407E-916A-FABF07C2EAD0}">
-      <dsp:nvSpPr>
-        <dsp:cNvPr id="0" name=""/>
-        <dsp:cNvSpPr/>
-      </dsp:nvSpPr>
-      <dsp:spPr>
-        <a:xfrm>
-          <a:off x="1151998" y="23169"/>
-          <a:ext cx="1293676" cy="905531"/>
-        </a:xfrm>
-        <a:prstGeom prst="roundRect">
-          <a:avLst>
-            <a:gd name="adj" fmla="val 16670"/>
-          </a:avLst>
-        </a:prstGeom>
-        <a:solidFill>
-          <a:schemeClr val="accent1">
-            <a:hueOff val="0"/>
-            <a:satOff val="0"/>
-            <a:lumOff val="0"/>
-            <a:alphaOff val="0"/>
-          </a:schemeClr>
-        </a:solidFill>
-        <a:ln w="12700" cap="flat" cmpd="sng" algn="ctr">
-          <a:solidFill>
-            <a:schemeClr val="lt1">
-              <a:hueOff val="0"/>
-              <a:satOff val="0"/>
-              <a:lumOff val="0"/>
-              <a:alphaOff val="0"/>
-            </a:schemeClr>
-          </a:solidFill>
-          <a:prstDash val="solid"/>
-          <a:miter lim="800000"/>
-        </a:ln>
-        <a:effectLst/>
-      </dsp:spPr>
-      <dsp:style>
-        <a:lnRef idx="2">
-          <a:scrgbClr r="0" g="0" b="0"/>
-        </a:lnRef>
-        <a:fillRef idx="1">
-          <a:scrgbClr r="0" g="0" b="0"/>
-        </a:fillRef>
-        <a:effectRef idx="0">
-          <a:scrgbClr r="0" g="0" b="0"/>
-        </a:effectRef>
-        <a:fontRef idx="minor">
-          <a:schemeClr val="lt1"/>
-        </a:fontRef>
-      </dsp:style>
-      <dsp:txBody>
-        <a:bodyPr spcFirstLastPara="0" vert="horz" wrap="square" lIns="53340" tIns="53340" rIns="53340" bIns="53340" numCol="1" spcCol="1270" anchor="ctr" anchorCtr="0">
-          <a:noAutofit/>
-        </a:bodyPr>
-        <a:lstStyle/>
-        <a:p>
-          <a:pPr marL="0" lvl="0" indent="0" algn="ctr" defTabSz="622300">
-            <a:lnSpc>
-              <a:spcPct val="90000"/>
-            </a:lnSpc>
-            <a:spcBef>
-              <a:spcPct val="0"/>
-            </a:spcBef>
-            <a:spcAft>
-              <a:spcPct val="35000"/>
-            </a:spcAft>
-            <a:buNone/>
-          </a:pPr>
-          <a:r>
-            <a:rPr lang="en-GB" sz="1400" kern="1200" noProof="0"/>
-            <a:t>Used</a:t>
-          </a:r>
-          <a:r>
-            <a:rPr lang="nl-BE" sz="1400" kern="1200"/>
-            <a:t> by Threat Actor?</a:t>
-          </a:r>
-        </a:p>
-      </dsp:txBody>
-      <dsp:txXfrm>
-        <a:off x="1196210" y="67381"/>
-        <a:ext cx="1205252" cy="817107"/>
-      </dsp:txXfrm>
-    </dsp:sp>
-    <dsp:sp modelId="{1387BE6F-4A7A-46EB-85C4-5750C0DD55A8}">
-      <dsp:nvSpPr>
-        <dsp:cNvPr id="0" name=""/>
-        <dsp:cNvSpPr/>
-      </dsp:nvSpPr>
-      <dsp:spPr>
-        <a:xfrm>
-          <a:off x="2445674" y="109533"/>
-          <a:ext cx="940896" cy="731890"/>
-        </a:xfrm>
-        <a:prstGeom prst="rect">
-          <a:avLst/>
-        </a:prstGeom>
-        <a:noFill/>
-        <a:ln>
-          <a:noFill/>
-        </a:ln>
-        <a:effectLst/>
-      </dsp:spPr>
-      <dsp:style>
-        <a:lnRef idx="0">
-          <a:scrgbClr r="0" g="0" b="0"/>
-        </a:lnRef>
-        <a:fillRef idx="0">
-          <a:scrgbClr r="0" g="0" b="0"/>
-        </a:fillRef>
-        <a:effectRef idx="0">
-          <a:scrgbClr r="0" g="0" b="0"/>
-        </a:effectRef>
-        <a:fontRef idx="minor"/>
-      </dsp:style>
-      <dsp:txBody>
-        <a:bodyPr spcFirstLastPara="0" vert="horz" wrap="square" lIns="45720" tIns="45720" rIns="45720" bIns="45720" numCol="1" spcCol="1270" anchor="ctr" anchorCtr="0">
-          <a:noAutofit/>
-        </a:bodyPr>
-        <a:lstStyle/>
-        <a:p>
-          <a:pPr marL="57150" lvl="1" indent="-57150" algn="l" defTabSz="400050">
-            <a:lnSpc>
-              <a:spcPct val="90000"/>
-            </a:lnSpc>
-            <a:spcBef>
-              <a:spcPct val="0"/>
-            </a:spcBef>
-            <a:spcAft>
-              <a:spcPct val="15000"/>
-            </a:spcAft>
-            <a:buChar char="•"/>
-          </a:pPr>
-          <a:r>
-            <a:rPr lang="nl-BE" sz="900" kern="1200"/>
-            <a:t>Based on MITRE ATT&amp;CK</a:t>
-          </a:r>
-        </a:p>
-        <a:p>
-          <a:pPr marL="57150" lvl="1" indent="-57150" algn="l" defTabSz="400050">
-            <a:lnSpc>
-              <a:spcPct val="90000"/>
-            </a:lnSpc>
-            <a:spcBef>
-              <a:spcPct val="0"/>
-            </a:spcBef>
-            <a:spcAft>
-              <a:spcPct val="15000"/>
-            </a:spcAft>
-            <a:buChar char="•"/>
-          </a:pPr>
-          <a:r>
-            <a:rPr lang="nl-BE" sz="900" kern="1200"/>
-            <a:t>Via Navigator</a:t>
-          </a:r>
-        </a:p>
-      </dsp:txBody>
-      <dsp:txXfrm>
-        <a:off x="2445674" y="109533"/>
-        <a:ext cx="940896" cy="731890"/>
-      </dsp:txXfrm>
-    </dsp:sp>
-    <dsp:sp modelId="{E834ED6A-02F0-485C-B617-627684283ADD}">
-      <dsp:nvSpPr>
-        <dsp:cNvPr id="0" name=""/>
-        <dsp:cNvSpPr/>
-      </dsp:nvSpPr>
-      <dsp:spPr>
-        <a:xfrm rot="5400000">
-          <a:off x="2428195" y="1892261"/>
-          <a:ext cx="768484" cy="874892"/>
-        </a:xfrm>
-        <a:prstGeom prst="bentUpArrow">
-          <a:avLst>
-            <a:gd name="adj1" fmla="val 32840"/>
-            <a:gd name="adj2" fmla="val 25000"/>
-            <a:gd name="adj3" fmla="val 35780"/>
-          </a:avLst>
-        </a:prstGeom>
-        <a:solidFill>
-          <a:schemeClr val="accent1">
-            <a:tint val="50000"/>
-            <a:hueOff val="0"/>
-            <a:satOff val="0"/>
-            <a:lumOff val="0"/>
-            <a:alphaOff val="0"/>
-          </a:schemeClr>
-        </a:solidFill>
-        <a:ln w="12700" cap="flat" cmpd="sng" algn="ctr">
-          <a:solidFill>
-            <a:schemeClr val="lt1">
-              <a:hueOff val="0"/>
-              <a:satOff val="0"/>
-              <a:lumOff val="0"/>
-              <a:alphaOff val="0"/>
-            </a:schemeClr>
-          </a:solidFill>
-          <a:prstDash val="solid"/>
-          <a:miter lim="800000"/>
-        </a:ln>
-        <a:effectLst/>
-      </dsp:spPr>
-      <dsp:style>
-        <a:lnRef idx="2">
-          <a:scrgbClr r="0" g="0" b="0"/>
-        </a:lnRef>
-        <a:fillRef idx="1">
-          <a:scrgbClr r="0" g="0" b="0"/>
-        </a:fillRef>
-        <a:effectRef idx="0">
-          <a:scrgbClr r="0" g="0" b="0"/>
-        </a:effectRef>
-        <a:fontRef idx="minor"/>
-      </dsp:style>
-    </dsp:sp>
-    <dsp:sp modelId="{D38D170D-73CA-425F-9B2D-660C8118AEE7}">
-      <dsp:nvSpPr>
-        <dsp:cNvPr id="0" name=""/>
-        <dsp:cNvSpPr/>
-      </dsp:nvSpPr>
-      <dsp:spPr>
-        <a:xfrm>
-          <a:off x="2224593" y="1040380"/>
-          <a:ext cx="1293676" cy="905531"/>
-        </a:xfrm>
-        <a:prstGeom prst="roundRect">
-          <a:avLst>
-            <a:gd name="adj" fmla="val 16670"/>
-          </a:avLst>
-        </a:prstGeom>
-        <a:solidFill>
-          <a:schemeClr val="accent1">
-            <a:hueOff val="0"/>
-            <a:satOff val="0"/>
-            <a:lumOff val="0"/>
-            <a:alphaOff val="0"/>
-          </a:schemeClr>
-        </a:solidFill>
-        <a:ln w="12700" cap="flat" cmpd="sng" algn="ctr">
-          <a:solidFill>
-            <a:schemeClr val="lt1">
-              <a:hueOff val="0"/>
-              <a:satOff val="0"/>
-              <a:lumOff val="0"/>
-              <a:alphaOff val="0"/>
-            </a:schemeClr>
-          </a:solidFill>
-          <a:prstDash val="solid"/>
-          <a:miter lim="800000"/>
-        </a:ln>
-        <a:effectLst/>
-      </dsp:spPr>
-      <dsp:style>
-        <a:lnRef idx="2">
-          <a:scrgbClr r="0" g="0" b="0"/>
-        </a:lnRef>
-        <a:fillRef idx="1">
-          <a:scrgbClr r="0" g="0" b="0"/>
-        </a:fillRef>
-        <a:effectRef idx="0">
-          <a:scrgbClr r="0" g="0" b="0"/>
-        </a:effectRef>
-        <a:fontRef idx="minor">
-          <a:schemeClr val="lt1"/>
-        </a:fontRef>
-      </dsp:style>
-      <dsp:txBody>
-        <a:bodyPr spcFirstLastPara="0" vert="horz" wrap="square" lIns="53340" tIns="53340" rIns="53340" bIns="53340" numCol="1" spcCol="1270" anchor="ctr" anchorCtr="0">
-          <a:noAutofit/>
-        </a:bodyPr>
-        <a:lstStyle/>
-        <a:p>
-          <a:pPr marL="0" lvl="0" indent="0" algn="ctr" defTabSz="622300">
-            <a:lnSpc>
-              <a:spcPct val="90000"/>
-            </a:lnSpc>
-            <a:spcBef>
-              <a:spcPct val="0"/>
-            </a:spcBef>
-            <a:spcAft>
-              <a:spcPct val="35000"/>
-            </a:spcAft>
-            <a:buNone/>
-          </a:pPr>
-          <a:r>
-            <a:rPr lang="nl-BE" sz="1400" kern="1200"/>
-            <a:t>Complexity of emulation</a:t>
-          </a:r>
-        </a:p>
-      </dsp:txBody>
-      <dsp:txXfrm>
-        <a:off x="2268805" y="1084592"/>
-        <a:ext cx="1205252" cy="817107"/>
-      </dsp:txXfrm>
-    </dsp:sp>
-    <dsp:sp modelId="{AE1468F7-1875-49EA-9CD1-A7924E97FF76}">
-      <dsp:nvSpPr>
-        <dsp:cNvPr id="0" name=""/>
-        <dsp:cNvSpPr/>
-      </dsp:nvSpPr>
-      <dsp:spPr>
-        <a:xfrm>
-          <a:off x="3518269" y="1126743"/>
-          <a:ext cx="940896" cy="731890"/>
-        </a:xfrm>
-        <a:prstGeom prst="rect">
-          <a:avLst/>
-        </a:prstGeom>
-        <a:noFill/>
-        <a:ln>
-          <a:noFill/>
-        </a:ln>
-        <a:effectLst/>
-      </dsp:spPr>
-      <dsp:style>
-        <a:lnRef idx="0">
-          <a:scrgbClr r="0" g="0" b="0"/>
-        </a:lnRef>
-        <a:fillRef idx="0">
-          <a:scrgbClr r="0" g="0" b="0"/>
-        </a:fillRef>
-        <a:effectRef idx="0">
-          <a:scrgbClr r="0" g="0" b="0"/>
-        </a:effectRef>
-        <a:fontRef idx="minor"/>
-      </dsp:style>
-      <dsp:txBody>
-        <a:bodyPr spcFirstLastPara="0" vert="horz" wrap="square" lIns="45720" tIns="45720" rIns="45720" bIns="45720" numCol="1" spcCol="1270" anchor="ctr" anchorCtr="0">
-          <a:noAutofit/>
-        </a:bodyPr>
-        <a:lstStyle/>
-        <a:p>
-          <a:pPr marL="57150" lvl="1" indent="-57150" algn="l" defTabSz="400050">
-            <a:lnSpc>
-              <a:spcPct val="90000"/>
-            </a:lnSpc>
-            <a:spcBef>
-              <a:spcPct val="0"/>
-            </a:spcBef>
-            <a:spcAft>
-              <a:spcPct val="15000"/>
-            </a:spcAft>
-            <a:buChar char="•"/>
-          </a:pPr>
-          <a:r>
-            <a:rPr lang="nl-BE" sz="900" kern="1200"/>
-            <a:t>Technology?</a:t>
-          </a:r>
-        </a:p>
-        <a:p>
-          <a:pPr marL="57150" lvl="1" indent="-57150" algn="l" defTabSz="400050">
-            <a:lnSpc>
-              <a:spcPct val="90000"/>
-            </a:lnSpc>
-            <a:spcBef>
-              <a:spcPct val="0"/>
-            </a:spcBef>
-            <a:spcAft>
-              <a:spcPct val="15000"/>
-            </a:spcAft>
-            <a:buChar char="•"/>
-          </a:pPr>
-          <a:r>
-            <a:rPr lang="nl-BE" sz="900" kern="1200"/>
-            <a:t>Human interventation?</a:t>
-          </a:r>
-        </a:p>
-        <a:p>
-          <a:pPr marL="57150" lvl="1" indent="-57150" algn="l" defTabSz="400050">
-            <a:lnSpc>
-              <a:spcPct val="90000"/>
-            </a:lnSpc>
-            <a:spcBef>
-              <a:spcPct val="0"/>
-            </a:spcBef>
-            <a:spcAft>
-              <a:spcPct val="15000"/>
-            </a:spcAft>
-            <a:buChar char="•"/>
-          </a:pPr>
-          <a:r>
-            <a:rPr lang="nl-BE" sz="900" kern="1200"/>
-            <a:t>Single or multiple steps?</a:t>
-          </a:r>
-        </a:p>
-      </dsp:txBody>
-      <dsp:txXfrm>
-        <a:off x="3518269" y="1126743"/>
-        <a:ext cx="940896" cy="731890"/>
-      </dsp:txXfrm>
-    </dsp:sp>
-    <dsp:sp modelId="{83CAC81F-A3BF-4FBC-8102-9BED91350D97}">
-      <dsp:nvSpPr>
-        <dsp:cNvPr id="0" name=""/>
-        <dsp:cNvSpPr/>
-      </dsp:nvSpPr>
-      <dsp:spPr>
-        <a:xfrm rot="5400000">
-          <a:off x="3500790" y="2909472"/>
-          <a:ext cx="768484" cy="874892"/>
-        </a:xfrm>
-        <a:prstGeom prst="bentUpArrow">
-          <a:avLst>
-            <a:gd name="adj1" fmla="val 32840"/>
-            <a:gd name="adj2" fmla="val 25000"/>
-            <a:gd name="adj3" fmla="val 35780"/>
-          </a:avLst>
-        </a:prstGeom>
-        <a:solidFill>
-          <a:schemeClr val="accent1">
-            <a:tint val="50000"/>
-            <a:hueOff val="0"/>
-            <a:satOff val="0"/>
-            <a:lumOff val="0"/>
-            <a:alphaOff val="0"/>
-          </a:schemeClr>
-        </a:solidFill>
-        <a:ln w="12700" cap="flat" cmpd="sng" algn="ctr">
-          <a:solidFill>
-            <a:schemeClr val="lt1">
-              <a:hueOff val="0"/>
-              <a:satOff val="0"/>
-              <a:lumOff val="0"/>
-              <a:alphaOff val="0"/>
-            </a:schemeClr>
-          </a:solidFill>
-          <a:prstDash val="solid"/>
-          <a:miter lim="800000"/>
-        </a:ln>
-        <a:effectLst/>
-      </dsp:spPr>
-      <dsp:style>
-        <a:lnRef idx="2">
-          <a:scrgbClr r="0" g="0" b="0"/>
-        </a:lnRef>
-        <a:fillRef idx="1">
-          <a:scrgbClr r="0" g="0" b="0"/>
-        </a:fillRef>
-        <a:effectRef idx="0">
-          <a:scrgbClr r="0" g="0" b="0"/>
-        </a:effectRef>
-        <a:fontRef idx="minor"/>
-      </dsp:style>
-    </dsp:sp>
-    <dsp:sp modelId="{20C90FEA-403F-45F9-8084-4D76E24EF3A7}">
-      <dsp:nvSpPr>
-        <dsp:cNvPr id="0" name=""/>
-        <dsp:cNvSpPr/>
-      </dsp:nvSpPr>
-      <dsp:spPr>
-        <a:xfrm>
-          <a:off x="3297188" y="2057591"/>
-          <a:ext cx="1293676" cy="905531"/>
-        </a:xfrm>
-        <a:prstGeom prst="roundRect">
-          <a:avLst>
-            <a:gd name="adj" fmla="val 16670"/>
-          </a:avLst>
-        </a:prstGeom>
-        <a:solidFill>
-          <a:schemeClr val="accent1">
-            <a:hueOff val="0"/>
-            <a:satOff val="0"/>
-            <a:lumOff val="0"/>
-            <a:alphaOff val="0"/>
-          </a:schemeClr>
-        </a:solidFill>
-        <a:ln w="12700" cap="flat" cmpd="sng" algn="ctr">
-          <a:solidFill>
-            <a:schemeClr val="lt1">
-              <a:hueOff val="0"/>
-              <a:satOff val="0"/>
-              <a:lumOff val="0"/>
-              <a:alphaOff val="0"/>
-            </a:schemeClr>
-          </a:solidFill>
-          <a:prstDash val="solid"/>
-          <a:miter lim="800000"/>
-        </a:ln>
-        <a:effectLst/>
-      </dsp:spPr>
-      <dsp:style>
-        <a:lnRef idx="2">
-          <a:scrgbClr r="0" g="0" b="0"/>
-        </a:lnRef>
-        <a:fillRef idx="1">
-          <a:scrgbClr r="0" g="0" b="0"/>
-        </a:fillRef>
-        <a:effectRef idx="0">
-          <a:scrgbClr r="0" g="0" b="0"/>
-        </a:effectRef>
-        <a:fontRef idx="minor">
-          <a:schemeClr val="lt1"/>
-        </a:fontRef>
-      </dsp:style>
-      <dsp:txBody>
-        <a:bodyPr spcFirstLastPara="0" vert="horz" wrap="square" lIns="53340" tIns="53340" rIns="53340" bIns="53340" numCol="1" spcCol="1270" anchor="ctr" anchorCtr="0">
-          <a:noAutofit/>
-        </a:bodyPr>
-        <a:lstStyle/>
-        <a:p>
-          <a:pPr marL="0" lvl="0" indent="0" algn="ctr" defTabSz="622300">
-            <a:lnSpc>
-              <a:spcPct val="90000"/>
-            </a:lnSpc>
-            <a:spcBef>
-              <a:spcPct val="0"/>
-            </a:spcBef>
-            <a:spcAft>
-              <a:spcPct val="35000"/>
-            </a:spcAft>
-            <a:buNone/>
-          </a:pPr>
-          <a:r>
-            <a:rPr lang="nl-BE" sz="1400" kern="1200"/>
-            <a:t>Detection usefulness</a:t>
-          </a:r>
-        </a:p>
-      </dsp:txBody>
-      <dsp:txXfrm>
-        <a:off x="3341400" y="2101803"/>
-        <a:ext cx="1205252" cy="817107"/>
-      </dsp:txXfrm>
-    </dsp:sp>
-    <dsp:sp modelId="{6FF0C8AD-74EB-4770-AA18-055DC768EB3C}">
-      <dsp:nvSpPr>
-        <dsp:cNvPr id="0" name=""/>
-        <dsp:cNvSpPr/>
-      </dsp:nvSpPr>
-      <dsp:spPr>
-        <a:xfrm>
-          <a:off x="4590864" y="2143954"/>
-          <a:ext cx="940896" cy="731890"/>
-        </a:xfrm>
-        <a:prstGeom prst="rect">
-          <a:avLst/>
-        </a:prstGeom>
-        <a:noFill/>
-        <a:ln>
-          <a:noFill/>
-        </a:ln>
-        <a:effectLst/>
-      </dsp:spPr>
-      <dsp:style>
-        <a:lnRef idx="0">
-          <a:scrgbClr r="0" g="0" b="0"/>
-        </a:lnRef>
-        <a:fillRef idx="0">
-          <a:scrgbClr r="0" g="0" b="0"/>
-        </a:fillRef>
-        <a:effectRef idx="0">
-          <a:scrgbClr r="0" g="0" b="0"/>
-        </a:effectRef>
-        <a:fontRef idx="minor"/>
-      </dsp:style>
-      <dsp:txBody>
-        <a:bodyPr spcFirstLastPara="0" vert="horz" wrap="square" lIns="45720" tIns="45720" rIns="45720" bIns="45720" numCol="1" spcCol="1270" anchor="ctr" anchorCtr="0">
-          <a:noAutofit/>
-        </a:bodyPr>
-        <a:lstStyle/>
-        <a:p>
-          <a:pPr marL="57150" lvl="1" indent="-57150" algn="l" defTabSz="400050">
-            <a:lnSpc>
-              <a:spcPct val="90000"/>
-            </a:lnSpc>
-            <a:spcBef>
-              <a:spcPct val="0"/>
-            </a:spcBef>
-            <a:spcAft>
-              <a:spcPct val="15000"/>
-            </a:spcAft>
-            <a:buChar char="•"/>
-          </a:pPr>
-          <a:r>
-            <a:rPr lang="nl-BE" sz="900" kern="1200"/>
-            <a:t>Useful for training?</a:t>
-          </a:r>
-        </a:p>
-      </dsp:txBody>
-      <dsp:txXfrm>
-        <a:off x="4590864" y="2143954"/>
-        <a:ext cx="940896" cy="731890"/>
-      </dsp:txXfrm>
-    </dsp:sp>
-    <dsp:sp modelId="{6BC90481-B202-4918-926C-32EFF716DC2A}">
-      <dsp:nvSpPr>
-        <dsp:cNvPr id="0" name=""/>
-        <dsp:cNvSpPr/>
-      </dsp:nvSpPr>
-      <dsp:spPr>
-        <a:xfrm>
-          <a:off x="4369783" y="3074801"/>
-          <a:ext cx="1293676" cy="905531"/>
-        </a:xfrm>
-        <a:prstGeom prst="roundRect">
-          <a:avLst>
-            <a:gd name="adj" fmla="val 16670"/>
-          </a:avLst>
-        </a:prstGeom>
-        <a:solidFill>
-          <a:schemeClr val="accent1">
-            <a:hueOff val="0"/>
-            <a:satOff val="0"/>
-            <a:lumOff val="0"/>
-            <a:alphaOff val="0"/>
-          </a:schemeClr>
-        </a:solidFill>
-        <a:ln w="12700" cap="flat" cmpd="sng" algn="ctr">
-          <a:solidFill>
-            <a:schemeClr val="lt1">
-              <a:hueOff val="0"/>
-              <a:satOff val="0"/>
-              <a:lumOff val="0"/>
-              <a:alphaOff val="0"/>
-            </a:schemeClr>
-          </a:solidFill>
-          <a:prstDash val="solid"/>
-          <a:miter lim="800000"/>
-        </a:ln>
-        <a:effectLst/>
-      </dsp:spPr>
-      <dsp:style>
-        <a:lnRef idx="2">
-          <a:scrgbClr r="0" g="0" b="0"/>
-        </a:lnRef>
-        <a:fillRef idx="1">
-          <a:scrgbClr r="0" g="0" b="0"/>
-        </a:fillRef>
-        <a:effectRef idx="0">
-          <a:scrgbClr r="0" g="0" b="0"/>
-        </a:effectRef>
-        <a:fontRef idx="minor">
-          <a:schemeClr val="lt1"/>
-        </a:fontRef>
-      </dsp:style>
-      <dsp:txBody>
-        <a:bodyPr spcFirstLastPara="0" vert="horz" wrap="square" lIns="53340" tIns="53340" rIns="53340" bIns="53340" numCol="1" spcCol="1270" anchor="ctr" anchorCtr="0">
-          <a:noAutofit/>
-        </a:bodyPr>
-        <a:lstStyle/>
-        <a:p>
-          <a:pPr marL="0" lvl="0" indent="0" algn="ctr" defTabSz="622300">
-            <a:lnSpc>
-              <a:spcPct val="90000"/>
-            </a:lnSpc>
-            <a:spcBef>
-              <a:spcPct val="0"/>
-            </a:spcBef>
-            <a:spcAft>
-              <a:spcPct val="35000"/>
-            </a:spcAft>
-            <a:buNone/>
-          </a:pPr>
-          <a:r>
-            <a:rPr lang="nl-BE" sz="1400" kern="1200"/>
-            <a:t>Additional Infrastructure</a:t>
-          </a:r>
-        </a:p>
-      </dsp:txBody>
-      <dsp:txXfrm>
-        <a:off x="4413995" y="3119013"/>
-        <a:ext cx="1205252" cy="817107"/>
-      </dsp:txXfrm>
-    </dsp:sp>
-    <dsp:sp modelId="{5F8CCA5F-7B52-4DD5-BBC2-9806B2332F8D}">
-      <dsp:nvSpPr>
-        <dsp:cNvPr id="0" name=""/>
-        <dsp:cNvSpPr/>
-      </dsp:nvSpPr>
-      <dsp:spPr>
-        <a:xfrm>
-          <a:off x="5663459" y="3161164"/>
-          <a:ext cx="940896" cy="731890"/>
-        </a:xfrm>
-        <a:prstGeom prst="rect">
-          <a:avLst/>
-        </a:prstGeom>
-        <a:noFill/>
-        <a:ln>
-          <a:noFill/>
-        </a:ln>
-        <a:effectLst/>
-      </dsp:spPr>
-      <dsp:style>
-        <a:lnRef idx="0">
-          <a:scrgbClr r="0" g="0" b="0"/>
-        </a:lnRef>
-        <a:fillRef idx="0">
-          <a:scrgbClr r="0" g="0" b="0"/>
-        </a:fillRef>
-        <a:effectRef idx="0">
-          <a:scrgbClr r="0" g="0" b="0"/>
-        </a:effectRef>
-        <a:fontRef idx="minor"/>
-      </dsp:style>
-      <dsp:txBody>
-        <a:bodyPr spcFirstLastPara="0" vert="horz" wrap="square" lIns="26670" tIns="26670" rIns="26670" bIns="26670" numCol="1" spcCol="1270" anchor="ctr" anchorCtr="0">
-          <a:noAutofit/>
-        </a:bodyPr>
-        <a:lstStyle/>
-        <a:p>
-          <a:pPr marL="57150" lvl="1" indent="-57150" algn="l" defTabSz="311150">
-            <a:lnSpc>
-              <a:spcPct val="90000"/>
-            </a:lnSpc>
-            <a:spcBef>
-              <a:spcPct val="0"/>
-            </a:spcBef>
-            <a:spcAft>
-              <a:spcPct val="15000"/>
-            </a:spcAft>
-            <a:buChar char="•"/>
-          </a:pPr>
-          <a:r>
-            <a:rPr lang="nl-BE" sz="700" kern="1200"/>
-            <a:t>Complexity</a:t>
-          </a:r>
-        </a:p>
-        <a:p>
-          <a:pPr marL="57150" lvl="1" indent="-57150" algn="l" defTabSz="311150">
-            <a:lnSpc>
-              <a:spcPct val="90000"/>
-            </a:lnSpc>
-            <a:spcBef>
-              <a:spcPct val="0"/>
-            </a:spcBef>
-            <a:spcAft>
-              <a:spcPct val="15000"/>
-            </a:spcAft>
-            <a:buChar char="•"/>
-          </a:pPr>
-          <a:r>
-            <a:rPr lang="nl-BE" sz="700" kern="1200"/>
-            <a:t>Attacker infrastructure</a:t>
-          </a:r>
-        </a:p>
-        <a:p>
-          <a:pPr marL="57150" lvl="1" indent="-57150" algn="l" defTabSz="311150">
-            <a:lnSpc>
-              <a:spcPct val="90000"/>
-            </a:lnSpc>
-            <a:spcBef>
-              <a:spcPct val="0"/>
-            </a:spcBef>
-            <a:spcAft>
-              <a:spcPct val="15000"/>
-            </a:spcAft>
-            <a:buChar char="•"/>
-          </a:pPr>
-          <a:r>
-            <a:rPr lang="nl-BE" sz="700" kern="1200"/>
-            <a:t>Network </a:t>
-          </a:r>
-        </a:p>
-      </dsp:txBody>
-      <dsp:txXfrm>
-        <a:off x="5663459" y="3161164"/>
-        <a:ext cx="940896" cy="731890"/>
       </dsp:txXfrm>
     </dsp:sp>
   </dsp:spTree>
@@ -21483,324 +19238,6 @@
 </dgm:layoutDef>
 </file>
 
-<file path=ppt/diagrams/layout9.xml><?xml version="1.0" encoding="utf-8"?>
-<dgm:layoutDef xmlns:dgm="http://schemas.openxmlformats.org/drawingml/2006/diagram" xmlns:a="http://schemas.openxmlformats.org/drawingml/2006/main" uniqueId="urn:microsoft.com/office/officeart/2005/8/layout/StepDownProcess">
-  <dgm:title val=""/>
-  <dgm:desc val=""/>
-  <dgm:catLst>
-    <dgm:cat type="process" pri="1600"/>
-  </dgm:catLst>
-  <dgm:sampData>
-    <dgm:dataModel>
-      <dgm:ptLst>
-        <dgm:pt modelId="0" type="doc"/>
-        <dgm:pt modelId="10">
-          <dgm:prSet phldr="1"/>
-        </dgm:pt>
-        <dgm:pt modelId="11">
-          <dgm:prSet phldr="1"/>
-        </dgm:pt>
-        <dgm:pt modelId="20">
-          <dgm:prSet phldr="1"/>
-        </dgm:pt>
-        <dgm:pt modelId="21">
-          <dgm:prSet phldr="1"/>
-        </dgm:pt>
-        <dgm:pt modelId="30">
-          <dgm:prSet phldr="1"/>
-        </dgm:pt>
-        <dgm:pt modelId="31">
-          <dgm:prSet phldr="1"/>
-        </dgm:pt>
-      </dgm:ptLst>
-      <dgm:cxnLst>
-        <dgm:cxn modelId="60" srcId="0" destId="10" srcOrd="0" destOrd="0"/>
-        <dgm:cxn modelId="12" srcId="10" destId="11" srcOrd="0" destOrd="0"/>
-        <dgm:cxn modelId="70" srcId="0" destId="20" srcOrd="1" destOrd="0"/>
-        <dgm:cxn modelId="22" srcId="20" destId="21" srcOrd="0" destOrd="0"/>
-        <dgm:cxn modelId="80" srcId="0" destId="30" srcOrd="2" destOrd="0"/>
-        <dgm:cxn modelId="32" srcId="30" destId="31" srcOrd="0" destOrd="0"/>
-      </dgm:cxnLst>
-      <dgm:bg/>
-      <dgm:whole/>
-    </dgm:dataModel>
-  </dgm:sampData>
-  <dgm:styleData>
-    <dgm:dataModel>
-      <dgm:ptLst>
-        <dgm:pt modelId="0" type="doc"/>
-        <dgm:pt modelId="10">
-          <dgm:prSet phldr="1"/>
-        </dgm:pt>
-        <dgm:pt modelId="20">
-          <dgm:prSet phldr="1"/>
-        </dgm:pt>
-      </dgm:ptLst>
-      <dgm:cxnLst>
-        <dgm:cxn modelId="60" srcId="0" destId="10" srcOrd="0" destOrd="0"/>
-        <dgm:cxn modelId="70" srcId="0" destId="20" srcOrd="1" destOrd="0"/>
-      </dgm:cxnLst>
-      <dgm:bg/>
-      <dgm:whole/>
-    </dgm:dataModel>
-  </dgm:styleData>
-  <dgm:clrData>
-    <dgm:dataModel>
-      <dgm:ptLst>
-        <dgm:pt modelId="0" type="doc"/>
-        <dgm:pt modelId="10">
-          <dgm:prSet phldr="1"/>
-        </dgm:pt>
-        <dgm:pt modelId="20">
-          <dgm:prSet phldr="1"/>
-        </dgm:pt>
-        <dgm:pt modelId="30">
-          <dgm:prSet phldr="1"/>
-        </dgm:pt>
-        <dgm:pt modelId="40">
-          <dgm:prSet phldr="1"/>
-        </dgm:pt>
-      </dgm:ptLst>
-      <dgm:cxnLst>
-        <dgm:cxn modelId="60" srcId="0" destId="10" srcOrd="0" destOrd="0"/>
-        <dgm:cxn modelId="70" srcId="0" destId="20" srcOrd="1" destOrd="0"/>
-        <dgm:cxn modelId="80" srcId="0" destId="30" srcOrd="2" destOrd="0"/>
-        <dgm:cxn modelId="90" srcId="0" destId="40" srcOrd="3" destOrd="0"/>
-      </dgm:cxnLst>
-      <dgm:bg/>
-      <dgm:whole/>
-    </dgm:dataModel>
-  </dgm:clrData>
-  <dgm:layoutNode name="rootnode">
-    <dgm:varLst>
-      <dgm:chMax/>
-      <dgm:chPref/>
-      <dgm:dir/>
-      <dgm:animLvl val="lvl"/>
-    </dgm:varLst>
-    <dgm:choose name="Name0">
-      <dgm:if name="Name1" func="var" arg="dir" op="equ" val="norm">
-        <dgm:alg type="snake">
-          <dgm:param type="grDir" val="tL"/>
-          <dgm:param type="flowDir" val="row"/>
-          <dgm:param type="off" val="off"/>
-          <dgm:param type="bkpt" val="fixed"/>
-          <dgm:param type="bkPtFixedVal" val="1"/>
-        </dgm:alg>
-      </dgm:if>
-      <dgm:else name="Name2">
-        <dgm:alg type="snake">
-          <dgm:param type="grDir" val="tR"/>
-          <dgm:param type="flowDir" val="row"/>
-          <dgm:param type="off" val="off"/>
-          <dgm:param type="bkpt" val="fixed"/>
-          <dgm:param type="bkPtFixedVal" val="1"/>
-        </dgm:alg>
-      </dgm:else>
-    </dgm:choose>
-    <dgm:shape xmlns:r="http://schemas.openxmlformats.org/officeDocument/2006/relationships" r:blip="">
-      <dgm:adjLst/>
-    </dgm:shape>
-    <dgm:choose name="Name3">
-      <dgm:if name="Name4" func="var" arg="dir" op="equ" val="norm">
-        <dgm:constrLst>
-          <dgm:constr type="alignOff" forName="rootnode" val="0.48"/>
-          <dgm:constr type="primFontSz" for="des" forName="ParentText" val="65"/>
-          <dgm:constr type="primFontSz" for="des" forName="ChildText" refType="primFontSz" refFor="des" refForName="ParentText" op="lte"/>
-          <dgm:constr type="w" for="ch" forName="composite" refType="w"/>
-          <dgm:constr type="h" for="ch" forName="composite" refType="h"/>
-          <dgm:constr type="sp" refType="h" refFor="ch" refForName="composite" op="equ" fact="-0.38"/>
-        </dgm:constrLst>
-      </dgm:if>
-      <dgm:else name="Name5">
-        <dgm:constrLst>
-          <dgm:constr type="alignOff" forName="rootnode" val="0.48"/>
-          <dgm:constr type="primFontSz" for="des" forName="ParentText" val="65"/>
-          <dgm:constr type="primFontSz" for="des" forName="ChildText" refType="primFontSz" refFor="des" refForName="ParentText" op="lte"/>
-          <dgm:constr type="w" for="ch" forName="composite" refType="w"/>
-          <dgm:constr type="h" for="ch" forName="composite" refType="h"/>
-          <dgm:constr type="sp" refType="h" refFor="ch" refForName="composite" op="equ" fact="-0.38"/>
-        </dgm:constrLst>
-      </dgm:else>
-    </dgm:choose>
-    <dgm:forEach name="nodesForEach" axis="ch" ptType="node">
-      <dgm:layoutNode name="composite">
-        <dgm:alg type="composite">
-          <dgm:param type="ar" val="1.2439"/>
-        </dgm:alg>
-        <dgm:shape xmlns:r="http://schemas.openxmlformats.org/officeDocument/2006/relationships" r:blip="">
-          <dgm:adjLst/>
-        </dgm:shape>
-        <dgm:choose name="Name6">
-          <dgm:if name="Name7" func="var" arg="dir" op="equ" val="norm">
-            <dgm:constrLst>
-              <dgm:constr type="l" for="ch" forName="bentUpArrow1" refType="w" fact="0.07"/>
-              <dgm:constr type="t" for="ch" forName="bentUpArrow1" refType="h" fact="0.524"/>
-              <dgm:constr type="w" for="ch" forName="bentUpArrow1" refType="w" fact="0.3844"/>
-              <dgm:constr type="h" for="ch" forName="bentUpArrow1" refType="h" fact="0.42"/>
-              <dgm:constr type="l" for="ch" forName="ParentText" refType="w" fact="0"/>
-              <dgm:constr type="t" for="ch" forName="ParentText" refType="h" fact="0"/>
-              <dgm:constr type="w" for="ch" forName="ParentText" refType="w" fact="0.5684"/>
-              <dgm:constr type="h" for="ch" forName="ParentText" refType="h" fact="0.4949"/>
-              <dgm:constr type="l" for="ch" forName="ChildText" refType="w" refFor="ch" refForName="ParentText"/>
-              <dgm:constr type="t" for="ch" forName="ChildText" refType="h" fact="0.05"/>
-              <dgm:constr type="w" for="ch" forName="ChildText" refType="w" fact="0.4134"/>
-              <dgm:constr type="h" for="ch" forName="ChildText" refType="h" fact="0.4"/>
-              <dgm:constr type="l" for="ch" forName="FinalChildText" refType="w" refFor="ch" refForName="ParentText"/>
-              <dgm:constr type="t" for="ch" forName="FinalChildText" refType="h" fact="0.05"/>
-              <dgm:constr type="w" for="ch" forName="FinalChildText" refType="w" fact="0.4134"/>
-              <dgm:constr type="h" for="ch" forName="FinalChildText" refType="h" fact="0.4"/>
-            </dgm:constrLst>
-          </dgm:if>
-          <dgm:else name="Name8">
-            <dgm:constrLst>
-              <dgm:constr type="r" for="ch" forName="bentUpArrow1" refType="w" fact="0.97"/>
-              <dgm:constr type="t" for="ch" forName="bentUpArrow1" refType="h" fact="0.524"/>
-              <dgm:constr type="w" for="ch" forName="bentUpArrow1" refType="w" fact="0.3844"/>
-              <dgm:constr type="h" for="ch" forName="bentUpArrow1" refType="h" fact="0.42"/>
-              <dgm:constr type="l" for="ch" forName="ParentText" refType="w" fact="0.4316"/>
-              <dgm:constr type="t" for="ch" forName="ParentText" refType="h" fact="0"/>
-              <dgm:constr type="w" for="ch" forName="ParentText" refType="w" fact="0.5684"/>
-              <dgm:constr type="h" for="ch" forName="ParentText" refType="h" fact="0.4949"/>
-              <dgm:constr type="l" for="ch" forName="ChildText" refType="w" fact="0"/>
-              <dgm:constr type="t" for="ch" forName="ChildText" refType="h" fact="0.05"/>
-              <dgm:constr type="w" for="ch" forName="ChildText" refType="w" fact="0.4134"/>
-              <dgm:constr type="h" for="ch" forName="ChildText" refType="h" fact="0.4"/>
-              <dgm:constr type="l" for="ch" forName="FinalChildText" refType="w" fact="0"/>
-              <dgm:constr type="t" for="ch" forName="FinalChildText" refType="h" fact="0.05"/>
-              <dgm:constr type="w" for="ch" forName="FinalChildText" refType="w" fact="0.4134"/>
-              <dgm:constr type="h" for="ch" forName="FinalChildText" refType="h" fact="0.4"/>
-            </dgm:constrLst>
-          </dgm:else>
-        </dgm:choose>
-        <dgm:choose name="Name9">
-          <dgm:if name="Name10" axis="followSib" ptType="node" func="cnt" op="gte" val="1">
-            <dgm:layoutNode name="bentUpArrow1" styleLbl="alignImgPlace1">
-              <dgm:alg type="sp"/>
-              <dgm:choose name="Name11">
-                <dgm:if name="Name12" func="var" arg="dir" op="equ" val="norm">
-                  <dgm:shape xmlns:r="http://schemas.openxmlformats.org/officeDocument/2006/relationships" rot="90" type="bentUpArrow" r:blip="">
-                    <dgm:adjLst>
-                      <dgm:adj idx="1" val="0.3284"/>
-                      <dgm:adj idx="2" val="0.25"/>
-                      <dgm:adj idx="3" val="0.3578"/>
-                    </dgm:adjLst>
-                  </dgm:shape>
-                </dgm:if>
-                <dgm:else name="Name13">
-                  <dgm:shape xmlns:r="http://schemas.openxmlformats.org/officeDocument/2006/relationships" rot="180" type="bentArrow" r:blip="">
-                    <dgm:adjLst>
-                      <dgm:adj idx="1" val="0.3284"/>
-                      <dgm:adj idx="2" val="0.25"/>
-                      <dgm:adj idx="3" val="0.3578"/>
-                      <dgm:adj idx="4" val="0"/>
-                    </dgm:adjLst>
-                  </dgm:shape>
-                </dgm:else>
-              </dgm:choose>
-              <dgm:presOf/>
-            </dgm:layoutNode>
-          </dgm:if>
-          <dgm:else name="Name14"/>
-        </dgm:choose>
-        <dgm:layoutNode name="ParentText" styleLbl="node1">
-          <dgm:varLst>
-            <dgm:chMax val="1"/>
-            <dgm:chPref val="1"/>
-            <dgm:bulletEnabled val="1"/>
-          </dgm:varLst>
-          <dgm:alg type="tx"/>
-          <dgm:shape xmlns:r="http://schemas.openxmlformats.org/officeDocument/2006/relationships" type="roundRect" r:blip="">
-            <dgm:adjLst>
-              <dgm:adj idx="1" val="0.1667"/>
-            </dgm:adjLst>
-          </dgm:shape>
-          <dgm:presOf axis="self" ptType="node"/>
-          <dgm:constrLst>
-            <dgm:constr type="lMarg" refType="primFontSz" fact="0.3"/>
-            <dgm:constr type="rMarg" refType="primFontSz" fact="0.3"/>
-            <dgm:constr type="tMarg" refType="primFontSz" fact="0.3"/>
-            <dgm:constr type="bMarg" refType="primFontSz" fact="0.3"/>
-          </dgm:constrLst>
-          <dgm:ruleLst>
-            <dgm:rule type="primFontSz" val="5" fact="NaN" max="NaN"/>
-          </dgm:ruleLst>
-        </dgm:layoutNode>
-        <dgm:choose name="Name15">
-          <dgm:if name="Name16" axis="followSib" ptType="node" func="cnt" op="equ" val="0">
-            <dgm:choose name="Name17">
-              <dgm:if name="Name18" axis="ch" ptType="node" func="cnt" op="gte" val="1">
-                <dgm:layoutNode name="FinalChildText" styleLbl="revTx">
-                  <dgm:varLst>
-                    <dgm:chMax val="0"/>
-                    <dgm:chPref val="0"/>
-                    <dgm:bulletEnabled val="1"/>
-                  </dgm:varLst>
-                  <dgm:alg type="tx">
-                    <dgm:param type="stBulletLvl" val="1"/>
-                    <dgm:param type="txAnchorVertCh" val="mid"/>
-                    <dgm:param type="parTxLTRAlign" val="l"/>
-                  </dgm:alg>
-                  <dgm:shape xmlns:r="http://schemas.openxmlformats.org/officeDocument/2006/relationships" type="rect" r:blip="">
-                    <dgm:adjLst/>
-                  </dgm:shape>
-                  <dgm:presOf axis="des" ptType="node"/>
-                  <dgm:constrLst>
-                    <dgm:constr type="lMarg" refType="primFontSz" fact="0.3"/>
-                    <dgm:constr type="rMarg" refType="primFontSz" fact="0.3"/>
-                    <dgm:constr type="tMarg" refType="primFontSz" fact="0.3"/>
-                    <dgm:constr type="bMarg" refType="primFontSz" fact="0.3"/>
-                  </dgm:constrLst>
-                  <dgm:ruleLst>
-                    <dgm:rule type="primFontSz" val="5" fact="NaN" max="NaN"/>
-                  </dgm:ruleLst>
-                </dgm:layoutNode>
-              </dgm:if>
-              <dgm:else name="Name19"/>
-            </dgm:choose>
-          </dgm:if>
-          <dgm:else name="Name20">
-            <dgm:layoutNode name="ChildText" styleLbl="revTx">
-              <dgm:varLst>
-                <dgm:chMax val="0"/>
-                <dgm:chPref val="0"/>
-                <dgm:bulletEnabled val="1"/>
-              </dgm:varLst>
-              <dgm:alg type="tx">
-                <dgm:param type="stBulletLvl" val="1"/>
-                <dgm:param type="txAnchorVertCh" val="mid"/>
-                <dgm:param type="parTxLTRAlign" val="l"/>
-              </dgm:alg>
-              <dgm:shape xmlns:r="http://schemas.openxmlformats.org/officeDocument/2006/relationships" type="rect" r:blip="">
-                <dgm:adjLst/>
-              </dgm:shape>
-              <dgm:presOf axis="des" ptType="node"/>
-              <dgm:constrLst>
-                <dgm:constr type="lMarg" refType="primFontSz" fact="0.3"/>
-                <dgm:constr type="rMarg" refType="primFontSz" fact="0.3"/>
-                <dgm:constr type="tMarg" refType="primFontSz" fact="0.3"/>
-                <dgm:constr type="bMarg" refType="primFontSz" fact="0.3"/>
-              </dgm:constrLst>
-              <dgm:ruleLst>
-                <dgm:rule type="primFontSz" val="5" fact="NaN" max="NaN"/>
-              </dgm:ruleLst>
-            </dgm:layoutNode>
-          </dgm:else>
-        </dgm:choose>
-      </dgm:layoutNode>
-      <dgm:forEach name="sibTransForEach" axis="followSib" ptType="sibTrans" cnt="1">
-        <dgm:layoutNode name="sibTrans">
-          <dgm:alg type="sp"/>
-          <dgm:shape xmlns:r="http://schemas.openxmlformats.org/officeDocument/2006/relationships" r:blip="">
-            <dgm:adjLst/>
-          </dgm:shape>
-        </dgm:layoutNode>
-      </dgm:forEach>
-    </dgm:forEach>
-  </dgm:layoutNode>
-</dgm:layoutDef>
-</file>
-
 <file path=ppt/diagrams/quickStyle1.xml><?xml version="1.0" encoding="utf-8"?>
 <dgm:styleDef xmlns:dgm="http://schemas.openxmlformats.org/drawingml/2006/diagram" xmlns:a="http://schemas.openxmlformats.org/drawingml/2006/main" uniqueId="urn:microsoft.com/office/officeart/2005/8/quickstyle/simple1">
   <dgm:title val=""/>
@@ -29040,1040 +26477,6 @@
 </file>
 
 <file path=ppt/diagrams/quickStyle8.xml><?xml version="1.0" encoding="utf-8"?>
-<dgm:styleDef xmlns:dgm="http://schemas.openxmlformats.org/drawingml/2006/diagram" xmlns:a="http://schemas.openxmlformats.org/drawingml/2006/main" uniqueId="urn:microsoft.com/office/officeart/2005/8/quickstyle/simple1">
-  <dgm:title val=""/>
-  <dgm:desc val=""/>
-  <dgm:catLst>
-    <dgm:cat type="simple" pri="10100"/>
-  </dgm:catLst>
-  <dgm:scene3d>
-    <a:camera prst="orthographicFront"/>
-    <a:lightRig rig="threePt" dir="t"/>
-  </dgm:scene3d>
-  <dgm:styleLbl name="node0">
-    <dgm:scene3d>
-      <a:camera prst="orthographicFront"/>
-      <a:lightRig rig="threePt" dir="t"/>
-    </dgm:scene3d>
-    <dgm:sp3d/>
-    <dgm:txPr/>
-    <dgm:style>
-      <a:lnRef idx="2">
-        <a:scrgbClr r="0" g="0" b="0"/>
-      </a:lnRef>
-      <a:fillRef idx="1">
-        <a:scrgbClr r="0" g="0" b="0"/>
-      </a:fillRef>
-      <a:effectRef idx="0">
-        <a:scrgbClr r="0" g="0" b="0"/>
-      </a:effectRef>
-      <a:fontRef idx="minor">
-        <a:schemeClr val="lt1"/>
-      </a:fontRef>
-    </dgm:style>
-  </dgm:styleLbl>
-  <dgm:styleLbl name="lnNode1">
-    <dgm:scene3d>
-      <a:camera prst="orthographicFront"/>
-      <a:lightRig rig="threePt" dir="t"/>
-    </dgm:scene3d>
-    <dgm:sp3d/>
-    <dgm:txPr/>
-    <dgm:style>
-      <a:lnRef idx="2">
-        <a:scrgbClr r="0" g="0" b="0"/>
-      </a:lnRef>
-      <a:fillRef idx="1">
-        <a:scrgbClr r="0" g="0" b="0"/>
-      </a:fillRef>
-      <a:effectRef idx="0">
-        <a:scrgbClr r="0" g="0" b="0"/>
-      </a:effectRef>
-      <a:fontRef idx="minor">
-        <a:schemeClr val="lt1"/>
-      </a:fontRef>
-    </dgm:style>
-  </dgm:styleLbl>
-  <dgm:styleLbl name="vennNode1">
-    <dgm:scene3d>
-      <a:camera prst="orthographicFront"/>
-      <a:lightRig rig="threePt" dir="t"/>
-    </dgm:scene3d>
-    <dgm:sp3d/>
-    <dgm:txPr/>
-    <dgm:style>
-      <a:lnRef idx="2">
-        <a:scrgbClr r="0" g="0" b="0"/>
-      </a:lnRef>
-      <a:fillRef idx="1">
-        <a:scrgbClr r="0" g="0" b="0"/>
-      </a:fillRef>
-      <a:effectRef idx="0">
-        <a:scrgbClr r="0" g="0" b="0"/>
-      </a:effectRef>
-      <a:fontRef idx="minor">
-        <a:schemeClr val="tx1"/>
-      </a:fontRef>
-    </dgm:style>
-  </dgm:styleLbl>
-  <dgm:styleLbl name="alignNode1">
-    <dgm:scene3d>
-      <a:camera prst="orthographicFront"/>
-      <a:lightRig rig="threePt" dir="t"/>
-    </dgm:scene3d>
-    <dgm:sp3d/>
-    <dgm:txPr/>
-    <dgm:style>
-      <a:lnRef idx="2">
-        <a:scrgbClr r="0" g="0" b="0"/>
-      </a:lnRef>
-      <a:fillRef idx="1">
-        <a:scrgbClr r="0" g="0" b="0"/>
-      </a:fillRef>
-      <a:effectRef idx="0">
-        <a:scrgbClr r="0" g="0" b="0"/>
-      </a:effectRef>
-      <a:fontRef idx="minor">
-        <a:schemeClr val="lt1"/>
-      </a:fontRef>
-    </dgm:style>
-  </dgm:styleLbl>
-  <dgm:styleLbl name="node1">
-    <dgm:scene3d>
-      <a:camera prst="orthographicFront"/>
-      <a:lightRig rig="threePt" dir="t"/>
-    </dgm:scene3d>
-    <dgm:sp3d/>
-    <dgm:txPr/>
-    <dgm:style>
-      <a:lnRef idx="2">
-        <a:scrgbClr r="0" g="0" b="0"/>
-      </a:lnRef>
-      <a:fillRef idx="1">
-        <a:scrgbClr r="0" g="0" b="0"/>
-      </a:fillRef>
-      <a:effectRef idx="0">
-        <a:scrgbClr r="0" g="0" b="0"/>
-      </a:effectRef>
-      <a:fontRef idx="minor">
-        <a:schemeClr val="lt1"/>
-      </a:fontRef>
-    </dgm:style>
-  </dgm:styleLbl>
-  <dgm:styleLbl name="node2">
-    <dgm:scene3d>
-      <a:camera prst="orthographicFront"/>
-      <a:lightRig rig="threePt" dir="t"/>
-    </dgm:scene3d>
-    <dgm:sp3d/>
-    <dgm:txPr/>
-    <dgm:style>
-      <a:lnRef idx="2">
-        <a:scrgbClr r="0" g="0" b="0"/>
-      </a:lnRef>
-      <a:fillRef idx="1">
-        <a:scrgbClr r="0" g="0" b="0"/>
-      </a:fillRef>
-      <a:effectRef idx="0">
-        <a:scrgbClr r="0" g="0" b="0"/>
-      </a:effectRef>
-      <a:fontRef idx="minor">
-        <a:schemeClr val="lt1"/>
-      </a:fontRef>
-    </dgm:style>
-  </dgm:styleLbl>
-  <dgm:styleLbl name="node3">
-    <dgm:scene3d>
-      <a:camera prst="orthographicFront"/>
-      <a:lightRig rig="threePt" dir="t"/>
-    </dgm:scene3d>
-    <dgm:sp3d/>
-    <dgm:txPr/>
-    <dgm:style>
-      <a:lnRef idx="2">
-        <a:scrgbClr r="0" g="0" b="0"/>
-      </a:lnRef>
-      <a:fillRef idx="1">
-        <a:scrgbClr r="0" g="0" b="0"/>
-      </a:fillRef>
-      <a:effectRef idx="0">
-        <a:scrgbClr r="0" g="0" b="0"/>
-      </a:effectRef>
-      <a:fontRef idx="minor">
-        <a:schemeClr val="lt1"/>
-      </a:fontRef>
-    </dgm:style>
-  </dgm:styleLbl>
-  <dgm:styleLbl name="node4">
-    <dgm:scene3d>
-      <a:camera prst="orthographicFront"/>
-      <a:lightRig rig="threePt" dir="t"/>
-    </dgm:scene3d>
-    <dgm:sp3d/>
-    <dgm:txPr/>
-    <dgm:style>
-      <a:lnRef idx="2">
-        <a:scrgbClr r="0" g="0" b="0"/>
-      </a:lnRef>
-      <a:fillRef idx="1">
-        <a:scrgbClr r="0" g="0" b="0"/>
-      </a:fillRef>
-      <a:effectRef idx="0">
-        <a:scrgbClr r="0" g="0" b="0"/>
-      </a:effectRef>
-      <a:fontRef idx="minor">
-        <a:schemeClr val="lt1"/>
-      </a:fontRef>
-    </dgm:style>
-  </dgm:styleLbl>
-  <dgm:styleLbl name="fgImgPlace1">
-    <dgm:scene3d>
-      <a:camera prst="orthographicFront"/>
-      <a:lightRig rig="threePt" dir="t"/>
-    </dgm:scene3d>
-    <dgm:sp3d/>
-    <dgm:txPr/>
-    <dgm:style>
-      <a:lnRef idx="2">
-        <a:scrgbClr r="0" g="0" b="0"/>
-      </a:lnRef>
-      <a:fillRef idx="1">
-        <a:scrgbClr r="0" g="0" b="0"/>
-      </a:fillRef>
-      <a:effectRef idx="0">
-        <a:scrgbClr r="0" g="0" b="0"/>
-      </a:effectRef>
-      <a:fontRef idx="minor"/>
-    </dgm:style>
-  </dgm:styleLbl>
-  <dgm:styleLbl name="alignImgPlace1">
-    <dgm:scene3d>
-      <a:camera prst="orthographicFront"/>
-      <a:lightRig rig="threePt" dir="t"/>
-    </dgm:scene3d>
-    <dgm:sp3d/>
-    <dgm:txPr/>
-    <dgm:style>
-      <a:lnRef idx="2">
-        <a:scrgbClr r="0" g="0" b="0"/>
-      </a:lnRef>
-      <a:fillRef idx="1">
-        <a:scrgbClr r="0" g="0" b="0"/>
-      </a:fillRef>
-      <a:effectRef idx="0">
-        <a:scrgbClr r="0" g="0" b="0"/>
-      </a:effectRef>
-      <a:fontRef idx="minor"/>
-    </dgm:style>
-  </dgm:styleLbl>
-  <dgm:styleLbl name="bgImgPlace1">
-    <dgm:scene3d>
-      <a:camera prst="orthographicFront"/>
-      <a:lightRig rig="threePt" dir="t"/>
-    </dgm:scene3d>
-    <dgm:sp3d/>
-    <dgm:txPr/>
-    <dgm:style>
-      <a:lnRef idx="2">
-        <a:scrgbClr r="0" g="0" b="0"/>
-      </a:lnRef>
-      <a:fillRef idx="1">
-        <a:scrgbClr r="0" g="0" b="0"/>
-      </a:fillRef>
-      <a:effectRef idx="0">
-        <a:scrgbClr r="0" g="0" b="0"/>
-      </a:effectRef>
-      <a:fontRef idx="minor"/>
-    </dgm:style>
-  </dgm:styleLbl>
-  <dgm:styleLbl name="sibTrans2D1">
-    <dgm:scene3d>
-      <a:camera prst="orthographicFront"/>
-      <a:lightRig rig="threePt" dir="t"/>
-    </dgm:scene3d>
-    <dgm:sp3d/>
-    <dgm:txPr/>
-    <dgm:style>
-      <a:lnRef idx="0">
-        <a:scrgbClr r="0" g="0" b="0"/>
-      </a:lnRef>
-      <a:fillRef idx="1">
-        <a:scrgbClr r="0" g="0" b="0"/>
-      </a:fillRef>
-      <a:effectRef idx="0">
-        <a:scrgbClr r="0" g="0" b="0"/>
-      </a:effectRef>
-      <a:fontRef idx="minor">
-        <a:schemeClr val="lt1"/>
-      </a:fontRef>
-    </dgm:style>
-  </dgm:styleLbl>
-  <dgm:styleLbl name="fgSibTrans2D1">
-    <dgm:scene3d>
-      <a:camera prst="orthographicFront"/>
-      <a:lightRig rig="threePt" dir="t"/>
-    </dgm:scene3d>
-    <dgm:sp3d/>
-    <dgm:txPr/>
-    <dgm:style>
-      <a:lnRef idx="0">
-        <a:scrgbClr r="0" g="0" b="0"/>
-      </a:lnRef>
-      <a:fillRef idx="1">
-        <a:scrgbClr r="0" g="0" b="0"/>
-      </a:fillRef>
-      <a:effectRef idx="0">
-        <a:scrgbClr r="0" g="0" b="0"/>
-      </a:effectRef>
-      <a:fontRef idx="minor">
-        <a:schemeClr val="lt1"/>
-      </a:fontRef>
-    </dgm:style>
-  </dgm:styleLbl>
-  <dgm:styleLbl name="bgSibTrans2D1">
-    <dgm:scene3d>
-      <a:camera prst="orthographicFront"/>
-      <a:lightRig rig="threePt" dir="t"/>
-    </dgm:scene3d>
-    <dgm:sp3d/>
-    <dgm:txPr/>
-    <dgm:style>
-      <a:lnRef idx="0">
-        <a:scrgbClr r="0" g="0" b="0"/>
-      </a:lnRef>
-      <a:fillRef idx="1">
-        <a:scrgbClr r="0" g="0" b="0"/>
-      </a:fillRef>
-      <a:effectRef idx="0">
-        <a:scrgbClr r="0" g="0" b="0"/>
-      </a:effectRef>
-      <a:fontRef idx="minor">
-        <a:schemeClr val="lt1"/>
-      </a:fontRef>
-    </dgm:style>
-  </dgm:styleLbl>
-  <dgm:styleLbl name="sibTrans1D1">
-    <dgm:scene3d>
-      <a:camera prst="orthographicFront"/>
-      <a:lightRig rig="threePt" dir="t"/>
-    </dgm:scene3d>
-    <dgm:sp3d/>
-    <dgm:txPr/>
-    <dgm:style>
-      <a:lnRef idx="1">
-        <a:scrgbClr r="0" g="0" b="0"/>
-      </a:lnRef>
-      <a:fillRef idx="0">
-        <a:scrgbClr r="0" g="0" b="0"/>
-      </a:fillRef>
-      <a:effectRef idx="0">
-        <a:scrgbClr r="0" g="0" b="0"/>
-      </a:effectRef>
-      <a:fontRef idx="minor"/>
-    </dgm:style>
-  </dgm:styleLbl>
-  <dgm:styleLbl name="callout">
-    <dgm:scene3d>
-      <a:camera prst="orthographicFront"/>
-      <a:lightRig rig="threePt" dir="t"/>
-    </dgm:scene3d>
-    <dgm:sp3d/>
-    <dgm:txPr/>
-    <dgm:style>
-      <a:lnRef idx="2">
-        <a:scrgbClr r="0" g="0" b="0"/>
-      </a:lnRef>
-      <a:fillRef idx="1">
-        <a:scrgbClr r="0" g="0" b="0"/>
-      </a:fillRef>
-      <a:effectRef idx="0">
-        <a:scrgbClr r="0" g="0" b="0"/>
-      </a:effectRef>
-      <a:fontRef idx="minor"/>
-    </dgm:style>
-  </dgm:styleLbl>
-  <dgm:styleLbl name="asst0">
-    <dgm:scene3d>
-      <a:camera prst="orthographicFront"/>
-      <a:lightRig rig="threePt" dir="t"/>
-    </dgm:scene3d>
-    <dgm:sp3d/>
-    <dgm:txPr/>
-    <dgm:style>
-      <a:lnRef idx="2">
-        <a:scrgbClr r="0" g="0" b="0"/>
-      </a:lnRef>
-      <a:fillRef idx="1">
-        <a:scrgbClr r="0" g="0" b="0"/>
-      </a:fillRef>
-      <a:effectRef idx="0">
-        <a:scrgbClr r="0" g="0" b="0"/>
-      </a:effectRef>
-      <a:fontRef idx="minor">
-        <a:schemeClr val="lt1"/>
-      </a:fontRef>
-    </dgm:style>
-  </dgm:styleLbl>
-  <dgm:styleLbl name="asst1">
-    <dgm:scene3d>
-      <a:camera prst="orthographicFront"/>
-      <a:lightRig rig="threePt" dir="t"/>
-    </dgm:scene3d>
-    <dgm:sp3d/>
-    <dgm:txPr/>
-    <dgm:style>
-      <a:lnRef idx="2">
-        <a:scrgbClr r="0" g="0" b="0"/>
-      </a:lnRef>
-      <a:fillRef idx="1">
-        <a:scrgbClr r="0" g="0" b="0"/>
-      </a:fillRef>
-      <a:effectRef idx="0">
-        <a:scrgbClr r="0" g="0" b="0"/>
-      </a:effectRef>
-      <a:fontRef idx="minor">
-        <a:schemeClr val="lt1"/>
-      </a:fontRef>
-    </dgm:style>
-  </dgm:styleLbl>
-  <dgm:styleLbl name="asst2">
-    <dgm:scene3d>
-      <a:camera prst="orthographicFront"/>
-      <a:lightRig rig="threePt" dir="t"/>
-    </dgm:scene3d>
-    <dgm:sp3d/>
-    <dgm:txPr/>
-    <dgm:style>
-      <a:lnRef idx="2">
-        <a:scrgbClr r="0" g="0" b="0"/>
-      </a:lnRef>
-      <a:fillRef idx="1">
-        <a:scrgbClr r="0" g="0" b="0"/>
-      </a:fillRef>
-      <a:effectRef idx="0">
-        <a:scrgbClr r="0" g="0" b="0"/>
-      </a:effectRef>
-      <a:fontRef idx="minor">
-        <a:schemeClr val="lt1"/>
-      </a:fontRef>
-    </dgm:style>
-  </dgm:styleLbl>
-  <dgm:styleLbl name="asst3">
-    <dgm:scene3d>
-      <a:camera prst="orthographicFront"/>
-      <a:lightRig rig="threePt" dir="t"/>
-    </dgm:scene3d>
-    <dgm:sp3d/>
-    <dgm:txPr/>
-    <dgm:style>
-      <a:lnRef idx="2">
-        <a:scrgbClr r="0" g="0" b="0"/>
-      </a:lnRef>
-      <a:fillRef idx="1">
-        <a:scrgbClr r="0" g="0" b="0"/>
-      </a:fillRef>
-      <a:effectRef idx="0">
-        <a:scrgbClr r="0" g="0" b="0"/>
-      </a:effectRef>
-      <a:fontRef idx="minor">
-        <a:schemeClr val="lt1"/>
-      </a:fontRef>
-    </dgm:style>
-  </dgm:styleLbl>
-  <dgm:styleLbl name="asst4">
-    <dgm:scene3d>
-      <a:camera prst="orthographicFront"/>
-      <a:lightRig rig="threePt" dir="t"/>
-    </dgm:scene3d>
-    <dgm:sp3d/>
-    <dgm:txPr/>
-    <dgm:style>
-      <a:lnRef idx="2">
-        <a:scrgbClr r="0" g="0" b="0"/>
-      </a:lnRef>
-      <a:fillRef idx="1">
-        <a:scrgbClr r="0" g="0" b="0"/>
-      </a:fillRef>
-      <a:effectRef idx="0">
-        <a:scrgbClr r="0" g="0" b="0"/>
-      </a:effectRef>
-      <a:fontRef idx="minor">
-        <a:schemeClr val="lt1"/>
-      </a:fontRef>
-    </dgm:style>
-  </dgm:styleLbl>
-  <dgm:styleLbl name="parChTrans2D1">
-    <dgm:scene3d>
-      <a:camera prst="orthographicFront"/>
-      <a:lightRig rig="threePt" dir="t"/>
-    </dgm:scene3d>
-    <dgm:sp3d/>
-    <dgm:txPr/>
-    <dgm:style>
-      <a:lnRef idx="2">
-        <a:scrgbClr r="0" g="0" b="0"/>
-      </a:lnRef>
-      <a:fillRef idx="1">
-        <a:scrgbClr r="0" g="0" b="0"/>
-      </a:fillRef>
-      <a:effectRef idx="0">
-        <a:scrgbClr r="0" g="0" b="0"/>
-      </a:effectRef>
-      <a:fontRef idx="minor">
-        <a:schemeClr val="lt1"/>
-      </a:fontRef>
-    </dgm:style>
-  </dgm:styleLbl>
-  <dgm:styleLbl name="parChTrans2D2">
-    <dgm:scene3d>
-      <a:camera prst="orthographicFront"/>
-      <a:lightRig rig="threePt" dir="t"/>
-    </dgm:scene3d>
-    <dgm:sp3d/>
-    <dgm:txPr/>
-    <dgm:style>
-      <a:lnRef idx="2">
-        <a:scrgbClr r="0" g="0" b="0"/>
-      </a:lnRef>
-      <a:fillRef idx="1">
-        <a:scrgbClr r="0" g="0" b="0"/>
-      </a:fillRef>
-      <a:effectRef idx="0">
-        <a:scrgbClr r="0" g="0" b="0"/>
-      </a:effectRef>
-      <a:fontRef idx="minor">
-        <a:schemeClr val="lt1"/>
-      </a:fontRef>
-    </dgm:style>
-  </dgm:styleLbl>
-  <dgm:styleLbl name="parChTrans2D3">
-    <dgm:scene3d>
-      <a:camera prst="orthographicFront"/>
-      <a:lightRig rig="threePt" dir="t"/>
-    </dgm:scene3d>
-    <dgm:sp3d/>
-    <dgm:txPr/>
-    <dgm:style>
-      <a:lnRef idx="2">
-        <a:scrgbClr r="0" g="0" b="0"/>
-      </a:lnRef>
-      <a:fillRef idx="1">
-        <a:scrgbClr r="0" g="0" b="0"/>
-      </a:fillRef>
-      <a:effectRef idx="0">
-        <a:scrgbClr r="0" g="0" b="0"/>
-      </a:effectRef>
-      <a:fontRef idx="minor">
-        <a:schemeClr val="lt1"/>
-      </a:fontRef>
-    </dgm:style>
-  </dgm:styleLbl>
-  <dgm:styleLbl name="parChTrans2D4">
-    <dgm:scene3d>
-      <a:camera prst="orthographicFront"/>
-      <a:lightRig rig="threePt" dir="t"/>
-    </dgm:scene3d>
-    <dgm:sp3d/>
-    <dgm:txPr/>
-    <dgm:style>
-      <a:lnRef idx="2">
-        <a:scrgbClr r="0" g="0" b="0"/>
-      </a:lnRef>
-      <a:fillRef idx="1">
-        <a:scrgbClr r="0" g="0" b="0"/>
-      </a:fillRef>
-      <a:effectRef idx="0">
-        <a:scrgbClr r="0" g="0" b="0"/>
-      </a:effectRef>
-      <a:fontRef idx="minor">
-        <a:schemeClr val="lt1"/>
-      </a:fontRef>
-    </dgm:style>
-  </dgm:styleLbl>
-  <dgm:styleLbl name="parChTrans1D1">
-    <dgm:scene3d>
-      <a:camera prst="orthographicFront"/>
-      <a:lightRig rig="threePt" dir="t"/>
-    </dgm:scene3d>
-    <dgm:sp3d/>
-    <dgm:txPr/>
-    <dgm:style>
-      <a:lnRef idx="2">
-        <a:scrgbClr r="0" g="0" b="0"/>
-      </a:lnRef>
-      <a:fillRef idx="0">
-        <a:scrgbClr r="0" g="0" b="0"/>
-      </a:fillRef>
-      <a:effectRef idx="0">
-        <a:scrgbClr r="0" g="0" b="0"/>
-      </a:effectRef>
-      <a:fontRef idx="minor"/>
-    </dgm:style>
-  </dgm:styleLbl>
-  <dgm:styleLbl name="parChTrans1D2">
-    <dgm:scene3d>
-      <a:camera prst="orthographicFront"/>
-      <a:lightRig rig="threePt" dir="t"/>
-    </dgm:scene3d>
-    <dgm:sp3d/>
-    <dgm:txPr/>
-    <dgm:style>
-      <a:lnRef idx="2">
-        <a:scrgbClr r="0" g="0" b="0"/>
-      </a:lnRef>
-      <a:fillRef idx="0">
-        <a:scrgbClr r="0" g="0" b="0"/>
-      </a:fillRef>
-      <a:effectRef idx="0">
-        <a:scrgbClr r="0" g="0" b="0"/>
-      </a:effectRef>
-      <a:fontRef idx="minor"/>
-    </dgm:style>
-  </dgm:styleLbl>
-  <dgm:styleLbl name="parChTrans1D3">
-    <dgm:scene3d>
-      <a:camera prst="orthographicFront"/>
-      <a:lightRig rig="threePt" dir="t"/>
-    </dgm:scene3d>
-    <dgm:sp3d/>
-    <dgm:txPr/>
-    <dgm:style>
-      <a:lnRef idx="2">
-        <a:scrgbClr r="0" g="0" b="0"/>
-      </a:lnRef>
-      <a:fillRef idx="0">
-        <a:scrgbClr r="0" g="0" b="0"/>
-      </a:fillRef>
-      <a:effectRef idx="0">
-        <a:scrgbClr r="0" g="0" b="0"/>
-      </a:effectRef>
-      <a:fontRef idx="minor"/>
-    </dgm:style>
-  </dgm:styleLbl>
-  <dgm:styleLbl name="parChTrans1D4">
-    <dgm:scene3d>
-      <a:camera prst="orthographicFront"/>
-      <a:lightRig rig="threePt" dir="t"/>
-    </dgm:scene3d>
-    <dgm:sp3d/>
-    <dgm:txPr/>
-    <dgm:style>
-      <a:lnRef idx="2">
-        <a:scrgbClr r="0" g="0" b="0"/>
-      </a:lnRef>
-      <a:fillRef idx="0">
-        <a:scrgbClr r="0" g="0" b="0"/>
-      </a:fillRef>
-      <a:effectRef idx="0">
-        <a:scrgbClr r="0" g="0" b="0"/>
-      </a:effectRef>
-      <a:fontRef idx="minor"/>
-    </dgm:style>
-  </dgm:styleLbl>
-  <dgm:styleLbl name="fgAcc1">
-    <dgm:scene3d>
-      <a:camera prst="orthographicFront"/>
-      <a:lightRig rig="threePt" dir="t"/>
-    </dgm:scene3d>
-    <dgm:sp3d/>
-    <dgm:txPr/>
-    <dgm:style>
-      <a:lnRef idx="2">
-        <a:scrgbClr r="0" g="0" b="0"/>
-      </a:lnRef>
-      <a:fillRef idx="1">
-        <a:scrgbClr r="0" g="0" b="0"/>
-      </a:fillRef>
-      <a:effectRef idx="0">
-        <a:scrgbClr r="0" g="0" b="0"/>
-      </a:effectRef>
-      <a:fontRef idx="minor"/>
-    </dgm:style>
-  </dgm:styleLbl>
-  <dgm:styleLbl name="conFgAcc1">
-    <dgm:scene3d>
-      <a:camera prst="orthographicFront"/>
-      <a:lightRig rig="threePt" dir="t"/>
-    </dgm:scene3d>
-    <dgm:sp3d/>
-    <dgm:txPr/>
-    <dgm:style>
-      <a:lnRef idx="2">
-        <a:scrgbClr r="0" g="0" b="0"/>
-      </a:lnRef>
-      <a:fillRef idx="1">
-        <a:scrgbClr r="0" g="0" b="0"/>
-      </a:fillRef>
-      <a:effectRef idx="0">
-        <a:scrgbClr r="0" g="0" b="0"/>
-      </a:effectRef>
-      <a:fontRef idx="minor"/>
-    </dgm:style>
-  </dgm:styleLbl>
-  <dgm:styleLbl name="alignAcc1">
-    <dgm:scene3d>
-      <a:camera prst="orthographicFront"/>
-      <a:lightRig rig="threePt" dir="t"/>
-    </dgm:scene3d>
-    <dgm:sp3d/>
-    <dgm:txPr/>
-    <dgm:style>
-      <a:lnRef idx="2">
-        <a:scrgbClr r="0" g="0" b="0"/>
-      </a:lnRef>
-      <a:fillRef idx="1">
-        <a:scrgbClr r="0" g="0" b="0"/>
-      </a:fillRef>
-      <a:effectRef idx="0">
-        <a:scrgbClr r="0" g="0" b="0"/>
-      </a:effectRef>
-      <a:fontRef idx="minor"/>
-    </dgm:style>
-  </dgm:styleLbl>
-  <dgm:styleLbl name="trAlignAcc1">
-    <dgm:scene3d>
-      <a:camera prst="orthographicFront"/>
-      <a:lightRig rig="threePt" dir="t"/>
-    </dgm:scene3d>
-    <dgm:sp3d/>
-    <dgm:txPr/>
-    <dgm:style>
-      <a:lnRef idx="1">
-        <a:scrgbClr r="0" g="0" b="0"/>
-      </a:lnRef>
-      <a:fillRef idx="1">
-        <a:scrgbClr r="0" g="0" b="0"/>
-      </a:fillRef>
-      <a:effectRef idx="0">
-        <a:scrgbClr r="0" g="0" b="0"/>
-      </a:effectRef>
-      <a:fontRef idx="minor"/>
-    </dgm:style>
-  </dgm:styleLbl>
-  <dgm:styleLbl name="bgAcc1">
-    <dgm:scene3d>
-      <a:camera prst="orthographicFront"/>
-      <a:lightRig rig="threePt" dir="t"/>
-    </dgm:scene3d>
-    <dgm:sp3d/>
-    <dgm:txPr/>
-    <dgm:style>
-      <a:lnRef idx="2">
-        <a:scrgbClr r="0" g="0" b="0"/>
-      </a:lnRef>
-      <a:fillRef idx="1">
-        <a:scrgbClr r="0" g="0" b="0"/>
-      </a:fillRef>
-      <a:effectRef idx="0">
-        <a:scrgbClr r="0" g="0" b="0"/>
-      </a:effectRef>
-      <a:fontRef idx="minor"/>
-    </dgm:style>
-  </dgm:styleLbl>
-  <dgm:styleLbl name="solidFgAcc1">
-    <dgm:scene3d>
-      <a:camera prst="orthographicFront"/>
-      <a:lightRig rig="threePt" dir="t"/>
-    </dgm:scene3d>
-    <dgm:sp3d/>
-    <dgm:txPr/>
-    <dgm:style>
-      <a:lnRef idx="2">
-        <a:scrgbClr r="0" g="0" b="0"/>
-      </a:lnRef>
-      <a:fillRef idx="1">
-        <a:scrgbClr r="0" g="0" b="0"/>
-      </a:fillRef>
-      <a:effectRef idx="0">
-        <a:scrgbClr r="0" g="0" b="0"/>
-      </a:effectRef>
-      <a:fontRef idx="minor"/>
-    </dgm:style>
-  </dgm:styleLbl>
-  <dgm:styleLbl name="solidAlignAcc1">
-    <dgm:scene3d>
-      <a:camera prst="orthographicFront"/>
-      <a:lightRig rig="threePt" dir="t"/>
-    </dgm:scene3d>
-    <dgm:sp3d/>
-    <dgm:txPr/>
-    <dgm:style>
-      <a:lnRef idx="2">
-        <a:scrgbClr r="0" g="0" b="0"/>
-      </a:lnRef>
-      <a:fillRef idx="1">
-        <a:scrgbClr r="0" g="0" b="0"/>
-      </a:fillRef>
-      <a:effectRef idx="0">
-        <a:scrgbClr r="0" g="0" b="0"/>
-      </a:effectRef>
-      <a:fontRef idx="minor"/>
-    </dgm:style>
-  </dgm:styleLbl>
-  <dgm:styleLbl name="solidBgAcc1">
-    <dgm:scene3d>
-      <a:camera prst="orthographicFront"/>
-      <a:lightRig rig="threePt" dir="t"/>
-    </dgm:scene3d>
-    <dgm:sp3d/>
-    <dgm:txPr/>
-    <dgm:style>
-      <a:lnRef idx="2">
-        <a:scrgbClr r="0" g="0" b="0"/>
-      </a:lnRef>
-      <a:fillRef idx="1">
-        <a:scrgbClr r="0" g="0" b="0"/>
-      </a:fillRef>
-      <a:effectRef idx="0">
-        <a:scrgbClr r="0" g="0" b="0"/>
-      </a:effectRef>
-      <a:fontRef idx="minor"/>
-    </dgm:style>
-  </dgm:styleLbl>
-  <dgm:styleLbl name="fgAccFollowNode1">
-    <dgm:scene3d>
-      <a:camera prst="orthographicFront"/>
-      <a:lightRig rig="threePt" dir="t"/>
-    </dgm:scene3d>
-    <dgm:sp3d/>
-    <dgm:txPr/>
-    <dgm:style>
-      <a:lnRef idx="2">
-        <a:scrgbClr r="0" g="0" b="0"/>
-      </a:lnRef>
-      <a:fillRef idx="1">
-        <a:scrgbClr r="0" g="0" b="0"/>
-      </a:fillRef>
-      <a:effectRef idx="0">
-        <a:scrgbClr r="0" g="0" b="0"/>
-      </a:effectRef>
-      <a:fontRef idx="minor"/>
-    </dgm:style>
-  </dgm:styleLbl>
-  <dgm:styleLbl name="alignAccFollowNode1">
-    <dgm:scene3d>
-      <a:camera prst="orthographicFront"/>
-      <a:lightRig rig="threePt" dir="t"/>
-    </dgm:scene3d>
-    <dgm:sp3d/>
-    <dgm:txPr/>
-    <dgm:style>
-      <a:lnRef idx="2">
-        <a:scrgbClr r="0" g="0" b="0"/>
-      </a:lnRef>
-      <a:fillRef idx="1">
-        <a:scrgbClr r="0" g="0" b="0"/>
-      </a:fillRef>
-      <a:effectRef idx="0">
-        <a:scrgbClr r="0" g="0" b="0"/>
-      </a:effectRef>
-      <a:fontRef idx="minor"/>
-    </dgm:style>
-  </dgm:styleLbl>
-  <dgm:styleLbl name="bgAccFollowNode1">
-    <dgm:scene3d>
-      <a:camera prst="orthographicFront"/>
-      <a:lightRig rig="threePt" dir="t"/>
-    </dgm:scene3d>
-    <dgm:sp3d/>
-    <dgm:txPr/>
-    <dgm:style>
-      <a:lnRef idx="2">
-        <a:scrgbClr r="0" g="0" b="0"/>
-      </a:lnRef>
-      <a:fillRef idx="1">
-        <a:scrgbClr r="0" g="0" b="0"/>
-      </a:fillRef>
-      <a:effectRef idx="0">
-        <a:scrgbClr r="0" g="0" b="0"/>
-      </a:effectRef>
-      <a:fontRef idx="minor"/>
-    </dgm:style>
-  </dgm:styleLbl>
-  <dgm:styleLbl name="fgAcc0">
-    <dgm:scene3d>
-      <a:camera prst="orthographicFront"/>
-      <a:lightRig rig="threePt" dir="t"/>
-    </dgm:scene3d>
-    <dgm:sp3d/>
-    <dgm:txPr/>
-    <dgm:style>
-      <a:lnRef idx="2">
-        <a:scrgbClr r="0" g="0" b="0"/>
-      </a:lnRef>
-      <a:fillRef idx="1">
-        <a:scrgbClr r="0" g="0" b="0"/>
-      </a:fillRef>
-      <a:effectRef idx="0">
-        <a:scrgbClr r="0" g="0" b="0"/>
-      </a:effectRef>
-      <a:fontRef idx="minor"/>
-    </dgm:style>
-  </dgm:styleLbl>
-  <dgm:styleLbl name="fgAcc2">
-    <dgm:scene3d>
-      <a:camera prst="orthographicFront"/>
-      <a:lightRig rig="threePt" dir="t"/>
-    </dgm:scene3d>
-    <dgm:sp3d/>
-    <dgm:txPr/>
-    <dgm:style>
-      <a:lnRef idx="2">
-        <a:scrgbClr r="0" g="0" b="0"/>
-      </a:lnRef>
-      <a:fillRef idx="1">
-        <a:scrgbClr r="0" g="0" b="0"/>
-      </a:fillRef>
-      <a:effectRef idx="0">
-        <a:scrgbClr r="0" g="0" b="0"/>
-      </a:effectRef>
-      <a:fontRef idx="minor"/>
-    </dgm:style>
-  </dgm:styleLbl>
-  <dgm:styleLbl name="fgAcc3">
-    <dgm:scene3d>
-      <a:camera prst="orthographicFront"/>
-      <a:lightRig rig="threePt" dir="t"/>
-    </dgm:scene3d>
-    <dgm:sp3d/>
-    <dgm:txPr/>
-    <dgm:style>
-      <a:lnRef idx="2">
-        <a:scrgbClr r="0" g="0" b="0"/>
-      </a:lnRef>
-      <a:fillRef idx="1">
-        <a:scrgbClr r="0" g="0" b="0"/>
-      </a:fillRef>
-      <a:effectRef idx="0">
-        <a:scrgbClr r="0" g="0" b="0"/>
-      </a:effectRef>
-      <a:fontRef idx="minor"/>
-    </dgm:style>
-  </dgm:styleLbl>
-  <dgm:styleLbl name="fgAcc4">
-    <dgm:scene3d>
-      <a:camera prst="orthographicFront"/>
-      <a:lightRig rig="threePt" dir="t"/>
-    </dgm:scene3d>
-    <dgm:sp3d/>
-    <dgm:txPr/>
-    <dgm:style>
-      <a:lnRef idx="2">
-        <a:scrgbClr r="0" g="0" b="0"/>
-      </a:lnRef>
-      <a:fillRef idx="1">
-        <a:scrgbClr r="0" g="0" b="0"/>
-      </a:fillRef>
-      <a:effectRef idx="0">
-        <a:scrgbClr r="0" g="0" b="0"/>
-      </a:effectRef>
-      <a:fontRef idx="minor"/>
-    </dgm:style>
-  </dgm:styleLbl>
-  <dgm:styleLbl name="bgShp">
-    <dgm:scene3d>
-      <a:camera prst="orthographicFront"/>
-      <a:lightRig rig="threePt" dir="t"/>
-    </dgm:scene3d>
-    <dgm:sp3d/>
-    <dgm:txPr/>
-    <dgm:style>
-      <a:lnRef idx="0">
-        <a:scrgbClr r="0" g="0" b="0"/>
-      </a:lnRef>
-      <a:fillRef idx="1">
-        <a:scrgbClr r="0" g="0" b="0"/>
-      </a:fillRef>
-      <a:effectRef idx="0">
-        <a:scrgbClr r="0" g="0" b="0"/>
-      </a:effectRef>
-      <a:fontRef idx="minor"/>
-    </dgm:style>
-  </dgm:styleLbl>
-  <dgm:styleLbl name="dkBgShp">
-    <dgm:scene3d>
-      <a:camera prst="orthographicFront"/>
-      <a:lightRig rig="threePt" dir="t"/>
-    </dgm:scene3d>
-    <dgm:sp3d/>
-    <dgm:txPr/>
-    <dgm:style>
-      <a:lnRef idx="0">
-        <a:scrgbClr r="0" g="0" b="0"/>
-      </a:lnRef>
-      <a:fillRef idx="1">
-        <a:scrgbClr r="0" g="0" b="0"/>
-      </a:fillRef>
-      <a:effectRef idx="0">
-        <a:scrgbClr r="0" g="0" b="0"/>
-      </a:effectRef>
-      <a:fontRef idx="minor"/>
-    </dgm:style>
-  </dgm:styleLbl>
-  <dgm:styleLbl name="trBgShp">
-    <dgm:scene3d>
-      <a:camera prst="orthographicFront"/>
-      <a:lightRig rig="threePt" dir="t"/>
-    </dgm:scene3d>
-    <dgm:sp3d/>
-    <dgm:txPr/>
-    <dgm:style>
-      <a:lnRef idx="0">
-        <a:scrgbClr r="0" g="0" b="0"/>
-      </a:lnRef>
-      <a:fillRef idx="1">
-        <a:scrgbClr r="0" g="0" b="0"/>
-      </a:fillRef>
-      <a:effectRef idx="0">
-        <a:scrgbClr r="0" g="0" b="0"/>
-      </a:effectRef>
-      <a:fontRef idx="minor"/>
-    </dgm:style>
-  </dgm:styleLbl>
-  <dgm:styleLbl name="fgShp">
-    <dgm:scene3d>
-      <a:camera prst="orthographicFront"/>
-      <a:lightRig rig="threePt" dir="t"/>
-    </dgm:scene3d>
-    <dgm:sp3d/>
-    <dgm:txPr/>
-    <dgm:style>
-      <a:lnRef idx="2">
-        <a:scrgbClr r="0" g="0" b="0"/>
-      </a:lnRef>
-      <a:fillRef idx="1">
-        <a:scrgbClr r="0" g="0" b="0"/>
-      </a:fillRef>
-      <a:effectRef idx="0">
-        <a:scrgbClr r="0" g="0" b="0"/>
-      </a:effectRef>
-      <a:fontRef idx="minor"/>
-    </dgm:style>
-  </dgm:styleLbl>
-  <dgm:styleLbl name="revTx">
-    <dgm:scene3d>
-      <a:camera prst="orthographicFront"/>
-      <a:lightRig rig="threePt" dir="t"/>
-    </dgm:scene3d>
-    <dgm:sp3d/>
-    <dgm:txPr/>
-    <dgm:style>
-      <a:lnRef idx="0">
-        <a:scrgbClr r="0" g="0" b="0"/>
-      </a:lnRef>
-      <a:fillRef idx="0">
-        <a:scrgbClr r="0" g="0" b="0"/>
-      </a:fillRef>
-      <a:effectRef idx="0">
-        <a:scrgbClr r="0" g="0" b="0"/>
-      </a:effectRef>
-      <a:fontRef idx="minor"/>
-    </dgm:style>
-  </dgm:styleLbl>
-</dgm:styleDef>
-</file>
-
-<file path=ppt/diagrams/quickStyle9.xml><?xml version="1.0" encoding="utf-8"?>
 <dgm:styleDef xmlns:dgm="http://schemas.openxmlformats.org/drawingml/2006/diagram" xmlns:a="http://schemas.openxmlformats.org/drawingml/2006/main" uniqueId="urn:microsoft.com/office/officeart/2005/8/quickstyle/simple1">
   <dgm:title val=""/>
   <dgm:desc val=""/>
@@ -33305,19 +29708,10 @@
           <a:bodyPr/>
           <a:lstStyle/>
           <a:p>
-            <a:r>
-              <a:rPr lang="en-US"/>
-              <a:t>The first selection of the tactics, techniques and procedures to be used for this training is based on the information available by MITRE in the ATT&amp;CK Framework and the techniques that were observed as being used by the threat actor. The further selection of the tactics, techniques and procedures is then based on the complexity of the emulation. </a:t>
-            </a:r>
-          </a:p>
-          <a:p>
-            <a:r>
-              <a:rPr lang="en-US"/>
-              <a:t>We considered if techniques could be played without human intervention, if they could be played in one single step or require multiple steps to be successful, and how much technology requirements the technique needed. Additionally, we evaluated how valuable the techniques are in a detection exercise and how much additional infrastructure is required to replay the technique.</a:t>
-            </a:r>
-          </a:p>
-          <a:p>
-            <a:endParaRPr lang="en-US"/>
+            <a:endParaRPr lang="en-US" dirty="0">
+              <a:ea typeface="Calibri"/>
+              <a:cs typeface="Calibri"/>
+            </a:endParaRPr>
           </a:p>
         </p:txBody>
       </p:sp>
@@ -33338,7 +29732,7 @@
           <a:p>
             <a:fld id="{AB40B6F2-39BF-4782-9A62-09DEC8CE7498}" type="slidenum">
               <a:rPr lang="cs-CZ" smtClean="0"/>
-              <a:t>25</a:t>
+              <a:t>27</a:t>
             </a:fld>
             <a:endParaRPr lang="cs-CZ"/>
           </a:p>
@@ -33347,7 +29741,7 @@
     </p:spTree>
     <p:extLst>
       <p:ext uri="{BB962C8B-B14F-4D97-AF65-F5344CB8AC3E}">
-        <p14:creationId xmlns:p14="http://schemas.microsoft.com/office/powerpoint/2010/main" val="3507407227"/>
+        <p14:creationId xmlns:p14="http://schemas.microsoft.com/office/powerpoint/2010/main" val="2331132764"/>
       </p:ext>
     </p:extLst>
   </p:cSld>
@@ -33425,7 +29819,7 @@
           <a:p>
             <a:fld id="{AB40B6F2-39BF-4782-9A62-09DEC8CE7498}" type="slidenum">
               <a:rPr lang="cs-CZ" smtClean="0"/>
-              <a:t>27</a:t>
+              <a:t>29</a:t>
             </a:fld>
             <a:endParaRPr lang="cs-CZ"/>
           </a:p>
@@ -33434,7 +29828,7 @@
     </p:spTree>
     <p:extLst>
       <p:ext uri="{BB962C8B-B14F-4D97-AF65-F5344CB8AC3E}">
-        <p14:creationId xmlns:p14="http://schemas.microsoft.com/office/powerpoint/2010/main" val="2331132764"/>
+        <p14:creationId xmlns:p14="http://schemas.microsoft.com/office/powerpoint/2010/main" val="1610134607"/>
       </p:ext>
     </p:extLst>
   </p:cSld>
@@ -48405,43 +44799,10 @@
       </p:grpSpPr>
       <p:sp>
         <p:nvSpPr>
-          <p:cNvPr id="2" name="Zástupný symbol pro obsah 1">
+          <p:cNvPr id="3" name="Text Placeholder 2">
             <a:extLst>
               <a:ext uri="{FF2B5EF4-FFF2-40B4-BE49-F238E27FC236}">
-                <a16:creationId xmlns:a16="http://schemas.microsoft.com/office/drawing/2014/main" id="{B887E069-72A1-4828-BC69-B8362555B506}"/>
-              </a:ext>
-            </a:extLst>
-          </p:cNvPr>
-          <p:cNvSpPr>
-            <a:spLocks noGrp="1"/>
-          </p:cNvSpPr>
-          <p:nvPr>
-            <p:ph sz="half" idx="1"/>
-          </p:nvPr>
-        </p:nvSpPr>
-        <p:spPr>
-          <a:xfrm>
-            <a:off x="648000" y="1792800"/>
-            <a:ext cx="5561414" cy="4351338"/>
-          </a:xfrm>
-        </p:spPr>
-        <p:txBody>
-          <a:bodyPr/>
-          <a:lstStyle/>
-          <a:p>
-            <a:r>
-              <a:rPr lang="en-US" noProof="0"/>
-              <a:t>MITRE ATT&amp;CK Framework</a:t>
-            </a:r>
-          </a:p>
-        </p:txBody>
-      </p:sp>
-      <p:sp>
-        <p:nvSpPr>
-          <p:cNvPr id="5" name="Zástupný symbol pro text 4">
-            <a:extLst>
-              <a:ext uri="{FF2B5EF4-FFF2-40B4-BE49-F238E27FC236}">
-                <a16:creationId xmlns:a16="http://schemas.microsoft.com/office/drawing/2014/main" id="{DE5D968A-376B-4FBA-968A-40294A63E876}"/>
+                <a16:creationId xmlns:a16="http://schemas.microsoft.com/office/drawing/2014/main" id="{BD73589B-37CB-8AD2-65E5-7F219D7E12C5}"/>
               </a:ext>
             </a:extLst>
           </p:cNvPr>
@@ -48457,47 +44818,16 @@
           <a:bodyPr/>
           <a:lstStyle/>
           <a:p>
-            <a:r>
-              <a:rPr lang="en-US"/>
-              <a:t>Adversary Emulation</a:t>
-            </a:r>
+            <a:endParaRPr lang="hu-HU"/>
           </a:p>
         </p:txBody>
       </p:sp>
       <p:sp>
         <p:nvSpPr>
-          <p:cNvPr id="7" name="Zástupný symbol pro text 6">
+          <p:cNvPr id="6" name="Title 5">
             <a:extLst>
               <a:ext uri="{FF2B5EF4-FFF2-40B4-BE49-F238E27FC236}">
-                <a16:creationId xmlns:a16="http://schemas.microsoft.com/office/drawing/2014/main" id="{04362A43-7E88-423A-8F7E-B9FD957BA7E8}"/>
-              </a:ext>
-            </a:extLst>
-          </p:cNvPr>
-          <p:cNvSpPr>
-            <a:spLocks noGrp="1"/>
-          </p:cNvSpPr>
-          <p:nvPr>
-            <p:ph type="body" sz="quarter" idx="15"/>
-          </p:nvPr>
-        </p:nvSpPr>
-        <p:spPr/>
-        <p:txBody>
-          <a:bodyPr/>
-          <a:lstStyle/>
-          <a:p>
-            <a:r>
-              <a:rPr lang="en-US" sz="1200" noProof="0"/>
-              <a:t> </a:t>
-            </a:r>
-          </a:p>
-        </p:txBody>
-      </p:sp>
-      <p:sp>
-        <p:nvSpPr>
-          <p:cNvPr id="8" name="Nadpis 7">
-            <a:extLst>
-              <a:ext uri="{FF2B5EF4-FFF2-40B4-BE49-F238E27FC236}">
-                <a16:creationId xmlns:a16="http://schemas.microsoft.com/office/drawing/2014/main" id="{25321984-93FD-414F-B1AE-0E4FEC582E01}"/>
+                <a16:creationId xmlns:a16="http://schemas.microsoft.com/office/drawing/2014/main" id="{5304C7AB-898A-5D83-CFB1-B5DBB470C080}"/>
               </a:ext>
             </a:extLst>
           </p:cNvPr>
@@ -48514,19 +44844,22 @@
           <a:lstStyle/>
           <a:p>
             <a:r>
-              <a:rPr lang="en-US"/>
-              <a:t>Technique Selection</a:t>
-            </a:r>
-            <a:endParaRPr lang="en-US" noProof="0"/>
+              <a:rPr lang="hu-HU" dirty="0" err="1"/>
+              <a:t>Operation</a:t>
+            </a:r>
+            <a:r>
+              <a:rPr lang="hu-HU" dirty="0"/>
+              <a:t> FLOW</a:t>
+            </a:r>
           </a:p>
         </p:txBody>
       </p:sp>
       <p:sp>
         <p:nvSpPr>
-          <p:cNvPr id="3" name="Zástupný symbol pro zápatí 2">
+          <p:cNvPr id="7" name="Footer Placeholder 6">
             <a:extLst>
               <a:ext uri="{FF2B5EF4-FFF2-40B4-BE49-F238E27FC236}">
-                <a16:creationId xmlns:a16="http://schemas.microsoft.com/office/drawing/2014/main" id="{19D2ACA1-0080-4F47-B865-15C03047A0E0}"/>
+                <a16:creationId xmlns:a16="http://schemas.microsoft.com/office/drawing/2014/main" id="{7A012F73-9510-C0AA-0132-E724D6941E1B}"/>
               </a:ext>
             </a:extLst>
           </p:cNvPr>
@@ -48543,39 +44876,64 @@
           <a:lstStyle/>
           <a:p>
             <a:r>
-              <a:rPr lang="en-US" dirty="0"/>
+              <a:rPr lang="en-GB"/>
               <a:t>Cyber exercise</a:t>
             </a:r>
-            <a:endParaRPr lang="cs-CZ" dirty="0"/>
+            <a:endParaRPr lang="en-GB" dirty="0"/>
           </a:p>
         </p:txBody>
       </p:sp>
-      <p:graphicFrame>
-        <p:nvGraphicFramePr>
-          <p:cNvPr id="10" name="Diagram 9">
+      <p:pic>
+        <p:nvPicPr>
+          <p:cNvPr id="1026" name="Picture 2" descr="Operations Flow Diagram">
             <a:extLst>
               <a:ext uri="{FF2B5EF4-FFF2-40B4-BE49-F238E27FC236}">
-                <a16:creationId xmlns:a16="http://schemas.microsoft.com/office/drawing/2014/main" id="{1EF98D0E-0BEE-4533-B69B-8AAB5CD309D7}"/>
+                <a16:creationId xmlns:a16="http://schemas.microsoft.com/office/drawing/2014/main" id="{39D9080D-DD05-77B4-DA3F-C666E41C5359}"/>
               </a:ext>
             </a:extLst>
           </p:cNvPr>
-          <p:cNvGraphicFramePr/>
+          <p:cNvPicPr>
+            <a:picLocks noChangeAspect="1" noChangeArrowheads="1"/>
+          </p:cNvPicPr>
           <p:nvPr/>
-        </p:nvGraphicFramePr>
-        <p:xfrm>
-          <a:off x="693823" y="2384233"/>
-          <a:ext cx="7756355" cy="4003503"/>
-        </p:xfrm>
-        <a:graphic>
-          <a:graphicData uri="http://schemas.openxmlformats.org/drawingml/2006/diagram">
-            <dgm:relIds xmlns:dgm="http://schemas.openxmlformats.org/drawingml/2006/diagram" xmlns:r="http://schemas.openxmlformats.org/officeDocument/2006/relationships" r:dm="rId3" r:lo="rId4" r:qs="rId5" r:cs="rId6"/>
-          </a:graphicData>
-        </a:graphic>
-      </p:graphicFrame>
+        </p:nvPicPr>
+        <p:blipFill>
+          <a:blip r:embed="rId2">
+            <a:extLst>
+              <a:ext uri="{28A0092B-C50C-407E-A947-70E740481C1C}">
+                <a14:useLocalDpi xmlns:a14="http://schemas.microsoft.com/office/drawing/2010/main" val="0"/>
+              </a:ext>
+            </a:extLst>
+          </a:blip>
+          <a:srcRect/>
+          <a:stretch>
+            <a:fillRect/>
+          </a:stretch>
+        </p:blipFill>
+        <p:spPr bwMode="auto">
+          <a:xfrm>
+            <a:off x="0" y="1166487"/>
+            <a:ext cx="9144000" cy="4989513"/>
+          </a:xfrm>
+          <a:prstGeom prst="rect">
+            <a:avLst/>
+          </a:prstGeom>
+          <a:noFill/>
+          <a:extLst>
+            <a:ext uri="{909E8E84-426E-40DD-AFC4-6F175D3DCCD1}">
+              <a14:hiddenFill xmlns:a14="http://schemas.microsoft.com/office/drawing/2010/main">
+                <a:solidFill>
+                  <a:srgbClr val="FFFFFF"/>
+                </a:solidFill>
+              </a14:hiddenFill>
+            </a:ext>
+          </a:extLst>
+        </p:spPr>
+      </p:pic>
     </p:spTree>
     <p:extLst>
       <p:ext uri="{BB962C8B-B14F-4D97-AF65-F5344CB8AC3E}">
-        <p14:creationId xmlns:p14="http://schemas.microsoft.com/office/powerpoint/2010/main" val="2320567212"/>
+        <p14:creationId xmlns:p14="http://schemas.microsoft.com/office/powerpoint/2010/main" val="2135298791"/>
       </p:ext>
     </p:extLst>
   </p:cSld>
@@ -48875,8 +45233,8 @@
         </p:nvSpPr>
         <p:spPr>
           <a:xfrm flipH="1">
-            <a:off x="871378" y="1944800"/>
-            <a:ext cx="6648996" cy="1200329"/>
+            <a:off x="795178" y="1944800"/>
+            <a:ext cx="6648996" cy="1477328"/>
           </a:xfrm>
           <a:prstGeom prst="rect">
             <a:avLst/>
@@ -48907,9 +45265,19 @@
               <a:buChar char="•"/>
             </a:pPr>
             <a:r>
-              <a:rPr lang="hu-HU" dirty="0"/>
+              <a:rPr lang="hu-HU" dirty="0" err="1">
+                <a:hlinkClick r:id="rId5"/>
+              </a:rPr>
               <a:t>OilRig</a:t>
             </a:r>
+            <a:endParaRPr lang="hu-HU" dirty="0"/>
+          </a:p>
+          <a:p>
+            <a:pPr marL="285750" indent="-285750">
+              <a:buFont typeface="Arial" panose="020B0604020202020204" pitchFamily="34" charset="0"/>
+              <a:buChar char="•"/>
+            </a:pPr>
+            <a:endParaRPr lang="hu-HU" dirty="0"/>
           </a:p>
           <a:p>
             <a:pPr marL="285750" indent="-285750">
@@ -48941,7 +45309,7 @@
         </p:nvSpPr>
         <p:spPr>
           <a:xfrm>
-            <a:off x="504000" y="2823924"/>
+            <a:off x="504000" y="5123818"/>
             <a:ext cx="8064836" cy="584775"/>
           </a:xfrm>
           <a:prstGeom prst="rect">
@@ -48957,11 +45325,98 @@
           <a:p>
             <a:r>
               <a:rPr lang="hu-HU" sz="3200" dirty="0">
-                <a:hlinkClick r:id="rId5"/>
+                <a:hlinkClick r:id="rId6"/>
               </a:rPr>
               <a:t>https://www.virustotal.com/gui/home/upload</a:t>
             </a:r>
             <a:endParaRPr lang="hu-HU" sz="3200" dirty="0"/>
+          </a:p>
+        </p:txBody>
+      </p:sp>
+      <p:sp>
+        <p:nvSpPr>
+          <p:cNvPr id="4" name="TextBox 3">
+            <a:extLst>
+              <a:ext uri="{FF2B5EF4-FFF2-40B4-BE49-F238E27FC236}">
+                <a16:creationId xmlns:a16="http://schemas.microsoft.com/office/drawing/2014/main" id="{C43586EB-363F-DDD7-F663-C4B6F87561AD}"/>
+              </a:ext>
+            </a:extLst>
+          </p:cNvPr>
+          <p:cNvSpPr txBox="1"/>
+          <p:nvPr/>
+        </p:nvSpPr>
+        <p:spPr>
+          <a:xfrm>
+            <a:off x="504000" y="3563751"/>
+            <a:ext cx="5262979" cy="584775"/>
+          </a:xfrm>
+          <a:prstGeom prst="rect">
+            <a:avLst/>
+          </a:prstGeom>
+          <a:noFill/>
+        </p:spPr>
+        <p:txBody>
+          <a:bodyPr wrap="none" rtlCol="0">
+            <a:spAutoFit/>
+          </a:bodyPr>
+          <a:lstStyle/>
+          <a:p>
+            <a:r>
+              <a:rPr lang="hu-HU" sz="3200" dirty="0">
+                <a:hlinkClick r:id="rId7"/>
+              </a:rPr>
+              <a:t>https://hybrid-analysis.com/</a:t>
+            </a:r>
+            <a:endParaRPr lang="hu-HU" sz="3200" dirty="0"/>
+          </a:p>
+        </p:txBody>
+      </p:sp>
+      <p:sp>
+        <p:nvSpPr>
+          <p:cNvPr id="5" name="TextBox 4">
+            <a:extLst>
+              <a:ext uri="{FF2B5EF4-FFF2-40B4-BE49-F238E27FC236}">
+                <a16:creationId xmlns:a16="http://schemas.microsoft.com/office/drawing/2014/main" id="{5BA0B9D1-8F42-2EFF-37B1-1764C44E0B42}"/>
+              </a:ext>
+            </a:extLst>
+          </p:cNvPr>
+          <p:cNvSpPr txBox="1"/>
+          <p:nvPr/>
+        </p:nvSpPr>
+        <p:spPr>
+          <a:xfrm flipH="1">
+            <a:off x="795178" y="4119732"/>
+            <a:ext cx="6648996" cy="1200329"/>
+          </a:xfrm>
+          <a:prstGeom prst="rect">
+            <a:avLst/>
+          </a:prstGeom>
+          <a:noFill/>
+        </p:spPr>
+        <p:txBody>
+          <a:bodyPr wrap="square" rtlCol="0">
+            <a:spAutoFit/>
+          </a:bodyPr>
+          <a:lstStyle/>
+          <a:p>
+            <a:pPr marL="285750" indent="-285750">
+              <a:buFont typeface="Arial" panose="020B0604020202020204" pitchFamily="34" charset="0"/>
+              <a:buChar char="•"/>
+            </a:pPr>
+            <a:r>
+              <a:rPr lang="hu-HU" dirty="0">
+                <a:hlinkClick r:id="rId8"/>
+              </a:rPr>
+              <a:t>https://hybrid-analysis.com/sample/13c27e5049a7fc5a36416f2c1ae49c12438d45ce50a82a96d3f792bfdacf3dcd?environmentId=100</a:t>
+            </a:r>
+            <a:endParaRPr lang="hu-HU" dirty="0"/>
+          </a:p>
+          <a:p>
+            <a:pPr marL="285750" indent="-285750">
+              <a:buFont typeface="Arial" panose="020B0604020202020204" pitchFamily="34" charset="0"/>
+              <a:buChar char="•"/>
+            </a:pPr>
+            <a:endParaRPr lang="hu-HU" dirty="0"/>
           </a:p>
         </p:txBody>
       </p:sp>
@@ -48997,10 +45452,130 @@
       </p:grpSpPr>
       <p:sp>
         <p:nvSpPr>
-          <p:cNvPr id="2" name="Nadpis 1">
+          <p:cNvPr id="4" name="Nadpis 3">
             <a:extLst>
               <a:ext uri="{FF2B5EF4-FFF2-40B4-BE49-F238E27FC236}">
-                <a16:creationId xmlns:a16="http://schemas.microsoft.com/office/drawing/2014/main" id="{06A0B127-35F3-4653-B993-472C56E0C370}"/>
+                <a16:creationId xmlns:a16="http://schemas.microsoft.com/office/drawing/2014/main" id="{1F8BF148-514B-438C-A02D-29ADCAA3ADB0}"/>
+              </a:ext>
+            </a:extLst>
+          </p:cNvPr>
+          <p:cNvSpPr>
+            <a:spLocks noGrp="1"/>
+          </p:cNvSpPr>
+          <p:nvPr>
+            <p:ph type="ctrTitle"/>
+          </p:nvPr>
+        </p:nvSpPr>
+        <p:spPr>
+          <a:xfrm>
+            <a:off x="0" y="4010400"/>
+            <a:ext cx="7564582" cy="2217600"/>
+          </a:xfrm>
+        </p:spPr>
+        <p:txBody>
+          <a:bodyPr/>
+          <a:lstStyle/>
+          <a:p>
+            <a:r>
+              <a:rPr lang="hu-HU" spc="60" noProof="0" dirty="0" err="1">
+                <a:latin typeface="Arial" panose="020B0604020202020204" pitchFamily="34" charset="0"/>
+                <a:cs typeface="Arial" panose="020B0604020202020204" pitchFamily="34" charset="0"/>
+              </a:rPr>
+              <a:t>Questions</a:t>
+            </a:r>
+            <a:endParaRPr lang="en-US" noProof="0" dirty="0"/>
+          </a:p>
+        </p:txBody>
+      </p:sp>
+      <p:sp>
+        <p:nvSpPr>
+          <p:cNvPr id="2" name="Text Placeholder 1">
+            <a:extLst>
+              <a:ext uri="{FF2B5EF4-FFF2-40B4-BE49-F238E27FC236}">
+                <a16:creationId xmlns:a16="http://schemas.microsoft.com/office/drawing/2014/main" id="{CD9BAF0E-6AA9-4991-953D-2568528CE6AE}"/>
+              </a:ext>
+            </a:extLst>
+          </p:cNvPr>
+          <p:cNvSpPr>
+            <a:spLocks noGrp="1"/>
+          </p:cNvSpPr>
+          <p:nvPr>
+            <p:ph type="body" sz="quarter" idx="10"/>
+          </p:nvPr>
+        </p:nvSpPr>
+        <p:spPr/>
+        <p:txBody>
+          <a:bodyPr/>
+          <a:lstStyle/>
+          <a:p>
+            <a:r>
+              <a:rPr lang="en-US"/>
+              <a:t> </a:t>
+            </a:r>
+          </a:p>
+        </p:txBody>
+      </p:sp>
+    </p:spTree>
+    <p:extLst>
+      <p:ext uri="{BB962C8B-B14F-4D97-AF65-F5344CB8AC3E}">
+        <p14:creationId xmlns:p14="http://schemas.microsoft.com/office/powerpoint/2010/main" val="2601139880"/>
+      </p:ext>
+    </p:extLst>
+  </p:cSld>
+  <p:clrMapOvr>
+    <a:masterClrMapping/>
+  </p:clrMapOvr>
+</p:sld>
+</file>
+
+<file path=ppt/slides/slide29.xml><?xml version="1.0" encoding="utf-8"?>
+<p:sld xmlns:a="http://schemas.openxmlformats.org/drawingml/2006/main" xmlns:r="http://schemas.openxmlformats.org/officeDocument/2006/relationships" xmlns:p="http://schemas.openxmlformats.org/presentationml/2006/main">
+  <p:cSld>
+    <p:spTree>
+      <p:nvGrpSpPr>
+        <p:cNvPr id="1" name=""/>
+        <p:cNvGrpSpPr/>
+        <p:nvPr/>
+      </p:nvGrpSpPr>
+      <p:grpSpPr>
+        <a:xfrm>
+          <a:off x="0" y="0"/>
+          <a:ext cx="0" cy="0"/>
+          <a:chOff x="0" y="0"/>
+          <a:chExt cx="0" cy="0"/>
+        </a:xfrm>
+      </p:grpSpPr>
+      <p:sp>
+        <p:nvSpPr>
+          <p:cNvPr id="3" name="Text Placeholder 2">
+            <a:extLst>
+              <a:ext uri="{FF2B5EF4-FFF2-40B4-BE49-F238E27FC236}">
+                <a16:creationId xmlns:a16="http://schemas.microsoft.com/office/drawing/2014/main" id="{BFDB0BD4-0A09-53A7-F08E-CBBCBB48EFB5}"/>
+              </a:ext>
+            </a:extLst>
+          </p:cNvPr>
+          <p:cNvSpPr>
+            <a:spLocks noGrp="1"/>
+          </p:cNvSpPr>
+          <p:nvPr>
+            <p:ph type="body" sz="quarter" idx="13"/>
+          </p:nvPr>
+        </p:nvSpPr>
+        <p:spPr/>
+        <p:txBody>
+          <a:bodyPr/>
+          <a:lstStyle/>
+          <a:p>
+            <a:endParaRPr lang="en-US"/>
+          </a:p>
+        </p:txBody>
+      </p:sp>
+      <p:sp>
+        <p:nvSpPr>
+          <p:cNvPr id="6" name="Title 5">
+            <a:extLst>
+              <a:ext uri="{FF2B5EF4-FFF2-40B4-BE49-F238E27FC236}">
+                <a16:creationId xmlns:a16="http://schemas.microsoft.com/office/drawing/2014/main" id="{9A924A9A-DF77-84A5-D854-3FC58B0E5AD1}"/>
               </a:ext>
             </a:extLst>
           </p:cNvPr>
@@ -49017,18 +45592,21 @@
           <a:lstStyle/>
           <a:p>
             <a:r>
-              <a:rPr lang="en-US" noProof="0"/>
-              <a:t>Thank you for your attention</a:t>
-            </a:r>
+              <a:rPr lang="hu-HU" dirty="0" err="1"/>
+              <a:t>Questions</a:t>
+            </a:r>
+            <a:endParaRPr lang="en-US" dirty="0">
+              <a:cs typeface="Arial"/>
+            </a:endParaRPr>
           </a:p>
         </p:txBody>
       </p:sp>
       <p:sp>
         <p:nvSpPr>
-          <p:cNvPr id="3" name="Zástupný symbol pro text 2">
+          <p:cNvPr id="7" name="Footer Placeholder 6">
             <a:extLst>
               <a:ext uri="{FF2B5EF4-FFF2-40B4-BE49-F238E27FC236}">
-                <a16:creationId xmlns:a16="http://schemas.microsoft.com/office/drawing/2014/main" id="{DDCEA5FD-4CBF-4296-AC02-F7A59493921E}"/>
+                <a16:creationId xmlns:a16="http://schemas.microsoft.com/office/drawing/2014/main" id="{E01C3A44-1358-DD00-1F0D-AD48D1CB1D5B}"/>
               </a:ext>
             </a:extLst>
           </p:cNvPr>
@@ -49036,73 +45614,7 @@
             <a:spLocks noGrp="1"/>
           </p:cNvSpPr>
           <p:nvPr>
-            <p:ph type="body" sz="quarter" idx="10"/>
-          </p:nvPr>
-        </p:nvSpPr>
-        <p:spPr>
-          <a:xfrm>
-            <a:off x="647700" y="4185502"/>
-            <a:ext cx="3389462" cy="697050"/>
-          </a:xfrm>
-        </p:spPr>
-        <p:txBody>
-          <a:bodyPr>
-            <a:normAutofit/>
-          </a:bodyPr>
-          <a:lstStyle/>
-          <a:p>
-            <a:pPr lvl="0">
-              <a:defRPr/>
-            </a:pPr>
-            <a:r>
-              <a:rPr lang="en-US" b="1">
-                <a:latin typeface="Arial" panose="020B0604020202020204" pitchFamily="34" charset="0"/>
-                <a:cs typeface="Arial" panose="020B0604020202020204" pitchFamily="34" charset="0"/>
-              </a:rPr>
-              <a:t>European Union Agency for Cybersecurity</a:t>
-            </a:r>
-            <a:br>
-              <a:rPr lang="en-US">
-                <a:latin typeface="Arial" panose="020B0604020202020204" pitchFamily="34" charset="0"/>
-                <a:cs typeface="Arial" panose="020B0604020202020204" pitchFamily="34" charset="0"/>
-              </a:rPr>
-            </a:br>
-            <a:r>
-              <a:rPr lang="en-US">
-                <a:latin typeface="Arial" panose="020B0604020202020204" pitchFamily="34" charset="0"/>
-                <a:cs typeface="Arial" panose="020B0604020202020204" pitchFamily="34" charset="0"/>
-              </a:rPr>
-              <a:t>Vasilissis Sofias Str 1, Maroussi 151 24</a:t>
-            </a:r>
-          </a:p>
-          <a:p>
-            <a:pPr lvl="0">
-              <a:defRPr/>
-            </a:pPr>
-            <a:r>
-              <a:rPr lang="en-US">
-                <a:latin typeface="Arial" panose="020B0604020202020204" pitchFamily="34" charset="0"/>
-                <a:cs typeface="Arial" panose="020B0604020202020204" pitchFamily="34" charset="0"/>
-              </a:rPr>
-              <a:t>Attiki, Greece</a:t>
-            </a:r>
-          </a:p>
-        </p:txBody>
-      </p:sp>
-      <p:sp>
-        <p:nvSpPr>
-          <p:cNvPr id="4" name="Zástupný symbol pro text 3">
-            <a:extLst>
-              <a:ext uri="{FF2B5EF4-FFF2-40B4-BE49-F238E27FC236}">
-                <a16:creationId xmlns:a16="http://schemas.microsoft.com/office/drawing/2014/main" id="{F6821014-963F-46A5-BCD7-093B1F475498}"/>
-              </a:ext>
-            </a:extLst>
-          </p:cNvPr>
-          <p:cNvSpPr>
-            <a:spLocks noGrp="1"/>
-          </p:cNvSpPr>
-          <p:nvPr>
-            <p:ph type="body" sz="quarter" idx="11"/>
+            <p:ph type="ftr" sz="quarter" idx="11"/>
           </p:nvPr>
         </p:nvSpPr>
         <p:spPr/>
@@ -49111,72 +45623,235 @@
           <a:lstStyle/>
           <a:p>
             <a:r>
-              <a:rPr lang="en-US" noProof="0"/>
-              <a:t>+30 28 14 40 9711</a:t>
+              <a:rPr lang="en-GB" dirty="0"/>
+              <a:t>Cyber exercise</a:t>
             </a:r>
           </a:p>
         </p:txBody>
       </p:sp>
       <p:sp>
         <p:nvSpPr>
-          <p:cNvPr id="5" name="Zástupný symbol pro text 4">
+          <p:cNvPr id="4" name="TextBox 3">
             <a:extLst>
               <a:ext uri="{FF2B5EF4-FFF2-40B4-BE49-F238E27FC236}">
-                <a16:creationId xmlns:a16="http://schemas.microsoft.com/office/drawing/2014/main" id="{21F7E587-E17D-45D3-9EE2-9AA942823AF8}"/>
+                <a16:creationId xmlns:a16="http://schemas.microsoft.com/office/drawing/2014/main" id="{C673B4EB-60DD-00CB-FB43-A83D3C74DDE2}"/>
               </a:ext>
             </a:extLst>
           </p:cNvPr>
-          <p:cNvSpPr>
-            <a:spLocks noGrp="1"/>
-          </p:cNvSpPr>
-          <p:nvPr>
-            <p:ph type="body" sz="quarter" idx="12"/>
-          </p:nvPr>
+          <p:cNvSpPr txBox="1"/>
+          <p:nvPr/>
         </p:nvSpPr>
-        <p:spPr/>
+        <p:spPr>
+          <a:xfrm>
+            <a:off x="1012371" y="2002971"/>
+            <a:ext cx="184731" cy="369332"/>
+          </a:xfrm>
+          <a:prstGeom prst="rect">
+            <a:avLst/>
+          </a:prstGeom>
+          <a:noFill/>
+        </p:spPr>
         <p:txBody>
-          <a:bodyPr/>
+          <a:bodyPr wrap="none" rtlCol="0">
+            <a:spAutoFit/>
+          </a:bodyPr>
           <a:lstStyle/>
           <a:p>
-            <a:r>
-              <a:rPr lang="en-US" noProof="0"/>
-              <a:t>info</a:t>
-            </a:r>
-            <a:r>
-              <a:rPr lang="en-US" noProof="0">
-                <a:latin typeface="Arial" panose="020B0604020202020204" pitchFamily="34" charset="0"/>
-                <a:cs typeface="Arial" panose="020B0604020202020204" pitchFamily="34" charset="0"/>
-              </a:rPr>
-              <a:t>@enisa.europa.eu</a:t>
-            </a:r>
-            <a:endParaRPr lang="en-US" noProof="0"/>
+            <a:endParaRPr lang="hu-HU" dirty="0"/>
           </a:p>
         </p:txBody>
       </p:sp>
       <p:sp>
         <p:nvSpPr>
-          <p:cNvPr id="6" name="Zástupný symbol pro text 5">
+          <p:cNvPr id="5" name="TextBox 4">
             <a:extLst>
               <a:ext uri="{FF2B5EF4-FFF2-40B4-BE49-F238E27FC236}">
-                <a16:creationId xmlns:a16="http://schemas.microsoft.com/office/drawing/2014/main" id="{4D65B8DD-44C8-4CCB-AC99-C3462440D40A}"/>
+                <a16:creationId xmlns:a16="http://schemas.microsoft.com/office/drawing/2014/main" id="{BFA29683-4EB3-50BE-364D-6F312090C0A6}"/>
               </a:ext>
             </a:extLst>
           </p:cNvPr>
-          <p:cNvSpPr>
-            <a:spLocks noGrp="1"/>
-          </p:cNvSpPr>
-          <p:nvPr>
-            <p:ph type="body" sz="quarter" idx="13"/>
-          </p:nvPr>
+          <p:cNvSpPr txBox="1"/>
+          <p:nvPr/>
         </p:nvSpPr>
-        <p:spPr/>
+        <p:spPr>
+          <a:xfrm>
+            <a:off x="740228" y="2002971"/>
+            <a:ext cx="7870371" cy="2308324"/>
+          </a:xfrm>
+          <a:prstGeom prst="rect">
+            <a:avLst/>
+          </a:prstGeom>
+          <a:noFill/>
+        </p:spPr>
         <p:txBody>
-          <a:bodyPr/>
+          <a:bodyPr wrap="square" rtlCol="0">
+            <a:spAutoFit/>
+          </a:bodyPr>
           <a:lstStyle/>
           <a:p>
-            <a:r>
-              <a:rPr lang="en-US" noProof="0"/>
-              <a:t>www.enisa.europa.eu</a:t>
+            <a:pPr marL="285750" indent="-285750">
+              <a:buFont typeface="Arial" panose="020B0604020202020204" pitchFamily="34" charset="0"/>
+              <a:buChar char="•"/>
+            </a:pPr>
+            <a:r>
+              <a:rPr lang="hu-HU" dirty="0" err="1"/>
+              <a:t>What</a:t>
+            </a:r>
+            <a:r>
+              <a:rPr lang="hu-HU" dirty="0"/>
+              <a:t> is </a:t>
+            </a:r>
+            <a:r>
+              <a:rPr lang="hu-HU" dirty="0" err="1"/>
+              <a:t>the</a:t>
+            </a:r>
+            <a:r>
+              <a:rPr lang="hu-HU" dirty="0"/>
+              <a:t> MDA5 </a:t>
+            </a:r>
+            <a:r>
+              <a:rPr lang="hu-HU" dirty="0" err="1"/>
+              <a:t>hash</a:t>
+            </a:r>
+            <a:r>
+              <a:rPr lang="hu-HU" dirty="0"/>
+              <a:t> of </a:t>
+            </a:r>
+            <a:r>
+              <a:rPr lang="hu-HU" dirty="0" err="1"/>
+              <a:t>the</a:t>
+            </a:r>
+            <a:r>
+              <a:rPr lang="hu-HU" dirty="0"/>
+              <a:t> </a:t>
+            </a:r>
+            <a:r>
+              <a:rPr lang="hu-HU" dirty="0">
+                <a:hlinkClick r:id="rId3"/>
+              </a:rPr>
+              <a:t>SideTwist.exe </a:t>
+            </a:r>
+            <a:r>
+              <a:rPr lang="hu-HU" dirty="0" err="1"/>
+              <a:t>binary</a:t>
+            </a:r>
+            <a:r>
+              <a:rPr lang="hu-HU" dirty="0"/>
+              <a:t>?</a:t>
+            </a:r>
+          </a:p>
+          <a:p>
+            <a:pPr marL="742950" lvl="1" indent="-285750">
+              <a:buFont typeface="Arial" panose="020B0604020202020204" pitchFamily="34" charset="0"/>
+              <a:buChar char="•"/>
+            </a:pPr>
+            <a:r>
+              <a:rPr lang="hu-HU" dirty="0"/>
+              <a:t>651d63de08f4352d4ad5fcfdf1d4f0c1</a:t>
+            </a:r>
+          </a:p>
+          <a:p>
+            <a:pPr marL="285750" indent="-285750">
+              <a:buFont typeface="Arial" panose="020B0604020202020204" pitchFamily="34" charset="0"/>
+              <a:buChar char="•"/>
+            </a:pPr>
+            <a:r>
+              <a:rPr lang="hu-HU" dirty="0" err="1"/>
+              <a:t>What</a:t>
+            </a:r>
+            <a:r>
+              <a:rPr lang="hu-HU" dirty="0"/>
+              <a:t> </a:t>
+            </a:r>
+            <a:r>
+              <a:rPr lang="hu-HU" dirty="0" err="1"/>
+              <a:t>are</a:t>
+            </a:r>
+            <a:r>
+              <a:rPr lang="hu-HU" dirty="0"/>
+              <a:t> </a:t>
+            </a:r>
+            <a:r>
+              <a:rPr lang="hu-HU" dirty="0" err="1"/>
+              <a:t>the</a:t>
+            </a:r>
+            <a:r>
+              <a:rPr lang="hu-HU" dirty="0"/>
+              <a:t> C&amp;C server </a:t>
+            </a:r>
+            <a:r>
+              <a:rPr lang="hu-HU" dirty="0" err="1"/>
+              <a:t>addresses</a:t>
+            </a:r>
+            <a:r>
+              <a:rPr lang="hu-HU" dirty="0"/>
+              <a:t>? (</a:t>
+            </a:r>
+            <a:r>
+              <a:rPr lang="hu-HU" dirty="0" err="1"/>
+              <a:t>name</a:t>
+            </a:r>
+            <a:r>
+              <a:rPr lang="hu-HU" dirty="0"/>
+              <a:t> </a:t>
+            </a:r>
+            <a:r>
+              <a:rPr lang="hu-HU" dirty="0" err="1"/>
+              <a:t>one</a:t>
+            </a:r>
+            <a:r>
+              <a:rPr lang="hu-HU" dirty="0"/>
+              <a:t>)</a:t>
+            </a:r>
+          </a:p>
+          <a:p>
+            <a:pPr marL="742950" lvl="1" indent="-285750">
+              <a:buFont typeface="Arial" panose="020B0604020202020204" pitchFamily="34" charset="0"/>
+              <a:buChar char="•"/>
+            </a:pPr>
+            <a:r>
+              <a:rPr lang="hu-HU" dirty="0"/>
+              <a:t>20.99.184.37</a:t>
+            </a:r>
+          </a:p>
+          <a:p>
+            <a:pPr marL="742950" lvl="1" indent="-285750">
+              <a:buFont typeface="Arial" panose="020B0604020202020204" pitchFamily="34" charset="0"/>
+              <a:buChar char="•"/>
+            </a:pPr>
+            <a:r>
+              <a:rPr lang="hu-HU" dirty="0"/>
+              <a:t>13.107.4.50:80</a:t>
+            </a:r>
+          </a:p>
+          <a:p>
+            <a:pPr marL="742950" lvl="1" indent="-285750">
+              <a:buFont typeface="Arial" panose="020B0604020202020204" pitchFamily="34" charset="0"/>
+              <a:buChar char="•"/>
+            </a:pPr>
+            <a:r>
+              <a:rPr lang="hu-HU" dirty="0"/>
+              <a:t>23.216.147.64</a:t>
+            </a:r>
+          </a:p>
+          <a:p>
+            <a:pPr marL="742950" lvl="1" indent="-285750">
+              <a:buFont typeface="Arial" panose="020B0604020202020204" pitchFamily="34" charset="0"/>
+              <a:buChar char="•"/>
+            </a:pPr>
+            <a:r>
+              <a:rPr lang="hu-HU" dirty="0"/>
+              <a:t>192.229.211.108</a:t>
+            </a:r>
+          </a:p>
+          <a:p>
+            <a:pPr marL="742950" lvl="1" indent="-285750">
+              <a:buFont typeface="Arial" panose="020B0604020202020204" pitchFamily="34" charset="0"/>
+              <a:buChar char="•"/>
+            </a:pPr>
+            <a:r>
+              <a:rPr lang="hu-HU" dirty="0"/>
+              <a:t>20.99.185.48</a:t>
             </a:r>
           </a:p>
         </p:txBody>
@@ -49184,7 +45859,7 @@
     </p:spTree>
     <p:extLst>
       <p:ext uri="{BB962C8B-B14F-4D97-AF65-F5344CB8AC3E}">
-        <p14:creationId xmlns:p14="http://schemas.microsoft.com/office/powerpoint/2010/main" val="2776753093"/>
+        <p14:creationId xmlns:p14="http://schemas.microsoft.com/office/powerpoint/2010/main" val="3983495"/>
       </p:ext>
     </p:extLst>
   </p:cSld>
@@ -49602,6 +46277,222 @@
     <p:extLst>
       <p:ext uri="{BB962C8B-B14F-4D97-AF65-F5344CB8AC3E}">
         <p14:creationId xmlns:p14="http://schemas.microsoft.com/office/powerpoint/2010/main" val="945050548"/>
+      </p:ext>
+    </p:extLst>
+  </p:cSld>
+  <p:clrMapOvr>
+    <a:masterClrMapping/>
+  </p:clrMapOvr>
+</p:sld>
+</file>
+
+<file path=ppt/slides/slide30.xml><?xml version="1.0" encoding="utf-8"?>
+<p:sld xmlns:a="http://schemas.openxmlformats.org/drawingml/2006/main" xmlns:r="http://schemas.openxmlformats.org/officeDocument/2006/relationships" xmlns:p="http://schemas.openxmlformats.org/presentationml/2006/main">
+  <p:cSld>
+    <p:spTree>
+      <p:nvGrpSpPr>
+        <p:cNvPr id="1" name=""/>
+        <p:cNvGrpSpPr/>
+        <p:nvPr/>
+      </p:nvGrpSpPr>
+      <p:grpSpPr>
+        <a:xfrm>
+          <a:off x="0" y="0"/>
+          <a:ext cx="0" cy="0"/>
+          <a:chOff x="0" y="0"/>
+          <a:chExt cx="0" cy="0"/>
+        </a:xfrm>
+      </p:grpSpPr>
+      <p:sp>
+        <p:nvSpPr>
+          <p:cNvPr id="2" name="Nadpis 1">
+            <a:extLst>
+              <a:ext uri="{FF2B5EF4-FFF2-40B4-BE49-F238E27FC236}">
+                <a16:creationId xmlns:a16="http://schemas.microsoft.com/office/drawing/2014/main" id="{06A0B127-35F3-4653-B993-472C56E0C370}"/>
+              </a:ext>
+            </a:extLst>
+          </p:cNvPr>
+          <p:cNvSpPr>
+            <a:spLocks noGrp="1"/>
+          </p:cNvSpPr>
+          <p:nvPr>
+            <p:ph type="title"/>
+          </p:nvPr>
+        </p:nvSpPr>
+        <p:spPr/>
+        <p:txBody>
+          <a:bodyPr/>
+          <a:lstStyle/>
+          <a:p>
+            <a:r>
+              <a:rPr lang="en-US" noProof="0"/>
+              <a:t>Thank you for your attention</a:t>
+            </a:r>
+          </a:p>
+        </p:txBody>
+      </p:sp>
+      <p:sp>
+        <p:nvSpPr>
+          <p:cNvPr id="3" name="Zástupný symbol pro text 2">
+            <a:extLst>
+              <a:ext uri="{FF2B5EF4-FFF2-40B4-BE49-F238E27FC236}">
+                <a16:creationId xmlns:a16="http://schemas.microsoft.com/office/drawing/2014/main" id="{DDCEA5FD-4CBF-4296-AC02-F7A59493921E}"/>
+              </a:ext>
+            </a:extLst>
+          </p:cNvPr>
+          <p:cNvSpPr>
+            <a:spLocks noGrp="1"/>
+          </p:cNvSpPr>
+          <p:nvPr>
+            <p:ph type="body" sz="quarter" idx="10"/>
+          </p:nvPr>
+        </p:nvSpPr>
+        <p:spPr>
+          <a:xfrm>
+            <a:off x="647700" y="4185502"/>
+            <a:ext cx="3389462" cy="697050"/>
+          </a:xfrm>
+        </p:spPr>
+        <p:txBody>
+          <a:bodyPr>
+            <a:normAutofit/>
+          </a:bodyPr>
+          <a:lstStyle/>
+          <a:p>
+            <a:pPr lvl="0">
+              <a:defRPr/>
+            </a:pPr>
+            <a:r>
+              <a:rPr lang="en-US" b="1">
+                <a:latin typeface="Arial" panose="020B0604020202020204" pitchFamily="34" charset="0"/>
+                <a:cs typeface="Arial" panose="020B0604020202020204" pitchFamily="34" charset="0"/>
+              </a:rPr>
+              <a:t>European Union Agency for Cybersecurity</a:t>
+            </a:r>
+            <a:br>
+              <a:rPr lang="en-US">
+                <a:latin typeface="Arial" panose="020B0604020202020204" pitchFamily="34" charset="0"/>
+                <a:cs typeface="Arial" panose="020B0604020202020204" pitchFamily="34" charset="0"/>
+              </a:rPr>
+            </a:br>
+            <a:r>
+              <a:rPr lang="en-US">
+                <a:latin typeface="Arial" panose="020B0604020202020204" pitchFamily="34" charset="0"/>
+                <a:cs typeface="Arial" panose="020B0604020202020204" pitchFamily="34" charset="0"/>
+              </a:rPr>
+              <a:t>Vasilissis Sofias Str 1, Maroussi 151 24</a:t>
+            </a:r>
+          </a:p>
+          <a:p>
+            <a:pPr lvl="0">
+              <a:defRPr/>
+            </a:pPr>
+            <a:r>
+              <a:rPr lang="en-US">
+                <a:latin typeface="Arial" panose="020B0604020202020204" pitchFamily="34" charset="0"/>
+                <a:cs typeface="Arial" panose="020B0604020202020204" pitchFamily="34" charset="0"/>
+              </a:rPr>
+              <a:t>Attiki, Greece</a:t>
+            </a:r>
+          </a:p>
+        </p:txBody>
+      </p:sp>
+      <p:sp>
+        <p:nvSpPr>
+          <p:cNvPr id="4" name="Zástupný symbol pro text 3">
+            <a:extLst>
+              <a:ext uri="{FF2B5EF4-FFF2-40B4-BE49-F238E27FC236}">
+                <a16:creationId xmlns:a16="http://schemas.microsoft.com/office/drawing/2014/main" id="{F6821014-963F-46A5-BCD7-093B1F475498}"/>
+              </a:ext>
+            </a:extLst>
+          </p:cNvPr>
+          <p:cNvSpPr>
+            <a:spLocks noGrp="1"/>
+          </p:cNvSpPr>
+          <p:nvPr>
+            <p:ph type="body" sz="quarter" idx="11"/>
+          </p:nvPr>
+        </p:nvSpPr>
+        <p:spPr/>
+        <p:txBody>
+          <a:bodyPr/>
+          <a:lstStyle/>
+          <a:p>
+            <a:r>
+              <a:rPr lang="en-US" noProof="0"/>
+              <a:t>+30 28 14 40 9711</a:t>
+            </a:r>
+          </a:p>
+        </p:txBody>
+      </p:sp>
+      <p:sp>
+        <p:nvSpPr>
+          <p:cNvPr id="5" name="Zástupný symbol pro text 4">
+            <a:extLst>
+              <a:ext uri="{FF2B5EF4-FFF2-40B4-BE49-F238E27FC236}">
+                <a16:creationId xmlns:a16="http://schemas.microsoft.com/office/drawing/2014/main" id="{21F7E587-E17D-45D3-9EE2-9AA942823AF8}"/>
+              </a:ext>
+            </a:extLst>
+          </p:cNvPr>
+          <p:cNvSpPr>
+            <a:spLocks noGrp="1"/>
+          </p:cNvSpPr>
+          <p:nvPr>
+            <p:ph type="body" sz="quarter" idx="12"/>
+          </p:nvPr>
+        </p:nvSpPr>
+        <p:spPr/>
+        <p:txBody>
+          <a:bodyPr/>
+          <a:lstStyle/>
+          <a:p>
+            <a:r>
+              <a:rPr lang="en-US" noProof="0"/>
+              <a:t>info</a:t>
+            </a:r>
+            <a:r>
+              <a:rPr lang="en-US" noProof="0">
+                <a:latin typeface="Arial" panose="020B0604020202020204" pitchFamily="34" charset="0"/>
+                <a:cs typeface="Arial" panose="020B0604020202020204" pitchFamily="34" charset="0"/>
+              </a:rPr>
+              <a:t>@enisa.europa.eu</a:t>
+            </a:r>
+            <a:endParaRPr lang="en-US" noProof="0"/>
+          </a:p>
+        </p:txBody>
+      </p:sp>
+      <p:sp>
+        <p:nvSpPr>
+          <p:cNvPr id="6" name="Zástupný symbol pro text 5">
+            <a:extLst>
+              <a:ext uri="{FF2B5EF4-FFF2-40B4-BE49-F238E27FC236}">
+                <a16:creationId xmlns:a16="http://schemas.microsoft.com/office/drawing/2014/main" id="{4D65B8DD-44C8-4CCB-AC99-C3462440D40A}"/>
+              </a:ext>
+            </a:extLst>
+          </p:cNvPr>
+          <p:cNvSpPr>
+            <a:spLocks noGrp="1"/>
+          </p:cNvSpPr>
+          <p:nvPr>
+            <p:ph type="body" sz="quarter" idx="13"/>
+          </p:nvPr>
+        </p:nvSpPr>
+        <p:spPr/>
+        <p:txBody>
+          <a:bodyPr/>
+          <a:lstStyle/>
+          <a:p>
+            <a:r>
+              <a:rPr lang="en-US" noProof="0"/>
+              <a:t>www.enisa.europa.eu</a:t>
+            </a:r>
+          </a:p>
+        </p:txBody>
+      </p:sp>
+    </p:spTree>
+    <p:extLst>
+      <p:ext uri="{BB962C8B-B14F-4D97-AF65-F5344CB8AC3E}">
+        <p14:creationId xmlns:p14="http://schemas.microsoft.com/office/powerpoint/2010/main" val="2776753093"/>
       </p:ext>
     </p:extLst>
   </p:cSld>
@@ -52742,12 +49633,6 @@
 </file>
 
 <file path=customXml/item1.xml><?xml version="1.0" encoding="utf-8"?>
-<p:properties xmlns:p="http://schemas.microsoft.com/office/2006/metadata/properties" xmlns:xsi="http://www.w3.org/2001/XMLSchema-instance" xmlns:pc="http://schemas.microsoft.com/office/infopath/2007/PartnerControls">
-  <documentManagement/>
-</p:properties>
-</file>
-
-<file path=customXml/item2.xml><?xml version="1.0" encoding="utf-8"?>
 <ct:contentTypeSchema xmlns:ct="http://schemas.microsoft.com/office/2006/metadata/contentType" xmlns:ma="http://schemas.microsoft.com/office/2006/metadata/properties/metaAttributes" ct:_="" ma:_="" ma:contentTypeName="Document" ma:contentTypeID="0x0101009A1848C9F21A504CA7152D81B4825E39" ma:contentTypeVersion="4" ma:contentTypeDescription="Create a new document." ma:contentTypeScope="" ma:versionID="98a07da6ef07519fcdec19bf065509a7">
   <xsd:schema xmlns:xsd="http://www.w3.org/2001/XMLSchema" xmlns:xs="http://www.w3.org/2001/XMLSchema" xmlns:p="http://schemas.microsoft.com/office/2006/metadata/properties" xmlns:ns2="d4b83485-4571-4848-b80f-9395d4c7fedb" targetNamespace="http://schemas.microsoft.com/office/2006/metadata/properties" ma:root="true" ma:fieldsID="ce4401a11adc0d635126e3dbcbedf590" ns2:_="">
     <xsd:import namespace="d4b83485-4571-4848-b80f-9395d4c7fedb"/>
@@ -52891,6 +49776,12 @@
 </ct:contentTypeSchema>
 </file>
 
+<file path=customXml/item2.xml><?xml version="1.0" encoding="utf-8"?>
+<p:properties xmlns:p="http://schemas.microsoft.com/office/2006/metadata/properties" xmlns:xsi="http://www.w3.org/2001/XMLSchema-instance" xmlns:pc="http://schemas.microsoft.com/office/infopath/2007/PartnerControls">
+  <documentManagement/>
+</p:properties>
+</file>
+
 <file path=customXml/item3.xml><?xml version="1.0" encoding="utf-8"?>
 <?mso-contentType ?>
 <FormTemplates xmlns="http://schemas.microsoft.com/sharepoint/v3/contenttype/forms">
@@ -52901,15 +49792,6 @@
 </file>
 
 <file path=customXml/itemProps1.xml><?xml version="1.0" encoding="utf-8"?>
-<ds:datastoreItem xmlns:ds="http://schemas.openxmlformats.org/officeDocument/2006/customXml" ds:itemID="{8B9AA292-43A5-4729-8971-3F885FF3ED0C}">
-  <ds:schemaRefs>
-    <ds:schemaRef ds:uri="http://schemas.microsoft.com/office/2006/metadata/properties"/>
-    <ds:schemaRef ds:uri="http://schemas.microsoft.com/office/infopath/2007/PartnerControls"/>
-  </ds:schemaRefs>
-</ds:datastoreItem>
-</file>
-
-<file path=customXml/itemProps2.xml><?xml version="1.0" encoding="utf-8"?>
 <ds:datastoreItem xmlns:ds="http://schemas.openxmlformats.org/officeDocument/2006/customXml" ds:itemID="{5C1CDA6F-0620-4809-85AD-69E9B388C165}">
   <ds:schemaRefs>
     <ds:schemaRef ds:uri="http://schemas.microsoft.com/office/2006/metadata/contentType"/>
@@ -52927,6 +49809,15 @@
 </ds:datastoreItem>
 </file>
 
+<file path=customXml/itemProps2.xml><?xml version="1.0" encoding="utf-8"?>
+<ds:datastoreItem xmlns:ds="http://schemas.openxmlformats.org/officeDocument/2006/customXml" ds:itemID="{8B9AA292-43A5-4729-8971-3F885FF3ED0C}">
+  <ds:schemaRefs>
+    <ds:schemaRef ds:uri="http://schemas.microsoft.com/office/2006/metadata/properties"/>
+    <ds:schemaRef ds:uri="http://schemas.microsoft.com/office/infopath/2007/PartnerControls"/>
+  </ds:schemaRefs>
+</ds:datastoreItem>
+</file>
+
 <file path=customXml/itemProps3.xml><?xml version="1.0" encoding="utf-8"?>
 <ds:datastoreItem xmlns:ds="http://schemas.openxmlformats.org/officeDocument/2006/customXml" ds:itemID="{76FCC6D6-0EA7-4836-8197-8D03045983EB}">
   <ds:schemaRefs>

--- a/Cyber exercise.pptx
+++ b/Cyber exercise.pptx
@@ -45221,82 +45221,6 @@
       </p:sp>
       <p:sp>
         <p:nvSpPr>
-          <p:cNvPr id="15" name="TextBox 14">
-            <a:extLst>
-              <a:ext uri="{FF2B5EF4-FFF2-40B4-BE49-F238E27FC236}">
-                <a16:creationId xmlns:a16="http://schemas.microsoft.com/office/drawing/2014/main" id="{3783DCF1-1C0D-8799-C6F5-98503D37A9A6}"/>
-              </a:ext>
-            </a:extLst>
-          </p:cNvPr>
-          <p:cNvSpPr txBox="1"/>
-          <p:nvPr/>
-        </p:nvSpPr>
-        <p:spPr>
-          <a:xfrm flipH="1">
-            <a:off x="795178" y="1944800"/>
-            <a:ext cx="6648996" cy="1477328"/>
-          </a:xfrm>
-          <a:prstGeom prst="rect">
-            <a:avLst/>
-          </a:prstGeom>
-          <a:noFill/>
-        </p:spPr>
-        <p:txBody>
-          <a:bodyPr wrap="square" rtlCol="0">
-            <a:spAutoFit/>
-          </a:bodyPr>
-          <a:lstStyle/>
-          <a:p>
-            <a:pPr marL="285750" indent="-285750">
-              <a:buFont typeface="Arial" panose="020B0604020202020204" pitchFamily="34" charset="0"/>
-              <a:buChar char="•"/>
-            </a:pPr>
-            <a:r>
-              <a:rPr lang="hu-HU" dirty="0">
-                <a:hlinkClick r:id="rId4"/>
-              </a:rPr>
-              <a:t>Readme</a:t>
-            </a:r>
-            <a:endParaRPr lang="hu-HU" dirty="0"/>
-          </a:p>
-          <a:p>
-            <a:pPr marL="285750" indent="-285750">
-              <a:buFont typeface="Arial" panose="020B0604020202020204" pitchFamily="34" charset="0"/>
-              <a:buChar char="•"/>
-            </a:pPr>
-            <a:r>
-              <a:rPr lang="hu-HU" dirty="0" err="1">
-                <a:hlinkClick r:id="rId5"/>
-              </a:rPr>
-              <a:t>OilRig</a:t>
-            </a:r>
-            <a:endParaRPr lang="hu-HU" dirty="0"/>
-          </a:p>
-          <a:p>
-            <a:pPr marL="285750" indent="-285750">
-              <a:buFont typeface="Arial" panose="020B0604020202020204" pitchFamily="34" charset="0"/>
-              <a:buChar char="•"/>
-            </a:pPr>
-            <a:endParaRPr lang="hu-HU" dirty="0"/>
-          </a:p>
-          <a:p>
-            <a:pPr marL="285750" indent="-285750">
-              <a:buFont typeface="Arial" panose="020B0604020202020204" pitchFamily="34" charset="0"/>
-              <a:buChar char="•"/>
-            </a:pPr>
-            <a:endParaRPr lang="hu-HU" dirty="0"/>
-          </a:p>
-          <a:p>
-            <a:pPr marL="285750" indent="-285750">
-              <a:buFont typeface="Arial" panose="020B0604020202020204" pitchFamily="34" charset="0"/>
-              <a:buChar char="•"/>
-            </a:pPr>
-            <a:endParaRPr lang="hu-HU" dirty="0"/>
-          </a:p>
-        </p:txBody>
-      </p:sp>
-      <p:sp>
-        <p:nvSpPr>
           <p:cNvPr id="2" name="TextBox 1">
             <a:extLst>
               <a:ext uri="{FF2B5EF4-FFF2-40B4-BE49-F238E27FC236}">
@@ -45325,7 +45249,7 @@
           <a:p>
             <a:r>
               <a:rPr lang="hu-HU" sz="3200" dirty="0">
-                <a:hlinkClick r:id="rId6"/>
+                <a:hlinkClick r:id="rId4"/>
               </a:rPr>
               <a:t>https://www.virustotal.com/gui/home/upload</a:t>
             </a:r>
@@ -45363,7 +45287,7 @@
           <a:p>
             <a:r>
               <a:rPr lang="hu-HU" sz="3200" dirty="0">
-                <a:hlinkClick r:id="rId7"/>
+                <a:hlinkClick r:id="rId5"/>
               </a:rPr>
               <a:t>https://hybrid-analysis.com/</a:t>
             </a:r>
@@ -45386,7 +45310,7 @@
         <p:spPr>
           <a:xfrm flipH="1">
             <a:off x="795178" y="4119732"/>
-            <a:ext cx="6648996" cy="1200329"/>
+            <a:ext cx="6648996" cy="923330"/>
           </a:xfrm>
           <a:prstGeom prst="rect">
             <a:avLst/>
@@ -45405,17 +45329,10 @@
             </a:pPr>
             <a:r>
               <a:rPr lang="hu-HU" dirty="0">
-                <a:hlinkClick r:id="rId8"/>
+                <a:hlinkClick r:id="rId6"/>
               </a:rPr>
               <a:t>https://hybrid-analysis.com/sample/13c27e5049a7fc5a36416f2c1ae49c12438d45ce50a82a96d3f792bfdacf3dcd?environmentId=100</a:t>
             </a:r>
-            <a:endParaRPr lang="hu-HU" dirty="0"/>
-          </a:p>
-          <a:p>
-            <a:pPr marL="285750" indent="-285750">
-              <a:buFont typeface="Arial" panose="020B0604020202020204" pitchFamily="34" charset="0"/>
-              <a:buChar char="•"/>
-            </a:pPr>
             <a:endParaRPr lang="hu-HU" dirty="0"/>
           </a:p>
         </p:txBody>
@@ -45676,7 +45593,7 @@
         <p:spPr>
           <a:xfrm>
             <a:off x="740228" y="2002971"/>
-            <a:ext cx="7870371" cy="2308324"/>
+            <a:ext cx="7870371" cy="3416320"/>
           </a:xfrm>
           <a:prstGeom prst="rect">
             <a:avLst/>
@@ -45695,6 +45612,102 @@
             </a:pPr>
             <a:r>
               <a:rPr lang="hu-HU" dirty="0" err="1"/>
+              <a:t>How</a:t>
+            </a:r>
+            <a:r>
+              <a:rPr lang="hu-HU" dirty="0"/>
+              <a:t> </a:t>
+            </a:r>
+            <a:r>
+              <a:rPr lang="hu-HU" dirty="0" err="1"/>
+              <a:t>many</a:t>
+            </a:r>
+            <a:r>
+              <a:rPr lang="hu-HU" dirty="0"/>
+              <a:t> </a:t>
+            </a:r>
+            <a:r>
+              <a:rPr lang="hu-HU" dirty="0" err="1"/>
+              <a:t>Malicious</a:t>
+            </a:r>
+            <a:r>
+              <a:rPr lang="hu-HU" dirty="0"/>
+              <a:t> </a:t>
+            </a:r>
+            <a:r>
+              <a:rPr lang="hu-HU" dirty="0" err="1"/>
+              <a:t>Indicators</a:t>
+            </a:r>
+            <a:r>
+              <a:rPr lang="hu-HU" dirty="0"/>
+              <a:t> </a:t>
+            </a:r>
+            <a:r>
+              <a:rPr lang="hu-HU" dirty="0" err="1"/>
+              <a:t>were</a:t>
+            </a:r>
+            <a:r>
+              <a:rPr lang="hu-HU" dirty="0"/>
+              <a:t> </a:t>
+            </a:r>
+            <a:r>
+              <a:rPr lang="hu-HU" dirty="0" err="1"/>
+              <a:t>found</a:t>
+            </a:r>
+            <a:r>
+              <a:rPr lang="hu-HU" dirty="0"/>
+              <a:t> in </a:t>
+            </a:r>
+            <a:r>
+              <a:rPr lang="hu-HU" dirty="0" err="1"/>
+              <a:t>the</a:t>
+            </a:r>
+            <a:r>
+              <a:rPr lang="hu-HU" dirty="0"/>
+              <a:t> </a:t>
+            </a:r>
+            <a:r>
+              <a:rPr lang="hu-HU" dirty="0" err="1"/>
+              <a:t>uploaded</a:t>
+            </a:r>
+            <a:r>
+              <a:rPr lang="hu-HU" dirty="0"/>
+              <a:t> file (</a:t>
+            </a:r>
+            <a:r>
+              <a:rPr lang="hu-HU" dirty="0" err="1"/>
+              <a:t>Hybrid</a:t>
+            </a:r>
+            <a:r>
+              <a:rPr lang="hu-HU" dirty="0"/>
+              <a:t> </a:t>
+            </a:r>
+            <a:r>
+              <a:rPr lang="hu-HU" dirty="0" err="1"/>
+              <a:t>Analysis</a:t>
+            </a:r>
+            <a:r>
+              <a:rPr lang="hu-HU" dirty="0"/>
+              <a:t>)</a:t>
+            </a:r>
+          </a:p>
+          <a:p>
+            <a:pPr marL="742950" lvl="1" indent="-285750">
+              <a:buFont typeface="Arial" panose="020B0604020202020204" pitchFamily="34" charset="0"/>
+              <a:buChar char="•"/>
+            </a:pPr>
+            <a:r>
+              <a:rPr lang="hu-HU" dirty="0"/>
+              <a:t>3</a:t>
+            </a:r>
+          </a:p>
+          <a:p>
+            <a:pPr marL="285750" indent="-285750">
+              <a:buFont typeface="Arial" panose="020B0604020202020204" pitchFamily="34" charset="0"/>
+              <a:buChar char="•"/>
+            </a:pPr>
+            <a:r>
+              <a:rPr lang="hu-HU" dirty="0" err="1"/>
               <a:t>What</a:t>
             </a:r>
             <a:r>
@@ -45821,7 +45834,7 @@
             </a:pPr>
             <a:r>
               <a:rPr lang="hu-HU" dirty="0"/>
-              <a:t>13.107.4.50:80</a:t>
+              <a:t>13.107.4.50</a:t>
             </a:r>
           </a:p>
           <a:p>
@@ -45852,6 +45865,20 @@
             <a:r>
               <a:rPr lang="hu-HU" dirty="0"/>
               <a:t>20.99.185.48</a:t>
+            </a:r>
+          </a:p>
+          <a:p>
+            <a:pPr marL="285750" indent="-285750">
+              <a:buFont typeface="Arial" panose="020B0604020202020204" pitchFamily="34" charset="0"/>
+              <a:buChar char="•"/>
+            </a:pPr>
+            <a:r>
+              <a:rPr lang="hu-HU" dirty="0" err="1"/>
+              <a:t>What</a:t>
+            </a:r>
+            <a:r>
+              <a:rPr lang="hu-HU" dirty="0"/>
+              <a:t> </a:t>
             </a:r>
           </a:p>
         </p:txBody>
@@ -49633,6 +49660,12 @@
 </file>
 
 <file path=customXml/item1.xml><?xml version="1.0" encoding="utf-8"?>
+<p:properties xmlns:p="http://schemas.microsoft.com/office/2006/metadata/properties" xmlns:xsi="http://www.w3.org/2001/XMLSchema-instance" xmlns:pc="http://schemas.microsoft.com/office/infopath/2007/PartnerControls">
+  <documentManagement/>
+</p:properties>
+</file>
+
+<file path=customXml/item2.xml><?xml version="1.0" encoding="utf-8"?>
 <ct:contentTypeSchema xmlns:ct="http://schemas.microsoft.com/office/2006/metadata/contentType" xmlns:ma="http://schemas.microsoft.com/office/2006/metadata/properties/metaAttributes" ct:_="" ma:_="" ma:contentTypeName="Document" ma:contentTypeID="0x0101009A1848C9F21A504CA7152D81B4825E39" ma:contentTypeVersion="4" ma:contentTypeDescription="Create a new document." ma:contentTypeScope="" ma:versionID="98a07da6ef07519fcdec19bf065509a7">
   <xsd:schema xmlns:xsd="http://www.w3.org/2001/XMLSchema" xmlns:xs="http://www.w3.org/2001/XMLSchema" xmlns:p="http://schemas.microsoft.com/office/2006/metadata/properties" xmlns:ns2="d4b83485-4571-4848-b80f-9395d4c7fedb" targetNamespace="http://schemas.microsoft.com/office/2006/metadata/properties" ma:root="true" ma:fieldsID="ce4401a11adc0d635126e3dbcbedf590" ns2:_="">
     <xsd:import namespace="d4b83485-4571-4848-b80f-9395d4c7fedb"/>
@@ -49776,12 +49809,6 @@
 </ct:contentTypeSchema>
 </file>
 
-<file path=customXml/item2.xml><?xml version="1.0" encoding="utf-8"?>
-<p:properties xmlns:p="http://schemas.microsoft.com/office/2006/metadata/properties" xmlns:xsi="http://www.w3.org/2001/XMLSchema-instance" xmlns:pc="http://schemas.microsoft.com/office/infopath/2007/PartnerControls">
-  <documentManagement/>
-</p:properties>
-</file>
-
 <file path=customXml/item3.xml><?xml version="1.0" encoding="utf-8"?>
 <?mso-contentType ?>
 <FormTemplates xmlns="http://schemas.microsoft.com/sharepoint/v3/contenttype/forms">
@@ -49792,6 +49819,15 @@
 </file>
 
 <file path=customXml/itemProps1.xml><?xml version="1.0" encoding="utf-8"?>
+<ds:datastoreItem xmlns:ds="http://schemas.openxmlformats.org/officeDocument/2006/customXml" ds:itemID="{8B9AA292-43A5-4729-8971-3F885FF3ED0C}">
+  <ds:schemaRefs>
+    <ds:schemaRef ds:uri="http://schemas.microsoft.com/office/2006/metadata/properties"/>
+    <ds:schemaRef ds:uri="http://schemas.microsoft.com/office/infopath/2007/PartnerControls"/>
+  </ds:schemaRefs>
+</ds:datastoreItem>
+</file>
+
+<file path=customXml/itemProps2.xml><?xml version="1.0" encoding="utf-8"?>
 <ds:datastoreItem xmlns:ds="http://schemas.openxmlformats.org/officeDocument/2006/customXml" ds:itemID="{5C1CDA6F-0620-4809-85AD-69E9B388C165}">
   <ds:schemaRefs>
     <ds:schemaRef ds:uri="http://schemas.microsoft.com/office/2006/metadata/contentType"/>
@@ -49809,15 +49845,6 @@
 </ds:datastoreItem>
 </file>
 
-<file path=customXml/itemProps2.xml><?xml version="1.0" encoding="utf-8"?>
-<ds:datastoreItem xmlns:ds="http://schemas.openxmlformats.org/officeDocument/2006/customXml" ds:itemID="{8B9AA292-43A5-4729-8971-3F885FF3ED0C}">
-  <ds:schemaRefs>
-    <ds:schemaRef ds:uri="http://schemas.microsoft.com/office/2006/metadata/properties"/>
-    <ds:schemaRef ds:uri="http://schemas.microsoft.com/office/infopath/2007/PartnerControls"/>
-  </ds:schemaRefs>
-</ds:datastoreItem>
-</file>
-
 <file path=customXml/itemProps3.xml><?xml version="1.0" encoding="utf-8"?>
 <ds:datastoreItem xmlns:ds="http://schemas.openxmlformats.org/officeDocument/2006/customXml" ds:itemID="{76FCC6D6-0EA7-4836-8197-8D03045983EB}">
   <ds:schemaRefs>

--- a/Cyber exercise.pptx
+++ b/Cyber exercise.pptx
@@ -27604,7 +27604,7 @@
           <a:p>
             <a:fld id="{3F87E3A6-9411-4918-A7F6-EEA05EC21BB3}" type="datetimeFigureOut">
               <a:rPr lang="cs-CZ" smtClean="0"/>
-              <a:t>06.10.2024</a:t>
+              <a:t>08.10.2024</a:t>
             </a:fld>
             <a:endParaRPr lang="cs-CZ"/>
           </a:p>
@@ -27781,7 +27781,7 @@
           <a:p>
             <a:fld id="{0FE5A512-FD3C-42C3-8F69-92774F4F4D3C}" type="datetimeFigureOut">
               <a:rPr lang="cs-CZ" smtClean="0"/>
-              <a:t>06.10.2024</a:t>
+              <a:t>08.10.2024</a:t>
             </a:fld>
             <a:endParaRPr lang="cs-CZ"/>
           </a:p>
@@ -45464,35 +45464,10 @@
       </p:grpSpPr>
       <p:sp>
         <p:nvSpPr>
-          <p:cNvPr id="3" name="Text Placeholder 2">
+          <p:cNvPr id="8" name="Title 7">
             <a:extLst>
               <a:ext uri="{FF2B5EF4-FFF2-40B4-BE49-F238E27FC236}">
-                <a16:creationId xmlns:a16="http://schemas.microsoft.com/office/drawing/2014/main" id="{BFDB0BD4-0A09-53A7-F08E-CBBCBB48EFB5}"/>
-              </a:ext>
-            </a:extLst>
-          </p:cNvPr>
-          <p:cNvSpPr>
-            <a:spLocks noGrp="1"/>
-          </p:cNvSpPr>
-          <p:nvPr>
-            <p:ph type="body" sz="quarter" idx="13"/>
-          </p:nvPr>
-        </p:nvSpPr>
-        <p:spPr/>
-        <p:txBody>
-          <a:bodyPr/>
-          <a:lstStyle/>
-          <a:p>
-            <a:endParaRPr lang="en-US"/>
-          </a:p>
-        </p:txBody>
-      </p:sp>
-      <p:sp>
-        <p:nvSpPr>
-          <p:cNvPr id="6" name="Title 5">
-            <a:extLst>
-              <a:ext uri="{FF2B5EF4-FFF2-40B4-BE49-F238E27FC236}">
-                <a16:creationId xmlns:a16="http://schemas.microsoft.com/office/drawing/2014/main" id="{9A924A9A-DF77-84A5-D854-3FC58B0E5AD1}"/>
+                <a16:creationId xmlns:a16="http://schemas.microsoft.com/office/drawing/2014/main" id="{F1E8C9AD-2A82-4D9B-72AA-9A542FF94BD1}"/>
               </a:ext>
             </a:extLst>
           </p:cNvPr>
@@ -45508,378 +45483,7 @@
           <a:bodyPr/>
           <a:lstStyle/>
           <a:p>
-            <a:r>
-              <a:rPr lang="hu-HU" dirty="0" err="1"/>
-              <a:t>Questions</a:t>
-            </a:r>
-            <a:endParaRPr lang="en-US" dirty="0">
-              <a:cs typeface="Arial"/>
-            </a:endParaRPr>
-          </a:p>
-        </p:txBody>
-      </p:sp>
-      <p:sp>
-        <p:nvSpPr>
-          <p:cNvPr id="7" name="Footer Placeholder 6">
-            <a:extLst>
-              <a:ext uri="{FF2B5EF4-FFF2-40B4-BE49-F238E27FC236}">
-                <a16:creationId xmlns:a16="http://schemas.microsoft.com/office/drawing/2014/main" id="{E01C3A44-1358-DD00-1F0D-AD48D1CB1D5B}"/>
-              </a:ext>
-            </a:extLst>
-          </p:cNvPr>
-          <p:cNvSpPr>
-            <a:spLocks noGrp="1"/>
-          </p:cNvSpPr>
-          <p:nvPr>
-            <p:ph type="ftr" sz="quarter" idx="11"/>
-          </p:nvPr>
-        </p:nvSpPr>
-        <p:spPr/>
-        <p:txBody>
-          <a:bodyPr/>
-          <a:lstStyle/>
-          <a:p>
-            <a:r>
-              <a:rPr lang="en-GB" dirty="0"/>
-              <a:t>Cyber exercise</a:t>
-            </a:r>
-          </a:p>
-        </p:txBody>
-      </p:sp>
-      <p:sp>
-        <p:nvSpPr>
-          <p:cNvPr id="4" name="TextBox 3">
-            <a:extLst>
-              <a:ext uri="{FF2B5EF4-FFF2-40B4-BE49-F238E27FC236}">
-                <a16:creationId xmlns:a16="http://schemas.microsoft.com/office/drawing/2014/main" id="{C673B4EB-60DD-00CB-FB43-A83D3C74DDE2}"/>
-              </a:ext>
-            </a:extLst>
-          </p:cNvPr>
-          <p:cNvSpPr txBox="1"/>
-          <p:nvPr/>
-        </p:nvSpPr>
-        <p:spPr>
-          <a:xfrm>
-            <a:off x="1012371" y="2002971"/>
-            <a:ext cx="184731" cy="369332"/>
-          </a:xfrm>
-          <a:prstGeom prst="rect">
-            <a:avLst/>
-          </a:prstGeom>
-          <a:noFill/>
-        </p:spPr>
-        <p:txBody>
-          <a:bodyPr wrap="none" rtlCol="0">
-            <a:spAutoFit/>
-          </a:bodyPr>
-          <a:lstStyle/>
-          <a:p>
-            <a:endParaRPr lang="hu-HU" dirty="0"/>
-          </a:p>
-        </p:txBody>
-      </p:sp>
-      <p:sp>
-        <p:nvSpPr>
-          <p:cNvPr id="5" name="TextBox 4">
-            <a:extLst>
-              <a:ext uri="{FF2B5EF4-FFF2-40B4-BE49-F238E27FC236}">
-                <a16:creationId xmlns:a16="http://schemas.microsoft.com/office/drawing/2014/main" id="{BFA29683-4EB3-50BE-364D-6F312090C0A6}"/>
-              </a:ext>
-            </a:extLst>
-          </p:cNvPr>
-          <p:cNvSpPr txBox="1"/>
-          <p:nvPr/>
-        </p:nvSpPr>
-        <p:spPr>
-          <a:xfrm>
-            <a:off x="740228" y="2002971"/>
-            <a:ext cx="7870371" cy="3416320"/>
-          </a:xfrm>
-          <a:prstGeom prst="rect">
-            <a:avLst/>
-          </a:prstGeom>
-          <a:noFill/>
-        </p:spPr>
-        <p:txBody>
-          <a:bodyPr wrap="square" rtlCol="0">
-            <a:spAutoFit/>
-          </a:bodyPr>
-          <a:lstStyle/>
-          <a:p>
-            <a:pPr marL="285750" indent="-285750">
-              <a:buFont typeface="Arial" panose="020B0604020202020204" pitchFamily="34" charset="0"/>
-              <a:buChar char="•"/>
-            </a:pPr>
-            <a:r>
-              <a:rPr lang="hu-HU" dirty="0" err="1"/>
-              <a:t>How</a:t>
-            </a:r>
-            <a:r>
-              <a:rPr lang="hu-HU" dirty="0"/>
-              <a:t> </a:t>
-            </a:r>
-            <a:r>
-              <a:rPr lang="hu-HU" dirty="0" err="1"/>
-              <a:t>many</a:t>
-            </a:r>
-            <a:r>
-              <a:rPr lang="hu-HU" dirty="0"/>
-              <a:t> </a:t>
-            </a:r>
-            <a:r>
-              <a:rPr lang="hu-HU" dirty="0" err="1"/>
-              <a:t>Malicious</a:t>
-            </a:r>
-            <a:r>
-              <a:rPr lang="hu-HU" dirty="0"/>
-              <a:t> </a:t>
-            </a:r>
-            <a:r>
-              <a:rPr lang="hu-HU" dirty="0" err="1"/>
-              <a:t>Indicators</a:t>
-            </a:r>
-            <a:r>
-              <a:rPr lang="hu-HU" dirty="0"/>
-              <a:t> </a:t>
-            </a:r>
-            <a:r>
-              <a:rPr lang="hu-HU" dirty="0" err="1"/>
-              <a:t>were</a:t>
-            </a:r>
-            <a:r>
-              <a:rPr lang="hu-HU" dirty="0"/>
-              <a:t> </a:t>
-            </a:r>
-            <a:r>
-              <a:rPr lang="hu-HU" dirty="0" err="1"/>
-              <a:t>found</a:t>
-            </a:r>
-            <a:r>
-              <a:rPr lang="hu-HU" dirty="0"/>
-              <a:t> in </a:t>
-            </a:r>
-            <a:r>
-              <a:rPr lang="hu-HU" dirty="0" err="1"/>
-              <a:t>the</a:t>
-            </a:r>
-            <a:r>
-              <a:rPr lang="hu-HU" dirty="0"/>
-              <a:t> </a:t>
-            </a:r>
-            <a:r>
-              <a:rPr lang="hu-HU" dirty="0" err="1"/>
-              <a:t>uploaded</a:t>
-            </a:r>
-            <a:r>
-              <a:rPr lang="hu-HU" dirty="0"/>
-              <a:t> file (</a:t>
-            </a:r>
-            <a:r>
-              <a:rPr lang="hu-HU" dirty="0" err="1"/>
-              <a:t>Hybrid</a:t>
-            </a:r>
-            <a:r>
-              <a:rPr lang="hu-HU" dirty="0"/>
-              <a:t> </a:t>
-            </a:r>
-            <a:r>
-              <a:rPr lang="hu-HU" dirty="0" err="1"/>
-              <a:t>Analysis</a:t>
-            </a:r>
-            <a:r>
-              <a:rPr lang="hu-HU" dirty="0"/>
-              <a:t>)</a:t>
-            </a:r>
-          </a:p>
-          <a:p>
-            <a:pPr marL="742950" lvl="1" indent="-285750">
-              <a:buFont typeface="Arial" panose="020B0604020202020204" pitchFamily="34" charset="0"/>
-              <a:buChar char="•"/>
-            </a:pPr>
-            <a:r>
-              <a:rPr lang="hu-HU" dirty="0"/>
-              <a:t>3</a:t>
-            </a:r>
-          </a:p>
-          <a:p>
-            <a:pPr marL="285750" indent="-285750">
-              <a:buFont typeface="Arial" panose="020B0604020202020204" pitchFamily="34" charset="0"/>
-              <a:buChar char="•"/>
-            </a:pPr>
-            <a:r>
-              <a:rPr lang="hu-HU" dirty="0" err="1"/>
-              <a:t>What</a:t>
-            </a:r>
-            <a:r>
-              <a:rPr lang="hu-HU" dirty="0"/>
-              <a:t> is </a:t>
-            </a:r>
-            <a:r>
-              <a:rPr lang="hu-HU" dirty="0" err="1"/>
-              <a:t>the</a:t>
-            </a:r>
-            <a:r>
-              <a:rPr lang="hu-HU" dirty="0"/>
-              <a:t> MDA5 </a:t>
-            </a:r>
-            <a:r>
-              <a:rPr lang="hu-HU" dirty="0" err="1"/>
-              <a:t>hash</a:t>
-            </a:r>
-            <a:r>
-              <a:rPr lang="hu-HU" dirty="0"/>
-              <a:t> of </a:t>
-            </a:r>
-            <a:r>
-              <a:rPr lang="hu-HU" dirty="0" err="1"/>
-              <a:t>the</a:t>
-            </a:r>
-            <a:r>
-              <a:rPr lang="hu-HU" dirty="0"/>
-              <a:t> </a:t>
-            </a:r>
-            <a:r>
-              <a:rPr lang="hu-HU" dirty="0">
-                <a:hlinkClick r:id="rId3"/>
-              </a:rPr>
-              <a:t>SideTwist.exe </a:t>
-            </a:r>
-            <a:r>
-              <a:rPr lang="hu-HU" dirty="0" err="1"/>
-              <a:t>binary</a:t>
-            </a:r>
-            <a:r>
-              <a:rPr lang="hu-HU" dirty="0"/>
-              <a:t>?</a:t>
-            </a:r>
-          </a:p>
-          <a:p>
-            <a:pPr marL="742950" lvl="1" indent="-285750">
-              <a:buFont typeface="Arial" panose="020B0604020202020204" pitchFamily="34" charset="0"/>
-              <a:buChar char="•"/>
-            </a:pPr>
-            <a:r>
-              <a:rPr lang="hu-HU" dirty="0"/>
-              <a:t>651d63de08f4352d4ad5fcfdf1d4f0c1</a:t>
-            </a:r>
-          </a:p>
-          <a:p>
-            <a:pPr marL="285750" indent="-285750">
-              <a:buFont typeface="Arial" panose="020B0604020202020204" pitchFamily="34" charset="0"/>
-              <a:buChar char="•"/>
-            </a:pPr>
-            <a:r>
-              <a:rPr lang="hu-HU" dirty="0" err="1"/>
-              <a:t>What</a:t>
-            </a:r>
-            <a:r>
-              <a:rPr lang="hu-HU" dirty="0"/>
-              <a:t> </a:t>
-            </a:r>
-            <a:r>
-              <a:rPr lang="hu-HU" dirty="0" err="1"/>
-              <a:t>are</a:t>
-            </a:r>
-            <a:r>
-              <a:rPr lang="hu-HU" dirty="0"/>
-              <a:t> </a:t>
-            </a:r>
-            <a:r>
-              <a:rPr lang="hu-HU" dirty="0" err="1"/>
-              <a:t>the</a:t>
-            </a:r>
-            <a:r>
-              <a:rPr lang="hu-HU" dirty="0"/>
-              <a:t> C&amp;C server </a:t>
-            </a:r>
-            <a:r>
-              <a:rPr lang="hu-HU" dirty="0" err="1"/>
-              <a:t>addresses</a:t>
-            </a:r>
-            <a:r>
-              <a:rPr lang="hu-HU" dirty="0"/>
-              <a:t>? (</a:t>
-            </a:r>
-            <a:r>
-              <a:rPr lang="hu-HU" dirty="0" err="1"/>
-              <a:t>name</a:t>
-            </a:r>
-            <a:r>
-              <a:rPr lang="hu-HU" dirty="0"/>
-              <a:t> </a:t>
-            </a:r>
-            <a:r>
-              <a:rPr lang="hu-HU" dirty="0" err="1"/>
-              <a:t>one</a:t>
-            </a:r>
-            <a:r>
-              <a:rPr lang="hu-HU" dirty="0"/>
-              <a:t>)</a:t>
-            </a:r>
-          </a:p>
-          <a:p>
-            <a:pPr marL="742950" lvl="1" indent="-285750">
-              <a:buFont typeface="Arial" panose="020B0604020202020204" pitchFamily="34" charset="0"/>
-              <a:buChar char="•"/>
-            </a:pPr>
-            <a:r>
-              <a:rPr lang="hu-HU" dirty="0"/>
-              <a:t>20.99.184.37</a:t>
-            </a:r>
-          </a:p>
-          <a:p>
-            <a:pPr marL="742950" lvl="1" indent="-285750">
-              <a:buFont typeface="Arial" panose="020B0604020202020204" pitchFamily="34" charset="0"/>
-              <a:buChar char="•"/>
-            </a:pPr>
-            <a:r>
-              <a:rPr lang="hu-HU" dirty="0"/>
-              <a:t>13.107.4.50</a:t>
-            </a:r>
-          </a:p>
-          <a:p>
-            <a:pPr marL="742950" lvl="1" indent="-285750">
-              <a:buFont typeface="Arial" panose="020B0604020202020204" pitchFamily="34" charset="0"/>
-              <a:buChar char="•"/>
-            </a:pPr>
-            <a:r>
-              <a:rPr lang="hu-HU" dirty="0"/>
-              <a:t>23.216.147.64</a:t>
-            </a:r>
-          </a:p>
-          <a:p>
-            <a:pPr marL="742950" lvl="1" indent="-285750">
-              <a:buFont typeface="Arial" panose="020B0604020202020204" pitchFamily="34" charset="0"/>
-              <a:buChar char="•"/>
-            </a:pPr>
-            <a:r>
-              <a:rPr lang="hu-HU" dirty="0"/>
-              <a:t>192.229.211.108</a:t>
-            </a:r>
-          </a:p>
-          <a:p>
-            <a:pPr marL="742950" lvl="1" indent="-285750">
-              <a:buFont typeface="Arial" panose="020B0604020202020204" pitchFamily="34" charset="0"/>
-              <a:buChar char="•"/>
-            </a:pPr>
-            <a:r>
-              <a:rPr lang="hu-HU" dirty="0"/>
-              <a:t>20.99.185.48</a:t>
-            </a:r>
-          </a:p>
-          <a:p>
-            <a:pPr marL="285750" indent="-285750">
-              <a:buFont typeface="Arial" panose="020B0604020202020204" pitchFamily="34" charset="0"/>
-              <a:buChar char="•"/>
-            </a:pPr>
-            <a:r>
-              <a:rPr lang="hu-HU" dirty="0" err="1"/>
-              <a:t>What</a:t>
-            </a:r>
-            <a:r>
-              <a:rPr lang="hu-HU" dirty="0"/>
-              <a:t> </a:t>
-            </a:r>
+            <a:endParaRPr lang="hu-HU"/>
           </a:p>
         </p:txBody>
       </p:sp>
@@ -49660,12 +49264,6 @@
 </file>
 
 <file path=customXml/item1.xml><?xml version="1.0" encoding="utf-8"?>
-<p:properties xmlns:p="http://schemas.microsoft.com/office/2006/metadata/properties" xmlns:xsi="http://www.w3.org/2001/XMLSchema-instance" xmlns:pc="http://schemas.microsoft.com/office/infopath/2007/PartnerControls">
-  <documentManagement/>
-</p:properties>
-</file>
-
-<file path=customXml/item2.xml><?xml version="1.0" encoding="utf-8"?>
 <ct:contentTypeSchema xmlns:ct="http://schemas.microsoft.com/office/2006/metadata/contentType" xmlns:ma="http://schemas.microsoft.com/office/2006/metadata/properties/metaAttributes" ct:_="" ma:_="" ma:contentTypeName="Document" ma:contentTypeID="0x0101009A1848C9F21A504CA7152D81B4825E39" ma:contentTypeVersion="4" ma:contentTypeDescription="Create a new document." ma:contentTypeScope="" ma:versionID="98a07da6ef07519fcdec19bf065509a7">
   <xsd:schema xmlns:xsd="http://www.w3.org/2001/XMLSchema" xmlns:xs="http://www.w3.org/2001/XMLSchema" xmlns:p="http://schemas.microsoft.com/office/2006/metadata/properties" xmlns:ns2="d4b83485-4571-4848-b80f-9395d4c7fedb" targetNamespace="http://schemas.microsoft.com/office/2006/metadata/properties" ma:root="true" ma:fieldsID="ce4401a11adc0d635126e3dbcbedf590" ns2:_="">
     <xsd:import namespace="d4b83485-4571-4848-b80f-9395d4c7fedb"/>
@@ -49809,6 +49407,12 @@
 </ct:contentTypeSchema>
 </file>
 
+<file path=customXml/item2.xml><?xml version="1.0" encoding="utf-8"?>
+<p:properties xmlns:p="http://schemas.microsoft.com/office/2006/metadata/properties" xmlns:xsi="http://www.w3.org/2001/XMLSchema-instance" xmlns:pc="http://schemas.microsoft.com/office/infopath/2007/PartnerControls">
+  <documentManagement/>
+</p:properties>
+</file>
+
 <file path=customXml/item3.xml><?xml version="1.0" encoding="utf-8"?>
 <?mso-contentType ?>
 <FormTemplates xmlns="http://schemas.microsoft.com/sharepoint/v3/contenttype/forms">
@@ -49819,15 +49423,6 @@
 </file>
 
 <file path=customXml/itemProps1.xml><?xml version="1.0" encoding="utf-8"?>
-<ds:datastoreItem xmlns:ds="http://schemas.openxmlformats.org/officeDocument/2006/customXml" ds:itemID="{8B9AA292-43A5-4729-8971-3F885FF3ED0C}">
-  <ds:schemaRefs>
-    <ds:schemaRef ds:uri="http://schemas.microsoft.com/office/2006/metadata/properties"/>
-    <ds:schemaRef ds:uri="http://schemas.microsoft.com/office/infopath/2007/PartnerControls"/>
-  </ds:schemaRefs>
-</ds:datastoreItem>
-</file>
-
-<file path=customXml/itemProps2.xml><?xml version="1.0" encoding="utf-8"?>
 <ds:datastoreItem xmlns:ds="http://schemas.openxmlformats.org/officeDocument/2006/customXml" ds:itemID="{5C1CDA6F-0620-4809-85AD-69E9B388C165}">
   <ds:schemaRefs>
     <ds:schemaRef ds:uri="http://schemas.microsoft.com/office/2006/metadata/contentType"/>
@@ -49845,6 +49440,15 @@
 </ds:datastoreItem>
 </file>
 
+<file path=customXml/itemProps2.xml><?xml version="1.0" encoding="utf-8"?>
+<ds:datastoreItem xmlns:ds="http://schemas.openxmlformats.org/officeDocument/2006/customXml" ds:itemID="{8B9AA292-43A5-4729-8971-3F885FF3ED0C}">
+  <ds:schemaRefs>
+    <ds:schemaRef ds:uri="http://schemas.microsoft.com/office/2006/metadata/properties"/>
+    <ds:schemaRef ds:uri="http://schemas.microsoft.com/office/infopath/2007/PartnerControls"/>
+  </ds:schemaRefs>
+</ds:datastoreItem>
+</file>
+
 <file path=customXml/itemProps3.xml><?xml version="1.0" encoding="utf-8"?>
 <ds:datastoreItem xmlns:ds="http://schemas.openxmlformats.org/officeDocument/2006/customXml" ds:itemID="{76FCC6D6-0EA7-4836-8197-8D03045983EB}">
   <ds:schemaRefs>

--- a/Cyber exercise.pptx
+++ b/Cyber exercise.pptx
@@ -5,10 +5,10 @@
     <p:sldMasterId id="2147483648" r:id="rId4"/>
   </p:sldMasterIdLst>
   <p:notesMasterIdLst>
-    <p:notesMasterId r:id="rId35"/>
+    <p:notesMasterId r:id="rId43"/>
   </p:notesMasterIdLst>
   <p:handoutMasterIdLst>
-    <p:handoutMasterId r:id="rId36"/>
+    <p:handoutMasterId r:id="rId44"/>
   </p:handoutMasterIdLst>
   <p:sldIdLst>
     <p:sldId id="284" r:id="rId5"/>
@@ -40,7 +40,15 @@
     <p:sldId id="574" r:id="rId31"/>
     <p:sldId id="576" r:id="rId32"/>
     <p:sldId id="577" r:id="rId33"/>
-    <p:sldId id="277" r:id="rId34"/>
+    <p:sldId id="578" r:id="rId34"/>
+    <p:sldId id="579" r:id="rId35"/>
+    <p:sldId id="580" r:id="rId36"/>
+    <p:sldId id="581" r:id="rId37"/>
+    <p:sldId id="582" r:id="rId38"/>
+    <p:sldId id="583" r:id="rId39"/>
+    <p:sldId id="584" r:id="rId40"/>
+    <p:sldId id="585" r:id="rId41"/>
+    <p:sldId id="277" r:id="rId42"/>
   </p:sldIdLst>
   <p:sldSz cx="9144000" cy="6858000" type="screen4x3"/>
   <p:notesSz cx="6858000" cy="9144000"/>
@@ -29838,6 +29846,672 @@
 </p:notes>
 </file>
 
+<file path=ppt/notesSlides/notesSlide24.xml><?xml version="1.0" encoding="utf-8"?>
+<p:notes xmlns:a="http://schemas.openxmlformats.org/drawingml/2006/main" xmlns:r="http://schemas.openxmlformats.org/officeDocument/2006/relationships" xmlns:p="http://schemas.openxmlformats.org/presentationml/2006/main">
+  <p:cSld>
+    <p:spTree>
+      <p:nvGrpSpPr>
+        <p:cNvPr id="1" name="">
+          <a:extLst>
+            <a:ext uri="{FF2B5EF4-FFF2-40B4-BE49-F238E27FC236}">
+              <a16:creationId xmlns:a16="http://schemas.microsoft.com/office/drawing/2014/main" id="{BD52C7FD-E2D9-CB14-1828-C257C74F3EAC}"/>
+            </a:ext>
+          </a:extLst>
+        </p:cNvPr>
+        <p:cNvGrpSpPr/>
+        <p:nvPr/>
+      </p:nvGrpSpPr>
+      <p:grpSpPr>
+        <a:xfrm>
+          <a:off x="0" y="0"/>
+          <a:ext cx="0" cy="0"/>
+          <a:chOff x="0" y="0"/>
+          <a:chExt cx="0" cy="0"/>
+        </a:xfrm>
+      </p:grpSpPr>
+      <p:sp>
+        <p:nvSpPr>
+          <p:cNvPr id="2" name="Slide Image Placeholder 1">
+            <a:extLst>
+              <a:ext uri="{FF2B5EF4-FFF2-40B4-BE49-F238E27FC236}">
+                <a16:creationId xmlns:a16="http://schemas.microsoft.com/office/drawing/2014/main" id="{5F3EA320-741F-133C-F9C8-6D91A862E562}"/>
+              </a:ext>
+            </a:extLst>
+          </p:cNvPr>
+          <p:cNvSpPr>
+            <a:spLocks noGrp="1" noRot="1" noChangeAspect="1"/>
+          </p:cNvSpPr>
+          <p:nvPr>
+            <p:ph type="sldImg"/>
+          </p:nvPr>
+        </p:nvSpPr>
+        <p:spPr/>
+      </p:sp>
+      <p:sp>
+        <p:nvSpPr>
+          <p:cNvPr id="3" name="Notes Placeholder 2">
+            <a:extLst>
+              <a:ext uri="{FF2B5EF4-FFF2-40B4-BE49-F238E27FC236}">
+                <a16:creationId xmlns:a16="http://schemas.microsoft.com/office/drawing/2014/main" id="{C9ED891D-C9D6-EBB0-120A-9926144DD9E9}"/>
+              </a:ext>
+            </a:extLst>
+          </p:cNvPr>
+          <p:cNvSpPr>
+            <a:spLocks noGrp="1"/>
+          </p:cNvSpPr>
+          <p:nvPr>
+            <p:ph type="body" idx="1"/>
+          </p:nvPr>
+        </p:nvSpPr>
+        <p:spPr/>
+        <p:txBody>
+          <a:bodyPr/>
+          <a:lstStyle/>
+          <a:p>
+            <a:endParaRPr lang="en-US" dirty="0">
+              <a:ea typeface="Calibri"/>
+              <a:cs typeface="Calibri"/>
+            </a:endParaRPr>
+          </a:p>
+        </p:txBody>
+      </p:sp>
+      <p:sp>
+        <p:nvSpPr>
+          <p:cNvPr id="4" name="Slide Number Placeholder 3">
+            <a:extLst>
+              <a:ext uri="{FF2B5EF4-FFF2-40B4-BE49-F238E27FC236}">
+                <a16:creationId xmlns:a16="http://schemas.microsoft.com/office/drawing/2014/main" id="{EDD8069C-5094-3414-C746-1A24E5E9F018}"/>
+              </a:ext>
+            </a:extLst>
+          </p:cNvPr>
+          <p:cNvSpPr>
+            <a:spLocks noGrp="1"/>
+          </p:cNvSpPr>
+          <p:nvPr>
+            <p:ph type="sldNum" sz="quarter" idx="5"/>
+          </p:nvPr>
+        </p:nvSpPr>
+        <p:spPr/>
+        <p:txBody>
+          <a:bodyPr/>
+          <a:lstStyle/>
+          <a:p>
+            <a:fld id="{AB40B6F2-39BF-4782-9A62-09DEC8CE7498}" type="slidenum">
+              <a:rPr lang="cs-CZ" smtClean="0"/>
+              <a:t>30</a:t>
+            </a:fld>
+            <a:endParaRPr lang="cs-CZ"/>
+          </a:p>
+        </p:txBody>
+      </p:sp>
+    </p:spTree>
+    <p:extLst>
+      <p:ext uri="{BB962C8B-B14F-4D97-AF65-F5344CB8AC3E}">
+        <p14:creationId xmlns:p14="http://schemas.microsoft.com/office/powerpoint/2010/main" val="1568958613"/>
+      </p:ext>
+    </p:extLst>
+  </p:cSld>
+  <p:clrMapOvr>
+    <a:masterClrMapping/>
+  </p:clrMapOvr>
+</p:notes>
+</file>
+
+<file path=ppt/notesSlides/notesSlide25.xml><?xml version="1.0" encoding="utf-8"?>
+<p:notes xmlns:a="http://schemas.openxmlformats.org/drawingml/2006/main" xmlns:r="http://schemas.openxmlformats.org/officeDocument/2006/relationships" xmlns:p="http://schemas.openxmlformats.org/presentationml/2006/main">
+  <p:cSld>
+    <p:spTree>
+      <p:nvGrpSpPr>
+        <p:cNvPr id="1" name="">
+          <a:extLst>
+            <a:ext uri="{FF2B5EF4-FFF2-40B4-BE49-F238E27FC236}">
+              <a16:creationId xmlns:a16="http://schemas.microsoft.com/office/drawing/2014/main" id="{53E26A03-D9F8-906C-F1AB-2263495E3D4E}"/>
+            </a:ext>
+          </a:extLst>
+        </p:cNvPr>
+        <p:cNvGrpSpPr/>
+        <p:nvPr/>
+      </p:nvGrpSpPr>
+      <p:grpSpPr>
+        <a:xfrm>
+          <a:off x="0" y="0"/>
+          <a:ext cx="0" cy="0"/>
+          <a:chOff x="0" y="0"/>
+          <a:chExt cx="0" cy="0"/>
+        </a:xfrm>
+      </p:grpSpPr>
+      <p:sp>
+        <p:nvSpPr>
+          <p:cNvPr id="2" name="Slide Image Placeholder 1">
+            <a:extLst>
+              <a:ext uri="{FF2B5EF4-FFF2-40B4-BE49-F238E27FC236}">
+                <a16:creationId xmlns:a16="http://schemas.microsoft.com/office/drawing/2014/main" id="{D04AD135-3191-9E06-78FD-21569FEF6F69}"/>
+              </a:ext>
+            </a:extLst>
+          </p:cNvPr>
+          <p:cNvSpPr>
+            <a:spLocks noGrp="1" noRot="1" noChangeAspect="1"/>
+          </p:cNvSpPr>
+          <p:nvPr>
+            <p:ph type="sldImg"/>
+          </p:nvPr>
+        </p:nvSpPr>
+        <p:spPr/>
+      </p:sp>
+      <p:sp>
+        <p:nvSpPr>
+          <p:cNvPr id="3" name="Notes Placeholder 2">
+            <a:extLst>
+              <a:ext uri="{FF2B5EF4-FFF2-40B4-BE49-F238E27FC236}">
+                <a16:creationId xmlns:a16="http://schemas.microsoft.com/office/drawing/2014/main" id="{C9D58372-282F-5529-6C9A-A899533EAB3C}"/>
+              </a:ext>
+            </a:extLst>
+          </p:cNvPr>
+          <p:cNvSpPr>
+            <a:spLocks noGrp="1"/>
+          </p:cNvSpPr>
+          <p:nvPr>
+            <p:ph type="body" idx="1"/>
+          </p:nvPr>
+        </p:nvSpPr>
+        <p:spPr/>
+        <p:txBody>
+          <a:bodyPr/>
+          <a:lstStyle/>
+          <a:p>
+            <a:endParaRPr lang="en-US" dirty="0">
+              <a:ea typeface="Calibri"/>
+              <a:cs typeface="Calibri"/>
+            </a:endParaRPr>
+          </a:p>
+        </p:txBody>
+      </p:sp>
+      <p:sp>
+        <p:nvSpPr>
+          <p:cNvPr id="4" name="Slide Number Placeholder 3">
+            <a:extLst>
+              <a:ext uri="{FF2B5EF4-FFF2-40B4-BE49-F238E27FC236}">
+                <a16:creationId xmlns:a16="http://schemas.microsoft.com/office/drawing/2014/main" id="{C60AE596-D3EA-CA66-8D73-5DA5E4B2E72B}"/>
+              </a:ext>
+            </a:extLst>
+          </p:cNvPr>
+          <p:cNvSpPr>
+            <a:spLocks noGrp="1"/>
+          </p:cNvSpPr>
+          <p:nvPr>
+            <p:ph type="sldNum" sz="quarter" idx="5"/>
+          </p:nvPr>
+        </p:nvSpPr>
+        <p:spPr/>
+        <p:txBody>
+          <a:bodyPr/>
+          <a:lstStyle/>
+          <a:p>
+            <a:fld id="{AB40B6F2-39BF-4782-9A62-09DEC8CE7498}" type="slidenum">
+              <a:rPr lang="cs-CZ" smtClean="0"/>
+              <a:t>31</a:t>
+            </a:fld>
+            <a:endParaRPr lang="cs-CZ"/>
+          </a:p>
+        </p:txBody>
+      </p:sp>
+    </p:spTree>
+    <p:extLst>
+      <p:ext uri="{BB962C8B-B14F-4D97-AF65-F5344CB8AC3E}">
+        <p14:creationId xmlns:p14="http://schemas.microsoft.com/office/powerpoint/2010/main" val="2665016392"/>
+      </p:ext>
+    </p:extLst>
+  </p:cSld>
+  <p:clrMapOvr>
+    <a:masterClrMapping/>
+  </p:clrMapOvr>
+</p:notes>
+</file>
+
+<file path=ppt/notesSlides/notesSlide26.xml><?xml version="1.0" encoding="utf-8"?>
+<p:notes xmlns:a="http://schemas.openxmlformats.org/drawingml/2006/main" xmlns:r="http://schemas.openxmlformats.org/officeDocument/2006/relationships" xmlns:p="http://schemas.openxmlformats.org/presentationml/2006/main">
+  <p:cSld>
+    <p:spTree>
+      <p:nvGrpSpPr>
+        <p:cNvPr id="1" name="">
+          <a:extLst>
+            <a:ext uri="{FF2B5EF4-FFF2-40B4-BE49-F238E27FC236}">
+              <a16:creationId xmlns:a16="http://schemas.microsoft.com/office/drawing/2014/main" id="{85B0905A-4716-EDEC-DD63-E3720CAF1A73}"/>
+            </a:ext>
+          </a:extLst>
+        </p:cNvPr>
+        <p:cNvGrpSpPr/>
+        <p:nvPr/>
+      </p:nvGrpSpPr>
+      <p:grpSpPr>
+        <a:xfrm>
+          <a:off x="0" y="0"/>
+          <a:ext cx="0" cy="0"/>
+          <a:chOff x="0" y="0"/>
+          <a:chExt cx="0" cy="0"/>
+        </a:xfrm>
+      </p:grpSpPr>
+      <p:sp>
+        <p:nvSpPr>
+          <p:cNvPr id="2" name="Slide Image Placeholder 1">
+            <a:extLst>
+              <a:ext uri="{FF2B5EF4-FFF2-40B4-BE49-F238E27FC236}">
+                <a16:creationId xmlns:a16="http://schemas.microsoft.com/office/drawing/2014/main" id="{9E158462-F2BA-9320-453E-6B6C1EDA21B9}"/>
+              </a:ext>
+            </a:extLst>
+          </p:cNvPr>
+          <p:cNvSpPr>
+            <a:spLocks noGrp="1" noRot="1" noChangeAspect="1"/>
+          </p:cNvSpPr>
+          <p:nvPr>
+            <p:ph type="sldImg"/>
+          </p:nvPr>
+        </p:nvSpPr>
+        <p:spPr/>
+      </p:sp>
+      <p:sp>
+        <p:nvSpPr>
+          <p:cNvPr id="3" name="Notes Placeholder 2">
+            <a:extLst>
+              <a:ext uri="{FF2B5EF4-FFF2-40B4-BE49-F238E27FC236}">
+                <a16:creationId xmlns:a16="http://schemas.microsoft.com/office/drawing/2014/main" id="{FC72212A-7FC1-D731-9468-2789AFC1256F}"/>
+              </a:ext>
+            </a:extLst>
+          </p:cNvPr>
+          <p:cNvSpPr>
+            <a:spLocks noGrp="1"/>
+          </p:cNvSpPr>
+          <p:nvPr>
+            <p:ph type="body" idx="1"/>
+          </p:nvPr>
+        </p:nvSpPr>
+        <p:spPr/>
+        <p:txBody>
+          <a:bodyPr/>
+          <a:lstStyle/>
+          <a:p>
+            <a:endParaRPr lang="en-US" dirty="0">
+              <a:ea typeface="Calibri"/>
+              <a:cs typeface="Calibri"/>
+            </a:endParaRPr>
+          </a:p>
+        </p:txBody>
+      </p:sp>
+      <p:sp>
+        <p:nvSpPr>
+          <p:cNvPr id="4" name="Slide Number Placeholder 3">
+            <a:extLst>
+              <a:ext uri="{FF2B5EF4-FFF2-40B4-BE49-F238E27FC236}">
+                <a16:creationId xmlns:a16="http://schemas.microsoft.com/office/drawing/2014/main" id="{491EF4D9-F448-C804-6BB7-9755B53F6861}"/>
+              </a:ext>
+            </a:extLst>
+          </p:cNvPr>
+          <p:cNvSpPr>
+            <a:spLocks noGrp="1"/>
+          </p:cNvSpPr>
+          <p:nvPr>
+            <p:ph type="sldNum" sz="quarter" idx="5"/>
+          </p:nvPr>
+        </p:nvSpPr>
+        <p:spPr/>
+        <p:txBody>
+          <a:bodyPr/>
+          <a:lstStyle/>
+          <a:p>
+            <a:fld id="{AB40B6F2-39BF-4782-9A62-09DEC8CE7498}" type="slidenum">
+              <a:rPr lang="cs-CZ" smtClean="0"/>
+              <a:t>32</a:t>
+            </a:fld>
+            <a:endParaRPr lang="cs-CZ"/>
+          </a:p>
+        </p:txBody>
+      </p:sp>
+    </p:spTree>
+    <p:extLst>
+      <p:ext uri="{BB962C8B-B14F-4D97-AF65-F5344CB8AC3E}">
+        <p14:creationId xmlns:p14="http://schemas.microsoft.com/office/powerpoint/2010/main" val="579005774"/>
+      </p:ext>
+    </p:extLst>
+  </p:cSld>
+  <p:clrMapOvr>
+    <a:masterClrMapping/>
+  </p:clrMapOvr>
+</p:notes>
+</file>
+
+<file path=ppt/notesSlides/notesSlide27.xml><?xml version="1.0" encoding="utf-8"?>
+<p:notes xmlns:a="http://schemas.openxmlformats.org/drawingml/2006/main" xmlns:r="http://schemas.openxmlformats.org/officeDocument/2006/relationships" xmlns:p="http://schemas.openxmlformats.org/presentationml/2006/main">
+  <p:cSld>
+    <p:spTree>
+      <p:nvGrpSpPr>
+        <p:cNvPr id="1" name="">
+          <a:extLst>
+            <a:ext uri="{FF2B5EF4-FFF2-40B4-BE49-F238E27FC236}">
+              <a16:creationId xmlns:a16="http://schemas.microsoft.com/office/drawing/2014/main" id="{2CC3D7DB-54A9-01A4-D805-0B4AA538AE4E}"/>
+            </a:ext>
+          </a:extLst>
+        </p:cNvPr>
+        <p:cNvGrpSpPr/>
+        <p:nvPr/>
+      </p:nvGrpSpPr>
+      <p:grpSpPr>
+        <a:xfrm>
+          <a:off x="0" y="0"/>
+          <a:ext cx="0" cy="0"/>
+          <a:chOff x="0" y="0"/>
+          <a:chExt cx="0" cy="0"/>
+        </a:xfrm>
+      </p:grpSpPr>
+      <p:sp>
+        <p:nvSpPr>
+          <p:cNvPr id="2" name="Slide Image Placeholder 1">
+            <a:extLst>
+              <a:ext uri="{FF2B5EF4-FFF2-40B4-BE49-F238E27FC236}">
+                <a16:creationId xmlns:a16="http://schemas.microsoft.com/office/drawing/2014/main" id="{D38C3250-F987-2BB4-47B7-F43B15438557}"/>
+              </a:ext>
+            </a:extLst>
+          </p:cNvPr>
+          <p:cNvSpPr>
+            <a:spLocks noGrp="1" noRot="1" noChangeAspect="1"/>
+          </p:cNvSpPr>
+          <p:nvPr>
+            <p:ph type="sldImg"/>
+          </p:nvPr>
+        </p:nvSpPr>
+        <p:spPr/>
+      </p:sp>
+      <p:sp>
+        <p:nvSpPr>
+          <p:cNvPr id="3" name="Notes Placeholder 2">
+            <a:extLst>
+              <a:ext uri="{FF2B5EF4-FFF2-40B4-BE49-F238E27FC236}">
+                <a16:creationId xmlns:a16="http://schemas.microsoft.com/office/drawing/2014/main" id="{8FDEB19A-8981-F4D7-E901-431DCFD01784}"/>
+              </a:ext>
+            </a:extLst>
+          </p:cNvPr>
+          <p:cNvSpPr>
+            <a:spLocks noGrp="1"/>
+          </p:cNvSpPr>
+          <p:nvPr>
+            <p:ph type="body" idx="1"/>
+          </p:nvPr>
+        </p:nvSpPr>
+        <p:spPr/>
+        <p:txBody>
+          <a:bodyPr/>
+          <a:lstStyle/>
+          <a:p>
+            <a:endParaRPr lang="en-US" dirty="0">
+              <a:ea typeface="Calibri"/>
+              <a:cs typeface="Calibri"/>
+            </a:endParaRPr>
+          </a:p>
+        </p:txBody>
+      </p:sp>
+      <p:sp>
+        <p:nvSpPr>
+          <p:cNvPr id="4" name="Slide Number Placeholder 3">
+            <a:extLst>
+              <a:ext uri="{FF2B5EF4-FFF2-40B4-BE49-F238E27FC236}">
+                <a16:creationId xmlns:a16="http://schemas.microsoft.com/office/drawing/2014/main" id="{FDCA743A-7431-7462-E05C-A6F9810BD5E3}"/>
+              </a:ext>
+            </a:extLst>
+          </p:cNvPr>
+          <p:cNvSpPr>
+            <a:spLocks noGrp="1"/>
+          </p:cNvSpPr>
+          <p:nvPr>
+            <p:ph type="sldNum" sz="quarter" idx="5"/>
+          </p:nvPr>
+        </p:nvSpPr>
+        <p:spPr/>
+        <p:txBody>
+          <a:bodyPr/>
+          <a:lstStyle/>
+          <a:p>
+            <a:fld id="{AB40B6F2-39BF-4782-9A62-09DEC8CE7498}" type="slidenum">
+              <a:rPr lang="cs-CZ" smtClean="0"/>
+              <a:t>33</a:t>
+            </a:fld>
+            <a:endParaRPr lang="cs-CZ"/>
+          </a:p>
+        </p:txBody>
+      </p:sp>
+    </p:spTree>
+    <p:extLst>
+      <p:ext uri="{BB962C8B-B14F-4D97-AF65-F5344CB8AC3E}">
+        <p14:creationId xmlns:p14="http://schemas.microsoft.com/office/powerpoint/2010/main" val="2147215670"/>
+      </p:ext>
+    </p:extLst>
+  </p:cSld>
+  <p:clrMapOvr>
+    <a:masterClrMapping/>
+  </p:clrMapOvr>
+</p:notes>
+</file>
+
+<file path=ppt/notesSlides/notesSlide28.xml><?xml version="1.0" encoding="utf-8"?>
+<p:notes xmlns:a="http://schemas.openxmlformats.org/drawingml/2006/main" xmlns:r="http://schemas.openxmlformats.org/officeDocument/2006/relationships" xmlns:p="http://schemas.openxmlformats.org/presentationml/2006/main">
+  <p:cSld>
+    <p:spTree>
+      <p:nvGrpSpPr>
+        <p:cNvPr id="1" name="">
+          <a:extLst>
+            <a:ext uri="{FF2B5EF4-FFF2-40B4-BE49-F238E27FC236}">
+              <a16:creationId xmlns:a16="http://schemas.microsoft.com/office/drawing/2014/main" id="{28C6BF4B-85CF-1D38-90CF-2367A3D9497E}"/>
+            </a:ext>
+          </a:extLst>
+        </p:cNvPr>
+        <p:cNvGrpSpPr/>
+        <p:nvPr/>
+      </p:nvGrpSpPr>
+      <p:grpSpPr>
+        <a:xfrm>
+          <a:off x="0" y="0"/>
+          <a:ext cx="0" cy="0"/>
+          <a:chOff x="0" y="0"/>
+          <a:chExt cx="0" cy="0"/>
+        </a:xfrm>
+      </p:grpSpPr>
+      <p:sp>
+        <p:nvSpPr>
+          <p:cNvPr id="2" name="Slide Image Placeholder 1">
+            <a:extLst>
+              <a:ext uri="{FF2B5EF4-FFF2-40B4-BE49-F238E27FC236}">
+                <a16:creationId xmlns:a16="http://schemas.microsoft.com/office/drawing/2014/main" id="{7320B994-E436-B2A3-1E22-E49929EE50EA}"/>
+              </a:ext>
+            </a:extLst>
+          </p:cNvPr>
+          <p:cNvSpPr>
+            <a:spLocks noGrp="1" noRot="1" noChangeAspect="1"/>
+          </p:cNvSpPr>
+          <p:nvPr>
+            <p:ph type="sldImg"/>
+          </p:nvPr>
+        </p:nvSpPr>
+        <p:spPr/>
+      </p:sp>
+      <p:sp>
+        <p:nvSpPr>
+          <p:cNvPr id="3" name="Notes Placeholder 2">
+            <a:extLst>
+              <a:ext uri="{FF2B5EF4-FFF2-40B4-BE49-F238E27FC236}">
+                <a16:creationId xmlns:a16="http://schemas.microsoft.com/office/drawing/2014/main" id="{E55D24DD-81E9-C123-1B5A-B62A691E056F}"/>
+              </a:ext>
+            </a:extLst>
+          </p:cNvPr>
+          <p:cNvSpPr>
+            <a:spLocks noGrp="1"/>
+          </p:cNvSpPr>
+          <p:nvPr>
+            <p:ph type="body" idx="1"/>
+          </p:nvPr>
+        </p:nvSpPr>
+        <p:spPr/>
+        <p:txBody>
+          <a:bodyPr/>
+          <a:lstStyle/>
+          <a:p>
+            <a:endParaRPr lang="en-US" dirty="0">
+              <a:ea typeface="Calibri"/>
+              <a:cs typeface="Calibri"/>
+            </a:endParaRPr>
+          </a:p>
+        </p:txBody>
+      </p:sp>
+      <p:sp>
+        <p:nvSpPr>
+          <p:cNvPr id="4" name="Slide Number Placeholder 3">
+            <a:extLst>
+              <a:ext uri="{FF2B5EF4-FFF2-40B4-BE49-F238E27FC236}">
+                <a16:creationId xmlns:a16="http://schemas.microsoft.com/office/drawing/2014/main" id="{1CEA9948-FDDA-6D32-302B-E1D3E09D1DA9}"/>
+              </a:ext>
+            </a:extLst>
+          </p:cNvPr>
+          <p:cNvSpPr>
+            <a:spLocks noGrp="1"/>
+          </p:cNvSpPr>
+          <p:nvPr>
+            <p:ph type="sldNum" sz="quarter" idx="5"/>
+          </p:nvPr>
+        </p:nvSpPr>
+        <p:spPr/>
+        <p:txBody>
+          <a:bodyPr/>
+          <a:lstStyle/>
+          <a:p>
+            <a:fld id="{AB40B6F2-39BF-4782-9A62-09DEC8CE7498}" type="slidenum">
+              <a:rPr lang="cs-CZ" smtClean="0"/>
+              <a:t>34</a:t>
+            </a:fld>
+            <a:endParaRPr lang="cs-CZ"/>
+          </a:p>
+        </p:txBody>
+      </p:sp>
+    </p:spTree>
+    <p:extLst>
+      <p:ext uri="{BB962C8B-B14F-4D97-AF65-F5344CB8AC3E}">
+        <p14:creationId xmlns:p14="http://schemas.microsoft.com/office/powerpoint/2010/main" val="3502464827"/>
+      </p:ext>
+    </p:extLst>
+  </p:cSld>
+  <p:clrMapOvr>
+    <a:masterClrMapping/>
+  </p:clrMapOvr>
+</p:notes>
+</file>
+
+<file path=ppt/notesSlides/notesSlide29.xml><?xml version="1.0" encoding="utf-8"?>
+<p:notes xmlns:a="http://schemas.openxmlformats.org/drawingml/2006/main" xmlns:r="http://schemas.openxmlformats.org/officeDocument/2006/relationships" xmlns:p="http://schemas.openxmlformats.org/presentationml/2006/main">
+  <p:cSld>
+    <p:spTree>
+      <p:nvGrpSpPr>
+        <p:cNvPr id="1" name="">
+          <a:extLst>
+            <a:ext uri="{FF2B5EF4-FFF2-40B4-BE49-F238E27FC236}">
+              <a16:creationId xmlns:a16="http://schemas.microsoft.com/office/drawing/2014/main" id="{C8480EF7-BC3C-FF63-8E87-EE0E0B722F49}"/>
+            </a:ext>
+          </a:extLst>
+        </p:cNvPr>
+        <p:cNvGrpSpPr/>
+        <p:nvPr/>
+      </p:nvGrpSpPr>
+      <p:grpSpPr>
+        <a:xfrm>
+          <a:off x="0" y="0"/>
+          <a:ext cx="0" cy="0"/>
+          <a:chOff x="0" y="0"/>
+          <a:chExt cx="0" cy="0"/>
+        </a:xfrm>
+      </p:grpSpPr>
+      <p:sp>
+        <p:nvSpPr>
+          <p:cNvPr id="2" name="Slide Image Placeholder 1">
+            <a:extLst>
+              <a:ext uri="{FF2B5EF4-FFF2-40B4-BE49-F238E27FC236}">
+                <a16:creationId xmlns:a16="http://schemas.microsoft.com/office/drawing/2014/main" id="{7FECEFB5-48B0-C0F6-18FA-EC0558B7198A}"/>
+              </a:ext>
+            </a:extLst>
+          </p:cNvPr>
+          <p:cNvSpPr>
+            <a:spLocks noGrp="1" noRot="1" noChangeAspect="1"/>
+          </p:cNvSpPr>
+          <p:nvPr>
+            <p:ph type="sldImg"/>
+          </p:nvPr>
+        </p:nvSpPr>
+        <p:spPr/>
+      </p:sp>
+      <p:sp>
+        <p:nvSpPr>
+          <p:cNvPr id="3" name="Notes Placeholder 2">
+            <a:extLst>
+              <a:ext uri="{FF2B5EF4-FFF2-40B4-BE49-F238E27FC236}">
+                <a16:creationId xmlns:a16="http://schemas.microsoft.com/office/drawing/2014/main" id="{1DBC95A5-A24B-4AB8-998B-DF43577EB80D}"/>
+              </a:ext>
+            </a:extLst>
+          </p:cNvPr>
+          <p:cNvSpPr>
+            <a:spLocks noGrp="1"/>
+          </p:cNvSpPr>
+          <p:nvPr>
+            <p:ph type="body" idx="1"/>
+          </p:nvPr>
+        </p:nvSpPr>
+        <p:spPr/>
+        <p:txBody>
+          <a:bodyPr/>
+          <a:lstStyle/>
+          <a:p>
+            <a:endParaRPr lang="en-US" dirty="0">
+              <a:ea typeface="Calibri"/>
+              <a:cs typeface="Calibri"/>
+            </a:endParaRPr>
+          </a:p>
+        </p:txBody>
+      </p:sp>
+      <p:sp>
+        <p:nvSpPr>
+          <p:cNvPr id="4" name="Slide Number Placeholder 3">
+            <a:extLst>
+              <a:ext uri="{FF2B5EF4-FFF2-40B4-BE49-F238E27FC236}">
+                <a16:creationId xmlns:a16="http://schemas.microsoft.com/office/drawing/2014/main" id="{F61D1C3C-9C42-53FE-0815-AB38EEE56C62}"/>
+              </a:ext>
+            </a:extLst>
+          </p:cNvPr>
+          <p:cNvSpPr>
+            <a:spLocks noGrp="1"/>
+          </p:cNvSpPr>
+          <p:nvPr>
+            <p:ph type="sldNum" sz="quarter" idx="5"/>
+          </p:nvPr>
+        </p:nvSpPr>
+        <p:spPr/>
+        <p:txBody>
+          <a:bodyPr/>
+          <a:lstStyle/>
+          <a:p>
+            <a:fld id="{AB40B6F2-39BF-4782-9A62-09DEC8CE7498}" type="slidenum">
+              <a:rPr lang="cs-CZ" smtClean="0"/>
+              <a:t>35</a:t>
+            </a:fld>
+            <a:endParaRPr lang="cs-CZ"/>
+          </a:p>
+        </p:txBody>
+      </p:sp>
+    </p:spTree>
+    <p:extLst>
+      <p:ext uri="{BB962C8B-B14F-4D97-AF65-F5344CB8AC3E}">
+        <p14:creationId xmlns:p14="http://schemas.microsoft.com/office/powerpoint/2010/main" val="632013564"/>
+      </p:ext>
+    </p:extLst>
+  </p:cSld>
+  <p:clrMapOvr>
+    <a:masterClrMapping/>
+  </p:clrMapOvr>
+</p:notes>
+</file>
+
 <file path=ppt/notesSlides/notesSlide3.xml><?xml version="1.0" encoding="utf-8"?>
 <p:notes xmlns:a="http://schemas.openxmlformats.org/drawingml/2006/main" xmlns:r="http://schemas.openxmlformats.org/officeDocument/2006/relationships" xmlns:p="http://schemas.openxmlformats.org/presentationml/2006/main">
   <p:cSld>
@@ -29913,6 +30587,228 @@
     <p:extLst>
       <p:ext uri="{BB962C8B-B14F-4D97-AF65-F5344CB8AC3E}">
         <p14:creationId xmlns:p14="http://schemas.microsoft.com/office/powerpoint/2010/main" val="3865856087"/>
+      </p:ext>
+    </p:extLst>
+  </p:cSld>
+  <p:clrMapOvr>
+    <a:masterClrMapping/>
+  </p:clrMapOvr>
+</p:notes>
+</file>
+
+<file path=ppt/notesSlides/notesSlide30.xml><?xml version="1.0" encoding="utf-8"?>
+<p:notes xmlns:a="http://schemas.openxmlformats.org/drawingml/2006/main" xmlns:r="http://schemas.openxmlformats.org/officeDocument/2006/relationships" xmlns:p="http://schemas.openxmlformats.org/presentationml/2006/main">
+  <p:cSld>
+    <p:spTree>
+      <p:nvGrpSpPr>
+        <p:cNvPr id="1" name="">
+          <a:extLst>
+            <a:ext uri="{FF2B5EF4-FFF2-40B4-BE49-F238E27FC236}">
+              <a16:creationId xmlns:a16="http://schemas.microsoft.com/office/drawing/2014/main" id="{E45A3B30-6EB4-B724-7202-AE0F0FED3A17}"/>
+            </a:ext>
+          </a:extLst>
+        </p:cNvPr>
+        <p:cNvGrpSpPr/>
+        <p:nvPr/>
+      </p:nvGrpSpPr>
+      <p:grpSpPr>
+        <a:xfrm>
+          <a:off x="0" y="0"/>
+          <a:ext cx="0" cy="0"/>
+          <a:chOff x="0" y="0"/>
+          <a:chExt cx="0" cy="0"/>
+        </a:xfrm>
+      </p:grpSpPr>
+      <p:sp>
+        <p:nvSpPr>
+          <p:cNvPr id="2" name="Slide Image Placeholder 1">
+            <a:extLst>
+              <a:ext uri="{FF2B5EF4-FFF2-40B4-BE49-F238E27FC236}">
+                <a16:creationId xmlns:a16="http://schemas.microsoft.com/office/drawing/2014/main" id="{2EAC33CE-E081-D446-40A1-9221685873F3}"/>
+              </a:ext>
+            </a:extLst>
+          </p:cNvPr>
+          <p:cNvSpPr>
+            <a:spLocks noGrp="1" noRot="1" noChangeAspect="1"/>
+          </p:cNvSpPr>
+          <p:nvPr>
+            <p:ph type="sldImg"/>
+          </p:nvPr>
+        </p:nvSpPr>
+        <p:spPr/>
+      </p:sp>
+      <p:sp>
+        <p:nvSpPr>
+          <p:cNvPr id="3" name="Notes Placeholder 2">
+            <a:extLst>
+              <a:ext uri="{FF2B5EF4-FFF2-40B4-BE49-F238E27FC236}">
+                <a16:creationId xmlns:a16="http://schemas.microsoft.com/office/drawing/2014/main" id="{50A4B791-A006-5D3F-E4BD-BD596A3C93FA}"/>
+              </a:ext>
+            </a:extLst>
+          </p:cNvPr>
+          <p:cNvSpPr>
+            <a:spLocks noGrp="1"/>
+          </p:cNvSpPr>
+          <p:nvPr>
+            <p:ph type="body" idx="1"/>
+          </p:nvPr>
+        </p:nvSpPr>
+        <p:spPr/>
+        <p:txBody>
+          <a:bodyPr/>
+          <a:lstStyle/>
+          <a:p>
+            <a:endParaRPr lang="en-US" dirty="0">
+              <a:ea typeface="Calibri"/>
+              <a:cs typeface="Calibri"/>
+            </a:endParaRPr>
+          </a:p>
+        </p:txBody>
+      </p:sp>
+      <p:sp>
+        <p:nvSpPr>
+          <p:cNvPr id="4" name="Slide Number Placeholder 3">
+            <a:extLst>
+              <a:ext uri="{FF2B5EF4-FFF2-40B4-BE49-F238E27FC236}">
+                <a16:creationId xmlns:a16="http://schemas.microsoft.com/office/drawing/2014/main" id="{6E5AF11B-6A4B-FBDF-DA51-87CA59872564}"/>
+              </a:ext>
+            </a:extLst>
+          </p:cNvPr>
+          <p:cNvSpPr>
+            <a:spLocks noGrp="1"/>
+          </p:cNvSpPr>
+          <p:nvPr>
+            <p:ph type="sldNum" sz="quarter" idx="5"/>
+          </p:nvPr>
+        </p:nvSpPr>
+        <p:spPr/>
+        <p:txBody>
+          <a:bodyPr/>
+          <a:lstStyle/>
+          <a:p>
+            <a:fld id="{AB40B6F2-39BF-4782-9A62-09DEC8CE7498}" type="slidenum">
+              <a:rPr lang="cs-CZ" smtClean="0"/>
+              <a:t>36</a:t>
+            </a:fld>
+            <a:endParaRPr lang="cs-CZ"/>
+          </a:p>
+        </p:txBody>
+      </p:sp>
+    </p:spTree>
+    <p:extLst>
+      <p:ext uri="{BB962C8B-B14F-4D97-AF65-F5344CB8AC3E}">
+        <p14:creationId xmlns:p14="http://schemas.microsoft.com/office/powerpoint/2010/main" val="1547305636"/>
+      </p:ext>
+    </p:extLst>
+  </p:cSld>
+  <p:clrMapOvr>
+    <a:masterClrMapping/>
+  </p:clrMapOvr>
+</p:notes>
+</file>
+
+<file path=ppt/notesSlides/notesSlide31.xml><?xml version="1.0" encoding="utf-8"?>
+<p:notes xmlns:a="http://schemas.openxmlformats.org/drawingml/2006/main" xmlns:r="http://schemas.openxmlformats.org/officeDocument/2006/relationships" xmlns:p="http://schemas.openxmlformats.org/presentationml/2006/main">
+  <p:cSld>
+    <p:spTree>
+      <p:nvGrpSpPr>
+        <p:cNvPr id="1" name="">
+          <a:extLst>
+            <a:ext uri="{FF2B5EF4-FFF2-40B4-BE49-F238E27FC236}">
+              <a16:creationId xmlns:a16="http://schemas.microsoft.com/office/drawing/2014/main" id="{D6402161-DC5C-8E69-9C5B-B5454E5AC65B}"/>
+            </a:ext>
+          </a:extLst>
+        </p:cNvPr>
+        <p:cNvGrpSpPr/>
+        <p:nvPr/>
+      </p:nvGrpSpPr>
+      <p:grpSpPr>
+        <a:xfrm>
+          <a:off x="0" y="0"/>
+          <a:ext cx="0" cy="0"/>
+          <a:chOff x="0" y="0"/>
+          <a:chExt cx="0" cy="0"/>
+        </a:xfrm>
+      </p:grpSpPr>
+      <p:sp>
+        <p:nvSpPr>
+          <p:cNvPr id="2" name="Slide Image Placeholder 1">
+            <a:extLst>
+              <a:ext uri="{FF2B5EF4-FFF2-40B4-BE49-F238E27FC236}">
+                <a16:creationId xmlns:a16="http://schemas.microsoft.com/office/drawing/2014/main" id="{C2CCBCB4-A053-9DD8-C41E-5EE5C515B440}"/>
+              </a:ext>
+            </a:extLst>
+          </p:cNvPr>
+          <p:cNvSpPr>
+            <a:spLocks noGrp="1" noRot="1" noChangeAspect="1"/>
+          </p:cNvSpPr>
+          <p:nvPr>
+            <p:ph type="sldImg"/>
+          </p:nvPr>
+        </p:nvSpPr>
+        <p:spPr/>
+      </p:sp>
+      <p:sp>
+        <p:nvSpPr>
+          <p:cNvPr id="3" name="Notes Placeholder 2">
+            <a:extLst>
+              <a:ext uri="{FF2B5EF4-FFF2-40B4-BE49-F238E27FC236}">
+                <a16:creationId xmlns:a16="http://schemas.microsoft.com/office/drawing/2014/main" id="{43907464-36C2-E048-2411-D49A064EF2B6}"/>
+              </a:ext>
+            </a:extLst>
+          </p:cNvPr>
+          <p:cNvSpPr>
+            <a:spLocks noGrp="1"/>
+          </p:cNvSpPr>
+          <p:nvPr>
+            <p:ph type="body" idx="1"/>
+          </p:nvPr>
+        </p:nvSpPr>
+        <p:spPr/>
+        <p:txBody>
+          <a:bodyPr/>
+          <a:lstStyle/>
+          <a:p>
+            <a:endParaRPr lang="en-US" dirty="0">
+              <a:ea typeface="Calibri"/>
+              <a:cs typeface="Calibri"/>
+            </a:endParaRPr>
+          </a:p>
+        </p:txBody>
+      </p:sp>
+      <p:sp>
+        <p:nvSpPr>
+          <p:cNvPr id="4" name="Slide Number Placeholder 3">
+            <a:extLst>
+              <a:ext uri="{FF2B5EF4-FFF2-40B4-BE49-F238E27FC236}">
+                <a16:creationId xmlns:a16="http://schemas.microsoft.com/office/drawing/2014/main" id="{01EEFD5C-5947-2303-49F6-251320CE788D}"/>
+              </a:ext>
+            </a:extLst>
+          </p:cNvPr>
+          <p:cNvSpPr>
+            <a:spLocks noGrp="1"/>
+          </p:cNvSpPr>
+          <p:nvPr>
+            <p:ph type="sldNum" sz="quarter" idx="5"/>
+          </p:nvPr>
+        </p:nvSpPr>
+        <p:spPr/>
+        <p:txBody>
+          <a:bodyPr/>
+          <a:lstStyle/>
+          <a:p>
+            <a:fld id="{AB40B6F2-39BF-4782-9A62-09DEC8CE7498}" type="slidenum">
+              <a:rPr lang="cs-CZ" smtClean="0"/>
+              <a:t>37</a:t>
+            </a:fld>
+            <a:endParaRPr lang="cs-CZ"/>
+          </a:p>
+        </p:txBody>
+      </p:sp>
+    </p:spTree>
+    <p:extLst>
+      <p:ext uri="{BB962C8B-B14F-4D97-AF65-F5344CB8AC3E}">
+        <p14:creationId xmlns:p14="http://schemas.microsoft.com/office/powerpoint/2010/main" val="1743878257"/>
       </p:ext>
     </p:extLst>
   </p:cSld>
@@ -45219,124 +46115,6 @@
           </a:p>
         </p:txBody>
       </p:sp>
-      <p:sp>
-        <p:nvSpPr>
-          <p:cNvPr id="2" name="TextBox 1">
-            <a:extLst>
-              <a:ext uri="{FF2B5EF4-FFF2-40B4-BE49-F238E27FC236}">
-                <a16:creationId xmlns:a16="http://schemas.microsoft.com/office/drawing/2014/main" id="{0FDF5913-748E-B30B-5060-913723E99308}"/>
-              </a:ext>
-            </a:extLst>
-          </p:cNvPr>
-          <p:cNvSpPr txBox="1"/>
-          <p:nvPr/>
-        </p:nvSpPr>
-        <p:spPr>
-          <a:xfrm>
-            <a:off x="504000" y="5123818"/>
-            <a:ext cx="8064836" cy="584775"/>
-          </a:xfrm>
-          <a:prstGeom prst="rect">
-            <a:avLst/>
-          </a:prstGeom>
-          <a:noFill/>
-        </p:spPr>
-        <p:txBody>
-          <a:bodyPr wrap="none" rtlCol="0">
-            <a:spAutoFit/>
-          </a:bodyPr>
-          <a:lstStyle/>
-          <a:p>
-            <a:r>
-              <a:rPr lang="hu-HU" sz="3200" dirty="0">
-                <a:hlinkClick r:id="rId4"/>
-              </a:rPr>
-              <a:t>https://www.virustotal.com/gui/home/upload</a:t>
-            </a:r>
-            <a:endParaRPr lang="hu-HU" sz="3200" dirty="0"/>
-          </a:p>
-        </p:txBody>
-      </p:sp>
-      <p:sp>
-        <p:nvSpPr>
-          <p:cNvPr id="4" name="TextBox 3">
-            <a:extLst>
-              <a:ext uri="{FF2B5EF4-FFF2-40B4-BE49-F238E27FC236}">
-                <a16:creationId xmlns:a16="http://schemas.microsoft.com/office/drawing/2014/main" id="{C43586EB-363F-DDD7-F663-C4B6F87561AD}"/>
-              </a:ext>
-            </a:extLst>
-          </p:cNvPr>
-          <p:cNvSpPr txBox="1"/>
-          <p:nvPr/>
-        </p:nvSpPr>
-        <p:spPr>
-          <a:xfrm>
-            <a:off x="504000" y="3563751"/>
-            <a:ext cx="5262979" cy="584775"/>
-          </a:xfrm>
-          <a:prstGeom prst="rect">
-            <a:avLst/>
-          </a:prstGeom>
-          <a:noFill/>
-        </p:spPr>
-        <p:txBody>
-          <a:bodyPr wrap="none" rtlCol="0">
-            <a:spAutoFit/>
-          </a:bodyPr>
-          <a:lstStyle/>
-          <a:p>
-            <a:r>
-              <a:rPr lang="hu-HU" sz="3200" dirty="0">
-                <a:hlinkClick r:id="rId5"/>
-              </a:rPr>
-              <a:t>https://hybrid-analysis.com/</a:t>
-            </a:r>
-            <a:endParaRPr lang="hu-HU" sz="3200" dirty="0"/>
-          </a:p>
-        </p:txBody>
-      </p:sp>
-      <p:sp>
-        <p:nvSpPr>
-          <p:cNvPr id="5" name="TextBox 4">
-            <a:extLst>
-              <a:ext uri="{FF2B5EF4-FFF2-40B4-BE49-F238E27FC236}">
-                <a16:creationId xmlns:a16="http://schemas.microsoft.com/office/drawing/2014/main" id="{5BA0B9D1-8F42-2EFF-37B1-1764C44E0B42}"/>
-              </a:ext>
-            </a:extLst>
-          </p:cNvPr>
-          <p:cNvSpPr txBox="1"/>
-          <p:nvPr/>
-        </p:nvSpPr>
-        <p:spPr>
-          <a:xfrm flipH="1">
-            <a:off x="795178" y="4119732"/>
-            <a:ext cx="6648996" cy="923330"/>
-          </a:xfrm>
-          <a:prstGeom prst="rect">
-            <a:avLst/>
-          </a:prstGeom>
-          <a:noFill/>
-        </p:spPr>
-        <p:txBody>
-          <a:bodyPr wrap="square" rtlCol="0">
-            <a:spAutoFit/>
-          </a:bodyPr>
-          <a:lstStyle/>
-          <a:p>
-            <a:pPr marL="285750" indent="-285750">
-              <a:buFont typeface="Arial" panose="020B0604020202020204" pitchFamily="34" charset="0"/>
-              <a:buChar char="•"/>
-            </a:pPr>
-            <a:r>
-              <a:rPr lang="hu-HU" dirty="0">
-                <a:hlinkClick r:id="rId6"/>
-              </a:rPr>
-              <a:t>https://hybrid-analysis.com/sample/13c27e5049a7fc5a36416f2c1ae49c12438d45ce50a82a96d3f792bfdacf3dcd?environmentId=100</a:t>
-            </a:r>
-            <a:endParaRPr lang="hu-HU" dirty="0"/>
-          </a:p>
-        </p:txBody>
-      </p:sp>
     </p:spTree>
     <p:extLst>
       <p:ext uri="{BB962C8B-B14F-4D97-AF65-F5344CB8AC3E}">
@@ -45394,11 +46172,11 @@
           <a:lstStyle/>
           <a:p>
             <a:r>
-              <a:rPr lang="hu-HU" spc="60" noProof="0" dirty="0" err="1">
+              <a:rPr lang="hu-HU" spc="60" noProof="0" dirty="0">
                 <a:latin typeface="Arial" panose="020B0604020202020204" pitchFamily="34" charset="0"/>
                 <a:cs typeface="Arial" panose="020B0604020202020204" pitchFamily="34" charset="0"/>
               </a:rPr>
-              <a:t>Questions</a:t>
+              <a:t>The Story</a:t>
             </a:r>
             <a:endParaRPr lang="en-US" noProof="0" dirty="0"/>
           </a:p>
@@ -45483,7 +46261,528 @@
           <a:bodyPr/>
           <a:lstStyle/>
           <a:p>
+            <a:r>
+              <a:rPr lang="hu-HU" dirty="0" err="1"/>
+              <a:t>Step</a:t>
+            </a:r>
+            <a:r>
+              <a:rPr lang="hu-HU" dirty="0"/>
+              <a:t> 1</a:t>
+            </a:r>
+          </a:p>
+        </p:txBody>
+      </p:sp>
+      <p:pic>
+        <p:nvPicPr>
+          <p:cNvPr id="3" name="Graphic 2" descr="User outline">
+            <a:extLst>
+              <a:ext uri="{FF2B5EF4-FFF2-40B4-BE49-F238E27FC236}">
+                <a16:creationId xmlns:a16="http://schemas.microsoft.com/office/drawing/2014/main" id="{30840B30-420C-C8CE-CE1D-BD61EFCB796D}"/>
+              </a:ext>
+            </a:extLst>
+          </p:cNvPr>
+          <p:cNvPicPr>
+            <a:picLocks noChangeAspect="1"/>
+          </p:cNvPicPr>
+          <p:nvPr/>
+        </p:nvPicPr>
+        <p:blipFill>
+          <a:blip r:embed="rId3">
+            <a:extLst>
+              <a:ext uri="{96DAC541-7B7A-43D3-8B79-37D633B846F1}">
+                <asvg:svgBlip xmlns:asvg="http://schemas.microsoft.com/office/drawing/2016/SVG/main" r:embed="rId4"/>
+              </a:ext>
+            </a:extLst>
+          </a:blip>
+          <a:stretch>
+            <a:fillRect/>
+          </a:stretch>
+        </p:blipFill>
+        <p:spPr>
+          <a:xfrm>
+            <a:off x="544286" y="2362200"/>
+            <a:ext cx="914400" cy="914400"/>
+          </a:xfrm>
+          <a:prstGeom prst="rect">
+            <a:avLst/>
+          </a:prstGeom>
+        </p:spPr>
+      </p:pic>
+      <p:pic>
+        <p:nvPicPr>
+          <p:cNvPr id="5" name="Graphic 4" descr="Document outline">
+            <a:extLst>
+              <a:ext uri="{FF2B5EF4-FFF2-40B4-BE49-F238E27FC236}">
+                <a16:creationId xmlns:a16="http://schemas.microsoft.com/office/drawing/2014/main" id="{8F93C6DD-522B-21C3-1A1B-11F8C584978C}"/>
+              </a:ext>
+            </a:extLst>
+          </p:cNvPr>
+          <p:cNvPicPr>
+            <a:picLocks noChangeAspect="1"/>
+          </p:cNvPicPr>
+          <p:nvPr/>
+        </p:nvPicPr>
+        <p:blipFill>
+          <a:blip r:embed="rId5">
+            <a:extLst>
+              <a:ext uri="{96DAC541-7B7A-43D3-8B79-37D633B846F1}">
+                <asvg:svgBlip xmlns:asvg="http://schemas.microsoft.com/office/drawing/2016/SVG/main" r:embed="rId6"/>
+              </a:ext>
+            </a:extLst>
+          </a:blip>
+          <a:stretch>
+            <a:fillRect/>
+          </a:stretch>
+        </p:blipFill>
+        <p:spPr>
+          <a:xfrm>
+            <a:off x="4114800" y="2362200"/>
+            <a:ext cx="914400" cy="914400"/>
+          </a:xfrm>
+          <a:prstGeom prst="rect">
+            <a:avLst/>
+          </a:prstGeom>
+        </p:spPr>
+      </p:pic>
+      <p:sp>
+        <p:nvSpPr>
+          <p:cNvPr id="9" name="Arrow: Curved Up 8">
+            <a:extLst>
+              <a:ext uri="{FF2B5EF4-FFF2-40B4-BE49-F238E27FC236}">
+                <a16:creationId xmlns:a16="http://schemas.microsoft.com/office/drawing/2014/main" id="{D0437CCF-6C41-0FC1-AA82-CF65504B1650}"/>
+              </a:ext>
+            </a:extLst>
+          </p:cNvPr>
+          <p:cNvSpPr/>
+          <p:nvPr/>
+        </p:nvSpPr>
+        <p:spPr>
+          <a:xfrm>
+            <a:off x="1230086" y="3445286"/>
+            <a:ext cx="6564085" cy="1055914"/>
+          </a:xfrm>
+          <a:prstGeom prst="curvedUpArrow">
+            <a:avLst/>
+          </a:prstGeom>
+        </p:spPr>
+        <p:style>
+          <a:lnRef idx="2">
+            <a:schemeClr val="accent1">
+              <a:shade val="15000"/>
+            </a:schemeClr>
+          </a:lnRef>
+          <a:fillRef idx="1">
+            <a:schemeClr val="accent1"/>
+          </a:fillRef>
+          <a:effectRef idx="0">
+            <a:schemeClr val="accent1"/>
+          </a:effectRef>
+          <a:fontRef idx="minor">
+            <a:schemeClr val="lt1"/>
+          </a:fontRef>
+        </p:style>
+        <p:txBody>
+          <a:bodyPr rtlCol="0" anchor="ctr"/>
+          <a:lstStyle/>
+          <a:p>
+            <a:pPr algn="ctr"/>
+            <a:endParaRPr lang="hu-HU">
+              <a:solidFill>
+                <a:schemeClr val="tx1"/>
+              </a:solidFill>
+            </a:endParaRPr>
+          </a:p>
+        </p:txBody>
+      </p:sp>
+      <p:sp>
+        <p:nvSpPr>
+          <p:cNvPr id="11" name="Arrow: Left 10">
+            <a:extLst>
+              <a:ext uri="{FF2B5EF4-FFF2-40B4-BE49-F238E27FC236}">
+                <a16:creationId xmlns:a16="http://schemas.microsoft.com/office/drawing/2014/main" id="{998106C0-6A86-4B13-67F1-BEF465F89B85}"/>
+              </a:ext>
+            </a:extLst>
+          </p:cNvPr>
+          <p:cNvSpPr/>
+          <p:nvPr/>
+        </p:nvSpPr>
+        <p:spPr>
+          <a:xfrm>
+            <a:off x="5475514" y="2612571"/>
+            <a:ext cx="1513114" cy="435600"/>
+          </a:xfrm>
+          <a:prstGeom prst="leftArrow">
+            <a:avLst/>
+          </a:prstGeom>
+        </p:spPr>
+        <p:style>
+          <a:lnRef idx="2">
+            <a:schemeClr val="accent1">
+              <a:shade val="15000"/>
+            </a:schemeClr>
+          </a:lnRef>
+          <a:fillRef idx="1">
+            <a:schemeClr val="accent1"/>
+          </a:fillRef>
+          <a:effectRef idx="0">
+            <a:schemeClr val="accent1"/>
+          </a:effectRef>
+          <a:fontRef idx="minor">
+            <a:schemeClr val="lt1"/>
+          </a:fontRef>
+        </p:style>
+        <p:txBody>
+          <a:bodyPr rtlCol="0" anchor="ctr"/>
+          <a:lstStyle/>
+          <a:p>
+            <a:pPr algn="ctr"/>
             <a:endParaRPr lang="hu-HU"/>
+          </a:p>
+        </p:txBody>
+      </p:sp>
+      <p:sp>
+        <p:nvSpPr>
+          <p:cNvPr id="12" name="Arrow: Left 11">
+            <a:extLst>
+              <a:ext uri="{FF2B5EF4-FFF2-40B4-BE49-F238E27FC236}">
+                <a16:creationId xmlns:a16="http://schemas.microsoft.com/office/drawing/2014/main" id="{54EF2333-8879-668A-2519-B31E032ECEC6}"/>
+              </a:ext>
+            </a:extLst>
+          </p:cNvPr>
+          <p:cNvSpPr/>
+          <p:nvPr/>
+        </p:nvSpPr>
+        <p:spPr>
+          <a:xfrm>
+            <a:off x="2155372" y="2742901"/>
+            <a:ext cx="1513114" cy="435600"/>
+          </a:xfrm>
+          <a:prstGeom prst="leftArrow">
+            <a:avLst/>
+          </a:prstGeom>
+        </p:spPr>
+        <p:style>
+          <a:lnRef idx="2">
+            <a:schemeClr val="accent1">
+              <a:shade val="15000"/>
+            </a:schemeClr>
+          </a:lnRef>
+          <a:fillRef idx="1">
+            <a:schemeClr val="accent1"/>
+          </a:fillRef>
+          <a:effectRef idx="0">
+            <a:schemeClr val="accent1"/>
+          </a:effectRef>
+          <a:fontRef idx="minor">
+            <a:schemeClr val="lt1"/>
+          </a:fontRef>
+        </p:style>
+        <p:txBody>
+          <a:bodyPr rtlCol="0" anchor="ctr"/>
+          <a:lstStyle/>
+          <a:p>
+            <a:pPr algn="ctr"/>
+            <a:endParaRPr lang="hu-HU"/>
+          </a:p>
+        </p:txBody>
+      </p:sp>
+      <p:pic>
+        <p:nvPicPr>
+          <p:cNvPr id="14" name="Graphic 13" descr="Email outline">
+            <a:extLst>
+              <a:ext uri="{FF2B5EF4-FFF2-40B4-BE49-F238E27FC236}">
+                <a16:creationId xmlns:a16="http://schemas.microsoft.com/office/drawing/2014/main" id="{47B26A1F-D008-D678-291E-FB4D00660219}"/>
+              </a:ext>
+            </a:extLst>
+          </p:cNvPr>
+          <p:cNvPicPr>
+            <a:picLocks noChangeAspect="1"/>
+          </p:cNvPicPr>
+          <p:nvPr/>
+        </p:nvPicPr>
+        <p:blipFill>
+          <a:blip r:embed="rId7">
+            <a:extLst>
+              <a:ext uri="{96DAC541-7B7A-43D3-8B79-37D633B846F1}">
+                <asvg:svgBlip xmlns:asvg="http://schemas.microsoft.com/office/drawing/2016/SVG/main" r:embed="rId8"/>
+              </a:ext>
+            </a:extLst>
+          </a:blip>
+          <a:stretch>
+            <a:fillRect/>
+          </a:stretch>
+        </p:blipFill>
+        <p:spPr>
+          <a:xfrm>
+            <a:off x="7794171" y="2362200"/>
+            <a:ext cx="914400" cy="914400"/>
+          </a:xfrm>
+          <a:prstGeom prst="rect">
+            <a:avLst/>
+          </a:prstGeom>
+        </p:spPr>
+      </p:pic>
+      <p:pic>
+        <p:nvPicPr>
+          <p:cNvPr id="16" name="Graphic 15" descr="Server outline">
+            <a:extLst>
+              <a:ext uri="{FF2B5EF4-FFF2-40B4-BE49-F238E27FC236}">
+                <a16:creationId xmlns:a16="http://schemas.microsoft.com/office/drawing/2014/main" id="{66F5E9AD-F718-D279-8146-7A1FDBC9C025}"/>
+              </a:ext>
+            </a:extLst>
+          </p:cNvPr>
+          <p:cNvPicPr>
+            <a:picLocks noChangeAspect="1"/>
+          </p:cNvPicPr>
+          <p:nvPr/>
+        </p:nvPicPr>
+        <p:blipFill>
+          <a:blip r:embed="rId9">
+            <a:extLst>
+              <a:ext uri="{96DAC541-7B7A-43D3-8B79-37D633B846F1}">
+                <asvg:svgBlip xmlns:asvg="http://schemas.microsoft.com/office/drawing/2016/SVG/main" r:embed="rId10"/>
+              </a:ext>
+            </a:extLst>
+          </a:blip>
+          <a:stretch>
+            <a:fillRect/>
+          </a:stretch>
+        </p:blipFill>
+        <p:spPr>
+          <a:xfrm>
+            <a:off x="2440097" y="5698800"/>
+            <a:ext cx="914400" cy="914400"/>
+          </a:xfrm>
+          <a:prstGeom prst="rect">
+            <a:avLst/>
+          </a:prstGeom>
+        </p:spPr>
+      </p:pic>
+      <p:sp>
+        <p:nvSpPr>
+          <p:cNvPr id="17" name="Arrow: Down 16">
+            <a:extLst>
+              <a:ext uri="{FF2B5EF4-FFF2-40B4-BE49-F238E27FC236}">
+                <a16:creationId xmlns:a16="http://schemas.microsoft.com/office/drawing/2014/main" id="{E8303D05-3272-8CD5-5F63-80C055920AFC}"/>
+              </a:ext>
+            </a:extLst>
+          </p:cNvPr>
+          <p:cNvSpPr/>
+          <p:nvPr/>
+        </p:nvSpPr>
+        <p:spPr>
+          <a:xfrm rot="19748994">
+            <a:off x="1496103" y="3898200"/>
+            <a:ext cx="457200" cy="2024743"/>
+          </a:xfrm>
+          <a:prstGeom prst="downArrow">
+            <a:avLst/>
+          </a:prstGeom>
+        </p:spPr>
+        <p:style>
+          <a:lnRef idx="2">
+            <a:schemeClr val="accent1">
+              <a:shade val="15000"/>
+            </a:schemeClr>
+          </a:lnRef>
+          <a:fillRef idx="1">
+            <a:schemeClr val="accent1"/>
+          </a:fillRef>
+          <a:effectRef idx="0">
+            <a:schemeClr val="accent1"/>
+          </a:effectRef>
+          <a:fontRef idx="minor">
+            <a:schemeClr val="lt1"/>
+          </a:fontRef>
+        </p:style>
+        <p:txBody>
+          <a:bodyPr rtlCol="0" anchor="ctr"/>
+          <a:lstStyle/>
+          <a:p>
+            <a:pPr algn="ctr"/>
+            <a:endParaRPr lang="hu-HU"/>
+          </a:p>
+        </p:txBody>
+      </p:sp>
+      <p:sp>
+        <p:nvSpPr>
+          <p:cNvPr id="18" name="TextBox 17">
+            <a:extLst>
+              <a:ext uri="{FF2B5EF4-FFF2-40B4-BE49-F238E27FC236}">
+                <a16:creationId xmlns:a16="http://schemas.microsoft.com/office/drawing/2014/main" id="{FFF0A599-D625-6372-1447-059E6E5677A1}"/>
+              </a:ext>
+            </a:extLst>
+          </p:cNvPr>
+          <p:cNvSpPr txBox="1"/>
+          <p:nvPr/>
+        </p:nvSpPr>
+        <p:spPr>
+          <a:xfrm>
+            <a:off x="3080657" y="1106815"/>
+            <a:ext cx="3374572" cy="923330"/>
+          </a:xfrm>
+          <a:prstGeom prst="rect">
+            <a:avLst/>
+          </a:prstGeom>
+          <a:noFill/>
+        </p:spPr>
+        <p:txBody>
+          <a:bodyPr wrap="square" rtlCol="0">
+            <a:spAutoFit/>
+          </a:bodyPr>
+          <a:lstStyle/>
+          <a:p>
+            <a:r>
+              <a:rPr lang="hu-HU" dirty="0" err="1"/>
+              <a:t>User</a:t>
+            </a:r>
+            <a:r>
+              <a:rPr lang="hu-HU" dirty="0"/>
+              <a:t> </a:t>
+            </a:r>
+            <a:r>
+              <a:rPr lang="hu-HU" dirty="0" err="1"/>
+              <a:t>receives</a:t>
+            </a:r>
+            <a:r>
+              <a:rPr lang="hu-HU" dirty="0"/>
+              <a:t> a </a:t>
+            </a:r>
+            <a:r>
+              <a:rPr lang="hu-HU" dirty="0" err="1"/>
+              <a:t>SpearPhising</a:t>
+            </a:r>
+            <a:r>
+              <a:rPr lang="hu-HU" dirty="0"/>
+              <a:t> email </a:t>
+            </a:r>
+            <a:r>
+              <a:rPr lang="hu-HU" dirty="0" err="1"/>
+              <a:t>with</a:t>
+            </a:r>
+            <a:r>
+              <a:rPr lang="hu-HU" dirty="0"/>
+              <a:t> a </a:t>
+            </a:r>
+            <a:r>
+              <a:rPr lang="hu-HU" dirty="0" err="1"/>
+              <a:t>malicious</a:t>
+            </a:r>
+            <a:r>
+              <a:rPr lang="hu-HU" dirty="0"/>
+              <a:t> </a:t>
+            </a:r>
+            <a:r>
+              <a:rPr lang="hu-HU" dirty="0" err="1"/>
+              <a:t>attachment</a:t>
+            </a:r>
+            <a:r>
+              <a:rPr lang="hu-HU" dirty="0"/>
+              <a:t>…</a:t>
+            </a:r>
+          </a:p>
+        </p:txBody>
+      </p:sp>
+      <p:sp>
+        <p:nvSpPr>
+          <p:cNvPr id="19" name="TextBox 18">
+            <a:extLst>
+              <a:ext uri="{FF2B5EF4-FFF2-40B4-BE49-F238E27FC236}">
+                <a16:creationId xmlns:a16="http://schemas.microsoft.com/office/drawing/2014/main" id="{DE7B7FE0-1ADC-3F41-C10A-D53F3827AB6F}"/>
+              </a:ext>
+            </a:extLst>
+          </p:cNvPr>
+          <p:cNvSpPr txBox="1"/>
+          <p:nvPr/>
+        </p:nvSpPr>
+        <p:spPr>
+          <a:xfrm>
+            <a:off x="3668486" y="5596278"/>
+            <a:ext cx="3374572" cy="923330"/>
+          </a:xfrm>
+          <a:prstGeom prst="rect">
+            <a:avLst/>
+          </a:prstGeom>
+          <a:noFill/>
+        </p:spPr>
+        <p:txBody>
+          <a:bodyPr wrap="square" rtlCol="0">
+            <a:spAutoFit/>
+          </a:bodyPr>
+          <a:lstStyle/>
+          <a:p>
+            <a:r>
+              <a:rPr lang="hu-HU" dirty="0" err="1"/>
+              <a:t>Once</a:t>
+            </a:r>
+            <a:r>
+              <a:rPr lang="hu-HU" dirty="0"/>
+              <a:t> </a:t>
+            </a:r>
+            <a:r>
+              <a:rPr lang="hu-HU" dirty="0" err="1"/>
+              <a:t>the</a:t>
+            </a:r>
+            <a:r>
+              <a:rPr lang="hu-HU" dirty="0"/>
+              <a:t> </a:t>
+            </a:r>
+            <a:r>
+              <a:rPr lang="hu-HU" dirty="0" err="1"/>
+              <a:t>attachment</a:t>
+            </a:r>
+            <a:r>
+              <a:rPr lang="hu-HU" dirty="0"/>
+              <a:t> is </a:t>
+            </a:r>
+            <a:r>
+              <a:rPr lang="hu-HU" dirty="0" err="1"/>
+              <a:t>opened</a:t>
+            </a:r>
+            <a:r>
+              <a:rPr lang="hu-HU" dirty="0"/>
+              <a:t>, </a:t>
+            </a:r>
+            <a:r>
+              <a:rPr lang="hu-HU" dirty="0" err="1"/>
+              <a:t>the</a:t>
+            </a:r>
+            <a:r>
+              <a:rPr lang="hu-HU" dirty="0"/>
+              <a:t> </a:t>
+            </a:r>
+            <a:r>
+              <a:rPr lang="hu-HU" dirty="0" err="1"/>
+              <a:t>malware</a:t>
+            </a:r>
+            <a:r>
+              <a:rPr lang="hu-HU" dirty="0"/>
+              <a:t> </a:t>
+            </a:r>
+            <a:r>
+              <a:rPr lang="hu-HU" dirty="0" err="1"/>
+              <a:t>runs</a:t>
+            </a:r>
+            <a:r>
+              <a:rPr lang="hu-HU" dirty="0"/>
+              <a:t> and </a:t>
+            </a:r>
+            <a:r>
+              <a:rPr lang="hu-HU" dirty="0" err="1"/>
+              <a:t>reports</a:t>
+            </a:r>
+            <a:r>
+              <a:rPr lang="hu-HU" dirty="0"/>
+              <a:t> back </a:t>
+            </a:r>
+            <a:r>
+              <a:rPr lang="hu-HU" dirty="0" err="1"/>
+              <a:t>to</a:t>
+            </a:r>
+            <a:r>
+              <a:rPr lang="hu-HU" dirty="0"/>
+              <a:t> C&amp;C</a:t>
+            </a:r>
           </a:p>
         </p:txBody>
       </p:sp>
@@ -45918,6 +47217,2815 @@
 </file>
 
 <file path=ppt/slides/slide30.xml><?xml version="1.0" encoding="utf-8"?>
+<p:sld xmlns:a="http://schemas.openxmlformats.org/drawingml/2006/main" xmlns:r="http://schemas.openxmlformats.org/officeDocument/2006/relationships" xmlns:p="http://schemas.openxmlformats.org/presentationml/2006/main">
+  <p:cSld>
+    <p:spTree>
+      <p:nvGrpSpPr>
+        <p:cNvPr id="1" name="">
+          <a:extLst>
+            <a:ext uri="{FF2B5EF4-FFF2-40B4-BE49-F238E27FC236}">
+              <a16:creationId xmlns:a16="http://schemas.microsoft.com/office/drawing/2014/main" id="{815148FE-09F9-D0EE-72BC-291584CE177C}"/>
+            </a:ext>
+          </a:extLst>
+        </p:cNvPr>
+        <p:cNvGrpSpPr/>
+        <p:nvPr/>
+      </p:nvGrpSpPr>
+      <p:grpSpPr>
+        <a:xfrm>
+          <a:off x="0" y="0"/>
+          <a:ext cx="0" cy="0"/>
+          <a:chOff x="0" y="0"/>
+          <a:chExt cx="0" cy="0"/>
+        </a:xfrm>
+      </p:grpSpPr>
+      <p:sp>
+        <p:nvSpPr>
+          <p:cNvPr id="8" name="Title 7">
+            <a:extLst>
+              <a:ext uri="{FF2B5EF4-FFF2-40B4-BE49-F238E27FC236}">
+                <a16:creationId xmlns:a16="http://schemas.microsoft.com/office/drawing/2014/main" id="{77879E08-758C-6A1F-BBE4-B7642156C0BB}"/>
+              </a:ext>
+            </a:extLst>
+          </p:cNvPr>
+          <p:cNvSpPr>
+            <a:spLocks noGrp="1"/>
+          </p:cNvSpPr>
+          <p:nvPr>
+            <p:ph type="title"/>
+          </p:nvPr>
+        </p:nvSpPr>
+        <p:spPr/>
+        <p:txBody>
+          <a:bodyPr/>
+          <a:lstStyle/>
+          <a:p>
+            <a:r>
+              <a:rPr lang="hu-HU" dirty="0" err="1"/>
+              <a:t>Step</a:t>
+            </a:r>
+            <a:r>
+              <a:rPr lang="hu-HU" dirty="0"/>
+              <a:t> 1</a:t>
+            </a:r>
+          </a:p>
+        </p:txBody>
+      </p:sp>
+      <p:pic>
+        <p:nvPicPr>
+          <p:cNvPr id="2" name="Graphic 1" descr="Document outline">
+            <a:extLst>
+              <a:ext uri="{FF2B5EF4-FFF2-40B4-BE49-F238E27FC236}">
+                <a16:creationId xmlns:a16="http://schemas.microsoft.com/office/drawing/2014/main" id="{44E4FAAB-181B-D79D-2E88-3731DEC802E8}"/>
+              </a:ext>
+            </a:extLst>
+          </p:cNvPr>
+          <p:cNvPicPr>
+            <a:picLocks noChangeAspect="1"/>
+          </p:cNvPicPr>
+          <p:nvPr/>
+        </p:nvPicPr>
+        <p:blipFill>
+          <a:blip r:embed="rId3">
+            <a:extLst>
+              <a:ext uri="{96DAC541-7B7A-43D3-8B79-37D633B846F1}">
+                <asvg:svgBlip xmlns:asvg="http://schemas.microsoft.com/office/drawing/2016/SVG/main" r:embed="rId4"/>
+              </a:ext>
+            </a:extLst>
+          </a:blip>
+          <a:stretch>
+            <a:fillRect/>
+          </a:stretch>
+        </p:blipFill>
+        <p:spPr>
+          <a:xfrm>
+            <a:off x="489857" y="1328057"/>
+            <a:ext cx="914400" cy="914400"/>
+          </a:xfrm>
+          <a:prstGeom prst="rect">
+            <a:avLst/>
+          </a:prstGeom>
+        </p:spPr>
+      </p:pic>
+      <p:sp>
+        <p:nvSpPr>
+          <p:cNvPr id="7" name="TextBox 6">
+            <a:extLst>
+              <a:ext uri="{FF2B5EF4-FFF2-40B4-BE49-F238E27FC236}">
+                <a16:creationId xmlns:a16="http://schemas.microsoft.com/office/drawing/2014/main" id="{BF84E0A5-F05D-E093-EA6F-B44286AB55F5}"/>
+              </a:ext>
+            </a:extLst>
+          </p:cNvPr>
+          <p:cNvSpPr txBox="1"/>
+          <p:nvPr/>
+        </p:nvSpPr>
+        <p:spPr>
+          <a:xfrm>
+            <a:off x="1567543" y="1328057"/>
+            <a:ext cx="7158857" cy="2308324"/>
+          </a:xfrm>
+          <a:prstGeom prst="rect">
+            <a:avLst/>
+          </a:prstGeom>
+          <a:noFill/>
+        </p:spPr>
+        <p:txBody>
+          <a:bodyPr wrap="square" rtlCol="0">
+            <a:spAutoFit/>
+          </a:bodyPr>
+          <a:lstStyle/>
+          <a:p>
+            <a:pPr marL="285750" indent="-285750">
+              <a:buFont typeface="Arial" panose="020B0604020202020204" pitchFamily="34" charset="0"/>
+              <a:buChar char="•"/>
+            </a:pPr>
+            <a:r>
+              <a:rPr lang="en-GB" dirty="0"/>
+              <a:t>Base64 encoded text </a:t>
+            </a:r>
+            <a:r>
+              <a:rPr lang="en-GB" dirty="0">
+                <a:sym typeface="Wingdings" panose="05000000000000000000" pitchFamily="2" charset="2"/>
+              </a:rPr>
+              <a:t> </a:t>
+            </a:r>
+            <a:r>
+              <a:rPr lang="en-GB" dirty="0" err="1">
+                <a:sym typeface="Wingdings" panose="05000000000000000000" pitchFamily="2" charset="2"/>
+              </a:rPr>
+              <a:t>SideTwist</a:t>
+            </a:r>
+            <a:r>
+              <a:rPr lang="en-GB" dirty="0">
+                <a:sym typeface="Wingdings" panose="05000000000000000000" pitchFamily="2" charset="2"/>
+              </a:rPr>
+              <a:t> Malware</a:t>
+            </a:r>
+          </a:p>
+          <a:p>
+            <a:pPr marL="285750" indent="-285750">
+              <a:buFont typeface="Arial" panose="020B0604020202020204" pitchFamily="34" charset="0"/>
+              <a:buChar char="•"/>
+            </a:pPr>
+            <a:r>
+              <a:rPr lang="en-GB" dirty="0">
+                <a:sym typeface="Wingdings" panose="05000000000000000000" pitchFamily="2" charset="2"/>
+              </a:rPr>
+              <a:t>VBS in doc creates scheduled task, writes the base64 text to file in the </a:t>
+            </a:r>
+            <a:r>
+              <a:rPr lang="en-GB" dirty="0" err="1">
+                <a:sym typeface="Wingdings" panose="05000000000000000000" pitchFamily="2" charset="2"/>
+              </a:rPr>
+              <a:t>localappdata</a:t>
+            </a:r>
+            <a:r>
+              <a:rPr lang="en-GB" dirty="0">
+                <a:sym typeface="Wingdings" panose="05000000000000000000" pitchFamily="2" charset="2"/>
+              </a:rPr>
+              <a:t>\</a:t>
+            </a:r>
+            <a:r>
+              <a:rPr lang="en-GB" dirty="0" err="1">
+                <a:sym typeface="Wingdings" panose="05000000000000000000" pitchFamily="2" charset="2"/>
+              </a:rPr>
+              <a:t>SystemFailureReporter</a:t>
+            </a:r>
+            <a:r>
+              <a:rPr lang="en-GB" dirty="0">
+                <a:sym typeface="Wingdings" panose="05000000000000000000" pitchFamily="2" charset="2"/>
+              </a:rPr>
+              <a:t>\ directory as b.doc (file actually is executable)</a:t>
+            </a:r>
+          </a:p>
+          <a:p>
+            <a:pPr marL="285750" indent="-285750">
+              <a:buFont typeface="Arial" panose="020B0604020202020204" pitchFamily="34" charset="0"/>
+              <a:buChar char="•"/>
+            </a:pPr>
+            <a:r>
+              <a:rPr lang="en-GB" dirty="0">
+                <a:sym typeface="Wingdings" panose="05000000000000000000" pitchFamily="2" charset="2"/>
+              </a:rPr>
+              <a:t>Has basic Sandbox evasion technique</a:t>
+            </a:r>
+          </a:p>
+          <a:p>
+            <a:pPr marL="285750" indent="-285750">
+              <a:buFont typeface="Arial" panose="020B0604020202020204" pitchFamily="34" charset="0"/>
+              <a:buChar char="•"/>
+            </a:pPr>
+            <a:r>
+              <a:rPr lang="en-GB" dirty="0">
+                <a:sym typeface="Wingdings" panose="05000000000000000000" pitchFamily="2" charset="2"/>
+              </a:rPr>
+              <a:t>B.doc is renamed as „SystemFailureReporter.exe” and is scheduled to run every 5 minutes</a:t>
+            </a:r>
+            <a:endParaRPr lang="hu-HU" dirty="0">
+              <a:sym typeface="Wingdings" panose="05000000000000000000" pitchFamily="2" charset="2"/>
+            </a:endParaRPr>
+          </a:p>
+          <a:p>
+            <a:pPr marL="285750" indent="-285750">
+              <a:buFont typeface="Arial" panose="020B0604020202020204" pitchFamily="34" charset="0"/>
+              <a:buChar char="•"/>
+            </a:pPr>
+            <a:r>
+              <a:rPr lang="hu-HU" dirty="0" err="1">
+                <a:sym typeface="Wingdings" panose="05000000000000000000" pitchFamily="2" charset="2"/>
+              </a:rPr>
+              <a:t>Executable</a:t>
+            </a:r>
+            <a:r>
+              <a:rPr lang="hu-HU" dirty="0">
+                <a:sym typeface="Wingdings" panose="05000000000000000000" pitchFamily="2" charset="2"/>
+              </a:rPr>
+              <a:t> </a:t>
+            </a:r>
+            <a:r>
+              <a:rPr lang="hu-HU" dirty="0" err="1">
+                <a:sym typeface="Wingdings" panose="05000000000000000000" pitchFamily="2" charset="2"/>
+              </a:rPr>
+              <a:t>connects</a:t>
+            </a:r>
+            <a:r>
+              <a:rPr lang="hu-HU" dirty="0">
+                <a:sym typeface="Wingdings" panose="05000000000000000000" pitchFamily="2" charset="2"/>
+              </a:rPr>
+              <a:t> </a:t>
+            </a:r>
+            <a:r>
+              <a:rPr lang="hu-HU" dirty="0" err="1">
+                <a:sym typeface="Wingdings" panose="05000000000000000000" pitchFamily="2" charset="2"/>
+              </a:rPr>
+              <a:t>to</a:t>
+            </a:r>
+            <a:r>
+              <a:rPr lang="hu-HU" dirty="0">
+                <a:sym typeface="Wingdings" panose="05000000000000000000" pitchFamily="2" charset="2"/>
+              </a:rPr>
+              <a:t> 192.168.0.4</a:t>
+            </a:r>
+            <a:endParaRPr lang="en-GB" dirty="0"/>
+          </a:p>
+        </p:txBody>
+      </p:sp>
+      <p:sp>
+        <p:nvSpPr>
+          <p:cNvPr id="21" name="Rectangle: Rounded Corners 20">
+            <a:extLst>
+              <a:ext uri="{FF2B5EF4-FFF2-40B4-BE49-F238E27FC236}">
+                <a16:creationId xmlns:a16="http://schemas.microsoft.com/office/drawing/2014/main" id="{DC163844-FE6C-3E37-3E3C-EB594DC0C287}"/>
+              </a:ext>
+            </a:extLst>
+          </p:cNvPr>
+          <p:cNvSpPr/>
+          <p:nvPr/>
+        </p:nvSpPr>
+        <p:spPr>
+          <a:xfrm>
+            <a:off x="370114" y="3826838"/>
+            <a:ext cx="1894114" cy="772886"/>
+          </a:xfrm>
+          <a:prstGeom prst="roundRect">
+            <a:avLst/>
+          </a:prstGeom>
+        </p:spPr>
+        <p:style>
+          <a:lnRef idx="2">
+            <a:schemeClr val="accent1">
+              <a:shade val="15000"/>
+            </a:schemeClr>
+          </a:lnRef>
+          <a:fillRef idx="1">
+            <a:schemeClr val="accent1"/>
+          </a:fillRef>
+          <a:effectRef idx="0">
+            <a:schemeClr val="accent1"/>
+          </a:effectRef>
+          <a:fontRef idx="minor">
+            <a:schemeClr val="lt1"/>
+          </a:fontRef>
+        </p:style>
+        <p:txBody>
+          <a:bodyPr rtlCol="0" anchor="ctr"/>
+          <a:lstStyle/>
+          <a:p>
+            <a:pPr algn="ctr"/>
+            <a:r>
+              <a:rPr lang="hu-HU" dirty="0"/>
+              <a:t>TASK 1:</a:t>
+            </a:r>
+          </a:p>
+        </p:txBody>
+      </p:sp>
+      <p:sp>
+        <p:nvSpPr>
+          <p:cNvPr id="22" name="TextBox 21">
+            <a:extLst>
+              <a:ext uri="{FF2B5EF4-FFF2-40B4-BE49-F238E27FC236}">
+                <a16:creationId xmlns:a16="http://schemas.microsoft.com/office/drawing/2014/main" id="{172412DB-833A-DB3D-B1D1-5ACA14F5E347}"/>
+              </a:ext>
+            </a:extLst>
+          </p:cNvPr>
+          <p:cNvSpPr txBox="1"/>
+          <p:nvPr/>
+        </p:nvSpPr>
+        <p:spPr>
+          <a:xfrm>
+            <a:off x="647114" y="4819260"/>
+            <a:ext cx="8079286" cy="646331"/>
+          </a:xfrm>
+          <a:prstGeom prst="rect">
+            <a:avLst/>
+          </a:prstGeom>
+          <a:noFill/>
+        </p:spPr>
+        <p:txBody>
+          <a:bodyPr wrap="square" rtlCol="0">
+            <a:spAutoFit/>
+          </a:bodyPr>
+          <a:lstStyle/>
+          <a:p>
+            <a:r>
+              <a:rPr lang="hu-HU" dirty="0" err="1"/>
+              <a:t>Use</a:t>
+            </a:r>
+            <a:r>
+              <a:rPr lang="hu-HU" dirty="0"/>
+              <a:t> </a:t>
+            </a:r>
+            <a:r>
+              <a:rPr lang="hu-HU" dirty="0" err="1"/>
+              <a:t>the</a:t>
+            </a:r>
+            <a:r>
+              <a:rPr lang="hu-HU" dirty="0"/>
+              <a:t> LINK of „</a:t>
+            </a:r>
+            <a:r>
+              <a:rPr lang="hu-HU" b="0" i="0" u="none" strike="noStrike" dirty="0">
+                <a:effectLst/>
+                <a:latin typeface="-apple-system"/>
+                <a:hlinkClick r:id="rId5" tooltip="GGMS Overview.doc"/>
+              </a:rPr>
+              <a:t>GGMS Overview.doc</a:t>
+            </a:r>
+            <a:r>
+              <a:rPr lang="hu-HU" dirty="0"/>
+              <a:t>” (</a:t>
+            </a:r>
+            <a:r>
+              <a:rPr lang="hu-HU" dirty="0" err="1"/>
+              <a:t>from</a:t>
+            </a:r>
+            <a:r>
+              <a:rPr lang="hu-HU" dirty="0"/>
+              <a:t> GitHub) and </a:t>
+            </a:r>
+            <a:r>
+              <a:rPr lang="hu-HU" dirty="0" err="1"/>
+              <a:t>have</a:t>
+            </a:r>
+            <a:r>
+              <a:rPr lang="hu-HU" dirty="0"/>
+              <a:t> </a:t>
+            </a:r>
+            <a:r>
+              <a:rPr lang="hu-HU" dirty="0" err="1"/>
+              <a:t>it</a:t>
+            </a:r>
+            <a:r>
+              <a:rPr lang="hu-HU" dirty="0"/>
+              <a:t> </a:t>
+            </a:r>
+            <a:r>
+              <a:rPr lang="hu-HU" dirty="0" err="1"/>
+              <a:t>analysed</a:t>
+            </a:r>
+            <a:r>
+              <a:rPr lang="hu-HU" dirty="0"/>
+              <a:t> </a:t>
+            </a:r>
+            <a:r>
+              <a:rPr lang="hu-HU" dirty="0" err="1"/>
+              <a:t>with</a:t>
+            </a:r>
+            <a:r>
+              <a:rPr lang="hu-HU" dirty="0"/>
+              <a:t> </a:t>
+            </a:r>
+            <a:r>
+              <a:rPr lang="hu-HU" dirty="0" err="1"/>
+              <a:t>VirusTotal</a:t>
+            </a:r>
+            <a:r>
+              <a:rPr lang="hu-HU" dirty="0"/>
+              <a:t>. </a:t>
+            </a:r>
+            <a:r>
+              <a:rPr lang="hu-HU" dirty="0" err="1"/>
+              <a:t>Do</a:t>
+            </a:r>
+            <a:r>
+              <a:rPr lang="hu-HU" dirty="0"/>
+              <a:t> </a:t>
+            </a:r>
+            <a:r>
+              <a:rPr lang="hu-HU" dirty="0" err="1"/>
+              <a:t>the</a:t>
+            </a:r>
+            <a:r>
+              <a:rPr lang="hu-HU" dirty="0"/>
+              <a:t> </a:t>
+            </a:r>
+            <a:r>
+              <a:rPr lang="hu-HU" dirty="0" err="1"/>
+              <a:t>same</a:t>
+            </a:r>
+            <a:r>
+              <a:rPr lang="hu-HU" dirty="0"/>
+              <a:t> </a:t>
+            </a:r>
+            <a:r>
+              <a:rPr lang="hu-HU" dirty="0" err="1"/>
+              <a:t>with</a:t>
+            </a:r>
+            <a:r>
+              <a:rPr lang="hu-HU" dirty="0"/>
+              <a:t> </a:t>
+            </a:r>
+            <a:r>
+              <a:rPr lang="hu-HU" dirty="0" err="1"/>
+              <a:t>the</a:t>
+            </a:r>
+            <a:r>
+              <a:rPr lang="hu-HU" dirty="0"/>
+              <a:t> „</a:t>
+            </a:r>
+            <a:r>
+              <a:rPr lang="hu-HU" b="0" i="0" u="none" strike="noStrike" dirty="0">
+                <a:effectLst/>
+                <a:latin typeface="-apple-system"/>
+                <a:hlinkClick r:id="rId6" tooltip="SideTwist.exe"/>
+              </a:rPr>
+              <a:t>SideTwist.exe</a:t>
+            </a:r>
+            <a:r>
+              <a:rPr lang="hu-HU" dirty="0"/>
+              <a:t>” file</a:t>
+            </a:r>
+          </a:p>
+        </p:txBody>
+      </p:sp>
+      <p:sp>
+        <p:nvSpPr>
+          <p:cNvPr id="23" name="Rectangle: Rounded Corners 22">
+            <a:extLst>
+              <a:ext uri="{FF2B5EF4-FFF2-40B4-BE49-F238E27FC236}">
+                <a16:creationId xmlns:a16="http://schemas.microsoft.com/office/drawing/2014/main" id="{A6F33C2B-9711-4FA2-DB65-482A46BE3FD9}"/>
+              </a:ext>
+            </a:extLst>
+          </p:cNvPr>
+          <p:cNvSpPr/>
+          <p:nvPr/>
+        </p:nvSpPr>
+        <p:spPr>
+          <a:xfrm>
+            <a:off x="370114" y="5509592"/>
+            <a:ext cx="1894114" cy="772886"/>
+          </a:xfrm>
+          <a:prstGeom prst="roundRect">
+            <a:avLst/>
+          </a:prstGeom>
+        </p:spPr>
+        <p:style>
+          <a:lnRef idx="2">
+            <a:schemeClr val="accent1">
+              <a:shade val="15000"/>
+            </a:schemeClr>
+          </a:lnRef>
+          <a:fillRef idx="1">
+            <a:schemeClr val="accent1"/>
+          </a:fillRef>
+          <a:effectRef idx="0">
+            <a:schemeClr val="accent1"/>
+          </a:effectRef>
+          <a:fontRef idx="minor">
+            <a:schemeClr val="lt1"/>
+          </a:fontRef>
+        </p:style>
+        <p:txBody>
+          <a:bodyPr rtlCol="0" anchor="ctr"/>
+          <a:lstStyle/>
+          <a:p>
+            <a:pPr algn="ctr"/>
+            <a:r>
+              <a:rPr lang="hu-HU" dirty="0"/>
+              <a:t>Q:</a:t>
+            </a:r>
+          </a:p>
+        </p:txBody>
+      </p:sp>
+      <p:sp>
+        <p:nvSpPr>
+          <p:cNvPr id="24" name="TextBox 23">
+            <a:extLst>
+              <a:ext uri="{FF2B5EF4-FFF2-40B4-BE49-F238E27FC236}">
+                <a16:creationId xmlns:a16="http://schemas.microsoft.com/office/drawing/2014/main" id="{DEB8D37D-D8AD-00E2-B28D-84E6C6985223}"/>
+              </a:ext>
+            </a:extLst>
+          </p:cNvPr>
+          <p:cNvSpPr txBox="1"/>
+          <p:nvPr/>
+        </p:nvSpPr>
+        <p:spPr>
+          <a:xfrm>
+            <a:off x="2606543" y="5572869"/>
+            <a:ext cx="4904600" cy="369332"/>
+          </a:xfrm>
+          <a:prstGeom prst="rect">
+            <a:avLst/>
+          </a:prstGeom>
+          <a:noFill/>
+        </p:spPr>
+        <p:txBody>
+          <a:bodyPr wrap="square" rtlCol="0">
+            <a:spAutoFit/>
+          </a:bodyPr>
+          <a:lstStyle/>
+          <a:p>
+            <a:r>
+              <a:rPr lang="hu-HU" dirty="0" err="1"/>
+              <a:t>What</a:t>
+            </a:r>
+            <a:r>
+              <a:rPr lang="hu-HU" dirty="0"/>
+              <a:t> is </a:t>
+            </a:r>
+            <a:r>
+              <a:rPr lang="hu-HU" dirty="0" err="1"/>
+              <a:t>the</a:t>
+            </a:r>
+            <a:r>
+              <a:rPr lang="hu-HU" dirty="0"/>
+              <a:t> </a:t>
+            </a:r>
+            <a:r>
+              <a:rPr lang="hu-HU" dirty="0" err="1"/>
+              <a:t>verdict</a:t>
+            </a:r>
+            <a:r>
+              <a:rPr lang="hu-HU" dirty="0"/>
+              <a:t>?</a:t>
+            </a:r>
+          </a:p>
+        </p:txBody>
+      </p:sp>
+    </p:spTree>
+    <p:extLst>
+      <p:ext uri="{BB962C8B-B14F-4D97-AF65-F5344CB8AC3E}">
+        <p14:creationId xmlns:p14="http://schemas.microsoft.com/office/powerpoint/2010/main" val="3796319036"/>
+      </p:ext>
+    </p:extLst>
+  </p:cSld>
+  <p:clrMapOvr>
+    <a:masterClrMapping/>
+  </p:clrMapOvr>
+</p:sld>
+</file>
+
+<file path=ppt/slides/slide31.xml><?xml version="1.0" encoding="utf-8"?>
+<p:sld xmlns:a="http://schemas.openxmlformats.org/drawingml/2006/main" xmlns:r="http://schemas.openxmlformats.org/officeDocument/2006/relationships" xmlns:p="http://schemas.openxmlformats.org/presentationml/2006/main">
+  <p:cSld>
+    <p:spTree>
+      <p:nvGrpSpPr>
+        <p:cNvPr id="1" name="">
+          <a:extLst>
+            <a:ext uri="{FF2B5EF4-FFF2-40B4-BE49-F238E27FC236}">
+              <a16:creationId xmlns:a16="http://schemas.microsoft.com/office/drawing/2014/main" id="{E7AC6B60-FCA2-4328-0058-2CDC6A355CC5}"/>
+            </a:ext>
+          </a:extLst>
+        </p:cNvPr>
+        <p:cNvGrpSpPr/>
+        <p:nvPr/>
+      </p:nvGrpSpPr>
+      <p:grpSpPr>
+        <a:xfrm>
+          <a:off x="0" y="0"/>
+          <a:ext cx="0" cy="0"/>
+          <a:chOff x="0" y="0"/>
+          <a:chExt cx="0" cy="0"/>
+        </a:xfrm>
+      </p:grpSpPr>
+      <p:sp>
+        <p:nvSpPr>
+          <p:cNvPr id="8" name="Title 7">
+            <a:extLst>
+              <a:ext uri="{FF2B5EF4-FFF2-40B4-BE49-F238E27FC236}">
+                <a16:creationId xmlns:a16="http://schemas.microsoft.com/office/drawing/2014/main" id="{51729AB0-3236-EAB8-9FBB-ACAF87BA0804}"/>
+              </a:ext>
+            </a:extLst>
+          </p:cNvPr>
+          <p:cNvSpPr>
+            <a:spLocks noGrp="1"/>
+          </p:cNvSpPr>
+          <p:nvPr>
+            <p:ph type="title"/>
+          </p:nvPr>
+        </p:nvSpPr>
+        <p:spPr/>
+        <p:txBody>
+          <a:bodyPr/>
+          <a:lstStyle/>
+          <a:p>
+            <a:r>
+              <a:rPr lang="hu-HU" dirty="0" err="1"/>
+              <a:t>Demo</a:t>
+            </a:r>
+            <a:endParaRPr lang="hu-HU" dirty="0"/>
+          </a:p>
+        </p:txBody>
+      </p:sp>
+      <p:sp>
+        <p:nvSpPr>
+          <p:cNvPr id="2" name="Rectangle: Rounded Corners 1">
+            <a:extLst>
+              <a:ext uri="{FF2B5EF4-FFF2-40B4-BE49-F238E27FC236}">
+                <a16:creationId xmlns:a16="http://schemas.microsoft.com/office/drawing/2014/main" id="{BA9AB6C4-E90B-EF6D-65A9-E50FA68814A4}"/>
+              </a:ext>
+            </a:extLst>
+          </p:cNvPr>
+          <p:cNvSpPr/>
+          <p:nvPr/>
+        </p:nvSpPr>
+        <p:spPr>
+          <a:xfrm>
+            <a:off x="631371" y="1812981"/>
+            <a:ext cx="1894114" cy="772886"/>
+          </a:xfrm>
+          <a:prstGeom prst="roundRect">
+            <a:avLst/>
+          </a:prstGeom>
+        </p:spPr>
+        <p:style>
+          <a:lnRef idx="2">
+            <a:schemeClr val="accent1">
+              <a:shade val="15000"/>
+            </a:schemeClr>
+          </a:lnRef>
+          <a:fillRef idx="1">
+            <a:schemeClr val="accent1"/>
+          </a:fillRef>
+          <a:effectRef idx="0">
+            <a:schemeClr val="accent1"/>
+          </a:effectRef>
+          <a:fontRef idx="minor">
+            <a:schemeClr val="lt1"/>
+          </a:fontRef>
+        </p:style>
+        <p:txBody>
+          <a:bodyPr rtlCol="0" anchor="ctr"/>
+          <a:lstStyle/>
+          <a:p>
+            <a:pPr algn="ctr"/>
+            <a:r>
+              <a:rPr lang="hu-HU" dirty="0"/>
+              <a:t>Start </a:t>
+            </a:r>
+            <a:r>
+              <a:rPr lang="hu-HU" dirty="0" err="1"/>
+              <a:t>VMs</a:t>
+            </a:r>
+            <a:endParaRPr lang="hu-HU" dirty="0"/>
+          </a:p>
+        </p:txBody>
+      </p:sp>
+      <p:sp>
+        <p:nvSpPr>
+          <p:cNvPr id="4" name="Rectangle: Rounded Corners 3">
+            <a:extLst>
+              <a:ext uri="{FF2B5EF4-FFF2-40B4-BE49-F238E27FC236}">
+                <a16:creationId xmlns:a16="http://schemas.microsoft.com/office/drawing/2014/main" id="{288FC554-BF19-68AA-C5D3-9BD30732A6BE}"/>
+              </a:ext>
+            </a:extLst>
+          </p:cNvPr>
+          <p:cNvSpPr/>
+          <p:nvPr/>
+        </p:nvSpPr>
+        <p:spPr>
+          <a:xfrm>
+            <a:off x="2525485" y="2689281"/>
+            <a:ext cx="1894114" cy="772886"/>
+          </a:xfrm>
+          <a:prstGeom prst="roundRect">
+            <a:avLst/>
+          </a:prstGeom>
+        </p:spPr>
+        <p:style>
+          <a:lnRef idx="2">
+            <a:schemeClr val="accent1">
+              <a:shade val="15000"/>
+            </a:schemeClr>
+          </a:lnRef>
+          <a:fillRef idx="1">
+            <a:schemeClr val="accent1"/>
+          </a:fillRef>
+          <a:effectRef idx="0">
+            <a:schemeClr val="accent1"/>
+          </a:effectRef>
+          <a:fontRef idx="minor">
+            <a:schemeClr val="lt1"/>
+          </a:fontRef>
+        </p:style>
+        <p:txBody>
+          <a:bodyPr rtlCol="0" anchor="ctr"/>
+          <a:lstStyle/>
+          <a:p>
+            <a:pPr algn="ctr"/>
+            <a:r>
+              <a:rPr lang="hu-HU" dirty="0"/>
+              <a:t>Start </a:t>
+            </a:r>
+            <a:r>
+              <a:rPr lang="hu-HU" dirty="0" err="1"/>
+              <a:t>control</a:t>
+            </a:r>
+            <a:r>
+              <a:rPr lang="hu-HU" dirty="0"/>
+              <a:t> server</a:t>
+            </a:r>
+          </a:p>
+        </p:txBody>
+      </p:sp>
+      <p:sp>
+        <p:nvSpPr>
+          <p:cNvPr id="6" name="Rectangle: Rounded Corners 5">
+            <a:extLst>
+              <a:ext uri="{FF2B5EF4-FFF2-40B4-BE49-F238E27FC236}">
+                <a16:creationId xmlns:a16="http://schemas.microsoft.com/office/drawing/2014/main" id="{B300D2F6-3CEE-1E38-98C2-FE838DA35967}"/>
+              </a:ext>
+            </a:extLst>
+          </p:cNvPr>
+          <p:cNvSpPr/>
+          <p:nvPr/>
+        </p:nvSpPr>
+        <p:spPr>
+          <a:xfrm>
+            <a:off x="4572000" y="3549253"/>
+            <a:ext cx="1894114" cy="772886"/>
+          </a:xfrm>
+          <a:prstGeom prst="roundRect">
+            <a:avLst/>
+          </a:prstGeom>
+        </p:spPr>
+        <p:style>
+          <a:lnRef idx="2">
+            <a:schemeClr val="accent1">
+              <a:shade val="15000"/>
+            </a:schemeClr>
+          </a:lnRef>
+          <a:fillRef idx="1">
+            <a:schemeClr val="accent1"/>
+          </a:fillRef>
+          <a:effectRef idx="0">
+            <a:schemeClr val="accent1"/>
+          </a:effectRef>
+          <a:fontRef idx="minor">
+            <a:schemeClr val="lt1"/>
+          </a:fontRef>
+        </p:style>
+        <p:txBody>
+          <a:bodyPr rtlCol="0" anchor="ctr"/>
+          <a:lstStyle/>
+          <a:p>
+            <a:pPr algn="ctr"/>
+            <a:r>
+              <a:rPr lang="hu-HU" dirty="0" err="1"/>
+              <a:t>Execute</a:t>
+            </a:r>
+            <a:r>
+              <a:rPr lang="hu-HU" dirty="0"/>
+              <a:t> </a:t>
+            </a:r>
+            <a:r>
+              <a:rPr lang="hu-HU" dirty="0" err="1"/>
+              <a:t>SideTwist</a:t>
+            </a:r>
+            <a:r>
+              <a:rPr lang="hu-HU" dirty="0"/>
+              <a:t> </a:t>
+            </a:r>
+            <a:r>
+              <a:rPr lang="hu-HU" dirty="0" err="1"/>
+              <a:t>malware</a:t>
+            </a:r>
+            <a:endParaRPr lang="hu-HU" dirty="0"/>
+          </a:p>
+        </p:txBody>
+      </p:sp>
+      <p:sp>
+        <p:nvSpPr>
+          <p:cNvPr id="7" name="TextBox 6">
+            <a:extLst>
+              <a:ext uri="{FF2B5EF4-FFF2-40B4-BE49-F238E27FC236}">
+                <a16:creationId xmlns:a16="http://schemas.microsoft.com/office/drawing/2014/main" id="{3710308E-7D8D-A148-A3F3-6AE9B8EF5390}"/>
+              </a:ext>
+            </a:extLst>
+          </p:cNvPr>
+          <p:cNvSpPr txBox="1"/>
+          <p:nvPr/>
+        </p:nvSpPr>
+        <p:spPr>
+          <a:xfrm>
+            <a:off x="306934" y="5873820"/>
+            <a:ext cx="8225329" cy="369332"/>
+          </a:xfrm>
+          <a:prstGeom prst="rect">
+            <a:avLst/>
+          </a:prstGeom>
+          <a:noFill/>
+        </p:spPr>
+        <p:txBody>
+          <a:bodyPr wrap="none" rtlCol="0">
+            <a:spAutoFit/>
+          </a:bodyPr>
+          <a:lstStyle/>
+          <a:p>
+            <a:r>
+              <a:rPr lang="hu-HU" dirty="0" err="1"/>
+              <a:t>Binaries</a:t>
+            </a:r>
+            <a:r>
+              <a:rPr lang="hu-HU" dirty="0"/>
+              <a:t> </a:t>
+            </a:r>
+            <a:r>
+              <a:rPr lang="hu-HU" dirty="0" err="1"/>
+              <a:t>are</a:t>
+            </a:r>
+            <a:r>
+              <a:rPr lang="hu-HU" dirty="0"/>
+              <a:t> </a:t>
+            </a:r>
+            <a:r>
+              <a:rPr lang="hu-HU" dirty="0" err="1"/>
+              <a:t>available</a:t>
+            </a:r>
+            <a:r>
+              <a:rPr lang="hu-HU" dirty="0"/>
+              <a:t> </a:t>
+            </a:r>
+            <a:r>
+              <a:rPr lang="hu-HU" dirty="0" err="1"/>
+              <a:t>on</a:t>
+            </a:r>
+            <a:r>
+              <a:rPr lang="hu-HU" dirty="0"/>
+              <a:t> </a:t>
+            </a:r>
+            <a:r>
+              <a:rPr lang="hu-HU" dirty="0" err="1"/>
+              <a:t>the</a:t>
+            </a:r>
+            <a:r>
+              <a:rPr lang="hu-HU" dirty="0"/>
+              <a:t> server: http://192.168.0.5/marketing_materials.zip</a:t>
+            </a:r>
+          </a:p>
+        </p:txBody>
+      </p:sp>
+    </p:spTree>
+    <p:extLst>
+      <p:ext uri="{BB962C8B-B14F-4D97-AF65-F5344CB8AC3E}">
+        <p14:creationId xmlns:p14="http://schemas.microsoft.com/office/powerpoint/2010/main" val="1708920868"/>
+      </p:ext>
+    </p:extLst>
+  </p:cSld>
+  <p:clrMapOvr>
+    <a:masterClrMapping/>
+  </p:clrMapOvr>
+</p:sld>
+</file>
+
+<file path=ppt/slides/slide32.xml><?xml version="1.0" encoding="utf-8"?>
+<p:sld xmlns:a="http://schemas.openxmlformats.org/drawingml/2006/main" xmlns:r="http://schemas.openxmlformats.org/officeDocument/2006/relationships" xmlns:p="http://schemas.openxmlformats.org/presentationml/2006/main">
+  <p:cSld>
+    <p:spTree>
+      <p:nvGrpSpPr>
+        <p:cNvPr id="1" name="">
+          <a:extLst>
+            <a:ext uri="{FF2B5EF4-FFF2-40B4-BE49-F238E27FC236}">
+              <a16:creationId xmlns:a16="http://schemas.microsoft.com/office/drawing/2014/main" id="{1585386A-4EFB-6E38-40B2-0BE0A17A3466}"/>
+            </a:ext>
+          </a:extLst>
+        </p:cNvPr>
+        <p:cNvGrpSpPr/>
+        <p:nvPr/>
+      </p:nvGrpSpPr>
+      <p:grpSpPr>
+        <a:xfrm>
+          <a:off x="0" y="0"/>
+          <a:ext cx="0" cy="0"/>
+          <a:chOff x="0" y="0"/>
+          <a:chExt cx="0" cy="0"/>
+        </a:xfrm>
+      </p:grpSpPr>
+      <p:sp>
+        <p:nvSpPr>
+          <p:cNvPr id="8" name="Title 7">
+            <a:extLst>
+              <a:ext uri="{FF2B5EF4-FFF2-40B4-BE49-F238E27FC236}">
+                <a16:creationId xmlns:a16="http://schemas.microsoft.com/office/drawing/2014/main" id="{46FE0F7F-661F-2D1E-146C-AD20B64AFBA7}"/>
+              </a:ext>
+            </a:extLst>
+          </p:cNvPr>
+          <p:cNvSpPr>
+            <a:spLocks noGrp="1"/>
+          </p:cNvSpPr>
+          <p:nvPr>
+            <p:ph type="title"/>
+          </p:nvPr>
+        </p:nvSpPr>
+        <p:spPr/>
+        <p:txBody>
+          <a:bodyPr/>
+          <a:lstStyle/>
+          <a:p>
+            <a:r>
+              <a:rPr lang="hu-HU" dirty="0" err="1"/>
+              <a:t>Demo</a:t>
+            </a:r>
+            <a:endParaRPr lang="hu-HU" dirty="0"/>
+          </a:p>
+        </p:txBody>
+      </p:sp>
+      <p:sp>
+        <p:nvSpPr>
+          <p:cNvPr id="2" name="Rectangle: Rounded Corners 1">
+            <a:extLst>
+              <a:ext uri="{FF2B5EF4-FFF2-40B4-BE49-F238E27FC236}">
+                <a16:creationId xmlns:a16="http://schemas.microsoft.com/office/drawing/2014/main" id="{6D5E54D5-97F2-797E-9974-25130DBE17CF}"/>
+              </a:ext>
+            </a:extLst>
+          </p:cNvPr>
+          <p:cNvSpPr/>
+          <p:nvPr/>
+        </p:nvSpPr>
+        <p:spPr>
+          <a:xfrm>
+            <a:off x="631371" y="1812981"/>
+            <a:ext cx="1894114" cy="772886"/>
+          </a:xfrm>
+          <a:prstGeom prst="roundRect">
+            <a:avLst/>
+          </a:prstGeom>
+        </p:spPr>
+        <p:style>
+          <a:lnRef idx="2">
+            <a:schemeClr val="accent1">
+              <a:shade val="15000"/>
+            </a:schemeClr>
+          </a:lnRef>
+          <a:fillRef idx="1">
+            <a:schemeClr val="accent1"/>
+          </a:fillRef>
+          <a:effectRef idx="0">
+            <a:schemeClr val="accent1"/>
+          </a:effectRef>
+          <a:fontRef idx="minor">
+            <a:schemeClr val="lt1"/>
+          </a:fontRef>
+        </p:style>
+        <p:txBody>
+          <a:bodyPr rtlCol="0" anchor="ctr"/>
+          <a:lstStyle/>
+          <a:p>
+            <a:pPr algn="ctr"/>
+            <a:r>
+              <a:rPr lang="hu-HU" dirty="0"/>
+              <a:t>Start </a:t>
+            </a:r>
+            <a:r>
+              <a:rPr lang="hu-HU" dirty="0" err="1"/>
+              <a:t>VMs</a:t>
+            </a:r>
+            <a:endParaRPr lang="hu-HU" dirty="0"/>
+          </a:p>
+        </p:txBody>
+      </p:sp>
+      <p:sp>
+        <p:nvSpPr>
+          <p:cNvPr id="4" name="Rectangle: Rounded Corners 3">
+            <a:extLst>
+              <a:ext uri="{FF2B5EF4-FFF2-40B4-BE49-F238E27FC236}">
+                <a16:creationId xmlns:a16="http://schemas.microsoft.com/office/drawing/2014/main" id="{854C210A-30DA-C978-492A-9049FEFC3F79}"/>
+              </a:ext>
+            </a:extLst>
+          </p:cNvPr>
+          <p:cNvSpPr/>
+          <p:nvPr/>
+        </p:nvSpPr>
+        <p:spPr>
+          <a:xfrm>
+            <a:off x="2525485" y="2689281"/>
+            <a:ext cx="1894114" cy="772886"/>
+          </a:xfrm>
+          <a:prstGeom prst="roundRect">
+            <a:avLst/>
+          </a:prstGeom>
+        </p:spPr>
+        <p:style>
+          <a:lnRef idx="2">
+            <a:schemeClr val="accent1">
+              <a:shade val="15000"/>
+            </a:schemeClr>
+          </a:lnRef>
+          <a:fillRef idx="1">
+            <a:schemeClr val="accent1"/>
+          </a:fillRef>
+          <a:effectRef idx="0">
+            <a:schemeClr val="accent1"/>
+          </a:effectRef>
+          <a:fontRef idx="minor">
+            <a:schemeClr val="lt1"/>
+          </a:fontRef>
+        </p:style>
+        <p:txBody>
+          <a:bodyPr rtlCol="0" anchor="ctr"/>
+          <a:lstStyle/>
+          <a:p>
+            <a:pPr algn="ctr"/>
+            <a:r>
+              <a:rPr lang="hu-HU" dirty="0"/>
+              <a:t>Start </a:t>
+            </a:r>
+            <a:r>
+              <a:rPr lang="hu-HU" dirty="0" err="1"/>
+              <a:t>control</a:t>
+            </a:r>
+            <a:r>
+              <a:rPr lang="hu-HU" dirty="0"/>
+              <a:t> server</a:t>
+            </a:r>
+          </a:p>
+        </p:txBody>
+      </p:sp>
+      <p:sp>
+        <p:nvSpPr>
+          <p:cNvPr id="6" name="Rectangle: Rounded Corners 5">
+            <a:extLst>
+              <a:ext uri="{FF2B5EF4-FFF2-40B4-BE49-F238E27FC236}">
+                <a16:creationId xmlns:a16="http://schemas.microsoft.com/office/drawing/2014/main" id="{1D549577-1D1C-711C-E45F-8D33012F89B4}"/>
+              </a:ext>
+            </a:extLst>
+          </p:cNvPr>
+          <p:cNvSpPr/>
+          <p:nvPr/>
+        </p:nvSpPr>
+        <p:spPr>
+          <a:xfrm>
+            <a:off x="4572000" y="3549253"/>
+            <a:ext cx="1894114" cy="772886"/>
+          </a:xfrm>
+          <a:prstGeom prst="roundRect">
+            <a:avLst/>
+          </a:prstGeom>
+        </p:spPr>
+        <p:style>
+          <a:lnRef idx="2">
+            <a:schemeClr val="accent1">
+              <a:shade val="15000"/>
+            </a:schemeClr>
+          </a:lnRef>
+          <a:fillRef idx="1">
+            <a:schemeClr val="accent1"/>
+          </a:fillRef>
+          <a:effectRef idx="0">
+            <a:schemeClr val="accent1"/>
+          </a:effectRef>
+          <a:fontRef idx="minor">
+            <a:schemeClr val="lt1"/>
+          </a:fontRef>
+        </p:style>
+        <p:txBody>
+          <a:bodyPr rtlCol="0" anchor="ctr"/>
+          <a:lstStyle/>
+          <a:p>
+            <a:pPr algn="ctr"/>
+            <a:r>
+              <a:rPr lang="hu-HU" dirty="0" err="1"/>
+              <a:t>Execute</a:t>
+            </a:r>
+            <a:r>
+              <a:rPr lang="hu-HU" dirty="0"/>
+              <a:t> </a:t>
+            </a:r>
+            <a:r>
+              <a:rPr lang="hu-HU" dirty="0" err="1"/>
+              <a:t>SideTwist</a:t>
+            </a:r>
+            <a:r>
+              <a:rPr lang="hu-HU" dirty="0"/>
+              <a:t> </a:t>
+            </a:r>
+            <a:r>
+              <a:rPr lang="hu-HU" dirty="0" err="1"/>
+              <a:t>malware</a:t>
+            </a:r>
+            <a:endParaRPr lang="hu-HU" dirty="0"/>
+          </a:p>
+        </p:txBody>
+      </p:sp>
+      <p:sp>
+        <p:nvSpPr>
+          <p:cNvPr id="7" name="TextBox 6">
+            <a:extLst>
+              <a:ext uri="{FF2B5EF4-FFF2-40B4-BE49-F238E27FC236}">
+                <a16:creationId xmlns:a16="http://schemas.microsoft.com/office/drawing/2014/main" id="{97F79347-798E-1CC4-F6CF-A0291B7FEEE5}"/>
+              </a:ext>
+            </a:extLst>
+          </p:cNvPr>
+          <p:cNvSpPr txBox="1"/>
+          <p:nvPr/>
+        </p:nvSpPr>
+        <p:spPr>
+          <a:xfrm>
+            <a:off x="306934" y="5873820"/>
+            <a:ext cx="8225329" cy="369332"/>
+          </a:xfrm>
+          <a:prstGeom prst="rect">
+            <a:avLst/>
+          </a:prstGeom>
+          <a:noFill/>
+        </p:spPr>
+        <p:txBody>
+          <a:bodyPr wrap="none" rtlCol="0">
+            <a:spAutoFit/>
+          </a:bodyPr>
+          <a:lstStyle/>
+          <a:p>
+            <a:r>
+              <a:rPr lang="hu-HU" dirty="0" err="1"/>
+              <a:t>Binaries</a:t>
+            </a:r>
+            <a:r>
+              <a:rPr lang="hu-HU" dirty="0"/>
+              <a:t> </a:t>
+            </a:r>
+            <a:r>
+              <a:rPr lang="hu-HU" dirty="0" err="1"/>
+              <a:t>are</a:t>
+            </a:r>
+            <a:r>
+              <a:rPr lang="hu-HU" dirty="0"/>
+              <a:t> </a:t>
+            </a:r>
+            <a:r>
+              <a:rPr lang="hu-HU" dirty="0" err="1"/>
+              <a:t>available</a:t>
+            </a:r>
+            <a:r>
+              <a:rPr lang="hu-HU" dirty="0"/>
+              <a:t> </a:t>
+            </a:r>
+            <a:r>
+              <a:rPr lang="hu-HU" dirty="0" err="1"/>
+              <a:t>on</a:t>
+            </a:r>
+            <a:r>
+              <a:rPr lang="hu-HU" dirty="0"/>
+              <a:t> </a:t>
+            </a:r>
+            <a:r>
+              <a:rPr lang="hu-HU" dirty="0" err="1"/>
+              <a:t>the</a:t>
+            </a:r>
+            <a:r>
+              <a:rPr lang="hu-HU" dirty="0"/>
+              <a:t> server: http://192.168.0.5/marketing_materials.zip</a:t>
+            </a:r>
+          </a:p>
+        </p:txBody>
+      </p:sp>
+    </p:spTree>
+    <p:extLst>
+      <p:ext uri="{BB962C8B-B14F-4D97-AF65-F5344CB8AC3E}">
+        <p14:creationId xmlns:p14="http://schemas.microsoft.com/office/powerpoint/2010/main" val="900339969"/>
+      </p:ext>
+    </p:extLst>
+  </p:cSld>
+  <p:clrMapOvr>
+    <a:masterClrMapping/>
+  </p:clrMapOvr>
+</p:sld>
+</file>
+
+<file path=ppt/slides/slide33.xml><?xml version="1.0" encoding="utf-8"?>
+<p:sld xmlns:a="http://schemas.openxmlformats.org/drawingml/2006/main" xmlns:r="http://schemas.openxmlformats.org/officeDocument/2006/relationships" xmlns:p="http://schemas.openxmlformats.org/presentationml/2006/main">
+  <p:cSld>
+    <p:spTree>
+      <p:nvGrpSpPr>
+        <p:cNvPr id="1" name="">
+          <a:extLst>
+            <a:ext uri="{FF2B5EF4-FFF2-40B4-BE49-F238E27FC236}">
+              <a16:creationId xmlns:a16="http://schemas.microsoft.com/office/drawing/2014/main" id="{1AA42C09-FC4F-4277-D06F-4E3F6030D27F}"/>
+            </a:ext>
+          </a:extLst>
+        </p:cNvPr>
+        <p:cNvGrpSpPr/>
+        <p:nvPr/>
+      </p:nvGrpSpPr>
+      <p:grpSpPr>
+        <a:xfrm>
+          <a:off x="0" y="0"/>
+          <a:ext cx="0" cy="0"/>
+          <a:chOff x="0" y="0"/>
+          <a:chExt cx="0" cy="0"/>
+        </a:xfrm>
+      </p:grpSpPr>
+      <p:sp>
+        <p:nvSpPr>
+          <p:cNvPr id="8" name="Title 7">
+            <a:extLst>
+              <a:ext uri="{FF2B5EF4-FFF2-40B4-BE49-F238E27FC236}">
+                <a16:creationId xmlns:a16="http://schemas.microsoft.com/office/drawing/2014/main" id="{E1333AC6-34F6-6276-7C99-E9870E91BD7F}"/>
+              </a:ext>
+            </a:extLst>
+          </p:cNvPr>
+          <p:cNvSpPr>
+            <a:spLocks noGrp="1"/>
+          </p:cNvSpPr>
+          <p:nvPr>
+            <p:ph type="title"/>
+          </p:nvPr>
+        </p:nvSpPr>
+        <p:spPr/>
+        <p:txBody>
+          <a:bodyPr/>
+          <a:lstStyle/>
+          <a:p>
+            <a:r>
+              <a:rPr lang="hu-HU" dirty="0" err="1"/>
+              <a:t>Step</a:t>
+            </a:r>
+            <a:r>
+              <a:rPr lang="hu-HU" dirty="0"/>
+              <a:t> 2</a:t>
+            </a:r>
+          </a:p>
+        </p:txBody>
+      </p:sp>
+      <p:sp>
+        <p:nvSpPr>
+          <p:cNvPr id="6" name="TextBox 5">
+            <a:extLst>
+              <a:ext uri="{FF2B5EF4-FFF2-40B4-BE49-F238E27FC236}">
+                <a16:creationId xmlns:a16="http://schemas.microsoft.com/office/drawing/2014/main" id="{C4DA73F0-7A69-4F1F-EA32-9A77A35960FF}"/>
+              </a:ext>
+            </a:extLst>
+          </p:cNvPr>
+          <p:cNvSpPr txBox="1"/>
+          <p:nvPr/>
+        </p:nvSpPr>
+        <p:spPr>
+          <a:xfrm>
+            <a:off x="566057" y="1382485"/>
+            <a:ext cx="5638800" cy="923330"/>
+          </a:xfrm>
+          <a:prstGeom prst="rect">
+            <a:avLst/>
+          </a:prstGeom>
+          <a:noFill/>
+        </p:spPr>
+        <p:txBody>
+          <a:bodyPr wrap="square" rtlCol="0">
+            <a:spAutoFit/>
+          </a:bodyPr>
+          <a:lstStyle/>
+          <a:p>
+            <a:r>
+              <a:rPr lang="hu-HU" b="1" dirty="0"/>
+              <a:t>E</a:t>
+            </a:r>
+            <a:r>
+              <a:rPr lang="en-US" b="1" dirty="0"/>
+              <a:t>numeration</a:t>
+            </a:r>
+            <a:r>
+              <a:rPr lang="en-US" dirty="0"/>
+              <a:t> of the current user, accounts, groups, system information, network connections, processes, services, and if remote desktop is enabled.</a:t>
+            </a:r>
+            <a:endParaRPr lang="hu-HU" dirty="0"/>
+          </a:p>
+        </p:txBody>
+      </p:sp>
+      <p:sp>
+        <p:nvSpPr>
+          <p:cNvPr id="10" name="TextBox 9">
+            <a:extLst>
+              <a:ext uri="{FF2B5EF4-FFF2-40B4-BE49-F238E27FC236}">
+                <a16:creationId xmlns:a16="http://schemas.microsoft.com/office/drawing/2014/main" id="{48860D5C-1FDB-16DB-45D9-1F33184955B5}"/>
+              </a:ext>
+            </a:extLst>
+          </p:cNvPr>
+          <p:cNvSpPr txBox="1"/>
+          <p:nvPr/>
+        </p:nvSpPr>
+        <p:spPr>
+          <a:xfrm>
+            <a:off x="566057" y="3628856"/>
+            <a:ext cx="5638800" cy="369332"/>
+          </a:xfrm>
+          <a:prstGeom prst="rect">
+            <a:avLst/>
+          </a:prstGeom>
+          <a:noFill/>
+        </p:spPr>
+        <p:txBody>
+          <a:bodyPr wrap="square" rtlCol="0">
+            <a:spAutoFit/>
+          </a:bodyPr>
+          <a:lstStyle/>
+          <a:p>
+            <a:r>
+              <a:rPr lang="hu-HU" b="1" dirty="0"/>
+              <a:t>Low </a:t>
+            </a:r>
+            <a:r>
+              <a:rPr lang="hu-HU" b="1" dirty="0" err="1"/>
+              <a:t>privilege</a:t>
+            </a:r>
+            <a:r>
+              <a:rPr lang="hu-HU" b="1" dirty="0"/>
+              <a:t> </a:t>
+            </a:r>
+            <a:r>
+              <a:rPr lang="hu-HU" b="1" dirty="0" err="1"/>
+              <a:t>credential</a:t>
+            </a:r>
+            <a:r>
+              <a:rPr lang="hu-HU" b="1" dirty="0"/>
+              <a:t> </a:t>
+            </a:r>
+            <a:r>
+              <a:rPr lang="hu-HU" b="1" dirty="0" err="1"/>
+              <a:t>dumping</a:t>
+            </a:r>
+            <a:endParaRPr lang="hu-HU" b="1" dirty="0"/>
+          </a:p>
+        </p:txBody>
+      </p:sp>
+      <p:sp>
+        <p:nvSpPr>
+          <p:cNvPr id="13" name="Rectangle: Rounded Corners 12">
+            <a:extLst>
+              <a:ext uri="{FF2B5EF4-FFF2-40B4-BE49-F238E27FC236}">
+                <a16:creationId xmlns:a16="http://schemas.microsoft.com/office/drawing/2014/main" id="{E3564F10-A0D8-12EA-FE77-61E8EF273ED9}"/>
+              </a:ext>
+            </a:extLst>
+          </p:cNvPr>
+          <p:cNvSpPr/>
+          <p:nvPr/>
+        </p:nvSpPr>
+        <p:spPr>
+          <a:xfrm>
+            <a:off x="1006929" y="4125686"/>
+            <a:ext cx="7130142" cy="1502228"/>
+          </a:xfrm>
+          <a:prstGeom prst="roundRect">
+            <a:avLst/>
+          </a:prstGeom>
+        </p:spPr>
+        <p:style>
+          <a:lnRef idx="2">
+            <a:schemeClr val="accent1">
+              <a:shade val="15000"/>
+            </a:schemeClr>
+          </a:lnRef>
+          <a:fillRef idx="1">
+            <a:schemeClr val="accent1"/>
+          </a:fillRef>
+          <a:effectRef idx="0">
+            <a:schemeClr val="accent1"/>
+          </a:effectRef>
+          <a:fontRef idx="minor">
+            <a:schemeClr val="lt1"/>
+          </a:fontRef>
+        </p:style>
+        <p:txBody>
+          <a:bodyPr rtlCol="0" anchor="ctr"/>
+          <a:lstStyle/>
+          <a:p>
+            <a:r>
+              <a:rPr lang="hu-HU" dirty="0"/>
+              <a:t>SystemFailureReporter.exe </a:t>
+            </a:r>
+            <a:r>
+              <a:rPr lang="hu-HU" dirty="0" err="1"/>
+              <a:t>to</a:t>
+            </a:r>
+            <a:r>
+              <a:rPr lang="hu-HU" dirty="0"/>
+              <a:t> </a:t>
+            </a:r>
+            <a:r>
+              <a:rPr lang="hu-HU" dirty="0" err="1"/>
+              <a:t>download</a:t>
+            </a:r>
+            <a:r>
+              <a:rPr lang="hu-HU" dirty="0"/>
+              <a:t> VALUEVAULT (</a:t>
+            </a:r>
+            <a:r>
+              <a:rPr lang="hu-HU" dirty="0" err="1"/>
+              <a:t>the</a:t>
+            </a:r>
+            <a:r>
+              <a:rPr lang="hu-HU" dirty="0"/>
+              <a:t> </a:t>
+            </a:r>
+            <a:r>
+              <a:rPr lang="hu-HU" dirty="0" err="1"/>
+              <a:t>executable</a:t>
+            </a:r>
+            <a:r>
+              <a:rPr lang="hu-HU" dirty="0"/>
+              <a:t> </a:t>
+            </a:r>
+            <a:r>
+              <a:rPr lang="hu-HU" dirty="0" err="1"/>
+              <a:t>for</a:t>
+            </a:r>
+            <a:r>
+              <a:rPr lang="hu-HU" dirty="0"/>
+              <a:t> </a:t>
+            </a:r>
+            <a:r>
+              <a:rPr lang="hu-HU" dirty="0" err="1"/>
+              <a:t>which</a:t>
+            </a:r>
+            <a:r>
+              <a:rPr lang="hu-HU" dirty="0"/>
+              <a:t> is b.exe) </a:t>
+            </a:r>
+            <a:r>
+              <a:rPr lang="hu-HU" dirty="0" err="1"/>
+              <a:t>which</a:t>
+            </a:r>
+            <a:r>
+              <a:rPr lang="hu-HU" dirty="0"/>
+              <a:t> is </a:t>
+            </a:r>
+            <a:r>
+              <a:rPr lang="hu-HU" dirty="0" err="1"/>
+              <a:t>then</a:t>
+            </a:r>
+            <a:r>
+              <a:rPr lang="hu-HU" dirty="0"/>
+              <a:t> </a:t>
+            </a:r>
+            <a:r>
+              <a:rPr lang="hu-HU" dirty="0" err="1"/>
+              <a:t>leveraged</a:t>
+            </a:r>
+            <a:r>
+              <a:rPr lang="hu-HU" dirty="0"/>
+              <a:t> </a:t>
+            </a:r>
+            <a:r>
+              <a:rPr lang="hu-HU" dirty="0" err="1"/>
+              <a:t>to</a:t>
+            </a:r>
+            <a:r>
+              <a:rPr lang="hu-HU" dirty="0"/>
+              <a:t> </a:t>
+            </a:r>
+            <a:r>
+              <a:rPr lang="hu-HU" dirty="0" err="1"/>
+              <a:t>perform</a:t>
+            </a:r>
+            <a:r>
+              <a:rPr lang="hu-HU" dirty="0"/>
+              <a:t> a </a:t>
+            </a:r>
+            <a:r>
+              <a:rPr lang="hu-HU" dirty="0" err="1"/>
+              <a:t>low</a:t>
+            </a:r>
+            <a:r>
+              <a:rPr lang="hu-HU" dirty="0"/>
+              <a:t> </a:t>
+            </a:r>
+            <a:r>
+              <a:rPr lang="hu-HU" dirty="0" err="1"/>
+              <a:t>privilege</a:t>
+            </a:r>
+            <a:r>
+              <a:rPr lang="hu-HU" dirty="0"/>
+              <a:t> </a:t>
+            </a:r>
+            <a:r>
+              <a:rPr lang="hu-HU" dirty="0" err="1"/>
+              <a:t>credential</a:t>
+            </a:r>
+            <a:r>
+              <a:rPr lang="hu-HU" dirty="0"/>
+              <a:t> </a:t>
+            </a:r>
+            <a:r>
+              <a:rPr lang="hu-HU" dirty="0" err="1"/>
+              <a:t>dumping</a:t>
+            </a:r>
+            <a:r>
+              <a:rPr lang="hu-HU" dirty="0"/>
+              <a:t>. SystemFailureReporter.exe </a:t>
+            </a:r>
+            <a:r>
+              <a:rPr lang="hu-HU" dirty="0" err="1"/>
+              <a:t>then</a:t>
+            </a:r>
+            <a:r>
+              <a:rPr lang="hu-HU" dirty="0"/>
+              <a:t> </a:t>
+            </a:r>
+            <a:r>
+              <a:rPr lang="hu-HU" dirty="0" err="1"/>
+              <a:t>uploads</a:t>
+            </a:r>
+            <a:r>
+              <a:rPr lang="hu-HU" dirty="0"/>
+              <a:t> </a:t>
+            </a:r>
+            <a:r>
+              <a:rPr lang="hu-HU" dirty="0" err="1"/>
+              <a:t>the</a:t>
+            </a:r>
+            <a:r>
+              <a:rPr lang="hu-HU" dirty="0"/>
+              <a:t> VALUEVAULT </a:t>
+            </a:r>
+            <a:r>
+              <a:rPr lang="hu-HU" dirty="0" err="1"/>
+              <a:t>dump</a:t>
+            </a:r>
+            <a:r>
+              <a:rPr lang="hu-HU" dirty="0"/>
+              <a:t> (</a:t>
+            </a:r>
+            <a:r>
+              <a:rPr lang="hu-HU" dirty="0" err="1"/>
+              <a:t>named</a:t>
+            </a:r>
+            <a:r>
+              <a:rPr lang="hu-HU" dirty="0"/>
+              <a:t> fsociety.dat) back </a:t>
+            </a:r>
+            <a:r>
+              <a:rPr lang="hu-HU" dirty="0" err="1"/>
+              <a:t>to</a:t>
+            </a:r>
+            <a:r>
+              <a:rPr lang="hu-HU" dirty="0"/>
+              <a:t> C2 </a:t>
+            </a:r>
+            <a:r>
+              <a:rPr lang="hu-HU" dirty="0" err="1"/>
+              <a:t>via</a:t>
+            </a:r>
+            <a:r>
+              <a:rPr lang="hu-HU" dirty="0"/>
+              <a:t> HTTP POST </a:t>
+            </a:r>
+            <a:r>
+              <a:rPr lang="hu-HU" dirty="0" err="1"/>
+              <a:t>request</a:t>
+            </a:r>
+            <a:r>
+              <a:rPr lang="hu-HU" dirty="0"/>
+              <a:t>.</a:t>
+            </a:r>
+          </a:p>
+        </p:txBody>
+      </p:sp>
+    </p:spTree>
+    <p:extLst>
+      <p:ext uri="{BB962C8B-B14F-4D97-AF65-F5344CB8AC3E}">
+        <p14:creationId xmlns:p14="http://schemas.microsoft.com/office/powerpoint/2010/main" val="3445555305"/>
+      </p:ext>
+    </p:extLst>
+  </p:cSld>
+  <p:clrMapOvr>
+    <a:masterClrMapping/>
+  </p:clrMapOvr>
+</p:sld>
+</file>
+
+<file path=ppt/slides/slide34.xml><?xml version="1.0" encoding="utf-8"?>
+<p:sld xmlns:a="http://schemas.openxmlformats.org/drawingml/2006/main" xmlns:r="http://schemas.openxmlformats.org/officeDocument/2006/relationships" xmlns:p="http://schemas.openxmlformats.org/presentationml/2006/main">
+  <p:cSld>
+    <p:spTree>
+      <p:nvGrpSpPr>
+        <p:cNvPr id="1" name="">
+          <a:extLst>
+            <a:ext uri="{FF2B5EF4-FFF2-40B4-BE49-F238E27FC236}">
+              <a16:creationId xmlns:a16="http://schemas.microsoft.com/office/drawing/2014/main" id="{84EFC68A-9010-6056-B8FC-FABF085CE651}"/>
+            </a:ext>
+          </a:extLst>
+        </p:cNvPr>
+        <p:cNvGrpSpPr/>
+        <p:nvPr/>
+      </p:nvGrpSpPr>
+      <p:grpSpPr>
+        <a:xfrm>
+          <a:off x="0" y="0"/>
+          <a:ext cx="0" cy="0"/>
+          <a:chOff x="0" y="0"/>
+          <a:chExt cx="0" cy="0"/>
+        </a:xfrm>
+      </p:grpSpPr>
+      <p:sp>
+        <p:nvSpPr>
+          <p:cNvPr id="8" name="Title 7">
+            <a:extLst>
+              <a:ext uri="{FF2B5EF4-FFF2-40B4-BE49-F238E27FC236}">
+                <a16:creationId xmlns:a16="http://schemas.microsoft.com/office/drawing/2014/main" id="{1DE67F46-8118-DC4B-4D62-4B476323D2B4}"/>
+              </a:ext>
+            </a:extLst>
+          </p:cNvPr>
+          <p:cNvSpPr>
+            <a:spLocks noGrp="1"/>
+          </p:cNvSpPr>
+          <p:nvPr>
+            <p:ph type="title"/>
+          </p:nvPr>
+        </p:nvSpPr>
+        <p:spPr/>
+        <p:txBody>
+          <a:bodyPr/>
+          <a:lstStyle/>
+          <a:p>
+            <a:r>
+              <a:rPr lang="hu-HU" dirty="0" err="1"/>
+              <a:t>Step</a:t>
+            </a:r>
+            <a:r>
+              <a:rPr lang="hu-HU" dirty="0"/>
+              <a:t> 2</a:t>
+            </a:r>
+          </a:p>
+        </p:txBody>
+      </p:sp>
+      <p:sp>
+        <p:nvSpPr>
+          <p:cNvPr id="21" name="Rectangle: Rounded Corners 20">
+            <a:extLst>
+              <a:ext uri="{FF2B5EF4-FFF2-40B4-BE49-F238E27FC236}">
+                <a16:creationId xmlns:a16="http://schemas.microsoft.com/office/drawing/2014/main" id="{87359949-8BDD-76C8-D729-1CE21BBAB39E}"/>
+              </a:ext>
+            </a:extLst>
+          </p:cNvPr>
+          <p:cNvSpPr/>
+          <p:nvPr/>
+        </p:nvSpPr>
+        <p:spPr>
+          <a:xfrm>
+            <a:off x="370114" y="1473935"/>
+            <a:ext cx="1894114" cy="772886"/>
+          </a:xfrm>
+          <a:prstGeom prst="roundRect">
+            <a:avLst/>
+          </a:prstGeom>
+        </p:spPr>
+        <p:style>
+          <a:lnRef idx="2">
+            <a:schemeClr val="accent1">
+              <a:shade val="15000"/>
+            </a:schemeClr>
+          </a:lnRef>
+          <a:fillRef idx="1">
+            <a:schemeClr val="accent1"/>
+          </a:fillRef>
+          <a:effectRef idx="0">
+            <a:schemeClr val="accent1"/>
+          </a:effectRef>
+          <a:fontRef idx="minor">
+            <a:schemeClr val="lt1"/>
+          </a:fontRef>
+        </p:style>
+        <p:txBody>
+          <a:bodyPr rtlCol="0" anchor="ctr"/>
+          <a:lstStyle/>
+          <a:p>
+            <a:pPr algn="ctr"/>
+            <a:r>
+              <a:rPr lang="hu-HU" dirty="0"/>
+              <a:t>TASK 1:</a:t>
+            </a:r>
+          </a:p>
+        </p:txBody>
+      </p:sp>
+      <p:sp>
+        <p:nvSpPr>
+          <p:cNvPr id="22" name="TextBox 21">
+            <a:extLst>
+              <a:ext uri="{FF2B5EF4-FFF2-40B4-BE49-F238E27FC236}">
+                <a16:creationId xmlns:a16="http://schemas.microsoft.com/office/drawing/2014/main" id="{3A23A9D9-A5AB-01DC-B8EF-D3F779472086}"/>
+              </a:ext>
+            </a:extLst>
+          </p:cNvPr>
+          <p:cNvSpPr txBox="1"/>
+          <p:nvPr/>
+        </p:nvSpPr>
+        <p:spPr>
+          <a:xfrm>
+            <a:off x="532357" y="2583156"/>
+            <a:ext cx="8079286" cy="369332"/>
+          </a:xfrm>
+          <a:prstGeom prst="rect">
+            <a:avLst/>
+          </a:prstGeom>
+          <a:noFill/>
+        </p:spPr>
+        <p:txBody>
+          <a:bodyPr wrap="square" rtlCol="0">
+            <a:spAutoFit/>
+          </a:bodyPr>
+          <a:lstStyle/>
+          <a:p>
+            <a:r>
+              <a:rPr lang="hu-HU" dirty="0" err="1"/>
+              <a:t>Use</a:t>
+            </a:r>
+            <a:r>
+              <a:rPr lang="hu-HU" dirty="0"/>
+              <a:t> </a:t>
+            </a:r>
+            <a:r>
+              <a:rPr lang="hu-HU" dirty="0" err="1"/>
+              <a:t>the</a:t>
+            </a:r>
+            <a:r>
+              <a:rPr lang="hu-HU" dirty="0"/>
+              <a:t> LINK of „</a:t>
+            </a:r>
+            <a:r>
+              <a:rPr lang="hu-HU" b="0" i="0" u="none" strike="noStrike" dirty="0">
+                <a:effectLst/>
+                <a:latin typeface="-apple-system"/>
+                <a:hlinkClick r:id="rId3" tooltip="b.exe"/>
+              </a:rPr>
+              <a:t>b.exe</a:t>
+            </a:r>
+            <a:r>
+              <a:rPr lang="hu-HU" dirty="0"/>
+              <a:t>” (</a:t>
+            </a:r>
+            <a:r>
+              <a:rPr lang="hu-HU" dirty="0" err="1"/>
+              <a:t>from</a:t>
+            </a:r>
+            <a:r>
+              <a:rPr lang="hu-HU" dirty="0"/>
+              <a:t> GitHub) and </a:t>
+            </a:r>
+            <a:r>
+              <a:rPr lang="hu-HU" dirty="0" err="1"/>
+              <a:t>have</a:t>
+            </a:r>
+            <a:r>
+              <a:rPr lang="hu-HU" dirty="0"/>
+              <a:t> </a:t>
+            </a:r>
+            <a:r>
+              <a:rPr lang="hu-HU" dirty="0" err="1"/>
+              <a:t>it</a:t>
+            </a:r>
+            <a:r>
+              <a:rPr lang="hu-HU" dirty="0"/>
+              <a:t> </a:t>
+            </a:r>
+            <a:r>
+              <a:rPr lang="hu-HU" dirty="0" err="1"/>
+              <a:t>analysed</a:t>
+            </a:r>
+            <a:r>
+              <a:rPr lang="hu-HU" dirty="0"/>
+              <a:t> </a:t>
+            </a:r>
+            <a:r>
+              <a:rPr lang="hu-HU" dirty="0" err="1"/>
+              <a:t>with</a:t>
+            </a:r>
+            <a:r>
+              <a:rPr lang="hu-HU" dirty="0"/>
+              <a:t> </a:t>
+            </a:r>
+            <a:r>
+              <a:rPr lang="hu-HU" dirty="0" err="1"/>
+              <a:t>VirusTotal</a:t>
+            </a:r>
+            <a:endParaRPr lang="hu-HU" dirty="0"/>
+          </a:p>
+        </p:txBody>
+      </p:sp>
+      <p:sp>
+        <p:nvSpPr>
+          <p:cNvPr id="23" name="Rectangle: Rounded Corners 22">
+            <a:extLst>
+              <a:ext uri="{FF2B5EF4-FFF2-40B4-BE49-F238E27FC236}">
+                <a16:creationId xmlns:a16="http://schemas.microsoft.com/office/drawing/2014/main" id="{707FD881-EACB-4A67-6950-623AF8715402}"/>
+              </a:ext>
+            </a:extLst>
+          </p:cNvPr>
+          <p:cNvSpPr/>
+          <p:nvPr/>
+        </p:nvSpPr>
+        <p:spPr>
+          <a:xfrm>
+            <a:off x="370114" y="3559227"/>
+            <a:ext cx="1894114" cy="772886"/>
+          </a:xfrm>
+          <a:prstGeom prst="roundRect">
+            <a:avLst/>
+          </a:prstGeom>
+        </p:spPr>
+        <p:style>
+          <a:lnRef idx="2">
+            <a:schemeClr val="accent1">
+              <a:shade val="15000"/>
+            </a:schemeClr>
+          </a:lnRef>
+          <a:fillRef idx="1">
+            <a:schemeClr val="accent1"/>
+          </a:fillRef>
+          <a:effectRef idx="0">
+            <a:schemeClr val="accent1"/>
+          </a:effectRef>
+          <a:fontRef idx="minor">
+            <a:schemeClr val="lt1"/>
+          </a:fontRef>
+        </p:style>
+        <p:txBody>
+          <a:bodyPr rtlCol="0" anchor="ctr"/>
+          <a:lstStyle/>
+          <a:p>
+            <a:pPr algn="ctr"/>
+            <a:r>
+              <a:rPr lang="hu-HU" dirty="0"/>
+              <a:t>Q:</a:t>
+            </a:r>
+          </a:p>
+        </p:txBody>
+      </p:sp>
+      <p:sp>
+        <p:nvSpPr>
+          <p:cNvPr id="24" name="TextBox 23">
+            <a:extLst>
+              <a:ext uri="{FF2B5EF4-FFF2-40B4-BE49-F238E27FC236}">
+                <a16:creationId xmlns:a16="http://schemas.microsoft.com/office/drawing/2014/main" id="{0652799F-F5A1-58F8-F021-B9598A052D0E}"/>
+              </a:ext>
+            </a:extLst>
+          </p:cNvPr>
+          <p:cNvSpPr txBox="1"/>
+          <p:nvPr/>
+        </p:nvSpPr>
+        <p:spPr>
+          <a:xfrm>
+            <a:off x="2264228" y="4569520"/>
+            <a:ext cx="4904600" cy="369332"/>
+          </a:xfrm>
+          <a:prstGeom prst="rect">
+            <a:avLst/>
+          </a:prstGeom>
+          <a:noFill/>
+        </p:spPr>
+        <p:txBody>
+          <a:bodyPr wrap="square" rtlCol="0">
+            <a:spAutoFit/>
+          </a:bodyPr>
+          <a:lstStyle/>
+          <a:p>
+            <a:r>
+              <a:rPr lang="hu-HU" dirty="0" err="1"/>
+              <a:t>What</a:t>
+            </a:r>
+            <a:r>
+              <a:rPr lang="hu-HU" dirty="0"/>
+              <a:t> is </a:t>
+            </a:r>
+            <a:r>
+              <a:rPr lang="hu-HU" dirty="0" err="1"/>
+              <a:t>the</a:t>
+            </a:r>
+            <a:r>
+              <a:rPr lang="hu-HU" dirty="0"/>
+              <a:t> </a:t>
+            </a:r>
+            <a:r>
+              <a:rPr lang="hu-HU" dirty="0" err="1"/>
+              <a:t>verdict</a:t>
+            </a:r>
+            <a:r>
+              <a:rPr lang="hu-HU" dirty="0"/>
+              <a:t>?</a:t>
+            </a:r>
+          </a:p>
+        </p:txBody>
+      </p:sp>
+    </p:spTree>
+    <p:extLst>
+      <p:ext uri="{BB962C8B-B14F-4D97-AF65-F5344CB8AC3E}">
+        <p14:creationId xmlns:p14="http://schemas.microsoft.com/office/powerpoint/2010/main" val="1747796542"/>
+      </p:ext>
+    </p:extLst>
+  </p:cSld>
+  <p:clrMapOvr>
+    <a:masterClrMapping/>
+  </p:clrMapOvr>
+</p:sld>
+</file>
+
+<file path=ppt/slides/slide35.xml><?xml version="1.0" encoding="utf-8"?>
+<p:sld xmlns:a="http://schemas.openxmlformats.org/drawingml/2006/main" xmlns:r="http://schemas.openxmlformats.org/officeDocument/2006/relationships" xmlns:p="http://schemas.openxmlformats.org/presentationml/2006/main">
+  <p:cSld>
+    <p:spTree>
+      <p:nvGrpSpPr>
+        <p:cNvPr id="1" name="">
+          <a:extLst>
+            <a:ext uri="{FF2B5EF4-FFF2-40B4-BE49-F238E27FC236}">
+              <a16:creationId xmlns:a16="http://schemas.microsoft.com/office/drawing/2014/main" id="{7B16F67F-2BA9-B721-44F7-0F329901D787}"/>
+            </a:ext>
+          </a:extLst>
+        </p:cNvPr>
+        <p:cNvGrpSpPr/>
+        <p:nvPr/>
+      </p:nvGrpSpPr>
+      <p:grpSpPr>
+        <a:xfrm>
+          <a:off x="0" y="0"/>
+          <a:ext cx="0" cy="0"/>
+          <a:chOff x="0" y="0"/>
+          <a:chExt cx="0" cy="0"/>
+        </a:xfrm>
+      </p:grpSpPr>
+      <p:sp>
+        <p:nvSpPr>
+          <p:cNvPr id="8" name="Title 7">
+            <a:extLst>
+              <a:ext uri="{FF2B5EF4-FFF2-40B4-BE49-F238E27FC236}">
+                <a16:creationId xmlns:a16="http://schemas.microsoft.com/office/drawing/2014/main" id="{3FA9AA75-5978-1FFB-4495-2F43B8ACAE92}"/>
+              </a:ext>
+            </a:extLst>
+          </p:cNvPr>
+          <p:cNvSpPr>
+            <a:spLocks noGrp="1"/>
+          </p:cNvSpPr>
+          <p:nvPr>
+            <p:ph type="title"/>
+          </p:nvPr>
+        </p:nvSpPr>
+        <p:spPr/>
+        <p:txBody>
+          <a:bodyPr/>
+          <a:lstStyle/>
+          <a:p>
+            <a:r>
+              <a:rPr lang="hu-HU" dirty="0" err="1"/>
+              <a:t>Step</a:t>
+            </a:r>
+            <a:r>
+              <a:rPr lang="hu-HU" dirty="0"/>
+              <a:t> 3</a:t>
+            </a:r>
+          </a:p>
+        </p:txBody>
+      </p:sp>
+      <p:sp>
+        <p:nvSpPr>
+          <p:cNvPr id="6" name="TextBox 5">
+            <a:extLst>
+              <a:ext uri="{FF2B5EF4-FFF2-40B4-BE49-F238E27FC236}">
+                <a16:creationId xmlns:a16="http://schemas.microsoft.com/office/drawing/2014/main" id="{FCE5958D-2F55-592B-8171-A317CBFE2FDF}"/>
+              </a:ext>
+            </a:extLst>
+          </p:cNvPr>
+          <p:cNvSpPr txBox="1"/>
+          <p:nvPr/>
+        </p:nvSpPr>
+        <p:spPr>
+          <a:xfrm>
+            <a:off x="566057" y="1382485"/>
+            <a:ext cx="5638800" cy="369332"/>
+          </a:xfrm>
+          <a:prstGeom prst="rect">
+            <a:avLst/>
+          </a:prstGeom>
+          <a:noFill/>
+        </p:spPr>
+        <p:txBody>
+          <a:bodyPr wrap="square" rtlCol="0">
+            <a:spAutoFit/>
+          </a:bodyPr>
+          <a:lstStyle/>
+          <a:p>
+            <a:r>
+              <a:rPr lang="hu-HU" b="1" dirty="0" err="1"/>
+              <a:t>Lateral</a:t>
+            </a:r>
+            <a:r>
+              <a:rPr lang="hu-HU" b="1" dirty="0"/>
+              <a:t> </a:t>
+            </a:r>
+            <a:r>
+              <a:rPr lang="hu-HU" b="1" dirty="0" err="1"/>
+              <a:t>movement</a:t>
+            </a:r>
+            <a:endParaRPr lang="hu-HU" dirty="0"/>
+          </a:p>
+        </p:txBody>
+      </p:sp>
+      <p:sp>
+        <p:nvSpPr>
+          <p:cNvPr id="10" name="TextBox 9">
+            <a:extLst>
+              <a:ext uri="{FF2B5EF4-FFF2-40B4-BE49-F238E27FC236}">
+                <a16:creationId xmlns:a16="http://schemas.microsoft.com/office/drawing/2014/main" id="{84571281-A9E6-DE85-53E9-724011E00CAA}"/>
+              </a:ext>
+            </a:extLst>
+          </p:cNvPr>
+          <p:cNvSpPr txBox="1"/>
+          <p:nvPr/>
+        </p:nvSpPr>
+        <p:spPr>
+          <a:xfrm>
+            <a:off x="566057" y="3628856"/>
+            <a:ext cx="5638800" cy="369332"/>
+          </a:xfrm>
+          <a:prstGeom prst="rect">
+            <a:avLst/>
+          </a:prstGeom>
+          <a:noFill/>
+        </p:spPr>
+        <p:txBody>
+          <a:bodyPr wrap="square" rtlCol="0">
+            <a:spAutoFit/>
+          </a:bodyPr>
+          <a:lstStyle/>
+          <a:p>
+            <a:r>
+              <a:rPr lang="hu-HU" b="1" dirty="0" err="1"/>
+              <a:t>Installing</a:t>
+            </a:r>
+            <a:r>
+              <a:rPr lang="hu-HU" b="1" dirty="0"/>
+              <a:t> </a:t>
+            </a:r>
+            <a:r>
+              <a:rPr lang="hu-HU" b="1" dirty="0" err="1"/>
+              <a:t>webshell</a:t>
+            </a:r>
+            <a:r>
+              <a:rPr lang="hu-HU" b="1" dirty="0"/>
+              <a:t> </a:t>
+            </a:r>
+            <a:r>
+              <a:rPr lang="hu-HU" b="1" dirty="0" err="1"/>
+              <a:t>to</a:t>
+            </a:r>
+            <a:r>
+              <a:rPr lang="hu-HU" b="1" dirty="0"/>
+              <a:t> </a:t>
+            </a:r>
+            <a:r>
+              <a:rPr lang="hu-HU" b="1" dirty="0" err="1"/>
+              <a:t>remote</a:t>
+            </a:r>
+            <a:r>
+              <a:rPr lang="hu-HU" b="1" dirty="0"/>
+              <a:t> server</a:t>
+            </a:r>
+          </a:p>
+        </p:txBody>
+      </p:sp>
+      <p:sp>
+        <p:nvSpPr>
+          <p:cNvPr id="13" name="Rectangle: Rounded Corners 12">
+            <a:extLst>
+              <a:ext uri="{FF2B5EF4-FFF2-40B4-BE49-F238E27FC236}">
+                <a16:creationId xmlns:a16="http://schemas.microsoft.com/office/drawing/2014/main" id="{7EE64247-C8AF-10F3-CF91-DC3B5871A99A}"/>
+              </a:ext>
+            </a:extLst>
+          </p:cNvPr>
+          <p:cNvSpPr/>
+          <p:nvPr/>
+        </p:nvSpPr>
+        <p:spPr>
+          <a:xfrm>
+            <a:off x="1006929" y="4125686"/>
+            <a:ext cx="7130142" cy="1502228"/>
+          </a:xfrm>
+          <a:prstGeom prst="roundRect">
+            <a:avLst/>
+          </a:prstGeom>
+        </p:spPr>
+        <p:style>
+          <a:lnRef idx="2">
+            <a:schemeClr val="accent1">
+              <a:shade val="15000"/>
+            </a:schemeClr>
+          </a:lnRef>
+          <a:fillRef idx="1">
+            <a:schemeClr val="accent1"/>
+          </a:fillRef>
+          <a:effectRef idx="0">
+            <a:schemeClr val="accent1"/>
+          </a:effectRef>
+          <a:fontRef idx="minor">
+            <a:schemeClr val="lt1"/>
+          </a:fontRef>
+        </p:style>
+        <p:txBody>
+          <a:bodyPr rtlCol="0" anchor="ctr"/>
+          <a:lstStyle/>
+          <a:p>
+            <a:r>
+              <a:rPr lang="hu-HU" dirty="0"/>
+              <a:t>D</a:t>
+            </a:r>
+            <a:r>
+              <a:rPr lang="en-US" dirty="0" err="1"/>
+              <a:t>ownloading</a:t>
+            </a:r>
+            <a:r>
+              <a:rPr lang="en-US" dirty="0"/>
+              <a:t> the TWOFACE </a:t>
+            </a:r>
+            <a:r>
+              <a:rPr lang="en-US" dirty="0" err="1"/>
+              <a:t>webshell</a:t>
+            </a:r>
+            <a:r>
+              <a:rPr lang="en-US" dirty="0"/>
+              <a:t> (named contact.aspx) via SystemFailureReporter.exe; TWOFACE is then copied from </a:t>
+            </a:r>
+            <a:r>
+              <a:rPr lang="hu-HU" dirty="0" err="1"/>
+              <a:t>the</a:t>
+            </a:r>
+            <a:r>
+              <a:rPr lang="hu-HU" dirty="0"/>
+              <a:t> </a:t>
+            </a:r>
+            <a:r>
+              <a:rPr lang="hu-HU" dirty="0" err="1"/>
+              <a:t>victim</a:t>
+            </a:r>
+            <a:r>
+              <a:rPr lang="en-US" dirty="0"/>
+              <a:t> to </a:t>
+            </a:r>
+            <a:r>
+              <a:rPr lang="hu-HU" dirty="0"/>
+              <a:t>SERVER</a:t>
+            </a:r>
+            <a:r>
+              <a:rPr lang="en-US" dirty="0"/>
+              <a:t> and hidden with </a:t>
+            </a:r>
+            <a:r>
+              <a:rPr lang="en-US" dirty="0" err="1"/>
+              <a:t>attrib</a:t>
+            </a:r>
+            <a:r>
+              <a:rPr lang="en-US" dirty="0"/>
+              <a:t> + h.</a:t>
+            </a:r>
+            <a:endParaRPr lang="hu-HU" dirty="0"/>
+          </a:p>
+        </p:txBody>
+      </p:sp>
+      <p:sp>
+        <p:nvSpPr>
+          <p:cNvPr id="2" name="TextBox 1">
+            <a:extLst>
+              <a:ext uri="{FF2B5EF4-FFF2-40B4-BE49-F238E27FC236}">
+                <a16:creationId xmlns:a16="http://schemas.microsoft.com/office/drawing/2014/main" id="{733EB950-AE5A-791A-CA53-508FEE5CDB41}"/>
+              </a:ext>
+            </a:extLst>
+          </p:cNvPr>
+          <p:cNvSpPr txBox="1"/>
+          <p:nvPr/>
+        </p:nvSpPr>
+        <p:spPr>
+          <a:xfrm>
+            <a:off x="1219200" y="1879315"/>
+            <a:ext cx="5736771" cy="923330"/>
+          </a:xfrm>
+          <a:prstGeom prst="rect">
+            <a:avLst/>
+          </a:prstGeom>
+          <a:noFill/>
+        </p:spPr>
+        <p:txBody>
+          <a:bodyPr wrap="square" rtlCol="0">
+            <a:spAutoFit/>
+          </a:bodyPr>
+          <a:lstStyle/>
+          <a:p>
+            <a:r>
+              <a:rPr lang="hu-HU" dirty="0" err="1"/>
+              <a:t>It</a:t>
+            </a:r>
+            <a:r>
+              <a:rPr lang="hu-HU" dirty="0"/>
+              <a:t> has </a:t>
+            </a:r>
+            <a:r>
+              <a:rPr lang="hu-HU" dirty="0" err="1"/>
+              <a:t>been</a:t>
+            </a:r>
+            <a:r>
+              <a:rPr lang="hu-HU" dirty="0"/>
+              <a:t> </a:t>
+            </a:r>
+            <a:r>
+              <a:rPr lang="hu-HU" dirty="0" err="1"/>
+              <a:t>discovered</a:t>
+            </a:r>
+            <a:r>
+              <a:rPr lang="hu-HU" dirty="0"/>
+              <a:t> </a:t>
+            </a:r>
+            <a:r>
+              <a:rPr lang="hu-HU" dirty="0" err="1"/>
+              <a:t>from</a:t>
+            </a:r>
+            <a:r>
+              <a:rPr lang="hu-HU" dirty="0"/>
+              <a:t> </a:t>
+            </a:r>
+            <a:r>
+              <a:rPr lang="hu-HU" dirty="0" err="1"/>
+              <a:t>the</a:t>
+            </a:r>
+            <a:r>
+              <a:rPr lang="hu-HU" dirty="0"/>
+              <a:t> </a:t>
+            </a:r>
+            <a:r>
+              <a:rPr lang="hu-HU" dirty="0" err="1"/>
+              <a:t>credentials</a:t>
+            </a:r>
+            <a:r>
+              <a:rPr lang="hu-HU" dirty="0"/>
+              <a:t> </a:t>
+            </a:r>
+            <a:r>
+              <a:rPr lang="hu-HU" dirty="0" err="1"/>
+              <a:t>dumped</a:t>
+            </a:r>
+            <a:r>
+              <a:rPr lang="hu-HU" dirty="0"/>
+              <a:t> in Step2 </a:t>
+            </a:r>
+            <a:r>
+              <a:rPr lang="hu-HU" dirty="0" err="1"/>
+              <a:t>that</a:t>
+            </a:r>
+            <a:r>
+              <a:rPr lang="hu-HU" dirty="0"/>
+              <a:t> </a:t>
+            </a:r>
+            <a:r>
+              <a:rPr lang="hu-HU" dirty="0" err="1"/>
+              <a:t>the</a:t>
+            </a:r>
+            <a:r>
+              <a:rPr lang="hu-HU" dirty="0"/>
+              <a:t> </a:t>
+            </a:r>
+            <a:r>
+              <a:rPr lang="hu-HU" dirty="0" err="1"/>
+              <a:t>user</a:t>
+            </a:r>
+            <a:r>
+              <a:rPr lang="hu-HU" dirty="0"/>
+              <a:t> </a:t>
+            </a:r>
+            <a:r>
+              <a:rPr lang="hu-HU" dirty="0" err="1"/>
+              <a:t>logged</a:t>
+            </a:r>
+            <a:r>
+              <a:rPr lang="hu-HU" dirty="0"/>
+              <a:t> in </a:t>
+            </a:r>
+            <a:r>
+              <a:rPr lang="hu-HU" dirty="0" err="1"/>
+              <a:t>the</a:t>
+            </a:r>
+            <a:r>
+              <a:rPr lang="hu-HU" dirty="0"/>
+              <a:t> </a:t>
+            </a:r>
+            <a:r>
+              <a:rPr lang="hu-HU" dirty="0" err="1"/>
+              <a:t>Victim</a:t>
+            </a:r>
+            <a:r>
+              <a:rPr lang="hu-HU" dirty="0"/>
+              <a:t> has </a:t>
+            </a:r>
+            <a:r>
+              <a:rPr lang="hu-HU" dirty="0" err="1"/>
+              <a:t>admin</a:t>
+            </a:r>
+            <a:r>
+              <a:rPr lang="hu-HU" dirty="0"/>
+              <a:t> </a:t>
+            </a:r>
+            <a:r>
+              <a:rPr lang="hu-HU" dirty="0" err="1"/>
+              <a:t>priviliges</a:t>
+            </a:r>
+            <a:r>
+              <a:rPr lang="hu-HU" dirty="0"/>
+              <a:t> </a:t>
+            </a:r>
+            <a:r>
+              <a:rPr lang="hu-HU" dirty="0" err="1"/>
+              <a:t>on</a:t>
+            </a:r>
+            <a:r>
+              <a:rPr lang="hu-HU" dirty="0"/>
+              <a:t> </a:t>
+            </a:r>
+            <a:r>
+              <a:rPr lang="hu-HU" dirty="0" err="1"/>
+              <a:t>the</a:t>
+            </a:r>
+            <a:r>
+              <a:rPr lang="hu-HU" dirty="0"/>
+              <a:t> EWS server</a:t>
+            </a:r>
+          </a:p>
+        </p:txBody>
+      </p:sp>
+    </p:spTree>
+    <p:extLst>
+      <p:ext uri="{BB962C8B-B14F-4D97-AF65-F5344CB8AC3E}">
+        <p14:creationId xmlns:p14="http://schemas.microsoft.com/office/powerpoint/2010/main" val="61313124"/>
+      </p:ext>
+    </p:extLst>
+  </p:cSld>
+  <p:clrMapOvr>
+    <a:masterClrMapping/>
+  </p:clrMapOvr>
+</p:sld>
+</file>
+
+<file path=ppt/slides/slide36.xml><?xml version="1.0" encoding="utf-8"?>
+<p:sld xmlns:a="http://schemas.openxmlformats.org/drawingml/2006/main" xmlns:r="http://schemas.openxmlformats.org/officeDocument/2006/relationships" xmlns:p="http://schemas.openxmlformats.org/presentationml/2006/main">
+  <p:cSld>
+    <p:spTree>
+      <p:nvGrpSpPr>
+        <p:cNvPr id="1" name="">
+          <a:extLst>
+            <a:ext uri="{FF2B5EF4-FFF2-40B4-BE49-F238E27FC236}">
+              <a16:creationId xmlns:a16="http://schemas.microsoft.com/office/drawing/2014/main" id="{580E2FD4-ECAF-3CD8-E634-291256D6D818}"/>
+            </a:ext>
+          </a:extLst>
+        </p:cNvPr>
+        <p:cNvGrpSpPr/>
+        <p:nvPr/>
+      </p:nvGrpSpPr>
+      <p:grpSpPr>
+        <a:xfrm>
+          <a:off x="0" y="0"/>
+          <a:ext cx="0" cy="0"/>
+          <a:chOff x="0" y="0"/>
+          <a:chExt cx="0" cy="0"/>
+        </a:xfrm>
+      </p:grpSpPr>
+      <p:sp>
+        <p:nvSpPr>
+          <p:cNvPr id="8" name="Title 7">
+            <a:extLst>
+              <a:ext uri="{FF2B5EF4-FFF2-40B4-BE49-F238E27FC236}">
+                <a16:creationId xmlns:a16="http://schemas.microsoft.com/office/drawing/2014/main" id="{073E7A76-A94F-6570-7872-3FB1D69FC7AC}"/>
+              </a:ext>
+            </a:extLst>
+          </p:cNvPr>
+          <p:cNvSpPr>
+            <a:spLocks noGrp="1"/>
+          </p:cNvSpPr>
+          <p:nvPr>
+            <p:ph type="title"/>
+          </p:nvPr>
+        </p:nvSpPr>
+        <p:spPr/>
+        <p:txBody>
+          <a:bodyPr/>
+          <a:lstStyle/>
+          <a:p>
+            <a:r>
+              <a:rPr lang="en-GB" dirty="0"/>
+              <a:t>Step 2</a:t>
+            </a:r>
+          </a:p>
+        </p:txBody>
+      </p:sp>
+      <p:sp>
+        <p:nvSpPr>
+          <p:cNvPr id="21" name="Rectangle: Rounded Corners 20">
+            <a:extLst>
+              <a:ext uri="{FF2B5EF4-FFF2-40B4-BE49-F238E27FC236}">
+                <a16:creationId xmlns:a16="http://schemas.microsoft.com/office/drawing/2014/main" id="{14133391-CFF3-1880-0982-1E00A281B724}"/>
+              </a:ext>
+            </a:extLst>
+          </p:cNvPr>
+          <p:cNvSpPr/>
+          <p:nvPr/>
+        </p:nvSpPr>
+        <p:spPr>
+          <a:xfrm>
+            <a:off x="370114" y="1473935"/>
+            <a:ext cx="1894114" cy="772886"/>
+          </a:xfrm>
+          <a:prstGeom prst="roundRect">
+            <a:avLst/>
+          </a:prstGeom>
+        </p:spPr>
+        <p:style>
+          <a:lnRef idx="2">
+            <a:schemeClr val="accent1">
+              <a:shade val="15000"/>
+            </a:schemeClr>
+          </a:lnRef>
+          <a:fillRef idx="1">
+            <a:schemeClr val="accent1"/>
+          </a:fillRef>
+          <a:effectRef idx="0">
+            <a:schemeClr val="accent1"/>
+          </a:effectRef>
+          <a:fontRef idx="minor">
+            <a:schemeClr val="lt1"/>
+          </a:fontRef>
+        </p:style>
+        <p:txBody>
+          <a:bodyPr rtlCol="0" anchor="ctr"/>
+          <a:lstStyle/>
+          <a:p>
+            <a:pPr algn="ctr"/>
+            <a:r>
+              <a:rPr lang="en-GB" dirty="0"/>
+              <a:t>TASK 1:</a:t>
+            </a:r>
+          </a:p>
+        </p:txBody>
+      </p:sp>
+      <p:sp>
+        <p:nvSpPr>
+          <p:cNvPr id="22" name="TextBox 21">
+            <a:extLst>
+              <a:ext uri="{FF2B5EF4-FFF2-40B4-BE49-F238E27FC236}">
+                <a16:creationId xmlns:a16="http://schemas.microsoft.com/office/drawing/2014/main" id="{73B3110B-2633-0063-486C-3F54DC9F35A6}"/>
+              </a:ext>
+            </a:extLst>
+          </p:cNvPr>
+          <p:cNvSpPr txBox="1"/>
+          <p:nvPr/>
+        </p:nvSpPr>
+        <p:spPr>
+          <a:xfrm>
+            <a:off x="532357" y="2583156"/>
+            <a:ext cx="8079286" cy="646331"/>
+          </a:xfrm>
+          <a:prstGeom prst="rect">
+            <a:avLst/>
+          </a:prstGeom>
+          <a:noFill/>
+        </p:spPr>
+        <p:txBody>
+          <a:bodyPr wrap="square" rtlCol="0">
+            <a:spAutoFit/>
+          </a:bodyPr>
+          <a:lstStyle/>
+          <a:p>
+            <a:r>
+              <a:rPr lang="en-GB" dirty="0"/>
+              <a:t>Use the LINK of „</a:t>
+            </a:r>
+            <a:r>
+              <a:rPr lang="en-GB" b="0" i="0" u="none" strike="noStrike" dirty="0">
+                <a:effectLst/>
+                <a:latin typeface="-apple-system"/>
+                <a:hlinkClick r:id="rId3" tooltip="contact.aspx"/>
+              </a:rPr>
+              <a:t>contact.aspx</a:t>
+            </a:r>
+            <a:r>
+              <a:rPr lang="en-GB" dirty="0"/>
+              <a:t>” (from GitHub) and have it analysed with </a:t>
+            </a:r>
+            <a:r>
+              <a:rPr lang="en-GB" dirty="0" err="1"/>
+              <a:t>VirusTotal</a:t>
+            </a:r>
+            <a:endParaRPr lang="en-GB" dirty="0"/>
+          </a:p>
+        </p:txBody>
+      </p:sp>
+      <p:sp>
+        <p:nvSpPr>
+          <p:cNvPr id="23" name="Rectangle: Rounded Corners 22">
+            <a:extLst>
+              <a:ext uri="{FF2B5EF4-FFF2-40B4-BE49-F238E27FC236}">
+                <a16:creationId xmlns:a16="http://schemas.microsoft.com/office/drawing/2014/main" id="{3919E2FA-03AF-3FEF-9078-704471CAE333}"/>
+              </a:ext>
+            </a:extLst>
+          </p:cNvPr>
+          <p:cNvSpPr/>
+          <p:nvPr/>
+        </p:nvSpPr>
+        <p:spPr>
+          <a:xfrm>
+            <a:off x="370114" y="3559227"/>
+            <a:ext cx="1894114" cy="772886"/>
+          </a:xfrm>
+          <a:prstGeom prst="roundRect">
+            <a:avLst/>
+          </a:prstGeom>
+        </p:spPr>
+        <p:style>
+          <a:lnRef idx="2">
+            <a:schemeClr val="accent1">
+              <a:shade val="15000"/>
+            </a:schemeClr>
+          </a:lnRef>
+          <a:fillRef idx="1">
+            <a:schemeClr val="accent1"/>
+          </a:fillRef>
+          <a:effectRef idx="0">
+            <a:schemeClr val="accent1"/>
+          </a:effectRef>
+          <a:fontRef idx="minor">
+            <a:schemeClr val="lt1"/>
+          </a:fontRef>
+        </p:style>
+        <p:txBody>
+          <a:bodyPr rtlCol="0" anchor="ctr"/>
+          <a:lstStyle/>
+          <a:p>
+            <a:pPr algn="ctr"/>
+            <a:r>
+              <a:rPr lang="en-GB" dirty="0"/>
+              <a:t>Q:</a:t>
+            </a:r>
+          </a:p>
+        </p:txBody>
+      </p:sp>
+      <p:sp>
+        <p:nvSpPr>
+          <p:cNvPr id="24" name="TextBox 23">
+            <a:extLst>
+              <a:ext uri="{FF2B5EF4-FFF2-40B4-BE49-F238E27FC236}">
+                <a16:creationId xmlns:a16="http://schemas.microsoft.com/office/drawing/2014/main" id="{54D190E5-1458-0213-F96D-C0D7916ACBEA}"/>
+              </a:ext>
+            </a:extLst>
+          </p:cNvPr>
+          <p:cNvSpPr txBox="1"/>
+          <p:nvPr/>
+        </p:nvSpPr>
+        <p:spPr>
+          <a:xfrm>
+            <a:off x="2264228" y="4569520"/>
+            <a:ext cx="4904600" cy="369332"/>
+          </a:xfrm>
+          <a:prstGeom prst="rect">
+            <a:avLst/>
+          </a:prstGeom>
+          <a:noFill/>
+        </p:spPr>
+        <p:txBody>
+          <a:bodyPr wrap="square" rtlCol="0">
+            <a:spAutoFit/>
+          </a:bodyPr>
+          <a:lstStyle/>
+          <a:p>
+            <a:r>
+              <a:rPr lang="en-GB" dirty="0"/>
+              <a:t>What is the verdict?</a:t>
+            </a:r>
+          </a:p>
+        </p:txBody>
+      </p:sp>
+    </p:spTree>
+    <p:extLst>
+      <p:ext uri="{BB962C8B-B14F-4D97-AF65-F5344CB8AC3E}">
+        <p14:creationId xmlns:p14="http://schemas.microsoft.com/office/powerpoint/2010/main" val="1588429845"/>
+      </p:ext>
+    </p:extLst>
+  </p:cSld>
+  <p:clrMapOvr>
+    <a:masterClrMapping/>
+  </p:clrMapOvr>
+</p:sld>
+</file>
+
+<file path=ppt/slides/slide37.xml><?xml version="1.0" encoding="utf-8"?>
+<p:sld xmlns:a="http://schemas.openxmlformats.org/drawingml/2006/main" xmlns:r="http://schemas.openxmlformats.org/officeDocument/2006/relationships" xmlns:p="http://schemas.openxmlformats.org/presentationml/2006/main">
+  <p:cSld>
+    <p:spTree>
+      <p:nvGrpSpPr>
+        <p:cNvPr id="1" name="">
+          <a:extLst>
+            <a:ext uri="{FF2B5EF4-FFF2-40B4-BE49-F238E27FC236}">
+              <a16:creationId xmlns:a16="http://schemas.microsoft.com/office/drawing/2014/main" id="{21F24B88-0FA3-C36D-78FF-A12D68782997}"/>
+            </a:ext>
+          </a:extLst>
+        </p:cNvPr>
+        <p:cNvGrpSpPr/>
+        <p:nvPr/>
+      </p:nvGrpSpPr>
+      <p:grpSpPr>
+        <a:xfrm>
+          <a:off x="0" y="0"/>
+          <a:ext cx="0" cy="0"/>
+          <a:chOff x="0" y="0"/>
+          <a:chExt cx="0" cy="0"/>
+        </a:xfrm>
+      </p:grpSpPr>
+      <p:sp>
+        <p:nvSpPr>
+          <p:cNvPr id="8" name="Title 7">
+            <a:extLst>
+              <a:ext uri="{FF2B5EF4-FFF2-40B4-BE49-F238E27FC236}">
+                <a16:creationId xmlns:a16="http://schemas.microsoft.com/office/drawing/2014/main" id="{FB372A4B-1121-79EA-1EC1-5EA846AFCDA7}"/>
+              </a:ext>
+            </a:extLst>
+          </p:cNvPr>
+          <p:cNvSpPr>
+            <a:spLocks noGrp="1"/>
+          </p:cNvSpPr>
+          <p:nvPr>
+            <p:ph type="title"/>
+          </p:nvPr>
+        </p:nvSpPr>
+        <p:spPr/>
+        <p:txBody>
+          <a:bodyPr/>
+          <a:lstStyle/>
+          <a:p>
+            <a:r>
+              <a:rPr lang="en-GB" dirty="0"/>
+              <a:t>Final challenge</a:t>
+            </a:r>
+          </a:p>
+        </p:txBody>
+      </p:sp>
+      <p:sp>
+        <p:nvSpPr>
+          <p:cNvPr id="13" name="Rectangle: Rounded Corners 12">
+            <a:extLst>
+              <a:ext uri="{FF2B5EF4-FFF2-40B4-BE49-F238E27FC236}">
+                <a16:creationId xmlns:a16="http://schemas.microsoft.com/office/drawing/2014/main" id="{F54B88D4-4F44-87FD-D260-B904C642CD26}"/>
+              </a:ext>
+            </a:extLst>
+          </p:cNvPr>
+          <p:cNvSpPr/>
+          <p:nvPr/>
+        </p:nvSpPr>
+        <p:spPr>
+          <a:xfrm>
+            <a:off x="484415" y="2002971"/>
+            <a:ext cx="7130142" cy="2721429"/>
+          </a:xfrm>
+          <a:prstGeom prst="roundRect">
+            <a:avLst/>
+          </a:prstGeom>
+        </p:spPr>
+        <p:style>
+          <a:lnRef idx="2">
+            <a:schemeClr val="accent1">
+              <a:shade val="15000"/>
+            </a:schemeClr>
+          </a:lnRef>
+          <a:fillRef idx="1">
+            <a:schemeClr val="accent1"/>
+          </a:fillRef>
+          <a:effectRef idx="0">
+            <a:schemeClr val="accent1"/>
+          </a:effectRef>
+          <a:fontRef idx="minor">
+            <a:schemeClr val="lt1"/>
+          </a:fontRef>
+        </p:style>
+        <p:txBody>
+          <a:bodyPr rtlCol="0" anchor="ctr"/>
+          <a:lstStyle/>
+          <a:p>
+            <a:r>
+              <a:rPr lang="en-GB" dirty="0"/>
+              <a:t>Create a threat report about this threat actor!</a:t>
+            </a:r>
+          </a:p>
+          <a:p>
+            <a:r>
+              <a:rPr lang="en-GB" dirty="0"/>
+              <a:t>Include:</a:t>
+            </a:r>
+          </a:p>
+          <a:p>
+            <a:pPr marL="285750" indent="-285750">
+              <a:buFont typeface="Arial" panose="020B0604020202020204" pitchFamily="34" charset="0"/>
+              <a:buChar char="•"/>
+            </a:pPr>
+            <a:r>
+              <a:rPr lang="en-GB" dirty="0"/>
+              <a:t>Executive summary</a:t>
+            </a:r>
+          </a:p>
+          <a:p>
+            <a:pPr marL="285750" indent="-285750">
+              <a:buFont typeface="Arial" panose="020B0604020202020204" pitchFamily="34" charset="0"/>
+              <a:buChar char="•"/>
+            </a:pPr>
+            <a:r>
+              <a:rPr lang="en-GB" dirty="0"/>
+              <a:t>Description</a:t>
+            </a:r>
+          </a:p>
+          <a:p>
+            <a:pPr marL="285750" indent="-285750">
+              <a:buFont typeface="Arial" panose="020B0604020202020204" pitchFamily="34" charset="0"/>
+              <a:buChar char="•"/>
+            </a:pPr>
+            <a:r>
+              <a:rPr lang="en-GB" dirty="0"/>
+              <a:t>IOCs</a:t>
+            </a:r>
+          </a:p>
+          <a:p>
+            <a:pPr marL="285750" indent="-285750">
+              <a:buFont typeface="Arial" panose="020B0604020202020204" pitchFamily="34" charset="0"/>
+              <a:buChar char="•"/>
+            </a:pPr>
+            <a:r>
+              <a:rPr lang="en-GB" dirty="0"/>
+              <a:t>TTPs</a:t>
+            </a:r>
+          </a:p>
+          <a:p>
+            <a:pPr marL="285750" indent="-285750">
+              <a:buFont typeface="Arial" panose="020B0604020202020204" pitchFamily="34" charset="0"/>
+              <a:buChar char="•"/>
+            </a:pPr>
+            <a:r>
+              <a:rPr lang="en-GB" dirty="0"/>
+              <a:t>Mitre ATT&amp;CK  Framework references</a:t>
+            </a:r>
+          </a:p>
+          <a:p>
+            <a:pPr marL="285750" indent="-285750">
+              <a:buFont typeface="Arial" panose="020B0604020202020204" pitchFamily="34" charset="0"/>
+              <a:buChar char="•"/>
+            </a:pPr>
+            <a:r>
+              <a:rPr lang="en-GB" dirty="0"/>
+              <a:t>Recommendations </a:t>
+            </a:r>
+            <a:endParaRPr lang="hu-HU" dirty="0"/>
+          </a:p>
+          <a:p>
+            <a:r>
+              <a:rPr lang="en-GB" dirty="0"/>
+              <a:t>Target Audience:</a:t>
+            </a:r>
+          </a:p>
+          <a:p>
+            <a:r>
+              <a:rPr lang="en-GB" dirty="0"/>
+              <a:t>	Your SOC ppl</a:t>
+            </a:r>
+          </a:p>
+        </p:txBody>
+      </p:sp>
+    </p:spTree>
+    <p:extLst>
+      <p:ext uri="{BB962C8B-B14F-4D97-AF65-F5344CB8AC3E}">
+        <p14:creationId xmlns:p14="http://schemas.microsoft.com/office/powerpoint/2010/main" val="1325367453"/>
+      </p:ext>
+    </p:extLst>
+  </p:cSld>
+  <p:clrMapOvr>
+    <a:masterClrMapping/>
+  </p:clrMapOvr>
+</p:sld>
+</file>
+
+<file path=ppt/slides/slide38.xml><?xml version="1.0" encoding="utf-8"?>
 <p:sld xmlns:a="http://schemas.openxmlformats.org/drawingml/2006/main" xmlns:r="http://schemas.openxmlformats.org/officeDocument/2006/relationships" xmlns:p="http://schemas.openxmlformats.org/presentationml/2006/main">
   <p:cSld>
     <p:spTree>
@@ -49264,6 +53372,12 @@
 </file>
 
 <file path=customXml/item1.xml><?xml version="1.0" encoding="utf-8"?>
+<p:properties xmlns:p="http://schemas.microsoft.com/office/2006/metadata/properties" xmlns:xsi="http://www.w3.org/2001/XMLSchema-instance" xmlns:pc="http://schemas.microsoft.com/office/infopath/2007/PartnerControls">
+  <documentManagement/>
+</p:properties>
+</file>
+
+<file path=customXml/item2.xml><?xml version="1.0" encoding="utf-8"?>
 <ct:contentTypeSchema xmlns:ct="http://schemas.microsoft.com/office/2006/metadata/contentType" xmlns:ma="http://schemas.microsoft.com/office/2006/metadata/properties/metaAttributes" ct:_="" ma:_="" ma:contentTypeName="Document" ma:contentTypeID="0x0101009A1848C9F21A504CA7152D81B4825E39" ma:contentTypeVersion="4" ma:contentTypeDescription="Create a new document." ma:contentTypeScope="" ma:versionID="98a07da6ef07519fcdec19bf065509a7">
   <xsd:schema xmlns:xsd="http://www.w3.org/2001/XMLSchema" xmlns:xs="http://www.w3.org/2001/XMLSchema" xmlns:p="http://schemas.microsoft.com/office/2006/metadata/properties" xmlns:ns2="d4b83485-4571-4848-b80f-9395d4c7fedb" targetNamespace="http://schemas.microsoft.com/office/2006/metadata/properties" ma:root="true" ma:fieldsID="ce4401a11adc0d635126e3dbcbedf590" ns2:_="">
     <xsd:import namespace="d4b83485-4571-4848-b80f-9395d4c7fedb"/>
@@ -49407,12 +53521,6 @@
 </ct:contentTypeSchema>
 </file>
 
-<file path=customXml/item2.xml><?xml version="1.0" encoding="utf-8"?>
-<p:properties xmlns:p="http://schemas.microsoft.com/office/2006/metadata/properties" xmlns:xsi="http://www.w3.org/2001/XMLSchema-instance" xmlns:pc="http://schemas.microsoft.com/office/infopath/2007/PartnerControls">
-  <documentManagement/>
-</p:properties>
-</file>
-
 <file path=customXml/item3.xml><?xml version="1.0" encoding="utf-8"?>
 <?mso-contentType ?>
 <FormTemplates xmlns="http://schemas.microsoft.com/sharepoint/v3/contenttype/forms">
@@ -49423,6 +53531,15 @@
 </file>
 
 <file path=customXml/itemProps1.xml><?xml version="1.0" encoding="utf-8"?>
+<ds:datastoreItem xmlns:ds="http://schemas.openxmlformats.org/officeDocument/2006/customXml" ds:itemID="{8B9AA292-43A5-4729-8971-3F885FF3ED0C}">
+  <ds:schemaRefs>
+    <ds:schemaRef ds:uri="http://schemas.microsoft.com/office/2006/metadata/properties"/>
+    <ds:schemaRef ds:uri="http://schemas.microsoft.com/office/infopath/2007/PartnerControls"/>
+  </ds:schemaRefs>
+</ds:datastoreItem>
+</file>
+
+<file path=customXml/itemProps2.xml><?xml version="1.0" encoding="utf-8"?>
 <ds:datastoreItem xmlns:ds="http://schemas.openxmlformats.org/officeDocument/2006/customXml" ds:itemID="{5C1CDA6F-0620-4809-85AD-69E9B388C165}">
   <ds:schemaRefs>
     <ds:schemaRef ds:uri="http://schemas.microsoft.com/office/2006/metadata/contentType"/>
@@ -49440,15 +53557,6 @@
 </ds:datastoreItem>
 </file>
 
-<file path=customXml/itemProps2.xml><?xml version="1.0" encoding="utf-8"?>
-<ds:datastoreItem xmlns:ds="http://schemas.openxmlformats.org/officeDocument/2006/customXml" ds:itemID="{8B9AA292-43A5-4729-8971-3F885FF3ED0C}">
-  <ds:schemaRefs>
-    <ds:schemaRef ds:uri="http://schemas.microsoft.com/office/2006/metadata/properties"/>
-    <ds:schemaRef ds:uri="http://schemas.microsoft.com/office/infopath/2007/PartnerControls"/>
-  </ds:schemaRefs>
-</ds:datastoreItem>
-</file>
-
 <file path=customXml/itemProps3.xml><?xml version="1.0" encoding="utf-8"?>
 <ds:datastoreItem xmlns:ds="http://schemas.openxmlformats.org/officeDocument/2006/customXml" ds:itemID="{76FCC6D6-0EA7-4836-8197-8D03045983EB}">
   <ds:schemaRefs>

--- a/Cyber exercise.pptx
+++ b/Cyber exercise.pptx
@@ -5,10 +5,10 @@
     <p:sldMasterId id="2147483648" r:id="rId4"/>
   </p:sldMasterIdLst>
   <p:notesMasterIdLst>
-    <p:notesMasterId r:id="rId43"/>
+    <p:notesMasterId r:id="rId45"/>
   </p:notesMasterIdLst>
   <p:handoutMasterIdLst>
-    <p:handoutMasterId r:id="rId44"/>
+    <p:handoutMasterId r:id="rId46"/>
   </p:handoutMasterIdLst>
   <p:sldIdLst>
     <p:sldId id="284" r:id="rId5"/>
@@ -42,13 +42,15 @@
     <p:sldId id="577" r:id="rId33"/>
     <p:sldId id="578" r:id="rId34"/>
     <p:sldId id="579" r:id="rId35"/>
-    <p:sldId id="580" r:id="rId36"/>
-    <p:sldId id="581" r:id="rId37"/>
-    <p:sldId id="582" r:id="rId38"/>
-    <p:sldId id="583" r:id="rId39"/>
-    <p:sldId id="584" r:id="rId40"/>
-    <p:sldId id="585" r:id="rId41"/>
-    <p:sldId id="277" r:id="rId42"/>
+    <p:sldId id="586" r:id="rId36"/>
+    <p:sldId id="587" r:id="rId37"/>
+    <p:sldId id="581" r:id="rId38"/>
+    <p:sldId id="582" r:id="rId39"/>
+    <p:sldId id="588" r:id="rId40"/>
+    <p:sldId id="583" r:id="rId41"/>
+    <p:sldId id="584" r:id="rId42"/>
+    <p:sldId id="585" r:id="rId43"/>
+    <p:sldId id="277" r:id="rId44"/>
   </p:sldIdLst>
   <p:sldSz cx="9144000" cy="6858000" type="screen4x3"/>
   <p:notesSz cx="6858000" cy="9144000"/>
@@ -30076,117 +30078,6 @@
         <p:cNvPr id="1" name="">
           <a:extLst>
             <a:ext uri="{FF2B5EF4-FFF2-40B4-BE49-F238E27FC236}">
-              <a16:creationId xmlns:a16="http://schemas.microsoft.com/office/drawing/2014/main" id="{85B0905A-4716-EDEC-DD63-E3720CAF1A73}"/>
-            </a:ext>
-          </a:extLst>
-        </p:cNvPr>
-        <p:cNvGrpSpPr/>
-        <p:nvPr/>
-      </p:nvGrpSpPr>
-      <p:grpSpPr>
-        <a:xfrm>
-          <a:off x="0" y="0"/>
-          <a:ext cx="0" cy="0"/>
-          <a:chOff x="0" y="0"/>
-          <a:chExt cx="0" cy="0"/>
-        </a:xfrm>
-      </p:grpSpPr>
-      <p:sp>
-        <p:nvSpPr>
-          <p:cNvPr id="2" name="Slide Image Placeholder 1">
-            <a:extLst>
-              <a:ext uri="{FF2B5EF4-FFF2-40B4-BE49-F238E27FC236}">
-                <a16:creationId xmlns:a16="http://schemas.microsoft.com/office/drawing/2014/main" id="{9E158462-F2BA-9320-453E-6B6C1EDA21B9}"/>
-              </a:ext>
-            </a:extLst>
-          </p:cNvPr>
-          <p:cNvSpPr>
-            <a:spLocks noGrp="1" noRot="1" noChangeAspect="1"/>
-          </p:cNvSpPr>
-          <p:nvPr>
-            <p:ph type="sldImg"/>
-          </p:nvPr>
-        </p:nvSpPr>
-        <p:spPr/>
-      </p:sp>
-      <p:sp>
-        <p:nvSpPr>
-          <p:cNvPr id="3" name="Notes Placeholder 2">
-            <a:extLst>
-              <a:ext uri="{FF2B5EF4-FFF2-40B4-BE49-F238E27FC236}">
-                <a16:creationId xmlns:a16="http://schemas.microsoft.com/office/drawing/2014/main" id="{FC72212A-7FC1-D731-9468-2789AFC1256F}"/>
-              </a:ext>
-            </a:extLst>
-          </p:cNvPr>
-          <p:cNvSpPr>
-            <a:spLocks noGrp="1"/>
-          </p:cNvSpPr>
-          <p:nvPr>
-            <p:ph type="body" idx="1"/>
-          </p:nvPr>
-        </p:nvSpPr>
-        <p:spPr/>
-        <p:txBody>
-          <a:bodyPr/>
-          <a:lstStyle/>
-          <a:p>
-            <a:endParaRPr lang="en-US" dirty="0">
-              <a:ea typeface="Calibri"/>
-              <a:cs typeface="Calibri"/>
-            </a:endParaRPr>
-          </a:p>
-        </p:txBody>
-      </p:sp>
-      <p:sp>
-        <p:nvSpPr>
-          <p:cNvPr id="4" name="Slide Number Placeholder 3">
-            <a:extLst>
-              <a:ext uri="{FF2B5EF4-FFF2-40B4-BE49-F238E27FC236}">
-                <a16:creationId xmlns:a16="http://schemas.microsoft.com/office/drawing/2014/main" id="{491EF4D9-F448-C804-6BB7-9755B53F6861}"/>
-              </a:ext>
-            </a:extLst>
-          </p:cNvPr>
-          <p:cNvSpPr>
-            <a:spLocks noGrp="1"/>
-          </p:cNvSpPr>
-          <p:nvPr>
-            <p:ph type="sldNum" sz="quarter" idx="5"/>
-          </p:nvPr>
-        </p:nvSpPr>
-        <p:spPr/>
-        <p:txBody>
-          <a:bodyPr/>
-          <a:lstStyle/>
-          <a:p>
-            <a:fld id="{AB40B6F2-39BF-4782-9A62-09DEC8CE7498}" type="slidenum">
-              <a:rPr lang="cs-CZ" smtClean="0"/>
-              <a:t>32</a:t>
-            </a:fld>
-            <a:endParaRPr lang="cs-CZ"/>
-          </a:p>
-        </p:txBody>
-      </p:sp>
-    </p:spTree>
-    <p:extLst>
-      <p:ext uri="{BB962C8B-B14F-4D97-AF65-F5344CB8AC3E}">
-        <p14:creationId xmlns:p14="http://schemas.microsoft.com/office/powerpoint/2010/main" val="579005774"/>
-      </p:ext>
-    </p:extLst>
-  </p:cSld>
-  <p:clrMapOvr>
-    <a:masterClrMapping/>
-  </p:clrMapOvr>
-</p:notes>
-</file>
-
-<file path=ppt/notesSlides/notesSlide27.xml><?xml version="1.0" encoding="utf-8"?>
-<p:notes xmlns:a="http://schemas.openxmlformats.org/drawingml/2006/main" xmlns:r="http://schemas.openxmlformats.org/officeDocument/2006/relationships" xmlns:p="http://schemas.openxmlformats.org/presentationml/2006/main">
-  <p:cSld>
-    <p:spTree>
-      <p:nvGrpSpPr>
-        <p:cNvPr id="1" name="">
-          <a:extLst>
-            <a:ext uri="{FF2B5EF4-FFF2-40B4-BE49-F238E27FC236}">
               <a16:creationId xmlns:a16="http://schemas.microsoft.com/office/drawing/2014/main" id="{2CC3D7DB-54A9-01A4-D805-0B4AA538AE4E}"/>
             </a:ext>
           </a:extLst>
@@ -30271,7 +30162,7 @@
           <a:p>
             <a:fld id="{AB40B6F2-39BF-4782-9A62-09DEC8CE7498}" type="slidenum">
               <a:rPr lang="cs-CZ" smtClean="0"/>
-              <a:t>33</a:t>
+              <a:t>34</a:t>
             </a:fld>
             <a:endParaRPr lang="cs-CZ"/>
           </a:p>
@@ -30290,7 +30181,7 @@
 </p:notes>
 </file>
 
-<file path=ppt/notesSlides/notesSlide28.xml><?xml version="1.0" encoding="utf-8"?>
+<file path=ppt/notesSlides/notesSlide27.xml><?xml version="1.0" encoding="utf-8"?>
 <p:notes xmlns:a="http://schemas.openxmlformats.org/drawingml/2006/main" xmlns:r="http://schemas.openxmlformats.org/officeDocument/2006/relationships" xmlns:p="http://schemas.openxmlformats.org/presentationml/2006/main">
   <p:cSld>
     <p:spTree>
@@ -30382,7 +30273,7 @@
           <a:p>
             <a:fld id="{AB40B6F2-39BF-4782-9A62-09DEC8CE7498}" type="slidenum">
               <a:rPr lang="cs-CZ" smtClean="0"/>
-              <a:t>34</a:t>
+              <a:t>35</a:t>
             </a:fld>
             <a:endParaRPr lang="cs-CZ"/>
           </a:p>
@@ -30401,7 +30292,7 @@
 </p:notes>
 </file>
 
-<file path=ppt/notesSlides/notesSlide29.xml><?xml version="1.0" encoding="utf-8"?>
+<file path=ppt/notesSlides/notesSlide28.xml><?xml version="1.0" encoding="utf-8"?>
 <p:notes xmlns:a="http://schemas.openxmlformats.org/drawingml/2006/main" xmlns:r="http://schemas.openxmlformats.org/officeDocument/2006/relationships" xmlns:p="http://schemas.openxmlformats.org/presentationml/2006/main">
   <p:cSld>
     <p:spTree>
@@ -30493,7 +30384,7 @@
           <a:p>
             <a:fld id="{AB40B6F2-39BF-4782-9A62-09DEC8CE7498}" type="slidenum">
               <a:rPr lang="cs-CZ" smtClean="0"/>
-              <a:t>35</a:t>
+              <a:t>37</a:t>
             </a:fld>
             <a:endParaRPr lang="cs-CZ"/>
           </a:p>
@@ -30512,91 +30403,7 @@
 </p:notes>
 </file>
 
-<file path=ppt/notesSlides/notesSlide3.xml><?xml version="1.0" encoding="utf-8"?>
-<p:notes xmlns:a="http://schemas.openxmlformats.org/drawingml/2006/main" xmlns:r="http://schemas.openxmlformats.org/officeDocument/2006/relationships" xmlns:p="http://schemas.openxmlformats.org/presentationml/2006/main">
-  <p:cSld>
-    <p:spTree>
-      <p:nvGrpSpPr>
-        <p:cNvPr id="1" name=""/>
-        <p:cNvGrpSpPr/>
-        <p:nvPr/>
-      </p:nvGrpSpPr>
-      <p:grpSpPr>
-        <a:xfrm>
-          <a:off x="0" y="0"/>
-          <a:ext cx="0" cy="0"/>
-          <a:chOff x="0" y="0"/>
-          <a:chExt cx="0" cy="0"/>
-        </a:xfrm>
-      </p:grpSpPr>
-      <p:sp>
-        <p:nvSpPr>
-          <p:cNvPr id="2" name="Slide Image Placeholder 1"/>
-          <p:cNvSpPr>
-            <a:spLocks noGrp="1" noRot="1" noChangeAspect="1"/>
-          </p:cNvSpPr>
-          <p:nvPr>
-            <p:ph type="sldImg"/>
-          </p:nvPr>
-        </p:nvSpPr>
-        <p:spPr/>
-      </p:sp>
-      <p:sp>
-        <p:nvSpPr>
-          <p:cNvPr id="3" name="Notes Placeholder 2"/>
-          <p:cNvSpPr>
-            <a:spLocks noGrp="1"/>
-          </p:cNvSpPr>
-          <p:nvPr>
-            <p:ph type="body" idx="1"/>
-          </p:nvPr>
-        </p:nvSpPr>
-        <p:spPr/>
-        <p:txBody>
-          <a:bodyPr/>
-          <a:lstStyle/>
-          <a:p>
-            <a:endParaRPr lang="en-US" dirty="0"/>
-          </a:p>
-        </p:txBody>
-      </p:sp>
-      <p:sp>
-        <p:nvSpPr>
-          <p:cNvPr id="4" name="Slide Number Placeholder 3"/>
-          <p:cNvSpPr>
-            <a:spLocks noGrp="1"/>
-          </p:cNvSpPr>
-          <p:nvPr>
-            <p:ph type="sldNum" sz="quarter" idx="5"/>
-          </p:nvPr>
-        </p:nvSpPr>
-        <p:spPr/>
-        <p:txBody>
-          <a:bodyPr/>
-          <a:lstStyle/>
-          <a:p>
-            <a:fld id="{AB40B6F2-39BF-4782-9A62-09DEC8CE7498}" type="slidenum">
-              <a:rPr lang="cs-CZ" smtClean="0"/>
-              <a:t>5</a:t>
-            </a:fld>
-            <a:endParaRPr lang="cs-CZ"/>
-          </a:p>
-        </p:txBody>
-      </p:sp>
-    </p:spTree>
-    <p:extLst>
-      <p:ext uri="{BB962C8B-B14F-4D97-AF65-F5344CB8AC3E}">
-        <p14:creationId xmlns:p14="http://schemas.microsoft.com/office/powerpoint/2010/main" val="3865856087"/>
-      </p:ext>
-    </p:extLst>
-  </p:cSld>
-  <p:clrMapOvr>
-    <a:masterClrMapping/>
-  </p:clrMapOvr>
-</p:notes>
-</file>
-
-<file path=ppt/notesSlides/notesSlide30.xml><?xml version="1.0" encoding="utf-8"?>
+<file path=ppt/notesSlides/notesSlide29.xml><?xml version="1.0" encoding="utf-8"?>
 <p:notes xmlns:a="http://schemas.openxmlformats.org/drawingml/2006/main" xmlns:r="http://schemas.openxmlformats.org/officeDocument/2006/relationships" xmlns:p="http://schemas.openxmlformats.org/presentationml/2006/main">
   <p:cSld>
     <p:spTree>
@@ -30688,7 +30495,7 @@
           <a:p>
             <a:fld id="{AB40B6F2-39BF-4782-9A62-09DEC8CE7498}" type="slidenum">
               <a:rPr lang="cs-CZ" smtClean="0"/>
-              <a:t>36</a:t>
+              <a:t>38</a:t>
             </a:fld>
             <a:endParaRPr lang="cs-CZ"/>
           </a:p>
@@ -30707,7 +30514,91 @@
 </p:notes>
 </file>
 
-<file path=ppt/notesSlides/notesSlide31.xml><?xml version="1.0" encoding="utf-8"?>
+<file path=ppt/notesSlides/notesSlide3.xml><?xml version="1.0" encoding="utf-8"?>
+<p:notes xmlns:a="http://schemas.openxmlformats.org/drawingml/2006/main" xmlns:r="http://schemas.openxmlformats.org/officeDocument/2006/relationships" xmlns:p="http://schemas.openxmlformats.org/presentationml/2006/main">
+  <p:cSld>
+    <p:spTree>
+      <p:nvGrpSpPr>
+        <p:cNvPr id="1" name=""/>
+        <p:cNvGrpSpPr/>
+        <p:nvPr/>
+      </p:nvGrpSpPr>
+      <p:grpSpPr>
+        <a:xfrm>
+          <a:off x="0" y="0"/>
+          <a:ext cx="0" cy="0"/>
+          <a:chOff x="0" y="0"/>
+          <a:chExt cx="0" cy="0"/>
+        </a:xfrm>
+      </p:grpSpPr>
+      <p:sp>
+        <p:nvSpPr>
+          <p:cNvPr id="2" name="Slide Image Placeholder 1"/>
+          <p:cNvSpPr>
+            <a:spLocks noGrp="1" noRot="1" noChangeAspect="1"/>
+          </p:cNvSpPr>
+          <p:nvPr>
+            <p:ph type="sldImg"/>
+          </p:nvPr>
+        </p:nvSpPr>
+        <p:spPr/>
+      </p:sp>
+      <p:sp>
+        <p:nvSpPr>
+          <p:cNvPr id="3" name="Notes Placeholder 2"/>
+          <p:cNvSpPr>
+            <a:spLocks noGrp="1"/>
+          </p:cNvSpPr>
+          <p:nvPr>
+            <p:ph type="body" idx="1"/>
+          </p:nvPr>
+        </p:nvSpPr>
+        <p:spPr/>
+        <p:txBody>
+          <a:bodyPr/>
+          <a:lstStyle/>
+          <a:p>
+            <a:endParaRPr lang="en-US" dirty="0"/>
+          </a:p>
+        </p:txBody>
+      </p:sp>
+      <p:sp>
+        <p:nvSpPr>
+          <p:cNvPr id="4" name="Slide Number Placeholder 3"/>
+          <p:cNvSpPr>
+            <a:spLocks noGrp="1"/>
+          </p:cNvSpPr>
+          <p:nvPr>
+            <p:ph type="sldNum" sz="quarter" idx="5"/>
+          </p:nvPr>
+        </p:nvSpPr>
+        <p:spPr/>
+        <p:txBody>
+          <a:bodyPr/>
+          <a:lstStyle/>
+          <a:p>
+            <a:fld id="{AB40B6F2-39BF-4782-9A62-09DEC8CE7498}" type="slidenum">
+              <a:rPr lang="cs-CZ" smtClean="0"/>
+              <a:t>5</a:t>
+            </a:fld>
+            <a:endParaRPr lang="cs-CZ"/>
+          </a:p>
+        </p:txBody>
+      </p:sp>
+    </p:spTree>
+    <p:extLst>
+      <p:ext uri="{BB962C8B-B14F-4D97-AF65-F5344CB8AC3E}">
+        <p14:creationId xmlns:p14="http://schemas.microsoft.com/office/powerpoint/2010/main" val="3865856087"/>
+      </p:ext>
+    </p:extLst>
+  </p:cSld>
+  <p:clrMapOvr>
+    <a:masterClrMapping/>
+  </p:clrMapOvr>
+</p:notes>
+</file>
+
+<file path=ppt/notesSlides/notesSlide30.xml><?xml version="1.0" encoding="utf-8"?>
 <p:notes xmlns:a="http://schemas.openxmlformats.org/drawingml/2006/main" xmlns:r="http://schemas.openxmlformats.org/officeDocument/2006/relationships" xmlns:p="http://schemas.openxmlformats.org/presentationml/2006/main">
   <p:cSld>
     <p:spTree>
@@ -30799,7 +30690,7 @@
           <a:p>
             <a:fld id="{AB40B6F2-39BF-4782-9A62-09DEC8CE7498}" type="slidenum">
               <a:rPr lang="cs-CZ" smtClean="0"/>
-              <a:t>37</a:t>
+              <a:t>39</a:t>
             </a:fld>
             <a:endParaRPr lang="cs-CZ"/>
           </a:p>
@@ -41477,16 +41368,8 @@
           <a:lstStyle/>
           <a:p>
             <a:r>
-              <a:rPr lang="en-US" noProof="0" dirty="0"/>
-              <a:t>Cyber exercise (</a:t>
-            </a:r>
-            <a:r>
-              <a:rPr lang="en-US" noProof="0" dirty="0" err="1"/>
-              <a:t>analysing</a:t>
-            </a:r>
-            <a:r>
-              <a:rPr lang="en-US" noProof="0" dirty="0"/>
-              <a:t> an attack related to a specific threat)</a:t>
+              <a:rPr lang="en-GB" dirty="0"/>
+              <a:t>Cyber exercise (analysing an attack related to a specific threat)</a:t>
             </a:r>
           </a:p>
         </p:txBody>
@@ -42930,7 +42813,7 @@
                   <a:schemeClr val="accent2"/>
                 </a:solidFill>
               </a:rPr>
-              <a:t>June, 12, 1994</a:t>
+              <a:t>June 12, 1994</a:t>
             </a:r>
           </a:p>
         </p:txBody>
@@ -46262,12 +46145,8 @@
           <a:lstStyle/>
           <a:p>
             <a:r>
-              <a:rPr lang="hu-HU" dirty="0" err="1"/>
-              <a:t>Step</a:t>
-            </a:r>
-            <a:r>
-              <a:rPr lang="hu-HU" dirty="0"/>
-              <a:t> 1</a:t>
+              <a:rPr lang="en-US" dirty="0"/>
+              <a:t>Step 1</a:t>
             </a:r>
           </a:p>
         </p:txBody>
@@ -46386,7 +46265,7 @@
           <a:lstStyle/>
           <a:p>
             <a:pPr algn="ctr"/>
-            <a:endParaRPr lang="hu-HU">
+            <a:endParaRPr lang="en-US" dirty="0">
               <a:solidFill>
                 <a:schemeClr val="tx1"/>
               </a:solidFill>
@@ -46436,7 +46315,7 @@
           <a:lstStyle/>
           <a:p>
             <a:pPr algn="ctr"/>
-            <a:endParaRPr lang="hu-HU"/>
+            <a:endParaRPr lang="en-US" dirty="0"/>
           </a:p>
         </p:txBody>
       </p:sp>
@@ -46482,7 +46361,7 @@
           <a:lstStyle/>
           <a:p>
             <a:pPr algn="ctr"/>
-            <a:endParaRPr lang="hu-HU"/>
+            <a:endParaRPr lang="en-US" dirty="0"/>
           </a:p>
         </p:txBody>
       </p:sp>
@@ -46600,7 +46479,7 @@
           <a:lstStyle/>
           <a:p>
             <a:pPr algn="ctr"/>
-            <a:endParaRPr lang="hu-HU"/>
+            <a:endParaRPr lang="en-US" dirty="0"/>
           </a:p>
         </p:txBody>
       </p:sp>
@@ -46633,52 +46512,16 @@
           <a:lstStyle/>
           <a:p>
             <a:r>
-              <a:rPr lang="hu-HU" dirty="0" err="1"/>
-              <a:t>User</a:t>
-            </a:r>
-            <a:r>
-              <a:rPr lang="hu-HU" dirty="0"/>
-              <a:t> </a:t>
-            </a:r>
-            <a:r>
-              <a:rPr lang="hu-HU" dirty="0" err="1"/>
-              <a:t>receives</a:t>
-            </a:r>
-            <a:r>
-              <a:rPr lang="hu-HU" dirty="0"/>
-              <a:t> a </a:t>
-            </a:r>
-            <a:r>
-              <a:rPr lang="hu-HU" dirty="0" err="1"/>
+              <a:rPr lang="en-US" dirty="0"/>
+              <a:t>User receives a </a:t>
+            </a:r>
+            <a:r>
+              <a:rPr lang="en-US" dirty="0" err="1"/>
               <a:t>SpearPhising</a:t>
             </a:r>
             <a:r>
-              <a:rPr lang="hu-HU" dirty="0"/>
-              <a:t> email </a:t>
-            </a:r>
-            <a:r>
-              <a:rPr lang="hu-HU" dirty="0" err="1"/>
-              <a:t>with</a:t>
-            </a:r>
-            <a:r>
-              <a:rPr lang="hu-HU" dirty="0"/>
-              <a:t> a </a:t>
-            </a:r>
-            <a:r>
-              <a:rPr lang="hu-HU" dirty="0" err="1"/>
-              <a:t>malicious</a:t>
-            </a:r>
-            <a:r>
-              <a:rPr lang="hu-HU" dirty="0"/>
-              <a:t> </a:t>
-            </a:r>
-            <a:r>
-              <a:rPr lang="hu-HU" dirty="0" err="1"/>
-              <a:t>attachment</a:t>
-            </a:r>
-            <a:r>
-              <a:rPr lang="hu-HU" dirty="0"/>
-              <a:t>…</a:t>
+              <a:rPr lang="en-US" dirty="0"/>
+              <a:t> email with a malicious attachment…</a:t>
             </a:r>
           </a:p>
         </p:txBody>
@@ -46712,76 +46555,8 @@
           <a:lstStyle/>
           <a:p>
             <a:r>
-              <a:rPr lang="hu-HU" dirty="0" err="1"/>
-              <a:t>Once</a:t>
-            </a:r>
-            <a:r>
-              <a:rPr lang="hu-HU" dirty="0"/>
-              <a:t> </a:t>
-            </a:r>
-            <a:r>
-              <a:rPr lang="hu-HU" dirty="0" err="1"/>
-              <a:t>the</a:t>
-            </a:r>
-            <a:r>
-              <a:rPr lang="hu-HU" dirty="0"/>
-              <a:t> </a:t>
-            </a:r>
-            <a:r>
-              <a:rPr lang="hu-HU" dirty="0" err="1"/>
-              <a:t>attachment</a:t>
-            </a:r>
-            <a:r>
-              <a:rPr lang="hu-HU" dirty="0"/>
-              <a:t> is </a:t>
-            </a:r>
-            <a:r>
-              <a:rPr lang="hu-HU" dirty="0" err="1"/>
-              <a:t>opened</a:t>
-            </a:r>
-            <a:r>
-              <a:rPr lang="hu-HU" dirty="0"/>
-              <a:t>, </a:t>
-            </a:r>
-            <a:r>
-              <a:rPr lang="hu-HU" dirty="0" err="1"/>
-              <a:t>the</a:t>
-            </a:r>
-            <a:r>
-              <a:rPr lang="hu-HU" dirty="0"/>
-              <a:t> </a:t>
-            </a:r>
-            <a:r>
-              <a:rPr lang="hu-HU" dirty="0" err="1"/>
-              <a:t>malware</a:t>
-            </a:r>
-            <a:r>
-              <a:rPr lang="hu-HU" dirty="0"/>
-              <a:t> </a:t>
-            </a:r>
-            <a:r>
-              <a:rPr lang="hu-HU" dirty="0" err="1"/>
-              <a:t>runs</a:t>
-            </a:r>
-            <a:r>
-              <a:rPr lang="hu-HU" dirty="0"/>
-              <a:t> and </a:t>
-            </a:r>
-            <a:r>
-              <a:rPr lang="hu-HU" dirty="0" err="1"/>
-              <a:t>reports</a:t>
-            </a:r>
-            <a:r>
-              <a:rPr lang="hu-HU" dirty="0"/>
-              <a:t> back </a:t>
-            </a:r>
-            <a:r>
-              <a:rPr lang="hu-HU" dirty="0" err="1"/>
-              <a:t>to</a:t>
-            </a:r>
-            <a:r>
-              <a:rPr lang="hu-HU" dirty="0"/>
-              <a:t> C&amp;C</a:t>
+              <a:rPr lang="en-US" dirty="0"/>
+              <a:t>Once the attachment is opened, the malware runs and reports back to C&amp;C</a:t>
             </a:r>
           </a:p>
         </p:txBody>
@@ -47261,12 +47036,8 @@
           <a:lstStyle/>
           <a:p>
             <a:r>
-              <a:rPr lang="hu-HU" dirty="0" err="1"/>
-              <a:t>Step</a:t>
-            </a:r>
-            <a:r>
-              <a:rPr lang="hu-HU" dirty="0"/>
-              <a:t> 1</a:t>
+              <a:rPr lang="en-US" dirty="0"/>
+              <a:t>Step 1</a:t>
             </a:r>
           </a:p>
         </p:txBody>
@@ -47340,23 +47111,23 @@
               <a:buChar char="•"/>
             </a:pPr>
             <a:r>
-              <a:rPr lang="en-GB" dirty="0"/>
+              <a:rPr lang="en-US" dirty="0"/>
               <a:t>Base64 encoded text </a:t>
             </a:r>
             <a:r>
-              <a:rPr lang="en-GB" dirty="0">
+              <a:rPr lang="en-US" dirty="0">
                 <a:sym typeface="Wingdings" panose="05000000000000000000" pitchFamily="2" charset="2"/>
               </a:rPr>
               <a:t> </a:t>
             </a:r>
             <a:r>
-              <a:rPr lang="en-GB" dirty="0" err="1">
+              <a:rPr lang="en-US" dirty="0" err="1">
                 <a:sym typeface="Wingdings" panose="05000000000000000000" pitchFamily="2" charset="2"/>
               </a:rPr>
               <a:t>SideTwist</a:t>
             </a:r>
             <a:r>
-              <a:rPr lang="en-GB" dirty="0">
+              <a:rPr lang="en-US" dirty="0">
                 <a:sym typeface="Wingdings" panose="05000000000000000000" pitchFamily="2" charset="2"/>
               </a:rPr>
               <a:t> Malware</a:t>
@@ -47368,31 +47139,31 @@
               <a:buChar char="•"/>
             </a:pPr>
             <a:r>
-              <a:rPr lang="en-GB" dirty="0">
+              <a:rPr lang="en-US" dirty="0">
                 <a:sym typeface="Wingdings" panose="05000000000000000000" pitchFamily="2" charset="2"/>
               </a:rPr>
               <a:t>VBS in doc creates scheduled task, writes the base64 text to file in the </a:t>
             </a:r>
             <a:r>
-              <a:rPr lang="en-GB" dirty="0" err="1">
+              <a:rPr lang="en-US" dirty="0" err="1">
                 <a:sym typeface="Wingdings" panose="05000000000000000000" pitchFamily="2" charset="2"/>
               </a:rPr>
               <a:t>localappdata</a:t>
             </a:r>
             <a:r>
-              <a:rPr lang="en-GB" dirty="0">
+              <a:rPr lang="en-US" dirty="0">
                 <a:sym typeface="Wingdings" panose="05000000000000000000" pitchFamily="2" charset="2"/>
               </a:rPr>
               <a:t>\</a:t>
             </a:r>
             <a:r>
-              <a:rPr lang="en-GB" dirty="0" err="1">
+              <a:rPr lang="en-US" dirty="0" err="1">
                 <a:sym typeface="Wingdings" panose="05000000000000000000" pitchFamily="2" charset="2"/>
               </a:rPr>
               <a:t>SystemFailureReporter</a:t>
             </a:r>
             <a:r>
-              <a:rPr lang="en-GB" dirty="0">
+              <a:rPr lang="en-US" dirty="0">
                 <a:sym typeface="Wingdings" panose="05000000000000000000" pitchFamily="2" charset="2"/>
               </a:rPr>
               <a:t>\ directory as b.doc (file actually is executable)</a:t>
@@ -47404,7 +47175,7 @@
               <a:buChar char="•"/>
             </a:pPr>
             <a:r>
-              <a:rPr lang="en-GB" dirty="0">
+              <a:rPr lang="en-US" dirty="0">
                 <a:sym typeface="Wingdings" panose="05000000000000000000" pitchFamily="2" charset="2"/>
               </a:rPr>
               <a:t>Has basic Sandbox evasion technique</a:t>
@@ -47416,14 +47187,11 @@
               <a:buChar char="•"/>
             </a:pPr>
             <a:r>
-              <a:rPr lang="en-GB" dirty="0">
+              <a:rPr lang="en-US" dirty="0">
                 <a:sym typeface="Wingdings" panose="05000000000000000000" pitchFamily="2" charset="2"/>
               </a:rPr>
-              <a:t>B.doc is renamed as „SystemFailureReporter.exe” and is scheduled to run every 5 minutes</a:t>
-            </a:r>
-            <a:endParaRPr lang="hu-HU" dirty="0">
-              <a:sym typeface="Wingdings" panose="05000000000000000000" pitchFamily="2" charset="2"/>
-            </a:endParaRPr>
+              <a:t>b.doc is renamed as „SystemFailureReporter.exe” and is scheduled to run every 5 minutes</a:t>
+            </a:r>
           </a:p>
           <a:p>
             <a:pPr marL="285750" indent="-285750">
@@ -47431,42 +47199,54 @@
               <a:buChar char="•"/>
             </a:pPr>
             <a:r>
-              <a:rPr lang="hu-HU" dirty="0" err="1">
+              <a:rPr lang="en-US" dirty="0">
                 <a:sym typeface="Wingdings" panose="05000000000000000000" pitchFamily="2" charset="2"/>
               </a:rPr>
-              <a:t>Executable</a:t>
-            </a:r>
-            <a:r>
-              <a:rPr lang="hu-HU" dirty="0">
+              <a:t>Executable connects to </a:t>
+            </a:r>
+            <a:r>
+              <a:rPr lang="hu-HU" b="1" dirty="0">
                 <a:sym typeface="Wingdings" panose="05000000000000000000" pitchFamily="2" charset="2"/>
               </a:rPr>
-              <a:t> </a:t>
-            </a:r>
-            <a:r>
-              <a:rPr lang="hu-HU" dirty="0" err="1">
+              <a:t>X</a:t>
+            </a:r>
+            <a:r>
+              <a:rPr lang="en-US" b="1" dirty="0">
                 <a:sym typeface="Wingdings" panose="05000000000000000000" pitchFamily="2" charset="2"/>
               </a:rPr>
-              <a:t>connects</a:t>
-            </a:r>
-            <a:r>
-              <a:rPr lang="hu-HU" dirty="0">
+              <a:t>.</a:t>
+            </a:r>
+            <a:r>
+              <a:rPr lang="hu-HU" b="1" dirty="0">
                 <a:sym typeface="Wingdings" panose="05000000000000000000" pitchFamily="2" charset="2"/>
               </a:rPr>
-              <a:t> </a:t>
-            </a:r>
-            <a:r>
-              <a:rPr lang="hu-HU" dirty="0" err="1">
+              <a:t>X</a:t>
+            </a:r>
+            <a:r>
+              <a:rPr lang="en-US" b="1" dirty="0">
                 <a:sym typeface="Wingdings" panose="05000000000000000000" pitchFamily="2" charset="2"/>
               </a:rPr>
-              <a:t>to</a:t>
-            </a:r>
-            <a:r>
-              <a:rPr lang="hu-HU" dirty="0">
+              <a:t>.</a:t>
+            </a:r>
+            <a:r>
+              <a:rPr lang="hu-HU" b="1" dirty="0">
                 <a:sym typeface="Wingdings" panose="05000000000000000000" pitchFamily="2" charset="2"/>
               </a:rPr>
-              <a:t> 192.168.0.4</a:t>
-            </a:r>
-            <a:endParaRPr lang="en-GB" dirty="0"/>
+              <a:t>X</a:t>
+            </a:r>
+            <a:r>
+              <a:rPr lang="en-US" b="1" dirty="0">
+                <a:sym typeface="Wingdings" panose="05000000000000000000" pitchFamily="2" charset="2"/>
+              </a:rPr>
+              <a:t>.</a:t>
+            </a:r>
+            <a:r>
+              <a:rPr lang="hu-HU" b="1" dirty="0">
+                <a:sym typeface="Wingdings" panose="05000000000000000000" pitchFamily="2" charset="2"/>
+              </a:rPr>
+              <a:t>X</a:t>
+            </a:r>
+            <a:endParaRPr lang="en-US" b="1" dirty="0"/>
           </a:p>
         </p:txBody>
       </p:sp>
@@ -47513,7 +47293,7 @@
           <a:p>
             <a:pPr algn="ctr"/>
             <a:r>
-              <a:rPr lang="hu-HU" dirty="0"/>
+              <a:rPr lang="en-US" dirty="0"/>
               <a:t>TASK 1:</a:t>
             </a:r>
           </a:p>
@@ -47548,23 +47328,11 @@
           <a:lstStyle/>
           <a:p>
             <a:r>
-              <a:rPr lang="hu-HU" dirty="0" err="1"/>
-              <a:t>Use</a:t>
-            </a:r>
-            <a:r>
-              <a:rPr lang="hu-HU" dirty="0"/>
-              <a:t> </a:t>
-            </a:r>
-            <a:r>
-              <a:rPr lang="hu-HU" dirty="0" err="1"/>
-              <a:t>the</a:t>
-            </a:r>
-            <a:r>
-              <a:rPr lang="hu-HU" dirty="0"/>
-              <a:t> LINK of „</a:t>
-            </a:r>
-            <a:r>
-              <a:rPr lang="hu-HU" b="0" i="0" u="none" strike="noStrike" dirty="0">
+              <a:rPr lang="en-US" dirty="0"/>
+              <a:t>Use the LINK of „</a:t>
+            </a:r>
+            <a:r>
+              <a:rPr lang="en-US" b="0" i="0" u="none" strike="noStrike" dirty="0">
                 <a:effectLst/>
                 <a:latin typeface="-apple-system"/>
                 <a:hlinkClick r:id="rId5" tooltip="GGMS Overview.doc"/>
@@ -47572,99 +47340,31 @@
               <a:t>GGMS Overview.doc</a:t>
             </a:r>
             <a:r>
+              <a:rPr lang="en-US" dirty="0"/>
+              <a:t>” (from GitHub) and have it </a:t>
+            </a:r>
+            <a:r>
+              <a:rPr lang="en-US" dirty="0" err="1"/>
+              <a:t>analy</a:t>
+            </a:r>
+            <a:r>
               <a:rPr lang="hu-HU" dirty="0"/>
-              <a:t>” (</a:t>
-            </a:r>
-            <a:r>
-              <a:rPr lang="hu-HU" dirty="0" err="1"/>
-              <a:t>from</a:t>
-            </a:r>
-            <a:r>
-              <a:rPr lang="hu-HU" dirty="0"/>
-              <a:t> GitHub) and </a:t>
-            </a:r>
-            <a:r>
-              <a:rPr lang="hu-HU" dirty="0" err="1"/>
-              <a:t>have</a:t>
-            </a:r>
-            <a:r>
-              <a:rPr lang="hu-HU" dirty="0"/>
-              <a:t> </a:t>
-            </a:r>
-            <a:r>
-              <a:rPr lang="hu-HU" dirty="0" err="1"/>
-              <a:t>it</a:t>
-            </a:r>
-            <a:r>
-              <a:rPr lang="hu-HU" dirty="0"/>
-              <a:t> </a:t>
-            </a:r>
-            <a:r>
-              <a:rPr lang="hu-HU" dirty="0" err="1"/>
-              <a:t>analysed</a:t>
-            </a:r>
-            <a:r>
-              <a:rPr lang="hu-HU" dirty="0"/>
-              <a:t> </a:t>
-            </a:r>
-            <a:r>
-              <a:rPr lang="hu-HU" dirty="0" err="1"/>
-              <a:t>with</a:t>
-            </a:r>
-            <a:r>
-              <a:rPr lang="hu-HU" dirty="0"/>
-              <a:t> </a:t>
-            </a:r>
-            <a:r>
-              <a:rPr lang="hu-HU" dirty="0" err="1"/>
+              <a:t>s</a:t>
+            </a:r>
+            <a:r>
+              <a:rPr lang="en-US" dirty="0"/>
+              <a:t>ed with </a:t>
+            </a:r>
+            <a:r>
+              <a:rPr lang="en-US" dirty="0" err="1"/>
               <a:t>VirusTotal</a:t>
             </a:r>
             <a:r>
-              <a:rPr lang="hu-HU" dirty="0"/>
-              <a:t>. </a:t>
-            </a:r>
-            <a:r>
-              <a:rPr lang="hu-HU" dirty="0" err="1"/>
-              <a:t>Do</a:t>
-            </a:r>
-            <a:r>
-              <a:rPr lang="hu-HU" dirty="0"/>
-              <a:t> </a:t>
-            </a:r>
-            <a:r>
-              <a:rPr lang="hu-HU" dirty="0" err="1"/>
-              <a:t>the</a:t>
-            </a:r>
-            <a:r>
-              <a:rPr lang="hu-HU" dirty="0"/>
-              <a:t> </a:t>
-            </a:r>
-            <a:r>
-              <a:rPr lang="hu-HU" dirty="0" err="1"/>
-              <a:t>same</a:t>
-            </a:r>
-            <a:r>
-              <a:rPr lang="hu-HU" dirty="0"/>
-              <a:t> </a:t>
-            </a:r>
-            <a:r>
-              <a:rPr lang="hu-HU" dirty="0" err="1"/>
-              <a:t>with</a:t>
-            </a:r>
-            <a:r>
-              <a:rPr lang="hu-HU" dirty="0"/>
-              <a:t> </a:t>
-            </a:r>
-            <a:r>
-              <a:rPr lang="hu-HU" dirty="0" err="1"/>
-              <a:t>the</a:t>
-            </a:r>
-            <a:r>
-              <a:rPr lang="hu-HU" dirty="0"/>
-              <a:t> „</a:t>
-            </a:r>
-            <a:r>
-              <a:rPr lang="hu-HU" b="0" i="0" u="none" strike="noStrike" dirty="0">
+              <a:rPr lang="en-US" dirty="0"/>
+              <a:t> and HA. Do the same with the „</a:t>
+            </a:r>
+            <a:r>
+              <a:rPr lang="en-US" b="0" i="0" u="none" strike="noStrike" dirty="0">
                 <a:effectLst/>
                 <a:latin typeface="-apple-system"/>
                 <a:hlinkClick r:id="rId6" tooltip="SideTwist.exe"/>
@@ -47672,7 +47372,7 @@
               <a:t>SideTwist.exe</a:t>
             </a:r>
             <a:r>
-              <a:rPr lang="hu-HU" dirty="0"/>
+              <a:rPr lang="en-US" dirty="0"/>
               <a:t>” file</a:t>
             </a:r>
           </a:p>
@@ -47721,7 +47421,7 @@
           <a:p>
             <a:pPr algn="ctr"/>
             <a:r>
-              <a:rPr lang="hu-HU" dirty="0"/>
+              <a:rPr lang="en-US" dirty="0"/>
               <a:t>Q:</a:t>
             </a:r>
           </a:p>
@@ -47756,28 +47456,8 @@
           <a:lstStyle/>
           <a:p>
             <a:r>
-              <a:rPr lang="hu-HU" dirty="0" err="1"/>
-              <a:t>What</a:t>
-            </a:r>
-            <a:r>
-              <a:rPr lang="hu-HU" dirty="0"/>
-              <a:t> is </a:t>
-            </a:r>
-            <a:r>
-              <a:rPr lang="hu-HU" dirty="0" err="1"/>
-              <a:t>the</a:t>
-            </a:r>
-            <a:r>
-              <a:rPr lang="hu-HU" dirty="0"/>
-              <a:t> </a:t>
-            </a:r>
-            <a:r>
-              <a:rPr lang="hu-HU" dirty="0" err="1"/>
-              <a:t>verdict</a:t>
-            </a:r>
-            <a:r>
-              <a:rPr lang="hu-HU" dirty="0"/>
-              <a:t>?</a:t>
+              <a:rPr lang="en-US" dirty="0"/>
+              <a:t>What is the verdict?</a:t>
             </a:r>
           </a:p>
         </p:txBody>
@@ -48113,13 +47793,7 @@
   <p:cSld>
     <p:spTree>
       <p:nvGrpSpPr>
-        <p:cNvPr id="1" name="">
-          <a:extLst>
-            <a:ext uri="{FF2B5EF4-FFF2-40B4-BE49-F238E27FC236}">
-              <a16:creationId xmlns:a16="http://schemas.microsoft.com/office/drawing/2014/main" id="{1585386A-4EFB-6E38-40B2-0BE0A17A3466}"/>
-            </a:ext>
-          </a:extLst>
-        </p:cNvPr>
+        <p:cNvPr id="1" name=""/>
         <p:cNvGrpSpPr/>
         <p:nvPr/>
       </p:nvGrpSpPr>
@@ -48133,10 +47807,35 @@
       </p:grpSpPr>
       <p:sp>
         <p:nvSpPr>
-          <p:cNvPr id="8" name="Title 7">
+          <p:cNvPr id="3" name="Text Placeholder 2">
             <a:extLst>
               <a:ext uri="{FF2B5EF4-FFF2-40B4-BE49-F238E27FC236}">
-                <a16:creationId xmlns:a16="http://schemas.microsoft.com/office/drawing/2014/main" id="{46FE0F7F-661F-2D1E-146C-AD20B64AFBA7}"/>
+                <a16:creationId xmlns:a16="http://schemas.microsoft.com/office/drawing/2014/main" id="{50FC10C6-3D57-3BA2-5B7D-80F751225B74}"/>
+              </a:ext>
+            </a:extLst>
+          </p:cNvPr>
+          <p:cNvSpPr>
+            <a:spLocks noGrp="1"/>
+          </p:cNvSpPr>
+          <p:nvPr>
+            <p:ph type="body" sz="quarter" idx="13"/>
+          </p:nvPr>
+        </p:nvSpPr>
+        <p:spPr/>
+        <p:txBody>
+          <a:bodyPr/>
+          <a:lstStyle/>
+          <a:p>
+            <a:endParaRPr lang="en-GB"/>
+          </a:p>
+        </p:txBody>
+      </p:sp>
+      <p:sp>
+        <p:nvSpPr>
+          <p:cNvPr id="6" name="Title 5">
+            <a:extLst>
+              <a:ext uri="{FF2B5EF4-FFF2-40B4-BE49-F238E27FC236}">
+                <a16:creationId xmlns:a16="http://schemas.microsoft.com/office/drawing/2014/main" id="{DE0C7E97-832E-1A21-8D3A-BCEBD366BBFE}"/>
               </a:ext>
             </a:extLst>
           </p:cNvPr>
@@ -48153,19 +47852,56 @@
           <a:lstStyle/>
           <a:p>
             <a:r>
+              <a:rPr lang="hu-HU" dirty="0"/>
+              <a:t>Q: </a:t>
+            </a:r>
+            <a:r>
               <a:rPr lang="hu-HU" dirty="0" err="1"/>
-              <a:t>Demo</a:t>
-            </a:r>
-            <a:endParaRPr lang="hu-HU" dirty="0"/>
+              <a:t>Task</a:t>
+            </a:r>
+            <a:r>
+              <a:rPr lang="hu-HU" dirty="0"/>
+              <a:t> 1</a:t>
+            </a:r>
+            <a:endParaRPr lang="en-GB" dirty="0"/>
           </a:p>
         </p:txBody>
       </p:sp>
       <p:sp>
         <p:nvSpPr>
-          <p:cNvPr id="2" name="Rectangle: Rounded Corners 1">
+          <p:cNvPr id="7" name="Footer Placeholder 6">
             <a:extLst>
               <a:ext uri="{FF2B5EF4-FFF2-40B4-BE49-F238E27FC236}">
-                <a16:creationId xmlns:a16="http://schemas.microsoft.com/office/drawing/2014/main" id="{6D5E54D5-97F2-797E-9974-25130DBE17CF}"/>
+                <a16:creationId xmlns:a16="http://schemas.microsoft.com/office/drawing/2014/main" id="{8C3A1537-AF1C-1FD3-42A1-396059BE7A62}"/>
+              </a:ext>
+            </a:extLst>
+          </p:cNvPr>
+          <p:cNvSpPr>
+            <a:spLocks noGrp="1"/>
+          </p:cNvSpPr>
+          <p:nvPr>
+            <p:ph type="ftr" sz="quarter" idx="11"/>
+          </p:nvPr>
+        </p:nvSpPr>
+        <p:spPr/>
+        <p:txBody>
+          <a:bodyPr/>
+          <a:lstStyle/>
+          <a:p>
+            <a:r>
+              <a:rPr lang="en-GB"/>
+              <a:t>Cyber exercise</a:t>
+            </a:r>
+            <a:endParaRPr lang="en-GB" dirty="0"/>
+          </a:p>
+        </p:txBody>
+      </p:sp>
+      <p:sp>
+        <p:nvSpPr>
+          <p:cNvPr id="10" name="Rectangle: Rounded Corners 9">
+            <a:extLst>
+              <a:ext uri="{FF2B5EF4-FFF2-40B4-BE49-F238E27FC236}">
+                <a16:creationId xmlns:a16="http://schemas.microsoft.com/office/drawing/2014/main" id="{0E9B2A7A-ED46-4FCA-1354-B2A6AE93B6B9}"/>
               </a:ext>
             </a:extLst>
           </p:cNvPr>
@@ -48174,8 +47910,8 @@
         </p:nvSpPr>
         <p:spPr>
           <a:xfrm>
-            <a:off x="631371" y="1812981"/>
-            <a:ext cx="1894114" cy="772886"/>
+            <a:off x="395143" y="1360025"/>
+            <a:ext cx="1894114" cy="1121918"/>
           </a:xfrm>
           <a:prstGeom prst="roundRect">
             <a:avLst/>
@@ -48203,23 +47939,54 @@
           <a:p>
             <a:pPr algn="ctr"/>
             <a:r>
+              <a:rPr lang="hu-HU" dirty="0" err="1"/>
+              <a:t>What</a:t>
+            </a:r>
+            <a:r>
               <a:rPr lang="hu-HU" dirty="0"/>
-              <a:t>Start </a:t>
+              <a:t> </a:t>
             </a:r>
             <a:r>
               <a:rPr lang="hu-HU" dirty="0" err="1"/>
-              <a:t>VMs</a:t>
-            </a:r>
-            <a:endParaRPr lang="hu-HU" dirty="0"/>
+              <a:t>are</a:t>
+            </a:r>
+            <a:r>
+              <a:rPr lang="hu-HU" dirty="0"/>
+              <a:t> </a:t>
+            </a:r>
+            <a:r>
+              <a:rPr lang="hu-HU" dirty="0" err="1"/>
+              <a:t>the</a:t>
+            </a:r>
+            <a:r>
+              <a:rPr lang="hu-HU" dirty="0"/>
+              <a:t> </a:t>
+            </a:r>
+            <a:r>
+              <a:rPr lang="hu-HU" dirty="0" err="1"/>
+              <a:t>hashes</a:t>
+            </a:r>
+            <a:r>
+              <a:rPr lang="hu-HU" dirty="0"/>
+              <a:t> of </a:t>
+            </a:r>
+            <a:r>
+              <a:rPr lang="hu-HU" dirty="0" err="1"/>
+              <a:t>the</a:t>
+            </a:r>
+            <a:r>
+              <a:rPr lang="hu-HU" dirty="0"/>
+              <a:t> „b.doc” file?</a:t>
+            </a:r>
           </a:p>
         </p:txBody>
       </p:sp>
       <p:sp>
         <p:nvSpPr>
-          <p:cNvPr id="4" name="Rectangle: Rounded Corners 3">
+          <p:cNvPr id="11" name="Rectangle: Rounded Corners 10">
             <a:extLst>
               <a:ext uri="{FF2B5EF4-FFF2-40B4-BE49-F238E27FC236}">
-                <a16:creationId xmlns:a16="http://schemas.microsoft.com/office/drawing/2014/main" id="{854C210A-30DA-C978-492A-9049FEFC3F79}"/>
+                <a16:creationId xmlns:a16="http://schemas.microsoft.com/office/drawing/2014/main" id="{49D1D5C8-A2EF-2B98-F59D-807983612805}"/>
               </a:ext>
             </a:extLst>
           </p:cNvPr>
@@ -48228,8 +47995,83 @@
         </p:nvSpPr>
         <p:spPr>
           <a:xfrm>
-            <a:off x="2525485" y="2689281"/>
-            <a:ext cx="1894114" cy="772886"/>
+            <a:off x="2677885" y="1360025"/>
+            <a:ext cx="6193972" cy="2068976"/>
+          </a:xfrm>
+          <a:prstGeom prst="roundRect">
+            <a:avLst/>
+          </a:prstGeom>
+          <a:solidFill>
+            <a:srgbClr val="0C54A0"/>
+          </a:solidFill>
+        </p:spPr>
+        <p:style>
+          <a:lnRef idx="2">
+            <a:schemeClr val="accent1">
+              <a:shade val="15000"/>
+            </a:schemeClr>
+          </a:lnRef>
+          <a:fillRef idx="1">
+            <a:schemeClr val="accent1"/>
+          </a:fillRef>
+          <a:effectRef idx="0">
+            <a:schemeClr val="accent1"/>
+          </a:effectRef>
+          <a:fontRef idx="minor">
+            <a:schemeClr val="lt1"/>
+          </a:fontRef>
+        </p:style>
+        <p:txBody>
+          <a:bodyPr rtlCol="0" anchor="ctr"/>
+          <a:lstStyle/>
+          <a:p>
+            <a:pPr marL="285750" indent="-285750">
+              <a:buFont typeface="Arial" panose="020B0604020202020204" pitchFamily="34" charset="0"/>
+              <a:buChar char="•"/>
+            </a:pPr>
+            <a:r>
+              <a:rPr lang="hu-HU" dirty="0"/>
+              <a:t>MD5: 4300f47829062049bf4893667c62da74</a:t>
+            </a:r>
+          </a:p>
+          <a:p>
+            <a:pPr marL="285750" indent="-285750">
+              <a:buFont typeface="Arial" panose="020B0604020202020204" pitchFamily="34" charset="0"/>
+              <a:buChar char="•"/>
+            </a:pPr>
+            <a:r>
+              <a:rPr lang="hu-HU" dirty="0"/>
+              <a:t>SHA1: 52c0dab8432491b7a684dfd47ce0a5e29988e9e1</a:t>
+            </a:r>
+          </a:p>
+          <a:p>
+            <a:pPr marL="285750" indent="-285750">
+              <a:buFont typeface="Arial" panose="020B0604020202020204" pitchFamily="34" charset="0"/>
+              <a:buChar char="•"/>
+            </a:pPr>
+            <a:r>
+              <a:rPr lang="hu-HU" dirty="0"/>
+              <a:t>SHA256: f623fbdb4343252926d3bc6c1e6f26f44f5889107c32985c8e9e199e5eafb5e5</a:t>
+            </a:r>
+          </a:p>
+        </p:txBody>
+      </p:sp>
+      <p:sp>
+        <p:nvSpPr>
+          <p:cNvPr id="16" name="Rectangle: Rounded Corners 15">
+            <a:extLst>
+              <a:ext uri="{FF2B5EF4-FFF2-40B4-BE49-F238E27FC236}">
+                <a16:creationId xmlns:a16="http://schemas.microsoft.com/office/drawing/2014/main" id="{FB10FB46-10BF-3A07-0282-58C950F1AF74}"/>
+              </a:ext>
+            </a:extLst>
+          </p:cNvPr>
+          <p:cNvSpPr/>
+          <p:nvPr/>
+        </p:nvSpPr>
+        <p:spPr>
+          <a:xfrm>
+            <a:off x="395143" y="4201474"/>
+            <a:ext cx="1894114" cy="2085371"/>
           </a:xfrm>
           <a:prstGeom prst="roundRect">
             <a:avLst/>
@@ -48257,26 +48099,70 @@
           <a:p>
             <a:pPr algn="ctr"/>
             <a:r>
+              <a:rPr lang="hu-HU" dirty="0" err="1"/>
+              <a:t>What</a:t>
+            </a:r>
+            <a:r>
               <a:rPr lang="hu-HU" dirty="0"/>
-              <a:t>Start </a:t>
+              <a:t> is </a:t>
             </a:r>
             <a:r>
               <a:rPr lang="hu-HU" dirty="0" err="1"/>
-              <a:t>control</a:t>
+              <a:t>the</a:t>
             </a:r>
             <a:r>
               <a:rPr lang="hu-HU" dirty="0"/>
-              <a:t> server</a:t>
+              <a:t> comment „</a:t>
+            </a:r>
+            <a:r>
+              <a:rPr lang="hu-HU" dirty="0" err="1"/>
+              <a:t>jinfantes</a:t>
+            </a:r>
+            <a:r>
+              <a:rPr lang="hu-HU" dirty="0"/>
+              <a:t>” </a:t>
+            </a:r>
+            <a:r>
+              <a:rPr lang="hu-HU" dirty="0" err="1"/>
+              <a:t>made</a:t>
+            </a:r>
+            <a:r>
+              <a:rPr lang="hu-HU" dirty="0"/>
+              <a:t> </a:t>
+            </a:r>
+            <a:r>
+              <a:rPr lang="hu-HU" dirty="0" err="1"/>
+              <a:t>on</a:t>
+            </a:r>
+            <a:r>
+              <a:rPr lang="hu-HU" dirty="0"/>
+              <a:t> VT </a:t>
+            </a:r>
+            <a:r>
+              <a:rPr lang="hu-HU" dirty="0" err="1"/>
+              <a:t>about</a:t>
+            </a:r>
+            <a:r>
+              <a:rPr lang="hu-HU" dirty="0"/>
+              <a:t> </a:t>
+            </a:r>
+            <a:r>
+              <a:rPr lang="hu-HU" dirty="0" err="1"/>
+              <a:t>the</a:t>
+            </a:r>
+            <a:r>
+              <a:rPr lang="hu-HU" dirty="0"/>
+              <a:t> file „update.xml”?</a:t>
             </a:r>
           </a:p>
         </p:txBody>
       </p:sp>
       <p:sp>
         <p:nvSpPr>
-          <p:cNvPr id="6" name="Rectangle: Rounded Corners 5">
+          <p:cNvPr id="17" name="Rectangle: Rounded Corners 16">
             <a:extLst>
               <a:ext uri="{FF2B5EF4-FFF2-40B4-BE49-F238E27FC236}">
-                <a16:creationId xmlns:a16="http://schemas.microsoft.com/office/drawing/2014/main" id="{1D549577-1D1C-711C-E45F-8D33012F89B4}"/>
+                <a16:creationId xmlns:a16="http://schemas.microsoft.com/office/drawing/2014/main" id="{1EF60CA2-89B4-AB8E-9547-5609D98BD44C}"/>
               </a:ext>
             </a:extLst>
           </p:cNvPr>
@@ -48285,8 +48171,233 @@
         </p:nvSpPr>
         <p:spPr>
           <a:xfrm>
-            <a:off x="4572000" y="3549253"/>
-            <a:ext cx="1894114" cy="772886"/>
+            <a:off x="2677885" y="4706983"/>
+            <a:ext cx="3230211" cy="1121918"/>
+          </a:xfrm>
+          <a:prstGeom prst="roundRect">
+            <a:avLst/>
+          </a:prstGeom>
+          <a:solidFill>
+            <a:srgbClr val="0C54A0"/>
+          </a:solidFill>
+        </p:spPr>
+        <p:style>
+          <a:lnRef idx="2">
+            <a:schemeClr val="accent1">
+              <a:shade val="15000"/>
+            </a:schemeClr>
+          </a:lnRef>
+          <a:fillRef idx="1">
+            <a:schemeClr val="accent1"/>
+          </a:fillRef>
+          <a:effectRef idx="0">
+            <a:schemeClr val="accent1"/>
+          </a:effectRef>
+          <a:fontRef idx="minor">
+            <a:schemeClr val="lt1"/>
+          </a:fontRef>
+        </p:style>
+        <p:txBody>
+          <a:bodyPr rtlCol="0" anchor="ctr"/>
+          <a:lstStyle/>
+          <a:p>
+            <a:pPr algn="l"/>
+            <a:r>
+              <a:rPr lang="hu-HU" b="0" i="0" dirty="0">
+                <a:solidFill>
+                  <a:srgbClr val="FFFFFF"/>
+                </a:solidFill>
+                <a:effectLst/>
+                <a:latin typeface="Source Sans Pro" panose="020B0503030403020204" pitchFamily="34" charset="0"/>
+              </a:rPr>
+              <a:t>„</a:t>
+            </a:r>
+            <a:r>
+              <a:rPr lang="hu-HU" b="0" i="0" dirty="0" err="1">
+                <a:solidFill>
+                  <a:srgbClr val="FFFFFF"/>
+                </a:solidFill>
+                <a:effectLst/>
+                <a:latin typeface="Source Sans Pro" panose="020B0503030403020204" pitchFamily="34" charset="0"/>
+              </a:rPr>
+              <a:t>Iran’s</a:t>
+            </a:r>
+            <a:r>
+              <a:rPr lang="hu-HU" b="0" i="0" dirty="0">
+                <a:solidFill>
+                  <a:srgbClr val="FFFFFF"/>
+                </a:solidFill>
+                <a:effectLst/>
+                <a:latin typeface="Source Sans Pro" panose="020B0503030403020204" pitchFamily="34" charset="0"/>
+              </a:rPr>
+              <a:t> APT34 </a:t>
+            </a:r>
+            <a:r>
+              <a:rPr lang="hu-HU" b="0" i="0" dirty="0" err="1">
+                <a:solidFill>
+                  <a:srgbClr val="FFFFFF"/>
+                </a:solidFill>
+                <a:effectLst/>
+                <a:latin typeface="Source Sans Pro" panose="020B0503030403020204" pitchFamily="34" charset="0"/>
+              </a:rPr>
+              <a:t>Returns</a:t>
+            </a:r>
+            <a:r>
+              <a:rPr lang="hu-HU" b="0" i="0" dirty="0">
+                <a:solidFill>
+                  <a:srgbClr val="FFFFFF"/>
+                </a:solidFill>
+                <a:effectLst/>
+                <a:latin typeface="Source Sans Pro" panose="020B0503030403020204" pitchFamily="34" charset="0"/>
+              </a:rPr>
+              <a:t>”</a:t>
+            </a:r>
+          </a:p>
+        </p:txBody>
+      </p:sp>
+    </p:spTree>
+    <p:extLst>
+      <p:ext uri="{BB962C8B-B14F-4D97-AF65-F5344CB8AC3E}">
+        <p14:creationId xmlns:p14="http://schemas.microsoft.com/office/powerpoint/2010/main" val="3301853830"/>
+      </p:ext>
+    </p:extLst>
+  </p:cSld>
+  <p:clrMapOvr>
+    <a:masterClrMapping/>
+  </p:clrMapOvr>
+</p:sld>
+</file>
+
+<file path=ppt/slides/slide33.xml><?xml version="1.0" encoding="utf-8"?>
+<p:sld xmlns:a="http://schemas.openxmlformats.org/drawingml/2006/main" xmlns:r="http://schemas.openxmlformats.org/officeDocument/2006/relationships" xmlns:p="http://schemas.openxmlformats.org/presentationml/2006/main">
+  <p:cSld>
+    <p:spTree>
+      <p:nvGrpSpPr>
+        <p:cNvPr id="1" name="">
+          <a:extLst>
+            <a:ext uri="{FF2B5EF4-FFF2-40B4-BE49-F238E27FC236}">
+              <a16:creationId xmlns:a16="http://schemas.microsoft.com/office/drawing/2014/main" id="{89FF8405-573B-2664-EEE2-EC22A4731926}"/>
+            </a:ext>
+          </a:extLst>
+        </p:cNvPr>
+        <p:cNvGrpSpPr/>
+        <p:nvPr/>
+      </p:nvGrpSpPr>
+      <p:grpSpPr>
+        <a:xfrm>
+          <a:off x="0" y="0"/>
+          <a:ext cx="0" cy="0"/>
+          <a:chOff x="0" y="0"/>
+          <a:chExt cx="0" cy="0"/>
+        </a:xfrm>
+      </p:grpSpPr>
+      <p:sp>
+        <p:nvSpPr>
+          <p:cNvPr id="3" name="Text Placeholder 2">
+            <a:extLst>
+              <a:ext uri="{FF2B5EF4-FFF2-40B4-BE49-F238E27FC236}">
+                <a16:creationId xmlns:a16="http://schemas.microsoft.com/office/drawing/2014/main" id="{CDFDF7E9-BC30-A18D-C454-38BC264EAAA7}"/>
+              </a:ext>
+            </a:extLst>
+          </p:cNvPr>
+          <p:cNvSpPr>
+            <a:spLocks noGrp="1"/>
+          </p:cNvSpPr>
+          <p:nvPr>
+            <p:ph type="body" sz="quarter" idx="13"/>
+          </p:nvPr>
+        </p:nvSpPr>
+        <p:spPr/>
+        <p:txBody>
+          <a:bodyPr/>
+          <a:lstStyle/>
+          <a:p>
+            <a:endParaRPr lang="en-GB"/>
+          </a:p>
+        </p:txBody>
+      </p:sp>
+      <p:sp>
+        <p:nvSpPr>
+          <p:cNvPr id="6" name="Title 5">
+            <a:extLst>
+              <a:ext uri="{FF2B5EF4-FFF2-40B4-BE49-F238E27FC236}">
+                <a16:creationId xmlns:a16="http://schemas.microsoft.com/office/drawing/2014/main" id="{4464E152-1893-2B2E-0ADE-6323F501BF28}"/>
+              </a:ext>
+            </a:extLst>
+          </p:cNvPr>
+          <p:cNvSpPr>
+            <a:spLocks noGrp="1"/>
+          </p:cNvSpPr>
+          <p:nvPr>
+            <p:ph type="title"/>
+          </p:nvPr>
+        </p:nvSpPr>
+        <p:spPr/>
+        <p:txBody>
+          <a:bodyPr/>
+          <a:lstStyle/>
+          <a:p>
+            <a:r>
+              <a:rPr lang="hu-HU" dirty="0"/>
+              <a:t>Q: </a:t>
+            </a:r>
+            <a:r>
+              <a:rPr lang="hu-HU" dirty="0" err="1"/>
+              <a:t>Task</a:t>
+            </a:r>
+            <a:r>
+              <a:rPr lang="hu-HU" dirty="0"/>
+              <a:t> 1</a:t>
+            </a:r>
+            <a:endParaRPr lang="en-GB" dirty="0"/>
+          </a:p>
+        </p:txBody>
+      </p:sp>
+      <p:sp>
+        <p:nvSpPr>
+          <p:cNvPr id="7" name="Footer Placeholder 6">
+            <a:extLst>
+              <a:ext uri="{FF2B5EF4-FFF2-40B4-BE49-F238E27FC236}">
+                <a16:creationId xmlns:a16="http://schemas.microsoft.com/office/drawing/2014/main" id="{F4B0C029-3F6E-A761-5C0C-7BB2A7D1BBB6}"/>
+              </a:ext>
+            </a:extLst>
+          </p:cNvPr>
+          <p:cNvSpPr>
+            <a:spLocks noGrp="1"/>
+          </p:cNvSpPr>
+          <p:nvPr>
+            <p:ph type="ftr" sz="quarter" idx="11"/>
+          </p:nvPr>
+        </p:nvSpPr>
+        <p:spPr/>
+        <p:txBody>
+          <a:bodyPr/>
+          <a:lstStyle/>
+          <a:p>
+            <a:r>
+              <a:rPr lang="en-GB"/>
+              <a:t>Cyber exercise</a:t>
+            </a:r>
+            <a:endParaRPr lang="en-GB" dirty="0"/>
+          </a:p>
+        </p:txBody>
+      </p:sp>
+      <p:sp>
+        <p:nvSpPr>
+          <p:cNvPr id="10" name="Rectangle: Rounded Corners 9">
+            <a:extLst>
+              <a:ext uri="{FF2B5EF4-FFF2-40B4-BE49-F238E27FC236}">
+                <a16:creationId xmlns:a16="http://schemas.microsoft.com/office/drawing/2014/main" id="{195824D5-B43A-FDC5-C835-EB0D66C61EB4}"/>
+              </a:ext>
+            </a:extLst>
+          </p:cNvPr>
+          <p:cNvSpPr/>
+          <p:nvPr/>
+        </p:nvSpPr>
+        <p:spPr>
+          <a:xfrm>
+            <a:off x="395143" y="1360025"/>
+            <a:ext cx="1894114" cy="1121918"/>
           </a:xfrm>
           <a:prstGeom prst="roundRect">
             <a:avLst/>
@@ -48315,7 +48426,7 @@
             <a:pPr algn="ctr"/>
             <a:r>
               <a:rPr lang="hu-HU" dirty="0" err="1"/>
-              <a:t>Execute</a:t>
+              <a:t>What</a:t>
             </a:r>
             <a:r>
               <a:rPr lang="hu-HU" dirty="0"/>
@@ -48323,7 +48434,7 @@
             </a:r>
             <a:r>
               <a:rPr lang="hu-HU" dirty="0" err="1"/>
-              <a:t>SideTwist</a:t>
+              <a:t>APIs</a:t>
             </a:r>
             <a:r>
               <a:rPr lang="hu-HU" dirty="0"/>
@@ -48331,87 +48442,333 @@
             </a:r>
             <a:r>
               <a:rPr lang="hu-HU" dirty="0" err="1"/>
-              <a:t>malware</a:t>
-            </a:r>
-            <a:endParaRPr lang="hu-HU" dirty="0"/>
+              <a:t>are</a:t>
+            </a:r>
+            <a:r>
+              <a:rPr lang="hu-HU" dirty="0"/>
+              <a:t> </a:t>
+            </a:r>
+            <a:r>
+              <a:rPr lang="hu-HU" dirty="0" err="1"/>
+              <a:t>called</a:t>
+            </a:r>
+            <a:r>
+              <a:rPr lang="hu-HU" dirty="0"/>
+              <a:t> </a:t>
+            </a:r>
+            <a:r>
+              <a:rPr lang="hu-HU" dirty="0" err="1"/>
+              <a:t>by</a:t>
+            </a:r>
+            <a:r>
+              <a:rPr lang="hu-HU" dirty="0"/>
+              <a:t> </a:t>
+            </a:r>
+            <a:r>
+              <a:rPr lang="hu-HU" dirty="0" err="1"/>
+              <a:t>SideTwist</a:t>
+            </a:r>
+            <a:r>
+              <a:rPr lang="hu-HU" dirty="0"/>
+              <a:t>?</a:t>
+            </a:r>
           </a:p>
         </p:txBody>
       </p:sp>
       <p:sp>
         <p:nvSpPr>
-          <p:cNvPr id="7" name="TextBox 6">
+          <p:cNvPr id="11" name="Rectangle: Rounded Corners 10">
             <a:extLst>
               <a:ext uri="{FF2B5EF4-FFF2-40B4-BE49-F238E27FC236}">
-                <a16:creationId xmlns:a16="http://schemas.microsoft.com/office/drawing/2014/main" id="{97F79347-798E-1CC4-F6CF-A0291B7FEEE5}"/>
+                <a16:creationId xmlns:a16="http://schemas.microsoft.com/office/drawing/2014/main" id="{3CBF8CE7-A218-0454-6C91-30CA77203D01}"/>
               </a:ext>
             </a:extLst>
           </p:cNvPr>
-          <p:cNvSpPr txBox="1"/>
+          <p:cNvSpPr/>
           <p:nvPr/>
         </p:nvSpPr>
         <p:spPr>
           <a:xfrm>
-            <a:off x="306934" y="5873820"/>
-            <a:ext cx="8225329" cy="369332"/>
+            <a:off x="2677885" y="1029099"/>
+            <a:ext cx="6193972" cy="2682984"/>
+          </a:xfrm>
+          <a:prstGeom prst="roundRect">
+            <a:avLst/>
+          </a:prstGeom>
+          <a:solidFill>
+            <a:srgbClr val="0C54A0"/>
+          </a:solidFill>
+        </p:spPr>
+        <p:style>
+          <a:lnRef idx="2">
+            <a:schemeClr val="accent1">
+              <a:shade val="15000"/>
+            </a:schemeClr>
+          </a:lnRef>
+          <a:fillRef idx="1">
+            <a:schemeClr val="accent1"/>
+          </a:fillRef>
+          <a:effectRef idx="0">
+            <a:schemeClr val="accent1"/>
+          </a:effectRef>
+          <a:fontRef idx="minor">
+            <a:schemeClr val="lt1"/>
+          </a:fontRef>
+        </p:style>
+        <p:txBody>
+          <a:bodyPr rtlCol="0" anchor="ctr"/>
+          <a:lstStyle/>
+          <a:p>
+            <a:pPr marL="285750" indent="-285750">
+              <a:buFont typeface="Arial" panose="020B0604020202020204" pitchFamily="34" charset="0"/>
+              <a:buChar char="•"/>
+            </a:pPr>
+            <a:r>
+              <a:rPr lang="hu-HU" dirty="0" err="1"/>
+              <a:t>GetUserNameW</a:t>
+            </a:r>
+            <a:endParaRPr lang="hu-HU" dirty="0"/>
+          </a:p>
+          <a:p>
+            <a:pPr marL="285750" indent="-285750">
+              <a:buFont typeface="Arial" panose="020B0604020202020204" pitchFamily="34" charset="0"/>
+              <a:buChar char="•"/>
+            </a:pPr>
+            <a:r>
+              <a:rPr lang="hu-HU" dirty="0" err="1"/>
+              <a:t>GetComputerNameW</a:t>
+            </a:r>
+            <a:endParaRPr lang="hu-HU" dirty="0"/>
+          </a:p>
+          <a:p>
+            <a:pPr marL="285750" indent="-285750">
+              <a:buFont typeface="Arial" panose="020B0604020202020204" pitchFamily="34" charset="0"/>
+              <a:buChar char="•"/>
+            </a:pPr>
+            <a:r>
+              <a:rPr lang="hu-HU" dirty="0" err="1"/>
+              <a:t>TerminateProcess</a:t>
+            </a:r>
+            <a:endParaRPr lang="hu-HU" dirty="0"/>
+          </a:p>
+          <a:p>
+            <a:pPr marL="285750" indent="-285750">
+              <a:buFont typeface="Arial" panose="020B0604020202020204" pitchFamily="34" charset="0"/>
+              <a:buChar char="•"/>
+            </a:pPr>
+            <a:r>
+              <a:rPr lang="hu-HU" dirty="0" err="1"/>
+              <a:t>OutputDebugStringW</a:t>
+            </a:r>
+            <a:endParaRPr lang="hu-HU" dirty="0"/>
+          </a:p>
+          <a:p>
+            <a:pPr marL="285750" indent="-285750">
+              <a:buFont typeface="Arial" panose="020B0604020202020204" pitchFamily="34" charset="0"/>
+              <a:buChar char="•"/>
+            </a:pPr>
+            <a:r>
+              <a:rPr lang="hu-HU" dirty="0" err="1"/>
+              <a:t>UnhandledExceptionFilter</a:t>
+            </a:r>
+            <a:endParaRPr lang="hu-HU" dirty="0"/>
+          </a:p>
+          <a:p>
+            <a:pPr marL="285750" indent="-285750">
+              <a:buFont typeface="Arial" panose="020B0604020202020204" pitchFamily="34" charset="0"/>
+              <a:buChar char="•"/>
+            </a:pPr>
+            <a:r>
+              <a:rPr lang="hu-HU" dirty="0" err="1"/>
+              <a:t>IsDebuggerPresent</a:t>
+            </a:r>
+            <a:endParaRPr lang="hu-HU" dirty="0"/>
+          </a:p>
+          <a:p>
+            <a:pPr marL="285750" indent="-285750">
+              <a:buFont typeface="Arial" panose="020B0604020202020204" pitchFamily="34" charset="0"/>
+              <a:buChar char="•"/>
+            </a:pPr>
+            <a:r>
+              <a:rPr lang="hu-HU" dirty="0" err="1"/>
+              <a:t>GetComputerNameExW</a:t>
+            </a:r>
+            <a:endParaRPr lang="hu-HU" dirty="0"/>
+          </a:p>
+          <a:p>
+            <a:pPr marL="285750" indent="-285750">
+              <a:buFont typeface="Arial" panose="020B0604020202020204" pitchFamily="34" charset="0"/>
+              <a:buChar char="•"/>
+            </a:pPr>
+            <a:r>
+              <a:rPr lang="hu-HU" dirty="0" err="1"/>
+              <a:t>GetModuleHandleW</a:t>
+            </a:r>
+            <a:endParaRPr lang="hu-HU" dirty="0"/>
+          </a:p>
+        </p:txBody>
+      </p:sp>
+      <p:sp>
+        <p:nvSpPr>
+          <p:cNvPr id="16" name="Rectangle: Rounded Corners 15">
+            <a:extLst>
+              <a:ext uri="{FF2B5EF4-FFF2-40B4-BE49-F238E27FC236}">
+                <a16:creationId xmlns:a16="http://schemas.microsoft.com/office/drawing/2014/main" id="{865E0961-841B-8951-4F0E-D5BF1FB106D8}"/>
+              </a:ext>
+            </a:extLst>
+          </p:cNvPr>
+          <p:cNvSpPr/>
+          <p:nvPr/>
+        </p:nvSpPr>
+        <p:spPr>
+          <a:xfrm>
+            <a:off x="395143" y="4201474"/>
+            <a:ext cx="1894114" cy="2085371"/>
+          </a:xfrm>
+          <a:prstGeom prst="roundRect">
+            <a:avLst/>
+          </a:prstGeom>
+        </p:spPr>
+        <p:style>
+          <a:lnRef idx="2">
+            <a:schemeClr val="accent1">
+              <a:shade val="15000"/>
+            </a:schemeClr>
+          </a:lnRef>
+          <a:fillRef idx="1">
+            <a:schemeClr val="accent1"/>
+          </a:fillRef>
+          <a:effectRef idx="0">
+            <a:schemeClr val="accent1"/>
+          </a:effectRef>
+          <a:fontRef idx="minor">
+            <a:schemeClr val="lt1"/>
+          </a:fontRef>
+        </p:style>
+        <p:txBody>
+          <a:bodyPr rtlCol="0" anchor="ctr"/>
+          <a:lstStyle/>
+          <a:p>
+            <a:pPr algn="ctr"/>
+            <a:r>
+              <a:rPr lang="hu-HU" dirty="0" err="1"/>
+              <a:t>What</a:t>
+            </a:r>
+            <a:r>
+              <a:rPr lang="hu-HU" dirty="0"/>
+              <a:t> is </a:t>
+            </a:r>
+            <a:r>
+              <a:rPr lang="hu-HU" dirty="0" err="1"/>
+              <a:t>the</a:t>
+            </a:r>
+            <a:r>
+              <a:rPr lang="hu-HU" dirty="0"/>
+              <a:t> IP of </a:t>
+            </a:r>
+            <a:r>
+              <a:rPr lang="hu-HU" dirty="0" err="1"/>
+              <a:t>the</a:t>
+            </a:r>
+            <a:r>
+              <a:rPr lang="hu-HU" dirty="0"/>
+              <a:t> C&amp;C server?</a:t>
+            </a:r>
+          </a:p>
+        </p:txBody>
+      </p:sp>
+      <p:sp>
+        <p:nvSpPr>
+          <p:cNvPr id="17" name="Rectangle: Rounded Corners 16">
+            <a:extLst>
+              <a:ext uri="{FF2B5EF4-FFF2-40B4-BE49-F238E27FC236}">
+                <a16:creationId xmlns:a16="http://schemas.microsoft.com/office/drawing/2014/main" id="{767ACA00-AD6C-2C80-51C2-1D47B2A0FD36}"/>
+              </a:ext>
+            </a:extLst>
+          </p:cNvPr>
+          <p:cNvSpPr/>
+          <p:nvPr/>
+        </p:nvSpPr>
+        <p:spPr>
+          <a:xfrm>
+            <a:off x="2677885" y="4706983"/>
+            <a:ext cx="3230211" cy="1121918"/>
+          </a:xfrm>
+          <a:prstGeom prst="roundRect">
+            <a:avLst/>
+          </a:prstGeom>
+          <a:solidFill>
+            <a:srgbClr val="0C54A0"/>
+          </a:solidFill>
+        </p:spPr>
+        <p:style>
+          <a:lnRef idx="2">
+            <a:schemeClr val="accent1">
+              <a:shade val="15000"/>
+            </a:schemeClr>
+          </a:lnRef>
+          <a:fillRef idx="1">
+            <a:schemeClr val="accent1"/>
+          </a:fillRef>
+          <a:effectRef idx="0">
+            <a:schemeClr val="accent1"/>
+          </a:effectRef>
+          <a:fontRef idx="minor">
+            <a:schemeClr val="lt1"/>
+          </a:fontRef>
+        </p:style>
+        <p:txBody>
+          <a:bodyPr rtlCol="0" anchor="ctr"/>
+          <a:lstStyle/>
+          <a:p>
+            <a:pPr algn="l"/>
+            <a:r>
+              <a:rPr lang="hu-HU" b="0" i="0" dirty="0">
+                <a:solidFill>
+                  <a:srgbClr val="FFFFFF"/>
+                </a:solidFill>
+                <a:effectLst/>
+                <a:latin typeface="Source Sans Pro" panose="020B0503030403020204" pitchFamily="34" charset="0"/>
+              </a:rPr>
+              <a:t>192.168.0.4</a:t>
+            </a:r>
+          </a:p>
+        </p:txBody>
+      </p:sp>
+      <p:pic>
+        <p:nvPicPr>
+          <p:cNvPr id="4" name="Picture 3">
+            <a:extLst>
+              <a:ext uri="{FF2B5EF4-FFF2-40B4-BE49-F238E27FC236}">
+                <a16:creationId xmlns:a16="http://schemas.microsoft.com/office/drawing/2014/main" id="{AD94A7C5-32B0-6E45-9F10-FD590BE7BA53}"/>
+              </a:ext>
+            </a:extLst>
+          </p:cNvPr>
+          <p:cNvPicPr>
+            <a:picLocks noChangeAspect="1"/>
+          </p:cNvPicPr>
+          <p:nvPr/>
+        </p:nvPicPr>
+        <p:blipFill>
+          <a:blip r:embed="rId2"/>
+          <a:stretch>
+            <a:fillRect/>
+          </a:stretch>
+        </p:blipFill>
+        <p:spPr>
+          <a:xfrm>
+            <a:off x="6048375" y="3829395"/>
+            <a:ext cx="3095625" cy="2457450"/>
           </a:xfrm>
           <a:prstGeom prst="rect">
             <a:avLst/>
           </a:prstGeom>
-          <a:noFill/>
         </p:spPr>
-        <p:txBody>
-          <a:bodyPr wrap="none" rtlCol="0">
-            <a:spAutoFit/>
-          </a:bodyPr>
-          <a:lstStyle/>
-          <a:p>
-            <a:r>
-              <a:rPr lang="hu-HU" dirty="0" err="1"/>
-              <a:t>Binaries</a:t>
-            </a:r>
-            <a:r>
-              <a:rPr lang="hu-HU" dirty="0"/>
-              <a:t> </a:t>
-            </a:r>
-            <a:r>
-              <a:rPr lang="hu-HU" dirty="0" err="1"/>
-              <a:t>are</a:t>
-            </a:r>
-            <a:r>
-              <a:rPr lang="hu-HU" dirty="0"/>
-              <a:t> </a:t>
-            </a:r>
-            <a:r>
-              <a:rPr lang="hu-HU" dirty="0" err="1"/>
-              <a:t>available</a:t>
-            </a:r>
-            <a:r>
-              <a:rPr lang="hu-HU" dirty="0"/>
-              <a:t> </a:t>
-            </a:r>
-            <a:r>
-              <a:rPr lang="hu-HU" dirty="0" err="1"/>
-              <a:t>on</a:t>
-            </a:r>
-            <a:r>
-              <a:rPr lang="hu-HU" dirty="0"/>
-              <a:t> </a:t>
-            </a:r>
-            <a:r>
-              <a:rPr lang="hu-HU" dirty="0" err="1"/>
-              <a:t>the</a:t>
-            </a:r>
-            <a:r>
-              <a:rPr lang="hu-HU" dirty="0"/>
-              <a:t> server: http://192.168.0.5/marketing_materials.zip</a:t>
-            </a:r>
-          </a:p>
-        </p:txBody>
-      </p:sp>
+      </p:pic>
     </p:spTree>
     <p:extLst>
       <p:ext uri="{BB962C8B-B14F-4D97-AF65-F5344CB8AC3E}">
-        <p14:creationId xmlns:p14="http://schemas.microsoft.com/office/powerpoint/2010/main" val="900339969"/>
+        <p14:creationId xmlns:p14="http://schemas.microsoft.com/office/powerpoint/2010/main" val="912650703"/>
       </p:ext>
     </p:extLst>
   </p:cSld>
@@ -48421,7 +48778,7 @@
 </p:sld>
 </file>
 
-<file path=ppt/slides/slide33.xml><?xml version="1.0" encoding="utf-8"?>
+<file path=ppt/slides/slide34.xml><?xml version="1.0" encoding="utf-8"?>
 <p:sld xmlns:a="http://schemas.openxmlformats.org/drawingml/2006/main" xmlns:r="http://schemas.openxmlformats.org/officeDocument/2006/relationships" xmlns:p="http://schemas.openxmlformats.org/presentationml/2006/main">
   <p:cSld>
     <p:spTree>
@@ -48466,12 +48823,8 @@
           <a:lstStyle/>
           <a:p>
             <a:r>
-              <a:rPr lang="hu-HU" dirty="0" err="1"/>
-              <a:t>Step</a:t>
-            </a:r>
-            <a:r>
-              <a:rPr lang="hu-HU" dirty="0"/>
-              <a:t> 2</a:t>
+              <a:rPr lang="en-US" dirty="0"/>
+              <a:t>Step 2</a:t>
             </a:r>
           </a:p>
         </p:txBody>
@@ -48505,18 +48858,13 @@
           <a:lstStyle/>
           <a:p>
             <a:r>
-              <a:rPr lang="hu-HU" b="1" dirty="0"/>
-              <a:t>E</a:t>
-            </a:r>
-            <a:r>
               <a:rPr lang="en-US" b="1" dirty="0"/>
-              <a:t>numeration</a:t>
+              <a:t>Enumeration</a:t>
             </a:r>
             <a:r>
               <a:rPr lang="en-US" dirty="0"/>
               <a:t> of the current user, accounts, groups, system information, network connections, processes, services, and if remote desktop is enabled.</a:t>
             </a:r>
-            <a:endParaRPr lang="hu-HU" dirty="0"/>
           </a:p>
         </p:txBody>
       </p:sp>
@@ -48549,30 +48897,9 @@
           <a:lstStyle/>
           <a:p>
             <a:r>
-              <a:rPr lang="hu-HU" b="1" dirty="0"/>
-              <a:t>Low </a:t>
-            </a:r>
-            <a:r>
-              <a:rPr lang="hu-HU" b="1" dirty="0" err="1"/>
-              <a:t>privilege</a:t>
-            </a:r>
-            <a:r>
-              <a:rPr lang="hu-HU" b="1" dirty="0"/>
-              <a:t> </a:t>
-            </a:r>
-            <a:r>
-              <a:rPr lang="hu-HU" b="1" dirty="0" err="1"/>
-              <a:t>credential</a:t>
-            </a:r>
-            <a:r>
-              <a:rPr lang="hu-HU" b="1" dirty="0"/>
-              <a:t> </a:t>
-            </a:r>
-            <a:r>
-              <a:rPr lang="hu-HU" b="1" dirty="0" err="1"/>
-              <a:t>dumping</a:t>
-            </a:r>
-            <a:endParaRPr lang="hu-HU" b="1" dirty="0"/>
+              <a:rPr lang="en-US" b="1" dirty="0"/>
+              <a:t>Low privilege credential dumping</a:t>
+            </a:r>
           </a:p>
         </p:txBody>
       </p:sp>
@@ -48618,192 +48945,28 @@
           <a:lstStyle/>
           <a:p>
             <a:r>
-              <a:rPr lang="hu-HU" dirty="0"/>
-              <a:t>SystemFailureReporter.exe </a:t>
-            </a:r>
-            <a:r>
-              <a:rPr lang="hu-HU" dirty="0" err="1"/>
-              <a:t>to</a:t>
-            </a:r>
-            <a:r>
-              <a:rPr lang="hu-HU" dirty="0"/>
-              <a:t> </a:t>
-            </a:r>
-            <a:r>
-              <a:rPr lang="hu-HU" dirty="0" err="1"/>
-              <a:t>download</a:t>
-            </a:r>
-            <a:r>
-              <a:rPr lang="hu-HU" dirty="0"/>
-              <a:t> VALUEVAULT (</a:t>
-            </a:r>
-            <a:r>
-              <a:rPr lang="hu-HU" dirty="0" err="1"/>
-              <a:t>the</a:t>
-            </a:r>
-            <a:r>
-              <a:rPr lang="hu-HU" dirty="0"/>
-              <a:t> </a:t>
-            </a:r>
-            <a:r>
-              <a:rPr lang="hu-HU" dirty="0" err="1"/>
-              <a:t>executable</a:t>
-            </a:r>
-            <a:r>
-              <a:rPr lang="hu-HU" dirty="0"/>
-              <a:t> </a:t>
-            </a:r>
-            <a:r>
-              <a:rPr lang="hu-HU" dirty="0" err="1"/>
-              <a:t>for</a:t>
-            </a:r>
-            <a:r>
-              <a:rPr lang="hu-HU" dirty="0"/>
-              <a:t> </a:t>
-            </a:r>
-            <a:r>
-              <a:rPr lang="hu-HU" dirty="0" err="1"/>
-              <a:t>which</a:t>
-            </a:r>
-            <a:r>
-              <a:rPr lang="hu-HU" dirty="0"/>
-              <a:t> is b.exe) </a:t>
-            </a:r>
-            <a:r>
-              <a:rPr lang="hu-HU" dirty="0" err="1"/>
-              <a:t>which</a:t>
-            </a:r>
-            <a:r>
-              <a:rPr lang="hu-HU" dirty="0"/>
-              <a:t> is </a:t>
-            </a:r>
-            <a:r>
-              <a:rPr lang="hu-HU" dirty="0" err="1"/>
-              <a:t>then</a:t>
-            </a:r>
-            <a:r>
-              <a:rPr lang="hu-HU" dirty="0"/>
-              <a:t> </a:t>
-            </a:r>
-            <a:r>
-              <a:rPr lang="hu-HU" dirty="0" err="1"/>
-              <a:t>leveraged</a:t>
-            </a:r>
-            <a:r>
-              <a:rPr lang="hu-HU" dirty="0"/>
-              <a:t> </a:t>
-            </a:r>
-            <a:r>
-              <a:rPr lang="hu-HU" dirty="0" err="1"/>
-              <a:t>to</a:t>
-            </a:r>
-            <a:r>
-              <a:rPr lang="hu-HU" dirty="0"/>
-              <a:t> </a:t>
-            </a:r>
-            <a:r>
-              <a:rPr lang="hu-HU" dirty="0" err="1"/>
-              <a:t>perform</a:t>
-            </a:r>
-            <a:r>
-              <a:rPr lang="hu-HU" dirty="0"/>
-              <a:t> a </a:t>
-            </a:r>
-            <a:r>
-              <a:rPr lang="hu-HU" dirty="0" err="1"/>
-              <a:t>low</a:t>
-            </a:r>
-            <a:r>
-              <a:rPr lang="hu-HU" dirty="0"/>
-              <a:t> </a:t>
-            </a:r>
-            <a:r>
-              <a:rPr lang="hu-HU" dirty="0" err="1"/>
-              <a:t>privilege</a:t>
-            </a:r>
-            <a:r>
-              <a:rPr lang="hu-HU" dirty="0"/>
-              <a:t> </a:t>
-            </a:r>
-            <a:r>
-              <a:rPr lang="hu-HU" dirty="0" err="1"/>
-              <a:t>credential</a:t>
-            </a:r>
-            <a:r>
-              <a:rPr lang="hu-HU" dirty="0"/>
-              <a:t> </a:t>
-            </a:r>
-            <a:r>
-              <a:rPr lang="hu-HU" dirty="0" err="1"/>
-              <a:t>dumping</a:t>
-            </a:r>
-            <a:r>
-              <a:rPr lang="hu-HU" dirty="0"/>
-              <a:t>. SystemFailureReporter.exe </a:t>
-            </a:r>
-            <a:r>
-              <a:rPr lang="hu-HU" dirty="0" err="1"/>
-              <a:t>then</a:t>
-            </a:r>
-            <a:r>
-              <a:rPr lang="hu-HU" dirty="0"/>
-              <a:t> </a:t>
-            </a:r>
-            <a:r>
-              <a:rPr lang="hu-HU" dirty="0" err="1"/>
-              <a:t>uploads</a:t>
-            </a:r>
-            <a:r>
-              <a:rPr lang="hu-HU" dirty="0"/>
-              <a:t> </a:t>
-            </a:r>
-            <a:r>
-              <a:rPr lang="hu-HU" dirty="0" err="1"/>
-              <a:t>the</a:t>
-            </a:r>
-            <a:r>
-              <a:rPr lang="hu-HU" dirty="0"/>
-              <a:t> VALUEVAULT </a:t>
-            </a:r>
-            <a:r>
-              <a:rPr lang="hu-HU" dirty="0" err="1"/>
-              <a:t>dump</a:t>
-            </a:r>
-            <a:r>
-              <a:rPr lang="hu-HU" dirty="0"/>
-              <a:t> (</a:t>
-            </a:r>
-            <a:r>
-              <a:rPr lang="hu-HU" dirty="0" err="1"/>
-              <a:t>named</a:t>
-            </a:r>
-            <a:r>
-              <a:rPr lang="hu-HU" dirty="0"/>
-              <a:t> fsociety.dat) back </a:t>
-            </a:r>
-            <a:r>
-              <a:rPr lang="hu-HU" dirty="0" err="1"/>
-              <a:t>to</a:t>
-            </a:r>
-            <a:r>
-              <a:rPr lang="hu-HU" dirty="0"/>
-              <a:t> C2 </a:t>
-            </a:r>
-            <a:r>
-              <a:rPr lang="hu-HU" dirty="0" err="1"/>
-              <a:t>via</a:t>
-            </a:r>
-            <a:r>
-              <a:rPr lang="hu-HU" dirty="0"/>
-              <a:t> HTTP POST </a:t>
-            </a:r>
-            <a:r>
-              <a:rPr lang="hu-HU" dirty="0" err="1"/>
-              <a:t>request</a:t>
-            </a:r>
-            <a:r>
-              <a:rPr lang="hu-HU" dirty="0"/>
-              <a:t>.</a:t>
+              <a:rPr lang="en-US" dirty="0"/>
+              <a:t>SystemFailureReporter.exe to download VALUEVAULT (the executable for which is b.exe) which is then leveraged to perform a low privilege credential dumping. SystemFailureReporter.exe then uploads the VALUEVAULT dump (named </a:t>
+            </a:r>
+            <a:r>
+              <a:rPr lang="en-US" b="1" dirty="0">
+                <a:solidFill>
+                  <a:srgbClr val="002060"/>
+                </a:solidFill>
+              </a:rPr>
+              <a:t>*.</a:t>
+            </a:r>
+            <a:r>
+              <a:rPr lang="en-US" b="1" dirty="0" err="1">
+                <a:solidFill>
+                  <a:srgbClr val="002060"/>
+                </a:solidFill>
+              </a:rPr>
+              <a:t>dat</a:t>
+            </a:r>
+            <a:r>
+              <a:rPr lang="en-US" dirty="0"/>
+              <a:t>) back to C2 via HTTP POST request.</a:t>
             </a:r>
           </a:p>
         </p:txBody>
@@ -48821,7 +48984,7 @@
 </p:sld>
 </file>
 
-<file path=ppt/slides/slide34.xml><?xml version="1.0" encoding="utf-8"?>
+<file path=ppt/slides/slide35.xml><?xml version="1.0" encoding="utf-8"?>
 <p:sld xmlns:a="http://schemas.openxmlformats.org/drawingml/2006/main" xmlns:r="http://schemas.openxmlformats.org/officeDocument/2006/relationships" xmlns:p="http://schemas.openxmlformats.org/presentationml/2006/main">
   <p:cSld>
     <p:spTree>
@@ -48940,7 +49103,7 @@
         <p:spPr>
           <a:xfrm>
             <a:off x="532357" y="2583156"/>
-            <a:ext cx="8079286" cy="369332"/>
+            <a:ext cx="8079286" cy="646331"/>
           </a:xfrm>
           <a:prstGeom prst="rect">
             <a:avLst/>
@@ -49025,7 +49188,10 @@
               <a:rPr lang="hu-HU" dirty="0" err="1"/>
               <a:t>VirusTotal</a:t>
             </a:r>
-            <a:endParaRPr lang="hu-HU" dirty="0"/>
+            <a:r>
+              <a:rPr lang="hu-HU" dirty="0"/>
+              <a:t> and HA</a:t>
+            </a:r>
           </a:p>
         </p:txBody>
       </p:sp>
@@ -49146,7 +49312,539 @@
 </p:sld>
 </file>
 
-<file path=ppt/slides/slide35.xml><?xml version="1.0" encoding="utf-8"?>
+<file path=ppt/slides/slide36.xml><?xml version="1.0" encoding="utf-8"?>
+<p:sld xmlns:a="http://schemas.openxmlformats.org/drawingml/2006/main" xmlns:r="http://schemas.openxmlformats.org/officeDocument/2006/relationships" xmlns:p="http://schemas.openxmlformats.org/presentationml/2006/main">
+  <p:cSld>
+    <p:spTree>
+      <p:nvGrpSpPr>
+        <p:cNvPr id="1" name="">
+          <a:extLst>
+            <a:ext uri="{FF2B5EF4-FFF2-40B4-BE49-F238E27FC236}">
+              <a16:creationId xmlns:a16="http://schemas.microsoft.com/office/drawing/2014/main" id="{10D4775B-7167-06CE-7769-4E6117D9BA7F}"/>
+            </a:ext>
+          </a:extLst>
+        </p:cNvPr>
+        <p:cNvGrpSpPr/>
+        <p:nvPr/>
+      </p:nvGrpSpPr>
+      <p:grpSpPr>
+        <a:xfrm>
+          <a:off x="0" y="0"/>
+          <a:ext cx="0" cy="0"/>
+          <a:chOff x="0" y="0"/>
+          <a:chExt cx="0" cy="0"/>
+        </a:xfrm>
+      </p:grpSpPr>
+      <p:pic>
+        <p:nvPicPr>
+          <p:cNvPr id="9" name="Picture 8">
+            <a:extLst>
+              <a:ext uri="{FF2B5EF4-FFF2-40B4-BE49-F238E27FC236}">
+                <a16:creationId xmlns:a16="http://schemas.microsoft.com/office/drawing/2014/main" id="{237AE9D0-58CA-A233-5797-137BE4B7E54E}"/>
+              </a:ext>
+            </a:extLst>
+          </p:cNvPr>
+          <p:cNvPicPr>
+            <a:picLocks noChangeAspect="1"/>
+          </p:cNvPicPr>
+          <p:nvPr/>
+        </p:nvPicPr>
+        <p:blipFill>
+          <a:blip r:embed="rId2"/>
+          <a:stretch>
+            <a:fillRect/>
+          </a:stretch>
+        </p:blipFill>
+        <p:spPr>
+          <a:xfrm>
+            <a:off x="4056683" y="695469"/>
+            <a:ext cx="4954361" cy="3639939"/>
+          </a:xfrm>
+          <a:prstGeom prst="rect">
+            <a:avLst/>
+          </a:prstGeom>
+        </p:spPr>
+      </p:pic>
+      <p:sp>
+        <p:nvSpPr>
+          <p:cNvPr id="3" name="Text Placeholder 2">
+            <a:extLst>
+              <a:ext uri="{FF2B5EF4-FFF2-40B4-BE49-F238E27FC236}">
+                <a16:creationId xmlns:a16="http://schemas.microsoft.com/office/drawing/2014/main" id="{D0BD19FA-F774-52A5-A856-146E05BA6A22}"/>
+              </a:ext>
+            </a:extLst>
+          </p:cNvPr>
+          <p:cNvSpPr>
+            <a:spLocks noGrp="1"/>
+          </p:cNvSpPr>
+          <p:nvPr>
+            <p:ph type="body" sz="quarter" idx="13"/>
+          </p:nvPr>
+        </p:nvSpPr>
+        <p:spPr/>
+        <p:txBody>
+          <a:bodyPr/>
+          <a:lstStyle/>
+          <a:p>
+            <a:endParaRPr lang="en-GB"/>
+          </a:p>
+        </p:txBody>
+      </p:sp>
+      <p:sp>
+        <p:nvSpPr>
+          <p:cNvPr id="6" name="Title 5">
+            <a:extLst>
+              <a:ext uri="{FF2B5EF4-FFF2-40B4-BE49-F238E27FC236}">
+                <a16:creationId xmlns:a16="http://schemas.microsoft.com/office/drawing/2014/main" id="{AD211504-F08E-1DF8-ADA6-D43B45F3280E}"/>
+              </a:ext>
+            </a:extLst>
+          </p:cNvPr>
+          <p:cNvSpPr>
+            <a:spLocks noGrp="1"/>
+          </p:cNvSpPr>
+          <p:nvPr>
+            <p:ph type="title"/>
+          </p:nvPr>
+        </p:nvSpPr>
+        <p:spPr/>
+        <p:txBody>
+          <a:bodyPr/>
+          <a:lstStyle/>
+          <a:p>
+            <a:r>
+              <a:rPr lang="hu-HU" dirty="0"/>
+              <a:t>Q: </a:t>
+            </a:r>
+            <a:r>
+              <a:rPr lang="hu-HU" dirty="0" err="1"/>
+              <a:t>Task</a:t>
+            </a:r>
+            <a:r>
+              <a:rPr lang="hu-HU" dirty="0"/>
+              <a:t> 2</a:t>
+            </a:r>
+            <a:endParaRPr lang="en-GB" dirty="0"/>
+          </a:p>
+        </p:txBody>
+      </p:sp>
+      <p:sp>
+        <p:nvSpPr>
+          <p:cNvPr id="7" name="Footer Placeholder 6">
+            <a:extLst>
+              <a:ext uri="{FF2B5EF4-FFF2-40B4-BE49-F238E27FC236}">
+                <a16:creationId xmlns:a16="http://schemas.microsoft.com/office/drawing/2014/main" id="{C6001212-5C21-225D-7D0B-AFE44137EED7}"/>
+              </a:ext>
+            </a:extLst>
+          </p:cNvPr>
+          <p:cNvSpPr>
+            <a:spLocks noGrp="1"/>
+          </p:cNvSpPr>
+          <p:nvPr>
+            <p:ph type="ftr" sz="quarter" idx="11"/>
+          </p:nvPr>
+        </p:nvSpPr>
+        <p:spPr/>
+        <p:txBody>
+          <a:bodyPr/>
+          <a:lstStyle/>
+          <a:p>
+            <a:r>
+              <a:rPr lang="en-GB"/>
+              <a:t>Cyber exercise</a:t>
+            </a:r>
+            <a:endParaRPr lang="en-GB" dirty="0"/>
+          </a:p>
+        </p:txBody>
+      </p:sp>
+      <p:sp>
+        <p:nvSpPr>
+          <p:cNvPr id="10" name="Rectangle: Rounded Corners 9">
+            <a:extLst>
+              <a:ext uri="{FF2B5EF4-FFF2-40B4-BE49-F238E27FC236}">
+                <a16:creationId xmlns:a16="http://schemas.microsoft.com/office/drawing/2014/main" id="{445537D4-B32B-6D58-4096-2ADCE44D70F7}"/>
+              </a:ext>
+            </a:extLst>
+          </p:cNvPr>
+          <p:cNvSpPr/>
+          <p:nvPr/>
+        </p:nvSpPr>
+        <p:spPr>
+          <a:xfrm>
+            <a:off x="395143" y="1360025"/>
+            <a:ext cx="1894114" cy="1121918"/>
+          </a:xfrm>
+          <a:prstGeom prst="roundRect">
+            <a:avLst/>
+          </a:prstGeom>
+        </p:spPr>
+        <p:style>
+          <a:lnRef idx="2">
+            <a:schemeClr val="accent1">
+              <a:shade val="15000"/>
+            </a:schemeClr>
+          </a:lnRef>
+          <a:fillRef idx="1">
+            <a:schemeClr val="accent1"/>
+          </a:fillRef>
+          <a:effectRef idx="0">
+            <a:schemeClr val="accent1"/>
+          </a:effectRef>
+          <a:fontRef idx="minor">
+            <a:schemeClr val="lt1"/>
+          </a:fontRef>
+        </p:style>
+        <p:txBody>
+          <a:bodyPr rtlCol="0" anchor="ctr"/>
+          <a:lstStyle/>
+          <a:p>
+            <a:pPr algn="ctr"/>
+            <a:r>
+              <a:rPr lang="hu-HU" dirty="0" err="1"/>
+              <a:t>What</a:t>
+            </a:r>
+            <a:r>
+              <a:rPr lang="hu-HU" dirty="0"/>
+              <a:t> is </a:t>
+            </a:r>
+            <a:r>
+              <a:rPr lang="hu-HU" dirty="0" err="1"/>
+              <a:t>the</a:t>
+            </a:r>
+            <a:r>
+              <a:rPr lang="hu-HU" dirty="0"/>
+              <a:t> </a:t>
+            </a:r>
+            <a:r>
+              <a:rPr lang="hu-HU" dirty="0" err="1"/>
+              <a:t>name</a:t>
+            </a:r>
+            <a:r>
+              <a:rPr lang="hu-HU" dirty="0"/>
+              <a:t> of </a:t>
+            </a:r>
+            <a:r>
+              <a:rPr lang="hu-HU" dirty="0" err="1"/>
+              <a:t>the</a:t>
+            </a:r>
+            <a:r>
+              <a:rPr lang="hu-HU" dirty="0"/>
+              <a:t> file </a:t>
+            </a:r>
+            <a:r>
+              <a:rPr lang="hu-HU" dirty="0" err="1"/>
+              <a:t>created</a:t>
+            </a:r>
+            <a:r>
+              <a:rPr lang="hu-HU" dirty="0"/>
+              <a:t>?</a:t>
+            </a:r>
+          </a:p>
+        </p:txBody>
+      </p:sp>
+      <p:sp>
+        <p:nvSpPr>
+          <p:cNvPr id="11" name="Rectangle: Rounded Corners 10">
+            <a:extLst>
+              <a:ext uri="{FF2B5EF4-FFF2-40B4-BE49-F238E27FC236}">
+                <a16:creationId xmlns:a16="http://schemas.microsoft.com/office/drawing/2014/main" id="{56D049F2-CEA6-3715-F96D-BBCE0395E01F}"/>
+              </a:ext>
+            </a:extLst>
+          </p:cNvPr>
+          <p:cNvSpPr/>
+          <p:nvPr/>
+        </p:nvSpPr>
+        <p:spPr>
+          <a:xfrm>
+            <a:off x="2677885" y="1656011"/>
+            <a:ext cx="3646715" cy="587829"/>
+          </a:xfrm>
+          <a:prstGeom prst="roundRect">
+            <a:avLst/>
+          </a:prstGeom>
+          <a:solidFill>
+            <a:srgbClr val="0C54A0"/>
+          </a:solidFill>
+        </p:spPr>
+        <p:style>
+          <a:lnRef idx="2">
+            <a:schemeClr val="accent1">
+              <a:shade val="15000"/>
+            </a:schemeClr>
+          </a:lnRef>
+          <a:fillRef idx="1">
+            <a:schemeClr val="accent1"/>
+          </a:fillRef>
+          <a:effectRef idx="0">
+            <a:schemeClr val="accent1"/>
+          </a:effectRef>
+          <a:fontRef idx="minor">
+            <a:schemeClr val="lt1"/>
+          </a:fontRef>
+        </p:style>
+        <p:txBody>
+          <a:bodyPr rtlCol="0" anchor="ctr"/>
+          <a:lstStyle/>
+          <a:p>
+            <a:r>
+              <a:rPr lang="hu-HU" dirty="0"/>
+              <a:t>%APPDATA%\fsociety.dat	</a:t>
+            </a:r>
+          </a:p>
+        </p:txBody>
+      </p:sp>
+      <p:sp>
+        <p:nvSpPr>
+          <p:cNvPr id="16" name="Rectangle: Rounded Corners 15">
+            <a:extLst>
+              <a:ext uri="{FF2B5EF4-FFF2-40B4-BE49-F238E27FC236}">
+                <a16:creationId xmlns:a16="http://schemas.microsoft.com/office/drawing/2014/main" id="{FFD0C53C-B8F7-7D01-702E-90A249E2ACA9}"/>
+              </a:ext>
+            </a:extLst>
+          </p:cNvPr>
+          <p:cNvSpPr/>
+          <p:nvPr/>
+        </p:nvSpPr>
+        <p:spPr>
+          <a:xfrm>
+            <a:off x="395143" y="4201474"/>
+            <a:ext cx="1894114" cy="2085371"/>
+          </a:xfrm>
+          <a:prstGeom prst="roundRect">
+            <a:avLst/>
+          </a:prstGeom>
+        </p:spPr>
+        <p:style>
+          <a:lnRef idx="2">
+            <a:schemeClr val="accent1">
+              <a:shade val="15000"/>
+            </a:schemeClr>
+          </a:lnRef>
+          <a:fillRef idx="1">
+            <a:schemeClr val="accent1"/>
+          </a:fillRef>
+          <a:effectRef idx="0">
+            <a:schemeClr val="accent1"/>
+          </a:effectRef>
+          <a:fontRef idx="minor">
+            <a:schemeClr val="lt1"/>
+          </a:fontRef>
+        </p:style>
+        <p:txBody>
+          <a:bodyPr rtlCol="0" anchor="ctr"/>
+          <a:lstStyle/>
+          <a:p>
+            <a:pPr algn="ctr"/>
+            <a:r>
+              <a:rPr lang="hu-HU" dirty="0" err="1"/>
+              <a:t>What</a:t>
+            </a:r>
+            <a:r>
+              <a:rPr lang="hu-HU" dirty="0"/>
+              <a:t> is </a:t>
+            </a:r>
+            <a:r>
+              <a:rPr lang="hu-HU" dirty="0" err="1"/>
+              <a:t>the</a:t>
+            </a:r>
+            <a:r>
+              <a:rPr lang="hu-HU" dirty="0"/>
+              <a:t> </a:t>
+            </a:r>
+            <a:r>
+              <a:rPr lang="hu-HU" dirty="0" err="1"/>
+              <a:t>name</a:t>
+            </a:r>
+            <a:r>
+              <a:rPr lang="hu-HU" dirty="0"/>
+              <a:t> of </a:t>
+            </a:r>
+            <a:r>
+              <a:rPr lang="hu-HU" dirty="0" err="1"/>
+              <a:t>the</a:t>
+            </a:r>
+            <a:r>
+              <a:rPr lang="hu-HU" dirty="0"/>
+              <a:t> </a:t>
+            </a:r>
+            <a:r>
+              <a:rPr lang="hu-HU" dirty="0" err="1"/>
+              <a:t>xml</a:t>
+            </a:r>
+            <a:r>
+              <a:rPr lang="hu-HU" dirty="0"/>
+              <a:t> file </a:t>
+            </a:r>
+            <a:r>
+              <a:rPr lang="hu-HU" dirty="0" err="1"/>
+              <a:t>embeded</a:t>
+            </a:r>
+            <a:r>
+              <a:rPr lang="hu-HU" dirty="0"/>
+              <a:t> in b.exe?</a:t>
+            </a:r>
+          </a:p>
+        </p:txBody>
+      </p:sp>
+      <p:sp>
+        <p:nvSpPr>
+          <p:cNvPr id="17" name="Rectangle: Rounded Corners 16">
+            <a:extLst>
+              <a:ext uri="{FF2B5EF4-FFF2-40B4-BE49-F238E27FC236}">
+                <a16:creationId xmlns:a16="http://schemas.microsoft.com/office/drawing/2014/main" id="{AAD43062-7DC5-AA23-865A-237EAE87B50F}"/>
+              </a:ext>
+            </a:extLst>
+          </p:cNvPr>
+          <p:cNvSpPr/>
+          <p:nvPr/>
+        </p:nvSpPr>
+        <p:spPr>
+          <a:xfrm>
+            <a:off x="2677885" y="4490507"/>
+            <a:ext cx="6215744" cy="2085371"/>
+          </a:xfrm>
+          <a:prstGeom prst="roundRect">
+            <a:avLst/>
+          </a:prstGeom>
+          <a:solidFill>
+            <a:srgbClr val="0C54A0"/>
+          </a:solidFill>
+        </p:spPr>
+        <p:style>
+          <a:lnRef idx="2">
+            <a:schemeClr val="accent1">
+              <a:shade val="15000"/>
+            </a:schemeClr>
+          </a:lnRef>
+          <a:fillRef idx="1">
+            <a:schemeClr val="accent1"/>
+          </a:fillRef>
+          <a:effectRef idx="0">
+            <a:schemeClr val="accent1"/>
+          </a:effectRef>
+          <a:fontRef idx="minor">
+            <a:schemeClr val="lt1"/>
+          </a:fontRef>
+        </p:style>
+        <p:txBody>
+          <a:bodyPr rtlCol="0" anchor="ctr"/>
+          <a:lstStyle/>
+          <a:p>
+            <a:pPr algn="l"/>
+            <a:r>
+              <a:rPr lang="hu-HU" b="0" i="0" dirty="0" err="1">
+                <a:solidFill>
+                  <a:srgbClr val="FFFFFF"/>
+                </a:solidFill>
+                <a:effectLst/>
+                <a:latin typeface="Source Sans Pro" panose="020B0503030403020204" pitchFamily="34" charset="0"/>
+              </a:rPr>
+              <a:t>Hash</a:t>
+            </a:r>
+            <a:r>
+              <a:rPr lang="hu-HU" b="0" i="0" dirty="0">
+                <a:solidFill>
+                  <a:srgbClr val="FFFFFF"/>
+                </a:solidFill>
+                <a:effectLst/>
+                <a:latin typeface="Source Sans Pro" panose="020B0503030403020204" pitchFamily="34" charset="0"/>
+              </a:rPr>
+              <a:t>: a73f26a8d504043f785d7360e8febf2eeb8522ec873a0d4dd5d1d4bfd1e67d3d</a:t>
+            </a:r>
+          </a:p>
+          <a:p>
+            <a:pPr algn="l"/>
+            <a:r>
+              <a:rPr lang="hu-HU" dirty="0" err="1">
+                <a:solidFill>
+                  <a:srgbClr val="FFFFFF"/>
+                </a:solidFill>
+                <a:latin typeface="Source Sans Pro" panose="020B0503030403020204" pitchFamily="34" charset="0"/>
+              </a:rPr>
+              <a:t>Name</a:t>
+            </a:r>
+            <a:r>
+              <a:rPr lang="hu-HU" dirty="0">
+                <a:solidFill>
+                  <a:srgbClr val="FFFFFF"/>
+                </a:solidFill>
+                <a:latin typeface="Source Sans Pro" panose="020B0503030403020204" pitchFamily="34" charset="0"/>
+              </a:rPr>
+              <a:t>: </a:t>
+            </a:r>
+            <a:r>
+              <a:rPr lang="hu-HU" b="0" i="0" u="none" strike="noStrike" dirty="0">
+                <a:solidFill>
+                  <a:srgbClr val="FFFFFF"/>
+                </a:solidFill>
+                <a:effectLst/>
+                <a:latin typeface="Source Sans Pro" panose="020B0503030403020204" pitchFamily="34" charset="0"/>
+              </a:rPr>
+              <a:t>1.xml (</a:t>
+            </a:r>
+            <a:r>
+              <a:rPr lang="hu-HU" b="0" i="0" u="none" strike="noStrike" dirty="0" err="1">
+                <a:solidFill>
+                  <a:srgbClr val="FFFFFF"/>
+                </a:solidFill>
+                <a:effectLst/>
+                <a:latin typeface="Source Sans Pro" panose="020B0503030403020204" pitchFamily="34" charset="0"/>
+              </a:rPr>
+              <a:t>among</a:t>
+            </a:r>
+            <a:r>
+              <a:rPr lang="hu-HU" b="0" i="0" u="none" strike="noStrike" dirty="0">
+                <a:solidFill>
+                  <a:srgbClr val="FFFFFF"/>
+                </a:solidFill>
+                <a:effectLst/>
+                <a:latin typeface="Source Sans Pro" panose="020B0503030403020204" pitchFamily="34" charset="0"/>
+              </a:rPr>
+              <a:t> </a:t>
+            </a:r>
+            <a:r>
+              <a:rPr lang="hu-HU" b="0" i="0" u="none" strike="noStrike" dirty="0" err="1">
+                <a:solidFill>
+                  <a:srgbClr val="FFFFFF"/>
+                </a:solidFill>
+                <a:effectLst/>
+                <a:latin typeface="Source Sans Pro" panose="020B0503030403020204" pitchFamily="34" charset="0"/>
+              </a:rPr>
+              <a:t>others</a:t>
+            </a:r>
+            <a:r>
+              <a:rPr lang="hu-HU" b="0" i="0" u="none" strike="noStrike" dirty="0">
+                <a:solidFill>
+                  <a:srgbClr val="FFFFFF"/>
+                </a:solidFill>
+                <a:effectLst/>
+                <a:latin typeface="Source Sans Pro" panose="020B0503030403020204" pitchFamily="34" charset="0"/>
+              </a:rPr>
+              <a:t>)</a:t>
+            </a:r>
+            <a:endParaRPr lang="hu-HU" b="0" i="0" dirty="0">
+              <a:solidFill>
+                <a:srgbClr val="FFFFFF"/>
+              </a:solidFill>
+              <a:effectLst/>
+              <a:latin typeface="Source Sans Pro" panose="020B0503030403020204" pitchFamily="34" charset="0"/>
+            </a:endParaRPr>
+          </a:p>
+        </p:txBody>
+      </p:sp>
+    </p:spTree>
+    <p:extLst>
+      <p:ext uri="{BB962C8B-B14F-4D97-AF65-F5344CB8AC3E}">
+        <p14:creationId xmlns:p14="http://schemas.microsoft.com/office/powerpoint/2010/main" val="49682067"/>
+      </p:ext>
+    </p:extLst>
+  </p:cSld>
+  <p:clrMapOvr>
+    <a:masterClrMapping/>
+  </p:clrMapOvr>
+</p:sld>
+</file>
+
+<file path=ppt/slides/slide37.xml><?xml version="1.0" encoding="utf-8"?>
 <p:sld xmlns:a="http://schemas.openxmlformats.org/drawingml/2006/main" xmlns:r="http://schemas.openxmlformats.org/officeDocument/2006/relationships" xmlns:p="http://schemas.openxmlformats.org/presentationml/2006/main">
   <p:cSld>
     <p:spTree>
@@ -49191,12 +49889,8 @@
           <a:lstStyle/>
           <a:p>
             <a:r>
-              <a:rPr lang="hu-HU" dirty="0" err="1"/>
-              <a:t>Step</a:t>
-            </a:r>
-            <a:r>
-              <a:rPr lang="hu-HU" dirty="0"/>
-              <a:t> 3</a:t>
+              <a:rPr lang="en-US" dirty="0"/>
+              <a:t>Step 3</a:t>
             </a:r>
           </a:p>
         </p:txBody>
@@ -49230,18 +49924,10 @@
           <a:lstStyle/>
           <a:p>
             <a:r>
-              <a:rPr lang="hu-HU" b="1" dirty="0" err="1"/>
-              <a:t>Lateral</a:t>
-            </a:r>
-            <a:r>
-              <a:rPr lang="hu-HU" b="1" dirty="0"/>
-              <a:t> </a:t>
-            </a:r>
-            <a:r>
-              <a:rPr lang="hu-HU" b="1" dirty="0" err="1"/>
-              <a:t>movement</a:t>
-            </a:r>
-            <a:endParaRPr lang="hu-HU" dirty="0"/>
+              <a:rPr lang="en-US" b="1" dirty="0"/>
+              <a:t>Lateral movement</a:t>
+            </a:r>
+            <a:endParaRPr lang="en-US" dirty="0"/>
           </a:p>
         </p:txBody>
       </p:sp>
@@ -49274,36 +49960,16 @@
           <a:lstStyle/>
           <a:p>
             <a:r>
-              <a:rPr lang="hu-HU" b="1" dirty="0" err="1"/>
-              <a:t>Installing</a:t>
-            </a:r>
-            <a:r>
-              <a:rPr lang="hu-HU" b="1" dirty="0"/>
-              <a:t> </a:t>
-            </a:r>
-            <a:r>
-              <a:rPr lang="hu-HU" b="1" dirty="0" err="1"/>
+              <a:rPr lang="en-US" b="1" dirty="0"/>
+              <a:t>Installing </a:t>
+            </a:r>
+            <a:r>
+              <a:rPr lang="en-US" b="1" dirty="0" err="1"/>
               <a:t>webshell</a:t>
             </a:r>
             <a:r>
-              <a:rPr lang="hu-HU" b="1" dirty="0"/>
-              <a:t> </a:t>
-            </a:r>
-            <a:r>
-              <a:rPr lang="hu-HU" b="1" dirty="0" err="1"/>
-              <a:t>to</a:t>
-            </a:r>
-            <a:r>
-              <a:rPr lang="hu-HU" b="1" dirty="0"/>
-              <a:t> </a:t>
-            </a:r>
-            <a:r>
-              <a:rPr lang="hu-HU" b="1" dirty="0" err="1"/>
-              <a:t>remote</a:t>
-            </a:r>
-            <a:r>
-              <a:rPr lang="hu-HU" b="1" dirty="0"/>
-              <a:t> server</a:t>
+              <a:rPr lang="en-US" b="1" dirty="0"/>
+              <a:t> to remote server</a:t>
             </a:r>
           </a:p>
         </p:txBody>
@@ -49350,16 +50016,8 @@
           <a:lstStyle/>
           <a:p>
             <a:r>
-              <a:rPr lang="hu-HU" dirty="0"/>
-              <a:t>D</a:t>
-            </a:r>
-            <a:r>
-              <a:rPr lang="en-US" dirty="0" err="1"/>
-              <a:t>ownloading</a:t>
-            </a:r>
-            <a:r>
               <a:rPr lang="en-US" dirty="0"/>
-              <a:t> the TWOFACE </a:t>
+              <a:t>Downloading the TWOFACE </a:t>
             </a:r>
             <a:r>
               <a:rPr lang="en-US" dirty="0" err="1"/>
@@ -49367,31 +50025,7 @@
             </a:r>
             <a:r>
               <a:rPr lang="en-US" dirty="0"/>
-              <a:t> (named contact.aspx) via SystemFailureReporter.exe; TWOFACE is then copied from </a:t>
-            </a:r>
-            <a:r>
-              <a:rPr lang="hu-HU" dirty="0" err="1"/>
-              <a:t>the</a:t>
-            </a:r>
-            <a:r>
-              <a:rPr lang="hu-HU" dirty="0"/>
-              <a:t> </a:t>
-            </a:r>
-            <a:r>
-              <a:rPr lang="hu-HU" dirty="0" err="1"/>
-              <a:t>victim</a:t>
-            </a:r>
-            <a:r>
-              <a:rPr lang="en-US" dirty="0"/>
-              <a:t> to </a:t>
-            </a:r>
-            <a:r>
-              <a:rPr lang="hu-HU" dirty="0"/>
-              <a:t>SERVER</a:t>
-            </a:r>
-            <a:r>
-              <a:rPr lang="en-US" dirty="0"/>
-              <a:t> and hidden with </a:t>
+              <a:t> (named contact.aspx) via SystemFailureReporter.exe; TWOFACE is then copied from the victim to SERVER and hidden with </a:t>
             </a:r>
             <a:r>
               <a:rPr lang="en-US" dirty="0" err="1"/>
@@ -49401,7 +50035,6 @@
               <a:rPr lang="en-US" dirty="0"/>
               <a:t> + h.</a:t>
             </a:r>
-            <a:endParaRPr lang="hu-HU" dirty="0"/>
           </a:p>
         </p:txBody>
       </p:sp>
@@ -49434,140 +50067,8 @@
           <a:lstStyle/>
           <a:p>
             <a:r>
-              <a:rPr lang="hu-HU" dirty="0" err="1"/>
-              <a:t>It</a:t>
-            </a:r>
-            <a:r>
-              <a:rPr lang="hu-HU" dirty="0"/>
-              <a:t> has </a:t>
-            </a:r>
-            <a:r>
-              <a:rPr lang="hu-HU" dirty="0" err="1"/>
-              <a:t>been</a:t>
-            </a:r>
-            <a:r>
-              <a:rPr lang="hu-HU" dirty="0"/>
-              <a:t> </a:t>
-            </a:r>
-            <a:r>
-              <a:rPr lang="hu-HU" dirty="0" err="1"/>
-              <a:t>discovered</a:t>
-            </a:r>
-            <a:r>
-              <a:rPr lang="hu-HU" dirty="0"/>
-              <a:t> </a:t>
-            </a:r>
-            <a:r>
-              <a:rPr lang="hu-HU" dirty="0" err="1"/>
-              <a:t>from</a:t>
-            </a:r>
-            <a:r>
-              <a:rPr lang="hu-HU" dirty="0"/>
-              <a:t> </a:t>
-            </a:r>
-            <a:r>
-              <a:rPr lang="hu-HU" dirty="0" err="1"/>
-              <a:t>the</a:t>
-            </a:r>
-            <a:r>
-              <a:rPr lang="hu-HU" dirty="0"/>
-              <a:t> </a:t>
-            </a:r>
-            <a:r>
-              <a:rPr lang="hu-HU" dirty="0" err="1"/>
-              <a:t>credentials</a:t>
-            </a:r>
-            <a:r>
-              <a:rPr lang="hu-HU" dirty="0"/>
-              <a:t> </a:t>
-            </a:r>
-            <a:r>
-              <a:rPr lang="hu-HU" dirty="0" err="1"/>
-              <a:t>dumped</a:t>
-            </a:r>
-            <a:r>
-              <a:rPr lang="hu-HU" dirty="0"/>
-              <a:t> in Step2 </a:t>
-            </a:r>
-            <a:r>
-              <a:rPr lang="hu-HU" dirty="0" err="1"/>
-              <a:t>that</a:t>
-            </a:r>
-            <a:r>
-              <a:rPr lang="hu-HU" dirty="0"/>
-              <a:t> </a:t>
-            </a:r>
-            <a:r>
-              <a:rPr lang="hu-HU" dirty="0" err="1"/>
-              <a:t>the</a:t>
-            </a:r>
-            <a:r>
-              <a:rPr lang="hu-HU" dirty="0"/>
-              <a:t> </a:t>
-            </a:r>
-            <a:r>
-              <a:rPr lang="hu-HU" dirty="0" err="1"/>
-              <a:t>user</a:t>
-            </a:r>
-            <a:r>
-              <a:rPr lang="hu-HU" dirty="0"/>
-              <a:t> </a:t>
-            </a:r>
-            <a:r>
-              <a:rPr lang="hu-HU" dirty="0" err="1"/>
-              <a:t>logged</a:t>
-            </a:r>
-            <a:r>
-              <a:rPr lang="hu-HU" dirty="0"/>
-              <a:t> in </a:t>
-            </a:r>
-            <a:r>
-              <a:rPr lang="hu-HU" dirty="0" err="1"/>
-              <a:t>the</a:t>
-            </a:r>
-            <a:r>
-              <a:rPr lang="hu-HU" dirty="0"/>
-              <a:t> </a:t>
-            </a:r>
-            <a:r>
-              <a:rPr lang="hu-HU" dirty="0" err="1"/>
-              <a:t>Victim</a:t>
-            </a:r>
-            <a:r>
-              <a:rPr lang="hu-HU" dirty="0"/>
-              <a:t> has </a:t>
-            </a:r>
-            <a:r>
-              <a:rPr lang="hu-HU" dirty="0" err="1"/>
-              <a:t>admin</a:t>
-            </a:r>
-            <a:r>
-              <a:rPr lang="hu-HU" dirty="0"/>
-              <a:t> </a:t>
-            </a:r>
-            <a:r>
-              <a:rPr lang="hu-HU" dirty="0" err="1"/>
-              <a:t>priviliges</a:t>
-            </a:r>
-            <a:r>
-              <a:rPr lang="hu-HU" dirty="0"/>
-              <a:t> </a:t>
-            </a:r>
-            <a:r>
-              <a:rPr lang="hu-HU" dirty="0" err="1"/>
-              <a:t>on</a:t>
-            </a:r>
-            <a:r>
-              <a:rPr lang="hu-HU" dirty="0"/>
-              <a:t> </a:t>
-            </a:r>
-            <a:r>
-              <a:rPr lang="hu-HU" dirty="0" err="1"/>
-              <a:t>the</a:t>
-            </a:r>
-            <a:r>
-              <a:rPr lang="hu-HU" dirty="0"/>
-              <a:t> EWS server</a:t>
+              <a:rPr lang="en-US" dirty="0"/>
+              <a:t>It has been discovered from the credentials dumped in Step2 that the user logged in the Victim has admin privileges on the EWS server</a:t>
             </a:r>
           </a:p>
         </p:txBody>
@@ -49585,7 +50086,7 @@
 </p:sld>
 </file>
 
-<file path=ppt/slides/slide36.xml><?xml version="1.0" encoding="utf-8"?>
+<file path=ppt/slides/slide38.xml><?xml version="1.0" encoding="utf-8"?>
 <p:sld xmlns:a="http://schemas.openxmlformats.org/drawingml/2006/main" xmlns:r="http://schemas.openxmlformats.org/officeDocument/2006/relationships" xmlns:p="http://schemas.openxmlformats.org/presentationml/2006/main">
   <p:cSld>
     <p:spTree>
@@ -49834,7 +50335,7 @@
 </p:sld>
 </file>
 
-<file path=ppt/slides/slide37.xml><?xml version="1.0" encoding="utf-8"?>
+<file path=ppt/slides/slide39.xml><?xml version="1.0" encoding="utf-8"?>
 <p:sld xmlns:a="http://schemas.openxmlformats.org/drawingml/2006/main" xmlns:r="http://schemas.openxmlformats.org/officeDocument/2006/relationships" xmlns:p="http://schemas.openxmlformats.org/presentationml/2006/main">
   <p:cSld>
     <p:spTree>
@@ -50016,222 +50517,6 @@
     <p:extLst>
       <p:ext uri="{BB962C8B-B14F-4D97-AF65-F5344CB8AC3E}">
         <p14:creationId xmlns:p14="http://schemas.microsoft.com/office/powerpoint/2010/main" val="1325367453"/>
-      </p:ext>
-    </p:extLst>
-  </p:cSld>
-  <p:clrMapOvr>
-    <a:masterClrMapping/>
-  </p:clrMapOvr>
-</p:sld>
-</file>
-
-<file path=ppt/slides/slide38.xml><?xml version="1.0" encoding="utf-8"?>
-<p:sld xmlns:a="http://schemas.openxmlformats.org/drawingml/2006/main" xmlns:r="http://schemas.openxmlformats.org/officeDocument/2006/relationships" xmlns:p="http://schemas.openxmlformats.org/presentationml/2006/main">
-  <p:cSld>
-    <p:spTree>
-      <p:nvGrpSpPr>
-        <p:cNvPr id="1" name=""/>
-        <p:cNvGrpSpPr/>
-        <p:nvPr/>
-      </p:nvGrpSpPr>
-      <p:grpSpPr>
-        <a:xfrm>
-          <a:off x="0" y="0"/>
-          <a:ext cx="0" cy="0"/>
-          <a:chOff x="0" y="0"/>
-          <a:chExt cx="0" cy="0"/>
-        </a:xfrm>
-      </p:grpSpPr>
-      <p:sp>
-        <p:nvSpPr>
-          <p:cNvPr id="2" name="Nadpis 1">
-            <a:extLst>
-              <a:ext uri="{FF2B5EF4-FFF2-40B4-BE49-F238E27FC236}">
-                <a16:creationId xmlns:a16="http://schemas.microsoft.com/office/drawing/2014/main" id="{06A0B127-35F3-4653-B993-472C56E0C370}"/>
-              </a:ext>
-            </a:extLst>
-          </p:cNvPr>
-          <p:cNvSpPr>
-            <a:spLocks noGrp="1"/>
-          </p:cNvSpPr>
-          <p:nvPr>
-            <p:ph type="title"/>
-          </p:nvPr>
-        </p:nvSpPr>
-        <p:spPr/>
-        <p:txBody>
-          <a:bodyPr/>
-          <a:lstStyle/>
-          <a:p>
-            <a:r>
-              <a:rPr lang="en-US" noProof="0"/>
-              <a:t>Thank you for your attention</a:t>
-            </a:r>
-          </a:p>
-        </p:txBody>
-      </p:sp>
-      <p:sp>
-        <p:nvSpPr>
-          <p:cNvPr id="3" name="Zástupný symbol pro text 2">
-            <a:extLst>
-              <a:ext uri="{FF2B5EF4-FFF2-40B4-BE49-F238E27FC236}">
-                <a16:creationId xmlns:a16="http://schemas.microsoft.com/office/drawing/2014/main" id="{DDCEA5FD-4CBF-4296-AC02-F7A59493921E}"/>
-              </a:ext>
-            </a:extLst>
-          </p:cNvPr>
-          <p:cNvSpPr>
-            <a:spLocks noGrp="1"/>
-          </p:cNvSpPr>
-          <p:nvPr>
-            <p:ph type="body" sz="quarter" idx="10"/>
-          </p:nvPr>
-        </p:nvSpPr>
-        <p:spPr>
-          <a:xfrm>
-            <a:off x="647700" y="4185502"/>
-            <a:ext cx="3389462" cy="697050"/>
-          </a:xfrm>
-        </p:spPr>
-        <p:txBody>
-          <a:bodyPr>
-            <a:normAutofit/>
-          </a:bodyPr>
-          <a:lstStyle/>
-          <a:p>
-            <a:pPr lvl="0">
-              <a:defRPr/>
-            </a:pPr>
-            <a:r>
-              <a:rPr lang="en-US" b="1">
-                <a:latin typeface="Arial" panose="020B0604020202020204" pitchFamily="34" charset="0"/>
-                <a:cs typeface="Arial" panose="020B0604020202020204" pitchFamily="34" charset="0"/>
-              </a:rPr>
-              <a:t>European Union Agency for Cybersecurity</a:t>
-            </a:r>
-            <a:br>
-              <a:rPr lang="en-US">
-                <a:latin typeface="Arial" panose="020B0604020202020204" pitchFamily="34" charset="0"/>
-                <a:cs typeface="Arial" panose="020B0604020202020204" pitchFamily="34" charset="0"/>
-              </a:rPr>
-            </a:br>
-            <a:r>
-              <a:rPr lang="en-US">
-                <a:latin typeface="Arial" panose="020B0604020202020204" pitchFamily="34" charset="0"/>
-                <a:cs typeface="Arial" panose="020B0604020202020204" pitchFamily="34" charset="0"/>
-              </a:rPr>
-              <a:t>Vasilissis Sofias Str 1, Maroussi 151 24</a:t>
-            </a:r>
-          </a:p>
-          <a:p>
-            <a:pPr lvl="0">
-              <a:defRPr/>
-            </a:pPr>
-            <a:r>
-              <a:rPr lang="en-US">
-                <a:latin typeface="Arial" panose="020B0604020202020204" pitchFamily="34" charset="0"/>
-                <a:cs typeface="Arial" panose="020B0604020202020204" pitchFamily="34" charset="0"/>
-              </a:rPr>
-              <a:t>Attiki, Greece</a:t>
-            </a:r>
-          </a:p>
-        </p:txBody>
-      </p:sp>
-      <p:sp>
-        <p:nvSpPr>
-          <p:cNvPr id="4" name="Zástupný symbol pro text 3">
-            <a:extLst>
-              <a:ext uri="{FF2B5EF4-FFF2-40B4-BE49-F238E27FC236}">
-                <a16:creationId xmlns:a16="http://schemas.microsoft.com/office/drawing/2014/main" id="{F6821014-963F-46A5-BCD7-093B1F475498}"/>
-              </a:ext>
-            </a:extLst>
-          </p:cNvPr>
-          <p:cNvSpPr>
-            <a:spLocks noGrp="1"/>
-          </p:cNvSpPr>
-          <p:nvPr>
-            <p:ph type="body" sz="quarter" idx="11"/>
-          </p:nvPr>
-        </p:nvSpPr>
-        <p:spPr/>
-        <p:txBody>
-          <a:bodyPr/>
-          <a:lstStyle/>
-          <a:p>
-            <a:r>
-              <a:rPr lang="en-US" noProof="0"/>
-              <a:t>+30 28 14 40 9711</a:t>
-            </a:r>
-          </a:p>
-        </p:txBody>
-      </p:sp>
-      <p:sp>
-        <p:nvSpPr>
-          <p:cNvPr id="5" name="Zástupný symbol pro text 4">
-            <a:extLst>
-              <a:ext uri="{FF2B5EF4-FFF2-40B4-BE49-F238E27FC236}">
-                <a16:creationId xmlns:a16="http://schemas.microsoft.com/office/drawing/2014/main" id="{21F7E587-E17D-45D3-9EE2-9AA942823AF8}"/>
-              </a:ext>
-            </a:extLst>
-          </p:cNvPr>
-          <p:cNvSpPr>
-            <a:spLocks noGrp="1"/>
-          </p:cNvSpPr>
-          <p:nvPr>
-            <p:ph type="body" sz="quarter" idx="12"/>
-          </p:nvPr>
-        </p:nvSpPr>
-        <p:spPr/>
-        <p:txBody>
-          <a:bodyPr/>
-          <a:lstStyle/>
-          <a:p>
-            <a:r>
-              <a:rPr lang="en-US" noProof="0"/>
-              <a:t>info</a:t>
-            </a:r>
-            <a:r>
-              <a:rPr lang="en-US" noProof="0">
-                <a:latin typeface="Arial" panose="020B0604020202020204" pitchFamily="34" charset="0"/>
-                <a:cs typeface="Arial" panose="020B0604020202020204" pitchFamily="34" charset="0"/>
-              </a:rPr>
-              <a:t>@enisa.europa.eu</a:t>
-            </a:r>
-            <a:endParaRPr lang="en-US" noProof="0"/>
-          </a:p>
-        </p:txBody>
-      </p:sp>
-      <p:sp>
-        <p:nvSpPr>
-          <p:cNvPr id="6" name="Zástupný symbol pro text 5">
-            <a:extLst>
-              <a:ext uri="{FF2B5EF4-FFF2-40B4-BE49-F238E27FC236}">
-                <a16:creationId xmlns:a16="http://schemas.microsoft.com/office/drawing/2014/main" id="{4D65B8DD-44C8-4CCB-AC99-C3462440D40A}"/>
-              </a:ext>
-            </a:extLst>
-          </p:cNvPr>
-          <p:cNvSpPr>
-            <a:spLocks noGrp="1"/>
-          </p:cNvSpPr>
-          <p:nvPr>
-            <p:ph type="body" sz="quarter" idx="13"/>
-          </p:nvPr>
-        </p:nvSpPr>
-        <p:spPr/>
-        <p:txBody>
-          <a:bodyPr/>
-          <a:lstStyle/>
-          <a:p>
-            <a:r>
-              <a:rPr lang="en-US" noProof="0"/>
-              <a:t>www.enisa.europa.eu</a:t>
-            </a:r>
-          </a:p>
-        </p:txBody>
-      </p:sp>
-    </p:spTree>
-    <p:extLst>
-      <p:ext uri="{BB962C8B-B14F-4D97-AF65-F5344CB8AC3E}">
-        <p14:creationId xmlns:p14="http://schemas.microsoft.com/office/powerpoint/2010/main" val="2776753093"/>
       </p:ext>
     </p:extLst>
   </p:cSld>
@@ -50492,6 +50777,222 @@
     <p:extLst>
       <p:ext uri="{BB962C8B-B14F-4D97-AF65-F5344CB8AC3E}">
         <p14:creationId xmlns:p14="http://schemas.microsoft.com/office/powerpoint/2010/main" val="1145973201"/>
+      </p:ext>
+    </p:extLst>
+  </p:cSld>
+  <p:clrMapOvr>
+    <a:masterClrMapping/>
+  </p:clrMapOvr>
+</p:sld>
+</file>
+
+<file path=ppt/slides/slide40.xml><?xml version="1.0" encoding="utf-8"?>
+<p:sld xmlns:a="http://schemas.openxmlformats.org/drawingml/2006/main" xmlns:r="http://schemas.openxmlformats.org/officeDocument/2006/relationships" xmlns:p="http://schemas.openxmlformats.org/presentationml/2006/main">
+  <p:cSld>
+    <p:spTree>
+      <p:nvGrpSpPr>
+        <p:cNvPr id="1" name=""/>
+        <p:cNvGrpSpPr/>
+        <p:nvPr/>
+      </p:nvGrpSpPr>
+      <p:grpSpPr>
+        <a:xfrm>
+          <a:off x="0" y="0"/>
+          <a:ext cx="0" cy="0"/>
+          <a:chOff x="0" y="0"/>
+          <a:chExt cx="0" cy="0"/>
+        </a:xfrm>
+      </p:grpSpPr>
+      <p:sp>
+        <p:nvSpPr>
+          <p:cNvPr id="2" name="Nadpis 1">
+            <a:extLst>
+              <a:ext uri="{FF2B5EF4-FFF2-40B4-BE49-F238E27FC236}">
+                <a16:creationId xmlns:a16="http://schemas.microsoft.com/office/drawing/2014/main" id="{06A0B127-35F3-4653-B993-472C56E0C370}"/>
+              </a:ext>
+            </a:extLst>
+          </p:cNvPr>
+          <p:cNvSpPr>
+            <a:spLocks noGrp="1"/>
+          </p:cNvSpPr>
+          <p:nvPr>
+            <p:ph type="title"/>
+          </p:nvPr>
+        </p:nvSpPr>
+        <p:spPr/>
+        <p:txBody>
+          <a:bodyPr/>
+          <a:lstStyle/>
+          <a:p>
+            <a:r>
+              <a:rPr lang="en-US" noProof="0"/>
+              <a:t>Thank you for your attention</a:t>
+            </a:r>
+          </a:p>
+        </p:txBody>
+      </p:sp>
+      <p:sp>
+        <p:nvSpPr>
+          <p:cNvPr id="3" name="Zástupný symbol pro text 2">
+            <a:extLst>
+              <a:ext uri="{FF2B5EF4-FFF2-40B4-BE49-F238E27FC236}">
+                <a16:creationId xmlns:a16="http://schemas.microsoft.com/office/drawing/2014/main" id="{DDCEA5FD-4CBF-4296-AC02-F7A59493921E}"/>
+              </a:ext>
+            </a:extLst>
+          </p:cNvPr>
+          <p:cNvSpPr>
+            <a:spLocks noGrp="1"/>
+          </p:cNvSpPr>
+          <p:nvPr>
+            <p:ph type="body" sz="quarter" idx="10"/>
+          </p:nvPr>
+        </p:nvSpPr>
+        <p:spPr>
+          <a:xfrm>
+            <a:off x="647700" y="4185502"/>
+            <a:ext cx="3389462" cy="697050"/>
+          </a:xfrm>
+        </p:spPr>
+        <p:txBody>
+          <a:bodyPr>
+            <a:normAutofit/>
+          </a:bodyPr>
+          <a:lstStyle/>
+          <a:p>
+            <a:pPr lvl="0">
+              <a:defRPr/>
+            </a:pPr>
+            <a:r>
+              <a:rPr lang="en-US" b="1">
+                <a:latin typeface="Arial" panose="020B0604020202020204" pitchFamily="34" charset="0"/>
+                <a:cs typeface="Arial" panose="020B0604020202020204" pitchFamily="34" charset="0"/>
+              </a:rPr>
+              <a:t>European Union Agency for Cybersecurity</a:t>
+            </a:r>
+            <a:br>
+              <a:rPr lang="en-US">
+                <a:latin typeface="Arial" panose="020B0604020202020204" pitchFamily="34" charset="0"/>
+                <a:cs typeface="Arial" panose="020B0604020202020204" pitchFamily="34" charset="0"/>
+              </a:rPr>
+            </a:br>
+            <a:r>
+              <a:rPr lang="en-US">
+                <a:latin typeface="Arial" panose="020B0604020202020204" pitchFamily="34" charset="0"/>
+                <a:cs typeface="Arial" panose="020B0604020202020204" pitchFamily="34" charset="0"/>
+              </a:rPr>
+              <a:t>Vasilissis Sofias Str 1, Maroussi 151 24</a:t>
+            </a:r>
+          </a:p>
+          <a:p>
+            <a:pPr lvl="0">
+              <a:defRPr/>
+            </a:pPr>
+            <a:r>
+              <a:rPr lang="en-US">
+                <a:latin typeface="Arial" panose="020B0604020202020204" pitchFamily="34" charset="0"/>
+                <a:cs typeface="Arial" panose="020B0604020202020204" pitchFamily="34" charset="0"/>
+              </a:rPr>
+              <a:t>Attiki, Greece</a:t>
+            </a:r>
+          </a:p>
+        </p:txBody>
+      </p:sp>
+      <p:sp>
+        <p:nvSpPr>
+          <p:cNvPr id="4" name="Zástupný symbol pro text 3">
+            <a:extLst>
+              <a:ext uri="{FF2B5EF4-FFF2-40B4-BE49-F238E27FC236}">
+                <a16:creationId xmlns:a16="http://schemas.microsoft.com/office/drawing/2014/main" id="{F6821014-963F-46A5-BCD7-093B1F475498}"/>
+              </a:ext>
+            </a:extLst>
+          </p:cNvPr>
+          <p:cNvSpPr>
+            <a:spLocks noGrp="1"/>
+          </p:cNvSpPr>
+          <p:nvPr>
+            <p:ph type="body" sz="quarter" idx="11"/>
+          </p:nvPr>
+        </p:nvSpPr>
+        <p:spPr/>
+        <p:txBody>
+          <a:bodyPr/>
+          <a:lstStyle/>
+          <a:p>
+            <a:r>
+              <a:rPr lang="en-US" noProof="0"/>
+              <a:t>+30 28 14 40 9711</a:t>
+            </a:r>
+          </a:p>
+        </p:txBody>
+      </p:sp>
+      <p:sp>
+        <p:nvSpPr>
+          <p:cNvPr id="5" name="Zástupný symbol pro text 4">
+            <a:extLst>
+              <a:ext uri="{FF2B5EF4-FFF2-40B4-BE49-F238E27FC236}">
+                <a16:creationId xmlns:a16="http://schemas.microsoft.com/office/drawing/2014/main" id="{21F7E587-E17D-45D3-9EE2-9AA942823AF8}"/>
+              </a:ext>
+            </a:extLst>
+          </p:cNvPr>
+          <p:cNvSpPr>
+            <a:spLocks noGrp="1"/>
+          </p:cNvSpPr>
+          <p:nvPr>
+            <p:ph type="body" sz="quarter" idx="12"/>
+          </p:nvPr>
+        </p:nvSpPr>
+        <p:spPr/>
+        <p:txBody>
+          <a:bodyPr/>
+          <a:lstStyle/>
+          <a:p>
+            <a:r>
+              <a:rPr lang="en-US" noProof="0"/>
+              <a:t>info</a:t>
+            </a:r>
+            <a:r>
+              <a:rPr lang="en-US" noProof="0">
+                <a:latin typeface="Arial" panose="020B0604020202020204" pitchFamily="34" charset="0"/>
+                <a:cs typeface="Arial" panose="020B0604020202020204" pitchFamily="34" charset="0"/>
+              </a:rPr>
+              <a:t>@enisa.europa.eu</a:t>
+            </a:r>
+            <a:endParaRPr lang="en-US" noProof="0"/>
+          </a:p>
+        </p:txBody>
+      </p:sp>
+      <p:sp>
+        <p:nvSpPr>
+          <p:cNvPr id="6" name="Zástupný symbol pro text 5">
+            <a:extLst>
+              <a:ext uri="{FF2B5EF4-FFF2-40B4-BE49-F238E27FC236}">
+                <a16:creationId xmlns:a16="http://schemas.microsoft.com/office/drawing/2014/main" id="{4D65B8DD-44C8-4CCB-AC99-C3462440D40A}"/>
+              </a:ext>
+            </a:extLst>
+          </p:cNvPr>
+          <p:cNvSpPr>
+            <a:spLocks noGrp="1"/>
+          </p:cNvSpPr>
+          <p:nvPr>
+            <p:ph type="body" sz="quarter" idx="13"/>
+          </p:nvPr>
+        </p:nvSpPr>
+        <p:spPr/>
+        <p:txBody>
+          <a:bodyPr/>
+          <a:lstStyle/>
+          <a:p>
+            <a:r>
+              <a:rPr lang="en-US" noProof="0"/>
+              <a:t>www.enisa.europa.eu</a:t>
+            </a:r>
+          </a:p>
+        </p:txBody>
+      </p:sp>
+    </p:spTree>
+    <p:extLst>
+      <p:ext uri="{BB962C8B-B14F-4D97-AF65-F5344CB8AC3E}">
+        <p14:creationId xmlns:p14="http://schemas.microsoft.com/office/powerpoint/2010/main" val="2776753093"/>
       </p:ext>
     </p:extLst>
   </p:cSld>
@@ -53372,12 +53873,21 @@
 </file>
 
 <file path=customXml/item1.xml><?xml version="1.0" encoding="utf-8"?>
+<?mso-contentType ?>
+<FormTemplates xmlns="http://schemas.microsoft.com/sharepoint/v3/contenttype/forms">
+  <Display>DocumentLibraryForm</Display>
+  <Edit>DocumentLibraryForm</Edit>
+  <New>DocumentLibraryForm</New>
+</FormTemplates>
+</file>
+
+<file path=customXml/item2.xml><?xml version="1.0" encoding="utf-8"?>
 <p:properties xmlns:p="http://schemas.microsoft.com/office/2006/metadata/properties" xmlns:xsi="http://www.w3.org/2001/XMLSchema-instance" xmlns:pc="http://schemas.microsoft.com/office/infopath/2007/PartnerControls">
   <documentManagement/>
 </p:properties>
 </file>
 
-<file path=customXml/item2.xml><?xml version="1.0" encoding="utf-8"?>
+<file path=customXml/item3.xml><?xml version="1.0" encoding="utf-8"?>
 <ct:contentTypeSchema xmlns:ct="http://schemas.microsoft.com/office/2006/metadata/contentType" xmlns:ma="http://schemas.microsoft.com/office/2006/metadata/properties/metaAttributes" ct:_="" ma:_="" ma:contentTypeName="Document" ma:contentTypeID="0x0101009A1848C9F21A504CA7152D81B4825E39" ma:contentTypeVersion="4" ma:contentTypeDescription="Create a new document." ma:contentTypeScope="" ma:versionID="98a07da6ef07519fcdec19bf065509a7">
   <xsd:schema xmlns:xsd="http://www.w3.org/2001/XMLSchema" xmlns:xs="http://www.w3.org/2001/XMLSchema" xmlns:p="http://schemas.microsoft.com/office/2006/metadata/properties" xmlns:ns2="d4b83485-4571-4848-b80f-9395d4c7fedb" targetNamespace="http://schemas.microsoft.com/office/2006/metadata/properties" ma:root="true" ma:fieldsID="ce4401a11adc0d635126e3dbcbedf590" ns2:_="">
     <xsd:import namespace="d4b83485-4571-4848-b80f-9395d4c7fedb"/>
@@ -53521,16 +54031,15 @@
 </ct:contentTypeSchema>
 </file>
 
-<file path=customXml/item3.xml><?xml version="1.0" encoding="utf-8"?>
-<?mso-contentType ?>
-<FormTemplates xmlns="http://schemas.microsoft.com/sharepoint/v3/contenttype/forms">
-  <Display>DocumentLibraryForm</Display>
-  <Edit>DocumentLibraryForm</Edit>
-  <New>DocumentLibraryForm</New>
-</FormTemplates>
+<file path=customXml/itemProps1.xml><?xml version="1.0" encoding="utf-8"?>
+<ds:datastoreItem xmlns:ds="http://schemas.openxmlformats.org/officeDocument/2006/customXml" ds:itemID="{76FCC6D6-0EA7-4836-8197-8D03045983EB}">
+  <ds:schemaRefs>
+    <ds:schemaRef ds:uri="http://schemas.microsoft.com/sharepoint/v3/contenttype/forms"/>
+  </ds:schemaRefs>
+</ds:datastoreItem>
 </file>
 
-<file path=customXml/itemProps1.xml><?xml version="1.0" encoding="utf-8"?>
+<file path=customXml/itemProps2.xml><?xml version="1.0" encoding="utf-8"?>
 <ds:datastoreItem xmlns:ds="http://schemas.openxmlformats.org/officeDocument/2006/customXml" ds:itemID="{8B9AA292-43A5-4729-8971-3F885FF3ED0C}">
   <ds:schemaRefs>
     <ds:schemaRef ds:uri="http://schemas.microsoft.com/office/2006/metadata/properties"/>
@@ -53539,7 +54048,7 @@
 </ds:datastoreItem>
 </file>
 
-<file path=customXml/itemProps2.xml><?xml version="1.0" encoding="utf-8"?>
+<file path=customXml/itemProps3.xml><?xml version="1.0" encoding="utf-8"?>
 <ds:datastoreItem xmlns:ds="http://schemas.openxmlformats.org/officeDocument/2006/customXml" ds:itemID="{5C1CDA6F-0620-4809-85AD-69E9B388C165}">
   <ds:schemaRefs>
     <ds:schemaRef ds:uri="http://schemas.microsoft.com/office/2006/metadata/contentType"/>
@@ -53555,12 +54064,4 @@
     <ds:schemaRef ds:uri="http://schemas.microsoft.com/internal/obd"/>
   </ds:schemaRefs>
 </ds:datastoreItem>
-</file>
-
-<file path=customXml/itemProps3.xml><?xml version="1.0" encoding="utf-8"?>
-<ds:datastoreItem xmlns:ds="http://schemas.openxmlformats.org/officeDocument/2006/customXml" ds:itemID="{76FCC6D6-0EA7-4836-8197-8D03045983EB}">
-  <ds:schemaRefs>
-    <ds:schemaRef ds:uri="http://schemas.microsoft.com/sharepoint/v3/contenttype/forms"/>
-  </ds:schemaRefs>
-</ds:datastoreItem>
 </file>
--- a/Cyber exercise.pptx
+++ b/Cyber exercise.pptx
@@ -5,10 +5,10 @@
     <p:sldMasterId id="2147483648" r:id="rId4"/>
   </p:sldMasterIdLst>
   <p:notesMasterIdLst>
-    <p:notesMasterId r:id="rId45"/>
+    <p:notesMasterId r:id="rId46"/>
   </p:notesMasterIdLst>
   <p:handoutMasterIdLst>
-    <p:handoutMasterId r:id="rId46"/>
+    <p:handoutMasterId r:id="rId47"/>
   </p:handoutMasterIdLst>
   <p:sldIdLst>
     <p:sldId id="284" r:id="rId5"/>
@@ -50,7 +50,8 @@
     <p:sldId id="583" r:id="rId41"/>
     <p:sldId id="584" r:id="rId42"/>
     <p:sldId id="585" r:id="rId43"/>
-    <p:sldId id="277" r:id="rId44"/>
+    <p:sldId id="589" r:id="rId44"/>
+    <p:sldId id="277" r:id="rId45"/>
   </p:sldIdLst>
   <p:sldSz cx="9144000" cy="6858000" type="screen4x3"/>
   <p:notesSz cx="6858000" cy="9144000"/>
@@ -29090,24 +29091,24 @@
           <a:lstStyle/>
           <a:p>
             <a:r>
-              <a:rPr lang="en-US"/>
+              <a:rPr lang="en-US" dirty="0"/>
               <a:t>The scenario is built around adversary emulation. Adversary emulation is an activity where security experts emulate how an adversary operates. The ultimate goal is to improve how resilient the organization is versus adversary techniques. Both red and purple teaming can be considered as adversary emulation.</a:t>
             </a:r>
           </a:p>
           <a:p>
             <a:r>
-              <a:rPr lang="en-US"/>
+              <a:rPr lang="en-US" dirty="0"/>
               <a:t>Although the terms are often mixed, emulation isn’t the same as simulation. Emulation is impersonating a real threat actor, based on its observed activity. Simulation is about an adversary which is not real. Explain to the students the difference of the two terms.</a:t>
             </a:r>
           </a:p>
           <a:p>
             <a:r>
-              <a:rPr lang="en-US"/>
+              <a:rPr lang="en-US" dirty="0"/>
               <a:t>Adversary activities are described using Tactics, Techniques &amp; Procedures (TTPs), using a Unified Kill Chain . TTPs are not as concrete as for example indicators of compromise (IOCs), but they describe how an adversary operates at a higher level.</a:t>
             </a:r>
           </a:p>
           <a:p>
-            <a:endParaRPr lang="en-US"/>
+            <a:endParaRPr lang="en-US" dirty="0"/>
           </a:p>
         </p:txBody>
       </p:sp>
@@ -30709,6 +30710,117 @@
 </p:notes>
 </file>
 
+<file path=ppt/notesSlides/notesSlide31.xml><?xml version="1.0" encoding="utf-8"?>
+<p:notes xmlns:a="http://schemas.openxmlformats.org/drawingml/2006/main" xmlns:r="http://schemas.openxmlformats.org/officeDocument/2006/relationships" xmlns:p="http://schemas.openxmlformats.org/presentationml/2006/main">
+  <p:cSld>
+    <p:spTree>
+      <p:nvGrpSpPr>
+        <p:cNvPr id="1" name="">
+          <a:extLst>
+            <a:ext uri="{FF2B5EF4-FFF2-40B4-BE49-F238E27FC236}">
+              <a16:creationId xmlns:a16="http://schemas.microsoft.com/office/drawing/2014/main" id="{DE7072D4-343D-276A-56C6-5E671D800837}"/>
+            </a:ext>
+          </a:extLst>
+        </p:cNvPr>
+        <p:cNvGrpSpPr/>
+        <p:nvPr/>
+      </p:nvGrpSpPr>
+      <p:grpSpPr>
+        <a:xfrm>
+          <a:off x="0" y="0"/>
+          <a:ext cx="0" cy="0"/>
+          <a:chOff x="0" y="0"/>
+          <a:chExt cx="0" cy="0"/>
+        </a:xfrm>
+      </p:grpSpPr>
+      <p:sp>
+        <p:nvSpPr>
+          <p:cNvPr id="2" name="Slide Image Placeholder 1">
+            <a:extLst>
+              <a:ext uri="{FF2B5EF4-FFF2-40B4-BE49-F238E27FC236}">
+                <a16:creationId xmlns:a16="http://schemas.microsoft.com/office/drawing/2014/main" id="{9B6C9480-F7C7-0C6A-854B-33267E6B2609}"/>
+              </a:ext>
+            </a:extLst>
+          </p:cNvPr>
+          <p:cNvSpPr>
+            <a:spLocks noGrp="1" noRot="1" noChangeAspect="1"/>
+          </p:cNvSpPr>
+          <p:nvPr>
+            <p:ph type="sldImg"/>
+          </p:nvPr>
+        </p:nvSpPr>
+        <p:spPr/>
+      </p:sp>
+      <p:sp>
+        <p:nvSpPr>
+          <p:cNvPr id="3" name="Notes Placeholder 2">
+            <a:extLst>
+              <a:ext uri="{FF2B5EF4-FFF2-40B4-BE49-F238E27FC236}">
+                <a16:creationId xmlns:a16="http://schemas.microsoft.com/office/drawing/2014/main" id="{F8CA5314-2662-4490-8E87-AECF4D6489EA}"/>
+              </a:ext>
+            </a:extLst>
+          </p:cNvPr>
+          <p:cNvSpPr>
+            <a:spLocks noGrp="1"/>
+          </p:cNvSpPr>
+          <p:nvPr>
+            <p:ph type="body" idx="1"/>
+          </p:nvPr>
+        </p:nvSpPr>
+        <p:spPr/>
+        <p:txBody>
+          <a:bodyPr/>
+          <a:lstStyle/>
+          <a:p>
+            <a:endParaRPr lang="en-US" dirty="0">
+              <a:ea typeface="Calibri"/>
+              <a:cs typeface="Calibri"/>
+            </a:endParaRPr>
+          </a:p>
+        </p:txBody>
+      </p:sp>
+      <p:sp>
+        <p:nvSpPr>
+          <p:cNvPr id="4" name="Slide Number Placeholder 3">
+            <a:extLst>
+              <a:ext uri="{FF2B5EF4-FFF2-40B4-BE49-F238E27FC236}">
+                <a16:creationId xmlns:a16="http://schemas.microsoft.com/office/drawing/2014/main" id="{68D1ABD9-0576-2CC5-2CD3-4C9B704CDEAC}"/>
+              </a:ext>
+            </a:extLst>
+          </p:cNvPr>
+          <p:cNvSpPr>
+            <a:spLocks noGrp="1"/>
+          </p:cNvSpPr>
+          <p:nvPr>
+            <p:ph type="sldNum" sz="quarter" idx="5"/>
+          </p:nvPr>
+        </p:nvSpPr>
+        <p:spPr/>
+        <p:txBody>
+          <a:bodyPr/>
+          <a:lstStyle/>
+          <a:p>
+            <a:fld id="{AB40B6F2-39BF-4782-9A62-09DEC8CE7498}" type="slidenum">
+              <a:rPr lang="cs-CZ" smtClean="0"/>
+              <a:t>40</a:t>
+            </a:fld>
+            <a:endParaRPr lang="cs-CZ"/>
+          </a:p>
+        </p:txBody>
+      </p:sp>
+    </p:spTree>
+    <p:extLst>
+      <p:ext uri="{BB962C8B-B14F-4D97-AF65-F5344CB8AC3E}">
+        <p14:creationId xmlns:p14="http://schemas.microsoft.com/office/powerpoint/2010/main" val="1819790366"/>
+      </p:ext>
+    </p:extLst>
+  </p:cSld>
+  <p:clrMapOvr>
+    <a:masterClrMapping/>
+  </p:clrMapOvr>
+</p:notes>
+</file>
+
 <file path=ppt/notesSlides/notesSlide4.xml><?xml version="1.0" encoding="utf-8"?>
 <p:notes xmlns:a="http://schemas.openxmlformats.org/drawingml/2006/main" xmlns:r="http://schemas.openxmlformats.org/officeDocument/2006/relationships" xmlns:p="http://schemas.openxmlformats.org/presentationml/2006/main">
   <p:cSld>
@@ -31234,78 +31346,78 @@
           <a:lstStyle/>
           <a:p>
             <a:r>
-              <a:rPr lang="en-US"/>
+              <a:rPr lang="en-US" dirty="0"/>
               <a:t>Discuss with the students the type of victim information that needs to be included in the bundle. </a:t>
             </a:r>
           </a:p>
           <a:p>
             <a:r>
-              <a:rPr lang="en-US"/>
+              <a:rPr lang="en-US" dirty="0"/>
               <a:t>•	In which sector and region is the victim operating?</a:t>
             </a:r>
           </a:p>
           <a:p>
             <a:r>
-              <a:rPr lang="en-US"/>
+              <a:rPr lang="en-US" dirty="0"/>
               <a:t>o	Is it an Operator of Essential Services (OES)?</a:t>
             </a:r>
           </a:p>
           <a:p>
             <a:r>
-              <a:rPr lang="en-US"/>
+              <a:rPr lang="en-US" dirty="0"/>
               <a:t>o	Is the report from the main / central office or from a regional branch?</a:t>
             </a:r>
           </a:p>
           <a:p>
             <a:r>
-              <a:rPr lang="en-US"/>
+              <a:rPr lang="en-US" dirty="0"/>
               <a:t>•	Under which legislation will you have to operate?</a:t>
             </a:r>
           </a:p>
           <a:p>
             <a:r>
-              <a:rPr lang="en-US"/>
+              <a:rPr lang="en-US" dirty="0"/>
               <a:t>o	Do you have the mandate to operate? </a:t>
             </a:r>
           </a:p>
           <a:p>
             <a:r>
-              <a:rPr lang="en-US"/>
+              <a:rPr lang="en-US" dirty="0"/>
               <a:t>o	Is another national / government team responsible?</a:t>
             </a:r>
           </a:p>
           <a:p>
             <a:r>
-              <a:rPr lang="en-US"/>
+              <a:rPr lang="en-US" dirty="0"/>
               <a:t>•	Who will be your primary contact? </a:t>
             </a:r>
           </a:p>
           <a:p>
             <a:r>
-              <a:rPr lang="en-US"/>
+              <a:rPr lang="en-US" dirty="0"/>
               <a:t>o	What is the role, mandate, authority and responsibility?</a:t>
             </a:r>
           </a:p>
           <a:p>
             <a:r>
-              <a:rPr lang="en-US"/>
+              <a:rPr lang="en-US" dirty="0"/>
               <a:t>o	Does your contact have executive powers towards IT?</a:t>
             </a:r>
           </a:p>
           <a:p>
             <a:r>
-              <a:rPr lang="en-US"/>
+              <a:rPr lang="en-US" dirty="0"/>
               <a:t>o	But also influence on the victim’s board?</a:t>
             </a:r>
           </a:p>
           <a:p>
             <a:r>
-              <a:rPr lang="en-US"/>
+              <a:rPr lang="en-US" dirty="0"/>
               <a:t>Complement the victim information with relevant threat information. Start a new group discussion and keep a reference to the ATT&amp;CK framework for describing the threat actors</a:t>
             </a:r>
           </a:p>
           <a:p>
-            <a:endParaRPr lang="en-US"/>
+            <a:endParaRPr lang="en-US" dirty="0"/>
           </a:p>
         </p:txBody>
       </p:sp>
@@ -48265,6 +48377,216 @@
   <p:clrMapOvr>
     <a:masterClrMapping/>
   </p:clrMapOvr>
+  <p:timing>
+    <p:tnLst>
+      <p:par>
+        <p:cTn id="1" dur="indefinite" restart="never" nodeType="tmRoot">
+          <p:childTnLst>
+            <p:seq concurrent="1" nextAc="seek">
+              <p:cTn id="2" dur="indefinite" nodeType="mainSeq">
+                <p:childTnLst>
+                  <p:par>
+                    <p:cTn id="3" fill="hold">
+                      <p:stCondLst>
+                        <p:cond delay="indefinite"/>
+                        <p:cond evt="onBegin" delay="0">
+                          <p:tn val="2"/>
+                        </p:cond>
+                      </p:stCondLst>
+                      <p:childTnLst>
+                        <p:par>
+                          <p:cTn id="4" fill="hold">
+                            <p:stCondLst>
+                              <p:cond delay="0"/>
+                            </p:stCondLst>
+                            <p:childTnLst>
+                              <p:par>
+                                <p:cTn id="5" presetID="1" presetClass="entr" presetSubtype="0" fill="hold" grpId="0" nodeType="withEffect">
+                                  <p:stCondLst>
+                                    <p:cond delay="0"/>
+                                  </p:stCondLst>
+                                  <p:childTnLst>
+                                    <p:set>
+                                      <p:cBhvr>
+                                        <p:cTn id="6" dur="1" fill="hold">
+                                          <p:stCondLst>
+                                            <p:cond delay="0"/>
+                                          </p:stCondLst>
+                                        </p:cTn>
+                                        <p:tgtEl>
+                                          <p:spTgt spid="10"/>
+                                        </p:tgtEl>
+                                        <p:attrNameLst>
+                                          <p:attrName>style.visibility</p:attrName>
+                                        </p:attrNameLst>
+                                      </p:cBhvr>
+                                      <p:to>
+                                        <p:strVal val="visible"/>
+                                      </p:to>
+                                    </p:set>
+                                  </p:childTnLst>
+                                </p:cTn>
+                              </p:par>
+                            </p:childTnLst>
+                          </p:cTn>
+                        </p:par>
+                      </p:childTnLst>
+                    </p:cTn>
+                  </p:par>
+                  <p:par>
+                    <p:cTn id="7" fill="hold">
+                      <p:stCondLst>
+                        <p:cond delay="indefinite"/>
+                      </p:stCondLst>
+                      <p:childTnLst>
+                        <p:par>
+                          <p:cTn id="8" fill="hold">
+                            <p:stCondLst>
+                              <p:cond delay="0"/>
+                            </p:stCondLst>
+                            <p:childTnLst>
+                              <p:par>
+                                <p:cTn id="9" presetID="1" presetClass="entr" presetSubtype="0" fill="hold" grpId="0" nodeType="clickEffect">
+                                  <p:stCondLst>
+                                    <p:cond delay="0"/>
+                                  </p:stCondLst>
+                                  <p:childTnLst>
+                                    <p:set>
+                                      <p:cBhvr>
+                                        <p:cTn id="10" dur="1" fill="hold">
+                                          <p:stCondLst>
+                                            <p:cond delay="0"/>
+                                          </p:stCondLst>
+                                        </p:cTn>
+                                        <p:tgtEl>
+                                          <p:spTgt spid="11"/>
+                                        </p:tgtEl>
+                                        <p:attrNameLst>
+                                          <p:attrName>style.visibility</p:attrName>
+                                        </p:attrNameLst>
+                                      </p:cBhvr>
+                                      <p:to>
+                                        <p:strVal val="visible"/>
+                                      </p:to>
+                                    </p:set>
+                                  </p:childTnLst>
+                                </p:cTn>
+                              </p:par>
+                            </p:childTnLst>
+                          </p:cTn>
+                        </p:par>
+                        <p:par>
+                          <p:cTn id="11" fill="hold">
+                            <p:stCondLst>
+                              <p:cond delay="0"/>
+                            </p:stCondLst>
+                            <p:childTnLst>
+                              <p:par>
+                                <p:cTn id="12" presetID="1" presetClass="entr" presetSubtype="0" fill="hold" grpId="0" nodeType="afterEffect">
+                                  <p:stCondLst>
+                                    <p:cond delay="0"/>
+                                  </p:stCondLst>
+                                  <p:childTnLst>
+                                    <p:set>
+                                      <p:cBhvr>
+                                        <p:cTn id="13" dur="1" fill="hold">
+                                          <p:stCondLst>
+                                            <p:cond delay="0"/>
+                                          </p:stCondLst>
+                                        </p:cTn>
+                                        <p:tgtEl>
+                                          <p:spTgt spid="16"/>
+                                        </p:tgtEl>
+                                        <p:attrNameLst>
+                                          <p:attrName>style.visibility</p:attrName>
+                                        </p:attrNameLst>
+                                      </p:cBhvr>
+                                      <p:to>
+                                        <p:strVal val="visible"/>
+                                      </p:to>
+                                    </p:set>
+                                  </p:childTnLst>
+                                </p:cTn>
+                              </p:par>
+                            </p:childTnLst>
+                          </p:cTn>
+                        </p:par>
+                      </p:childTnLst>
+                    </p:cTn>
+                  </p:par>
+                  <p:par>
+                    <p:cTn id="14" fill="hold">
+                      <p:stCondLst>
+                        <p:cond delay="indefinite"/>
+                      </p:stCondLst>
+                      <p:childTnLst>
+                        <p:par>
+                          <p:cTn id="15" fill="hold">
+                            <p:stCondLst>
+                              <p:cond delay="0"/>
+                            </p:stCondLst>
+                            <p:childTnLst>
+                              <p:par>
+                                <p:cTn id="16" presetID="1" presetClass="entr" presetSubtype="0" fill="hold" grpId="0" nodeType="clickEffect">
+                                  <p:stCondLst>
+                                    <p:cond delay="0"/>
+                                  </p:stCondLst>
+                                  <p:childTnLst>
+                                    <p:set>
+                                      <p:cBhvr>
+                                        <p:cTn id="17" dur="1" fill="hold">
+                                          <p:stCondLst>
+                                            <p:cond delay="0"/>
+                                          </p:stCondLst>
+                                        </p:cTn>
+                                        <p:tgtEl>
+                                          <p:spTgt spid="17"/>
+                                        </p:tgtEl>
+                                        <p:attrNameLst>
+                                          <p:attrName>style.visibility</p:attrName>
+                                        </p:attrNameLst>
+                                      </p:cBhvr>
+                                      <p:to>
+                                        <p:strVal val="visible"/>
+                                      </p:to>
+                                    </p:set>
+                                  </p:childTnLst>
+                                </p:cTn>
+                              </p:par>
+                            </p:childTnLst>
+                          </p:cTn>
+                        </p:par>
+                      </p:childTnLst>
+                    </p:cTn>
+                  </p:par>
+                </p:childTnLst>
+              </p:cTn>
+              <p:prevCondLst>
+                <p:cond evt="onPrev" delay="0">
+                  <p:tgtEl>
+                    <p:sldTgt/>
+                  </p:tgtEl>
+                </p:cond>
+              </p:prevCondLst>
+              <p:nextCondLst>
+                <p:cond evt="onNext" delay="0">
+                  <p:tgtEl>
+                    <p:sldTgt/>
+                  </p:tgtEl>
+                </p:cond>
+              </p:nextCondLst>
+            </p:seq>
+          </p:childTnLst>
+        </p:cTn>
+      </p:par>
+    </p:tnLst>
+    <p:bldLst>
+      <p:bldP spid="10" grpId="0" animBg="1"/>
+      <p:bldP spid="11" grpId="0" animBg="1"/>
+      <p:bldP spid="16" grpId="0" animBg="1"/>
+      <p:bldP spid="17" grpId="0" animBg="1"/>
+    </p:bldLst>
+  </p:timing>
 </p:sld>
 </file>
 
@@ -48775,6 +49097,243 @@
   <p:clrMapOvr>
     <a:masterClrMapping/>
   </p:clrMapOvr>
+  <p:timing>
+    <p:tnLst>
+      <p:par>
+        <p:cTn id="1" dur="indefinite" restart="never" nodeType="tmRoot">
+          <p:childTnLst>
+            <p:seq concurrent="1" nextAc="seek">
+              <p:cTn id="2" dur="indefinite" nodeType="mainSeq">
+                <p:childTnLst>
+                  <p:par>
+                    <p:cTn id="3" fill="hold">
+                      <p:stCondLst>
+                        <p:cond delay="indefinite"/>
+                        <p:cond evt="onBegin" delay="0">
+                          <p:tn val="2"/>
+                        </p:cond>
+                      </p:stCondLst>
+                      <p:childTnLst>
+                        <p:par>
+                          <p:cTn id="4" fill="hold">
+                            <p:stCondLst>
+                              <p:cond delay="0"/>
+                            </p:stCondLst>
+                            <p:childTnLst>
+                              <p:par>
+                                <p:cTn id="5" presetID="1" presetClass="entr" presetSubtype="0" fill="hold" grpId="0" nodeType="withEffect">
+                                  <p:stCondLst>
+                                    <p:cond delay="0"/>
+                                  </p:stCondLst>
+                                  <p:childTnLst>
+                                    <p:set>
+                                      <p:cBhvr>
+                                        <p:cTn id="6" dur="1" fill="hold">
+                                          <p:stCondLst>
+                                            <p:cond delay="0"/>
+                                          </p:stCondLst>
+                                        </p:cTn>
+                                        <p:tgtEl>
+                                          <p:spTgt spid="10"/>
+                                        </p:tgtEl>
+                                        <p:attrNameLst>
+                                          <p:attrName>style.visibility</p:attrName>
+                                        </p:attrNameLst>
+                                      </p:cBhvr>
+                                      <p:to>
+                                        <p:strVal val="visible"/>
+                                      </p:to>
+                                    </p:set>
+                                  </p:childTnLst>
+                                </p:cTn>
+                              </p:par>
+                            </p:childTnLst>
+                          </p:cTn>
+                        </p:par>
+                      </p:childTnLst>
+                    </p:cTn>
+                  </p:par>
+                  <p:par>
+                    <p:cTn id="7" fill="hold">
+                      <p:stCondLst>
+                        <p:cond delay="indefinite"/>
+                      </p:stCondLst>
+                      <p:childTnLst>
+                        <p:par>
+                          <p:cTn id="8" fill="hold">
+                            <p:stCondLst>
+                              <p:cond delay="0"/>
+                            </p:stCondLst>
+                            <p:childTnLst>
+                              <p:par>
+                                <p:cTn id="9" presetID="1" presetClass="entr" presetSubtype="0" fill="hold" grpId="0" nodeType="clickEffect">
+                                  <p:stCondLst>
+                                    <p:cond delay="0"/>
+                                  </p:stCondLst>
+                                  <p:childTnLst>
+                                    <p:set>
+                                      <p:cBhvr>
+                                        <p:cTn id="10" dur="1" fill="hold">
+                                          <p:stCondLst>
+                                            <p:cond delay="0"/>
+                                          </p:stCondLst>
+                                        </p:cTn>
+                                        <p:tgtEl>
+                                          <p:spTgt spid="11"/>
+                                        </p:tgtEl>
+                                        <p:attrNameLst>
+                                          <p:attrName>style.visibility</p:attrName>
+                                        </p:attrNameLst>
+                                      </p:cBhvr>
+                                      <p:to>
+                                        <p:strVal val="visible"/>
+                                      </p:to>
+                                    </p:set>
+                                  </p:childTnLst>
+                                </p:cTn>
+                              </p:par>
+                            </p:childTnLst>
+                          </p:cTn>
+                        </p:par>
+                        <p:par>
+                          <p:cTn id="11" fill="hold">
+                            <p:stCondLst>
+                              <p:cond delay="0"/>
+                            </p:stCondLst>
+                            <p:childTnLst>
+                              <p:par>
+                                <p:cTn id="12" presetID="1" presetClass="entr" presetSubtype="0" fill="hold" grpId="0" nodeType="afterEffect">
+                                  <p:stCondLst>
+                                    <p:cond delay="0"/>
+                                  </p:stCondLst>
+                                  <p:childTnLst>
+                                    <p:set>
+                                      <p:cBhvr>
+                                        <p:cTn id="13" dur="1" fill="hold">
+                                          <p:stCondLst>
+                                            <p:cond delay="0"/>
+                                          </p:stCondLst>
+                                        </p:cTn>
+                                        <p:tgtEl>
+                                          <p:spTgt spid="16"/>
+                                        </p:tgtEl>
+                                        <p:attrNameLst>
+                                          <p:attrName>style.visibility</p:attrName>
+                                        </p:attrNameLst>
+                                      </p:cBhvr>
+                                      <p:to>
+                                        <p:strVal val="visible"/>
+                                      </p:to>
+                                    </p:set>
+                                  </p:childTnLst>
+                                </p:cTn>
+                              </p:par>
+                            </p:childTnLst>
+                          </p:cTn>
+                        </p:par>
+                      </p:childTnLst>
+                    </p:cTn>
+                  </p:par>
+                  <p:par>
+                    <p:cTn id="14" fill="hold">
+                      <p:stCondLst>
+                        <p:cond delay="indefinite"/>
+                      </p:stCondLst>
+                      <p:childTnLst>
+                        <p:par>
+                          <p:cTn id="15" fill="hold">
+                            <p:stCondLst>
+                              <p:cond delay="0"/>
+                            </p:stCondLst>
+                            <p:childTnLst>
+                              <p:par>
+                                <p:cTn id="16" presetID="1" presetClass="entr" presetSubtype="0" fill="hold" grpId="0" nodeType="clickEffect">
+                                  <p:stCondLst>
+                                    <p:cond delay="0"/>
+                                  </p:stCondLst>
+                                  <p:childTnLst>
+                                    <p:set>
+                                      <p:cBhvr>
+                                        <p:cTn id="17" dur="1" fill="hold">
+                                          <p:stCondLst>
+                                            <p:cond delay="0"/>
+                                          </p:stCondLst>
+                                        </p:cTn>
+                                        <p:tgtEl>
+                                          <p:spTgt spid="17"/>
+                                        </p:tgtEl>
+                                        <p:attrNameLst>
+                                          <p:attrName>style.visibility</p:attrName>
+                                        </p:attrNameLst>
+                                      </p:cBhvr>
+                                      <p:to>
+                                        <p:strVal val="visible"/>
+                                      </p:to>
+                                    </p:set>
+                                  </p:childTnLst>
+                                </p:cTn>
+                              </p:par>
+                              <p:par>
+                                <p:cTn id="18" presetID="1" presetClass="entr" presetSubtype="0" fill="hold" nodeType="withEffect">
+                                  <p:stCondLst>
+                                    <p:cond delay="0"/>
+                                  </p:stCondLst>
+                                  <p:childTnLst>
+                                    <p:set>
+                                      <p:cBhvr>
+                                        <p:cTn id="19" dur="1" fill="hold">
+                                          <p:stCondLst>
+                                            <p:cond delay="0"/>
+                                          </p:stCondLst>
+                                        </p:cTn>
+                                        <p:tgtEl>
+                                          <p:spTgt spid="4"/>
+                                        </p:tgtEl>
+                                        <p:attrNameLst>
+                                          <p:attrName>style.visibility</p:attrName>
+                                        </p:attrNameLst>
+                                      </p:cBhvr>
+                                      <p:to>
+                                        <p:strVal val="visible"/>
+                                      </p:to>
+                                    </p:set>
+                                  </p:childTnLst>
+                                </p:cTn>
+                              </p:par>
+                            </p:childTnLst>
+                          </p:cTn>
+                        </p:par>
+                      </p:childTnLst>
+                    </p:cTn>
+                  </p:par>
+                </p:childTnLst>
+              </p:cTn>
+              <p:prevCondLst>
+                <p:cond evt="onPrev" delay="0">
+                  <p:tgtEl>
+                    <p:sldTgt/>
+                  </p:tgtEl>
+                </p:cond>
+              </p:prevCondLst>
+              <p:nextCondLst>
+                <p:cond evt="onNext" delay="0">
+                  <p:tgtEl>
+                    <p:sldTgt/>
+                  </p:tgtEl>
+                </p:cond>
+              </p:nextCondLst>
+            </p:seq>
+          </p:childTnLst>
+        </p:cTn>
+      </p:par>
+    </p:tnLst>
+    <p:bldLst>
+      <p:bldP spid="10" grpId="0" animBg="1"/>
+      <p:bldP spid="11" grpId="0" animBg="1"/>
+      <p:bldP spid="16" grpId="0" animBg="1"/>
+      <p:bldP spid="17" grpId="0" animBg="1"/>
+    </p:bldLst>
+  </p:timing>
 </p:sld>
 </file>
 
@@ -49841,6 +50400,243 @@
   <p:clrMapOvr>
     <a:masterClrMapping/>
   </p:clrMapOvr>
+  <p:timing>
+    <p:tnLst>
+      <p:par>
+        <p:cTn id="1" dur="indefinite" restart="never" nodeType="tmRoot">
+          <p:childTnLst>
+            <p:seq concurrent="1" nextAc="seek">
+              <p:cTn id="2" dur="indefinite" nodeType="mainSeq">
+                <p:childTnLst>
+                  <p:par>
+                    <p:cTn id="3" fill="hold">
+                      <p:stCondLst>
+                        <p:cond delay="indefinite"/>
+                        <p:cond evt="onBegin" delay="0">
+                          <p:tn val="2"/>
+                        </p:cond>
+                      </p:stCondLst>
+                      <p:childTnLst>
+                        <p:par>
+                          <p:cTn id="4" fill="hold">
+                            <p:stCondLst>
+                              <p:cond delay="0"/>
+                            </p:stCondLst>
+                            <p:childTnLst>
+                              <p:par>
+                                <p:cTn id="5" presetID="1" presetClass="entr" presetSubtype="0" fill="hold" grpId="0" nodeType="withEffect">
+                                  <p:stCondLst>
+                                    <p:cond delay="0"/>
+                                  </p:stCondLst>
+                                  <p:childTnLst>
+                                    <p:set>
+                                      <p:cBhvr>
+                                        <p:cTn id="6" dur="1" fill="hold">
+                                          <p:stCondLst>
+                                            <p:cond delay="0"/>
+                                          </p:stCondLst>
+                                        </p:cTn>
+                                        <p:tgtEl>
+                                          <p:spTgt spid="10"/>
+                                        </p:tgtEl>
+                                        <p:attrNameLst>
+                                          <p:attrName>style.visibility</p:attrName>
+                                        </p:attrNameLst>
+                                      </p:cBhvr>
+                                      <p:to>
+                                        <p:strVal val="visible"/>
+                                      </p:to>
+                                    </p:set>
+                                  </p:childTnLst>
+                                </p:cTn>
+                              </p:par>
+                            </p:childTnLst>
+                          </p:cTn>
+                        </p:par>
+                      </p:childTnLst>
+                    </p:cTn>
+                  </p:par>
+                  <p:par>
+                    <p:cTn id="7" fill="hold">
+                      <p:stCondLst>
+                        <p:cond delay="indefinite"/>
+                      </p:stCondLst>
+                      <p:childTnLst>
+                        <p:par>
+                          <p:cTn id="8" fill="hold">
+                            <p:stCondLst>
+                              <p:cond delay="0"/>
+                            </p:stCondLst>
+                            <p:childTnLst>
+                              <p:par>
+                                <p:cTn id="9" presetID="1" presetClass="entr" presetSubtype="0" fill="hold" grpId="0" nodeType="clickEffect">
+                                  <p:stCondLst>
+                                    <p:cond delay="0"/>
+                                  </p:stCondLst>
+                                  <p:childTnLst>
+                                    <p:set>
+                                      <p:cBhvr>
+                                        <p:cTn id="10" dur="1" fill="hold">
+                                          <p:stCondLst>
+                                            <p:cond delay="0"/>
+                                          </p:stCondLst>
+                                        </p:cTn>
+                                        <p:tgtEl>
+                                          <p:spTgt spid="11"/>
+                                        </p:tgtEl>
+                                        <p:attrNameLst>
+                                          <p:attrName>style.visibility</p:attrName>
+                                        </p:attrNameLst>
+                                      </p:cBhvr>
+                                      <p:to>
+                                        <p:strVal val="visible"/>
+                                      </p:to>
+                                    </p:set>
+                                  </p:childTnLst>
+                                </p:cTn>
+                              </p:par>
+                              <p:par>
+                                <p:cTn id="11" presetID="1" presetClass="entr" presetSubtype="0" fill="hold" nodeType="withEffect">
+                                  <p:stCondLst>
+                                    <p:cond delay="0"/>
+                                  </p:stCondLst>
+                                  <p:childTnLst>
+                                    <p:set>
+                                      <p:cBhvr>
+                                        <p:cTn id="12" dur="1" fill="hold">
+                                          <p:stCondLst>
+                                            <p:cond delay="0"/>
+                                          </p:stCondLst>
+                                        </p:cTn>
+                                        <p:tgtEl>
+                                          <p:spTgt spid="9"/>
+                                        </p:tgtEl>
+                                        <p:attrNameLst>
+                                          <p:attrName>style.visibility</p:attrName>
+                                        </p:attrNameLst>
+                                      </p:cBhvr>
+                                      <p:to>
+                                        <p:strVal val="visible"/>
+                                      </p:to>
+                                    </p:set>
+                                  </p:childTnLst>
+                                </p:cTn>
+                              </p:par>
+                            </p:childTnLst>
+                          </p:cTn>
+                        </p:par>
+                        <p:par>
+                          <p:cTn id="13" fill="hold">
+                            <p:stCondLst>
+                              <p:cond delay="0"/>
+                            </p:stCondLst>
+                            <p:childTnLst>
+                              <p:par>
+                                <p:cTn id="14" presetID="1" presetClass="entr" presetSubtype="0" fill="hold" grpId="0" nodeType="afterEffect">
+                                  <p:stCondLst>
+                                    <p:cond delay="0"/>
+                                  </p:stCondLst>
+                                  <p:childTnLst>
+                                    <p:set>
+                                      <p:cBhvr>
+                                        <p:cTn id="15" dur="1" fill="hold">
+                                          <p:stCondLst>
+                                            <p:cond delay="0"/>
+                                          </p:stCondLst>
+                                        </p:cTn>
+                                        <p:tgtEl>
+                                          <p:spTgt spid="16"/>
+                                        </p:tgtEl>
+                                        <p:attrNameLst>
+                                          <p:attrName>style.visibility</p:attrName>
+                                        </p:attrNameLst>
+                                      </p:cBhvr>
+                                      <p:to>
+                                        <p:strVal val="visible"/>
+                                      </p:to>
+                                    </p:set>
+                                  </p:childTnLst>
+                                </p:cTn>
+                              </p:par>
+                            </p:childTnLst>
+                          </p:cTn>
+                        </p:par>
+                      </p:childTnLst>
+                    </p:cTn>
+                  </p:par>
+                  <p:par>
+                    <p:cTn id="16" fill="hold">
+                      <p:stCondLst>
+                        <p:cond delay="indefinite"/>
+                      </p:stCondLst>
+                      <p:childTnLst>
+                        <p:par>
+                          <p:cTn id="17" fill="hold">
+                            <p:stCondLst>
+                              <p:cond delay="0"/>
+                            </p:stCondLst>
+                            <p:childTnLst>
+                              <p:par>
+                                <p:cTn id="18" presetID="1" presetClass="entr" presetSubtype="0" fill="hold" grpId="0" nodeType="clickEffect">
+                                  <p:stCondLst>
+                                    <p:cond delay="0"/>
+                                  </p:stCondLst>
+                                  <p:childTnLst>
+                                    <p:set>
+                                      <p:cBhvr>
+                                        <p:cTn id="19" dur="1" fill="hold">
+                                          <p:stCondLst>
+                                            <p:cond delay="0"/>
+                                          </p:stCondLst>
+                                        </p:cTn>
+                                        <p:tgtEl>
+                                          <p:spTgt spid="17"/>
+                                        </p:tgtEl>
+                                        <p:attrNameLst>
+                                          <p:attrName>style.visibility</p:attrName>
+                                        </p:attrNameLst>
+                                      </p:cBhvr>
+                                      <p:to>
+                                        <p:strVal val="visible"/>
+                                      </p:to>
+                                    </p:set>
+                                  </p:childTnLst>
+                                </p:cTn>
+                              </p:par>
+                            </p:childTnLst>
+                          </p:cTn>
+                        </p:par>
+                      </p:childTnLst>
+                    </p:cTn>
+                  </p:par>
+                </p:childTnLst>
+              </p:cTn>
+              <p:prevCondLst>
+                <p:cond evt="onPrev" delay="0">
+                  <p:tgtEl>
+                    <p:sldTgt/>
+                  </p:tgtEl>
+                </p:cond>
+              </p:prevCondLst>
+              <p:nextCondLst>
+                <p:cond evt="onNext" delay="0">
+                  <p:tgtEl>
+                    <p:sldTgt/>
+                  </p:tgtEl>
+                </p:cond>
+              </p:nextCondLst>
+            </p:seq>
+          </p:childTnLst>
+        </p:cTn>
+      </p:par>
+    </p:tnLst>
+    <p:bldLst>
+      <p:bldP spid="10" grpId="0" animBg="1"/>
+      <p:bldP spid="11" grpId="0" animBg="1"/>
+      <p:bldP spid="16" grpId="0" animBg="1"/>
+      <p:bldP spid="17" grpId="0" animBg="1"/>
+    </p:bldLst>
+  </p:timing>
 </p:sld>
 </file>
 
@@ -50132,8 +50928,13 @@
           <a:p>
             <a:r>
               <a:rPr lang="en-GB" dirty="0"/>
-              <a:t>Step 2</a:t>
-            </a:r>
+              <a:t>Step </a:t>
+            </a:r>
+            <a:r>
+              <a:rPr lang="hu-HU" dirty="0"/>
+              <a:t>3</a:t>
+            </a:r>
+            <a:endParaRPr lang="en-GB" dirty="0"/>
           </a:p>
         </p:txBody>
       </p:sp>
@@ -50427,19 +51228,21 @@
           <a:bodyPr rtlCol="0" anchor="ctr"/>
           <a:lstStyle/>
           <a:p>
+            <a:pPr marL="722313" indent="-369888"/>
             <a:r>
               <a:rPr lang="en-GB" dirty="0"/>
               <a:t>Create a threat report about this threat actor!</a:t>
             </a:r>
           </a:p>
           <a:p>
+            <a:pPr marL="722313" indent="-369888"/>
             <a:r>
               <a:rPr lang="en-GB" dirty="0"/>
               <a:t>Include:</a:t>
             </a:r>
           </a:p>
           <a:p>
-            <a:pPr marL="285750" indent="-285750">
+            <a:pPr marL="722313" indent="-369888">
               <a:buFont typeface="Arial" panose="020B0604020202020204" pitchFamily="34" charset="0"/>
               <a:buChar char="•"/>
             </a:pPr>
@@ -50449,7 +51252,7 @@
             </a:r>
           </a:p>
           <a:p>
-            <a:pPr marL="285750" indent="-285750">
+            <a:pPr marL="722313" indent="-369888">
               <a:buFont typeface="Arial" panose="020B0604020202020204" pitchFamily="34" charset="0"/>
               <a:buChar char="•"/>
             </a:pPr>
@@ -50459,7 +51262,7 @@
             </a:r>
           </a:p>
           <a:p>
-            <a:pPr marL="285750" indent="-285750">
+            <a:pPr marL="722313" indent="-369888">
               <a:buFont typeface="Arial" panose="020B0604020202020204" pitchFamily="34" charset="0"/>
               <a:buChar char="•"/>
             </a:pPr>
@@ -50469,7 +51272,7 @@
             </a:r>
           </a:p>
           <a:p>
-            <a:pPr marL="285750" indent="-285750">
+            <a:pPr marL="722313" indent="-369888">
               <a:buFont typeface="Arial" panose="020B0604020202020204" pitchFamily="34" charset="0"/>
               <a:buChar char="•"/>
             </a:pPr>
@@ -50479,7 +51282,7 @@
             </a:r>
           </a:p>
           <a:p>
-            <a:pPr marL="285750" indent="-285750">
+            <a:pPr marL="722313" indent="-369888">
               <a:buFont typeface="Arial" panose="020B0604020202020204" pitchFamily="34" charset="0"/>
               <a:buChar char="•"/>
             </a:pPr>
@@ -50489,7 +51292,7 @@
             </a:r>
           </a:p>
           <a:p>
-            <a:pPr marL="285750" indent="-285750">
+            <a:pPr marL="722313" indent="-369888">
               <a:buFont typeface="Arial" panose="020B0604020202020204" pitchFamily="34" charset="0"/>
               <a:buChar char="•"/>
             </a:pPr>
@@ -50500,12 +51303,14 @@
             <a:endParaRPr lang="hu-HU" dirty="0"/>
           </a:p>
           <a:p>
+            <a:pPr marL="722313" indent="-369888"/>
             <a:r>
               <a:rPr lang="en-GB" dirty="0"/>
               <a:t>Target Audience:</a:t>
             </a:r>
           </a:p>
           <a:p>
+            <a:pPr marL="722313" indent="-369888"/>
             <a:r>
               <a:rPr lang="en-GB" dirty="0"/>
               <a:t>	Your SOC ppl</a:t>
@@ -50787,6 +51592,146 @@
 </file>
 
 <file path=ppt/slides/slide40.xml><?xml version="1.0" encoding="utf-8"?>
+<p:sld xmlns:a="http://schemas.openxmlformats.org/drawingml/2006/main" xmlns:r="http://schemas.openxmlformats.org/officeDocument/2006/relationships" xmlns:p="http://schemas.openxmlformats.org/presentationml/2006/main">
+  <p:cSld>
+    <p:spTree>
+      <p:nvGrpSpPr>
+        <p:cNvPr id="1" name="">
+          <a:extLst>
+            <a:ext uri="{FF2B5EF4-FFF2-40B4-BE49-F238E27FC236}">
+              <a16:creationId xmlns:a16="http://schemas.microsoft.com/office/drawing/2014/main" id="{B0B21001-4E94-06E9-C398-C353F276DA60}"/>
+            </a:ext>
+          </a:extLst>
+        </p:cNvPr>
+        <p:cNvGrpSpPr/>
+        <p:nvPr/>
+      </p:nvGrpSpPr>
+      <p:grpSpPr>
+        <a:xfrm>
+          <a:off x="0" y="0"/>
+          <a:ext cx="0" cy="0"/>
+          <a:chOff x="0" y="0"/>
+          <a:chExt cx="0" cy="0"/>
+        </a:xfrm>
+      </p:grpSpPr>
+      <p:sp>
+        <p:nvSpPr>
+          <p:cNvPr id="8" name="Title 7">
+            <a:extLst>
+              <a:ext uri="{FF2B5EF4-FFF2-40B4-BE49-F238E27FC236}">
+                <a16:creationId xmlns:a16="http://schemas.microsoft.com/office/drawing/2014/main" id="{ACB4A198-DC35-E2AC-8125-9D8025C0A07B}"/>
+              </a:ext>
+            </a:extLst>
+          </p:cNvPr>
+          <p:cNvSpPr>
+            <a:spLocks noGrp="1"/>
+          </p:cNvSpPr>
+          <p:nvPr>
+            <p:ph type="title"/>
+          </p:nvPr>
+        </p:nvSpPr>
+        <p:spPr/>
+        <p:txBody>
+          <a:bodyPr/>
+          <a:lstStyle/>
+          <a:p>
+            <a:r>
+              <a:rPr lang="en-US" dirty="0"/>
+              <a:t>references</a:t>
+            </a:r>
+          </a:p>
+        </p:txBody>
+      </p:sp>
+      <p:sp>
+        <p:nvSpPr>
+          <p:cNvPr id="13" name="Rectangle: Rounded Corners 12">
+            <a:extLst>
+              <a:ext uri="{FF2B5EF4-FFF2-40B4-BE49-F238E27FC236}">
+                <a16:creationId xmlns:a16="http://schemas.microsoft.com/office/drawing/2014/main" id="{8A86FDFB-0A72-20D0-ACDA-2376449D81FD}"/>
+              </a:ext>
+            </a:extLst>
+          </p:cNvPr>
+          <p:cNvSpPr/>
+          <p:nvPr/>
+        </p:nvSpPr>
+        <p:spPr>
+          <a:xfrm>
+            <a:off x="1006929" y="1937657"/>
+            <a:ext cx="7130142" cy="2960914"/>
+          </a:xfrm>
+          <a:prstGeom prst="roundRect">
+            <a:avLst/>
+          </a:prstGeom>
+        </p:spPr>
+        <p:style>
+          <a:lnRef idx="2">
+            <a:schemeClr val="accent1">
+              <a:shade val="15000"/>
+            </a:schemeClr>
+          </a:lnRef>
+          <a:fillRef idx="1">
+            <a:schemeClr val="accent1"/>
+          </a:fillRef>
+          <a:effectRef idx="0">
+            <a:schemeClr val="accent1"/>
+          </a:effectRef>
+          <a:fontRef idx="minor">
+            <a:schemeClr val="lt1"/>
+          </a:fontRef>
+        </p:style>
+        <p:txBody>
+          <a:bodyPr rtlCol="0" anchor="ctr"/>
+          <a:lstStyle/>
+          <a:p>
+            <a:r>
+              <a:rPr lang="en-US" dirty="0"/>
+              <a:t>This scenario is based on the Adversary Emulation Library created by Center for Threat-Informed Defense for education purposes. </a:t>
+            </a:r>
+          </a:p>
+          <a:p>
+            <a:r>
+              <a:rPr lang="en-US" dirty="0">
+                <a:hlinkClick r:id="rId3"/>
+              </a:rPr>
+              <a:t>https://github.com/center-for-threat-informed-defense/adversary_emulation_library/</a:t>
+            </a:r>
+            <a:endParaRPr lang="en-US" dirty="0"/>
+          </a:p>
+          <a:p>
+            <a:endParaRPr lang="en-US" dirty="0"/>
+          </a:p>
+          <a:p>
+            <a:r>
+              <a:rPr lang="en-US" dirty="0"/>
+              <a:t>Full attack scenario is available: </a:t>
+            </a:r>
+            <a:r>
+              <a:rPr lang="en-US" dirty="0">
+                <a:hlinkClick r:id="rId4"/>
+              </a:rPr>
+              <a:t>https://github.com/center-for-threat-informed-defense/adversary_emulation_library/blob/master/oilrig/Emulation_Plan/README.md</a:t>
+            </a:r>
+            <a:r>
+              <a:rPr lang="en-US" dirty="0"/>
+              <a:t> </a:t>
+            </a:r>
+          </a:p>
+        </p:txBody>
+      </p:sp>
+    </p:spTree>
+    <p:extLst>
+      <p:ext uri="{BB962C8B-B14F-4D97-AF65-F5344CB8AC3E}">
+        <p14:creationId xmlns:p14="http://schemas.microsoft.com/office/powerpoint/2010/main" val="1499020544"/>
+      </p:ext>
+    </p:extLst>
+  </p:cSld>
+  <p:clrMapOvr>
+    <a:masterClrMapping/>
+  </p:clrMapOvr>
+</p:sld>
+</file>
+
+<file path=ppt/slides/slide41.xml><?xml version="1.0" encoding="utf-8"?>
 <p:sld xmlns:a="http://schemas.openxmlformats.org/drawingml/2006/main" xmlns:r="http://schemas.openxmlformats.org/officeDocument/2006/relationships" xmlns:p="http://schemas.openxmlformats.org/presentationml/2006/main">
   <p:cSld>
     <p:spTree>
@@ -53873,21 +54818,12 @@
 </file>
 
 <file path=customXml/item1.xml><?xml version="1.0" encoding="utf-8"?>
-<?mso-contentType ?>
-<FormTemplates xmlns="http://schemas.microsoft.com/sharepoint/v3/contenttype/forms">
-  <Display>DocumentLibraryForm</Display>
-  <Edit>DocumentLibraryForm</Edit>
-  <New>DocumentLibraryForm</New>
-</FormTemplates>
-</file>
-
-<file path=customXml/item2.xml><?xml version="1.0" encoding="utf-8"?>
 <p:properties xmlns:p="http://schemas.microsoft.com/office/2006/metadata/properties" xmlns:xsi="http://www.w3.org/2001/XMLSchema-instance" xmlns:pc="http://schemas.microsoft.com/office/infopath/2007/PartnerControls">
   <documentManagement/>
 </p:properties>
 </file>
 
-<file path=customXml/item3.xml><?xml version="1.0" encoding="utf-8"?>
+<file path=customXml/item2.xml><?xml version="1.0" encoding="utf-8"?>
 <ct:contentTypeSchema xmlns:ct="http://schemas.microsoft.com/office/2006/metadata/contentType" xmlns:ma="http://schemas.microsoft.com/office/2006/metadata/properties/metaAttributes" ct:_="" ma:_="" ma:contentTypeName="Document" ma:contentTypeID="0x0101009A1848C9F21A504CA7152D81B4825E39" ma:contentTypeVersion="4" ma:contentTypeDescription="Create a new document." ma:contentTypeScope="" ma:versionID="98a07da6ef07519fcdec19bf065509a7">
   <xsd:schema xmlns:xsd="http://www.w3.org/2001/XMLSchema" xmlns:xs="http://www.w3.org/2001/XMLSchema" xmlns:p="http://schemas.microsoft.com/office/2006/metadata/properties" xmlns:ns2="d4b83485-4571-4848-b80f-9395d4c7fedb" targetNamespace="http://schemas.microsoft.com/office/2006/metadata/properties" ma:root="true" ma:fieldsID="ce4401a11adc0d635126e3dbcbedf590" ns2:_="">
     <xsd:import namespace="d4b83485-4571-4848-b80f-9395d4c7fedb"/>
@@ -54031,15 +54967,16 @@
 </ct:contentTypeSchema>
 </file>
 
-<file path=customXml/itemProps1.xml><?xml version="1.0" encoding="utf-8"?>
-<ds:datastoreItem xmlns:ds="http://schemas.openxmlformats.org/officeDocument/2006/customXml" ds:itemID="{76FCC6D6-0EA7-4836-8197-8D03045983EB}">
-  <ds:schemaRefs>
-    <ds:schemaRef ds:uri="http://schemas.microsoft.com/sharepoint/v3/contenttype/forms"/>
-  </ds:schemaRefs>
-</ds:datastoreItem>
+<file path=customXml/item3.xml><?xml version="1.0" encoding="utf-8"?>
+<?mso-contentType ?>
+<FormTemplates xmlns="http://schemas.microsoft.com/sharepoint/v3/contenttype/forms">
+  <Display>DocumentLibraryForm</Display>
+  <Edit>DocumentLibraryForm</Edit>
+  <New>DocumentLibraryForm</New>
+</FormTemplates>
 </file>
 
-<file path=customXml/itemProps2.xml><?xml version="1.0" encoding="utf-8"?>
+<file path=customXml/itemProps1.xml><?xml version="1.0" encoding="utf-8"?>
 <ds:datastoreItem xmlns:ds="http://schemas.openxmlformats.org/officeDocument/2006/customXml" ds:itemID="{8B9AA292-43A5-4729-8971-3F885FF3ED0C}">
   <ds:schemaRefs>
     <ds:schemaRef ds:uri="http://schemas.microsoft.com/office/2006/metadata/properties"/>
@@ -54048,7 +54985,7 @@
 </ds:datastoreItem>
 </file>
 
-<file path=customXml/itemProps3.xml><?xml version="1.0" encoding="utf-8"?>
+<file path=customXml/itemProps2.xml><?xml version="1.0" encoding="utf-8"?>
 <ds:datastoreItem xmlns:ds="http://schemas.openxmlformats.org/officeDocument/2006/customXml" ds:itemID="{5C1CDA6F-0620-4809-85AD-69E9B388C165}">
   <ds:schemaRefs>
     <ds:schemaRef ds:uri="http://schemas.microsoft.com/office/2006/metadata/contentType"/>
@@ -54064,4 +55001,12 @@
     <ds:schemaRef ds:uri="http://schemas.microsoft.com/internal/obd"/>
   </ds:schemaRefs>
 </ds:datastoreItem>
+</file>
+
+<file path=customXml/itemProps3.xml><?xml version="1.0" encoding="utf-8"?>
+<ds:datastoreItem xmlns:ds="http://schemas.openxmlformats.org/officeDocument/2006/customXml" ds:itemID="{76FCC6D6-0EA7-4836-8197-8D03045983EB}">
+  <ds:schemaRefs>
+    <ds:schemaRef ds:uri="http://schemas.microsoft.com/sharepoint/v3/contenttype/forms"/>
+  </ds:schemaRefs>
+</ds:datastoreItem>
 </file>
--- a/Cyber exercise.pptx
+++ b/Cyber exercise.pptx
@@ -27615,7 +27615,7 @@
           <a:p>
             <a:fld id="{3F87E3A6-9411-4918-A7F6-EEA05EC21BB3}" type="datetimeFigureOut">
               <a:rPr lang="cs-CZ" smtClean="0"/>
-              <a:t>08.10.2024</a:t>
+              <a:t>09.10.2024</a:t>
             </a:fld>
             <a:endParaRPr lang="cs-CZ"/>
           </a:p>
@@ -27792,7 +27792,7 @@
           <a:p>
             <a:fld id="{0FE5A512-FD3C-42C3-8F69-92774F4F4D3C}" type="datetimeFigureOut">
               <a:rPr lang="cs-CZ" smtClean="0"/>
-              <a:t>08.10.2024</a:t>
+              <a:t>09.10.2024</a:t>
             </a:fld>
             <a:endParaRPr lang="cs-CZ"/>
           </a:p>
@@ -29193,24 +29193,24 @@
           <a:lstStyle/>
           <a:p>
             <a:r>
-              <a:rPr lang="en-US"/>
+              <a:rPr lang="en-US" dirty="0"/>
               <a:t>Besides the differences between incident management, incident handling and incident response, it is important to understand the nuances between alerts, events and incidents.</a:t>
             </a:r>
           </a:p>
           <a:p>
             <a:r>
-              <a:rPr lang="en-US"/>
+              <a:rPr lang="en-US" dirty="0"/>
               <a:t>An event is any observable happening. For example each log entry is an event. </a:t>
             </a:r>
           </a:p>
           <a:p>
             <a:r>
-              <a:rPr lang="en-US"/>
+              <a:rPr lang="en-US" dirty="0"/>
               <a:t>Alerts are events that match a specific condition. Incidents are violations or an imminent threat of violation of security policies.</a:t>
             </a:r>
           </a:p>
           <a:p>
-            <a:endParaRPr lang="en-US"/>
+            <a:endParaRPr lang="en-US" dirty="0"/>
           </a:p>
         </p:txBody>
       </p:sp>
@@ -42116,42 +42116,42 @@
           <a:lstStyle/>
           <a:p>
             <a:r>
-              <a:rPr lang="en-US"/>
+              <a:rPr lang="en-US" dirty="0"/>
               <a:t>Inform the victim first</a:t>
             </a:r>
           </a:p>
           <a:p>
             <a:pPr lvl="2"/>
             <a:r>
-              <a:rPr lang="en-US"/>
+              <a:rPr lang="en-US" dirty="0"/>
               <a:t>No reboot. Do not run security software</a:t>
             </a:r>
           </a:p>
           <a:p>
             <a:pPr lvl="2"/>
             <a:r>
-              <a:rPr lang="en-US"/>
+              <a:rPr lang="en-US" dirty="0"/>
               <a:t>Do not start or stop services or applications</a:t>
             </a:r>
           </a:p>
           <a:p>
             <a:pPr lvl="2"/>
             <a:r>
-              <a:rPr lang="en-US"/>
+              <a:rPr lang="en-US" dirty="0"/>
               <a:t>Do not change user configuration</a:t>
             </a:r>
           </a:p>
           <a:p>
             <a:pPr lvl="2"/>
             <a:r>
-              <a:rPr lang="en-US"/>
+              <a:rPr lang="en-US" dirty="0"/>
               <a:t>Do not tip off the attacker</a:t>
             </a:r>
           </a:p>
           <a:p>
             <a:pPr lvl="2"/>
             <a:r>
-              <a:rPr lang="en-US"/>
+              <a:rPr lang="en-US" dirty="0"/>
               <a:t>Assume communication is breached</a:t>
             </a:r>
           </a:p>
@@ -42159,45 +42159,45 @@
             <a:pPr marL="0" lvl="2" indent="0">
               <a:buNone/>
             </a:pPr>
-            <a:endParaRPr lang="en-US"/>
+            <a:endParaRPr lang="en-US" dirty="0"/>
           </a:p>
           <a:p>
             <a:pPr marL="0" lvl="2" indent="0">
               <a:buNone/>
             </a:pPr>
             <a:r>
-              <a:rPr lang="en-US" sz="2200" b="1">
+              <a:rPr lang="en-US" sz="2200" b="1" dirty="0">
                 <a:solidFill>
                   <a:srgbClr val="004F9F"/>
                 </a:solidFill>
               </a:rPr>
               <a:t>Collection</a:t>
             </a:r>
-            <a:endParaRPr lang="en-US"/>
+            <a:endParaRPr lang="en-US" dirty="0"/>
           </a:p>
           <a:p>
             <a:pPr lvl="2"/>
             <a:r>
-              <a:rPr lang="en-US"/>
+              <a:rPr lang="en-US" dirty="0"/>
               <a:t>Outweigh balance between evidence collection and risk of tampering material</a:t>
             </a:r>
           </a:p>
           <a:p>
             <a:pPr lvl="2"/>
             <a:r>
-              <a:rPr lang="en-US"/>
+              <a:rPr lang="en-US" dirty="0"/>
               <a:t>Have a standard method for collecting evidence</a:t>
             </a:r>
           </a:p>
           <a:p>
             <a:pPr lvl="2"/>
-            <a:endParaRPr lang="en-US"/>
+            <a:endParaRPr lang="en-US" dirty="0"/>
           </a:p>
           <a:p>
             <a:pPr marL="0" lvl="2" indent="0">
               <a:buNone/>
             </a:pPr>
-            <a:endParaRPr lang="en-US"/>
+            <a:endParaRPr lang="en-US" dirty="0"/>
           </a:p>
         </p:txBody>
       </p:sp>
@@ -46880,7 +46880,27 @@
                 <a:effectLst/>
                 <a:latin typeface="-apple-system"/>
               </a:rPr>
-              <a:t> A security alert that has been validated as a genuine threat.</a:t>
+              <a:t> A security alert that has been validated as a genuine </a:t>
+            </a:r>
+            <a:r>
+              <a:rPr lang="en-US" b="1" i="0" dirty="0">
+                <a:solidFill>
+                  <a:srgbClr val="1F2328"/>
+                </a:solidFill>
+                <a:effectLst/>
+                <a:latin typeface="-apple-system"/>
+              </a:rPr>
+              <a:t>threat</a:t>
+            </a:r>
+            <a:r>
+              <a:rPr lang="en-US" b="0" i="0" dirty="0">
+                <a:solidFill>
+                  <a:srgbClr val="1F2328"/>
+                </a:solidFill>
+                <a:effectLst/>
+                <a:latin typeface="-apple-system"/>
+              </a:rPr>
+              <a:t>.</a:t>
             </a:r>
           </a:p>
         </p:txBody>
@@ -47653,7 +47673,7 @@
         </p:nvSpPr>
         <p:spPr>
           <a:xfrm>
-            <a:off x="631371" y="1812981"/>
+            <a:off x="631371" y="4325094"/>
             <a:ext cx="1894114" cy="772886"/>
           </a:xfrm>
           <a:prstGeom prst="roundRect">
@@ -47707,7 +47727,7 @@
         </p:nvSpPr>
         <p:spPr>
           <a:xfrm>
-            <a:off x="2525485" y="2689281"/>
+            <a:off x="3416143" y="4398930"/>
             <a:ext cx="1894114" cy="772886"/>
           </a:xfrm>
           <a:prstGeom prst="roundRect">
@@ -47764,7 +47784,7 @@
         </p:nvSpPr>
         <p:spPr>
           <a:xfrm>
-            <a:off x="4572000" y="3549253"/>
+            <a:off x="6200915" y="4398930"/>
             <a:ext cx="1894114" cy="772886"/>
           </a:xfrm>
           <a:prstGeom prst="roundRect">
@@ -47883,6 +47903,237 @@
             <a:r>
               <a:rPr lang="hu-HU" dirty="0"/>
               <a:t> server: http://192.168.0.5/marketing_materials.zip</a:t>
+            </a:r>
+          </a:p>
+        </p:txBody>
+      </p:sp>
+      <p:sp>
+        <p:nvSpPr>
+          <p:cNvPr id="3" name="Rectangle: Rounded Corners 2">
+            <a:extLst>
+              <a:ext uri="{FF2B5EF4-FFF2-40B4-BE49-F238E27FC236}">
+                <a16:creationId xmlns:a16="http://schemas.microsoft.com/office/drawing/2014/main" id="{911D2C86-F09E-0FBF-CF94-D335AE6820E8}"/>
+              </a:ext>
+            </a:extLst>
+          </p:cNvPr>
+          <p:cNvSpPr/>
+          <p:nvPr/>
+        </p:nvSpPr>
+        <p:spPr>
+          <a:xfrm>
+            <a:off x="6200915" y="1810810"/>
+            <a:ext cx="1894114" cy="772886"/>
+          </a:xfrm>
+          <a:prstGeom prst="roundRect">
+            <a:avLst/>
+          </a:prstGeom>
+        </p:spPr>
+        <p:style>
+          <a:lnRef idx="2">
+            <a:schemeClr val="accent1">
+              <a:shade val="15000"/>
+            </a:schemeClr>
+          </a:lnRef>
+          <a:fillRef idx="1">
+            <a:schemeClr val="accent1"/>
+          </a:fillRef>
+          <a:effectRef idx="0">
+            <a:schemeClr val="accent1"/>
+          </a:effectRef>
+          <a:fontRef idx="minor">
+            <a:schemeClr val="lt1"/>
+          </a:fontRef>
+        </p:style>
+        <p:txBody>
+          <a:bodyPr rtlCol="0" anchor="ctr"/>
+          <a:lstStyle/>
+          <a:p>
+            <a:pPr algn="ctr"/>
+            <a:r>
+              <a:rPr lang="hu-HU" dirty="0" err="1"/>
+              <a:t>Domo</a:t>
+            </a:r>
+            <a:r>
+              <a:rPr lang="hu-HU" dirty="0"/>
+              <a:t> </a:t>
+            </a:r>
+            <a:r>
+              <a:rPr lang="hu-HU" dirty="0" err="1"/>
+              <a:t>the</a:t>
+            </a:r>
+            <a:r>
+              <a:rPr lang="hu-HU" dirty="0"/>
+              <a:t> </a:t>
+            </a:r>
+            <a:r>
+              <a:rPr lang="hu-HU" dirty="0" err="1"/>
+              <a:t>weaponisation</a:t>
+            </a:r>
+            <a:endParaRPr lang="hu-HU" dirty="0"/>
+          </a:p>
+        </p:txBody>
+      </p:sp>
+      <p:sp>
+        <p:nvSpPr>
+          <p:cNvPr id="5" name="Rectangle: Rounded Corners 4">
+            <a:extLst>
+              <a:ext uri="{FF2B5EF4-FFF2-40B4-BE49-F238E27FC236}">
+                <a16:creationId xmlns:a16="http://schemas.microsoft.com/office/drawing/2014/main" id="{976DB2F9-A661-A20C-6EC3-6B7122B52BF4}"/>
+              </a:ext>
+            </a:extLst>
+          </p:cNvPr>
+          <p:cNvSpPr/>
+          <p:nvPr/>
+        </p:nvSpPr>
+        <p:spPr>
+          <a:xfrm>
+            <a:off x="631371" y="1810810"/>
+            <a:ext cx="1894114" cy="772886"/>
+          </a:xfrm>
+          <a:prstGeom prst="roundRect">
+            <a:avLst/>
+          </a:prstGeom>
+          <a:solidFill>
+            <a:srgbClr val="FFFF00"/>
+          </a:solidFill>
+        </p:spPr>
+        <p:style>
+          <a:lnRef idx="2">
+            <a:schemeClr val="accent1">
+              <a:shade val="15000"/>
+            </a:schemeClr>
+          </a:lnRef>
+          <a:fillRef idx="1">
+            <a:schemeClr val="accent1"/>
+          </a:fillRef>
+          <a:effectRef idx="0">
+            <a:schemeClr val="accent1"/>
+          </a:effectRef>
+          <a:fontRef idx="minor">
+            <a:schemeClr val="lt1"/>
+          </a:fontRef>
+        </p:style>
+        <p:txBody>
+          <a:bodyPr rtlCol="0" anchor="ctr"/>
+          <a:lstStyle/>
+          <a:p>
+            <a:pPr algn="ctr"/>
+            <a:r>
+              <a:rPr lang="hu-HU" dirty="0" err="1">
+                <a:solidFill>
+                  <a:srgbClr val="FF0000"/>
+                </a:solidFill>
+              </a:rPr>
+              <a:t>See</a:t>
+            </a:r>
+            <a:r>
+              <a:rPr lang="hu-HU" dirty="0">
+                <a:solidFill>
+                  <a:srgbClr val="FF0000"/>
+                </a:solidFill>
+              </a:rPr>
+              <a:t> </a:t>
+            </a:r>
+            <a:r>
+              <a:rPr lang="hu-HU" dirty="0" err="1">
+                <a:solidFill>
+                  <a:srgbClr val="FF0000"/>
+                </a:solidFill>
+              </a:rPr>
+              <a:t>the</a:t>
+            </a:r>
+            <a:r>
+              <a:rPr lang="hu-HU" dirty="0">
+                <a:solidFill>
+                  <a:srgbClr val="FF0000"/>
+                </a:solidFill>
+              </a:rPr>
+              <a:t> </a:t>
+            </a:r>
+            <a:r>
+              <a:rPr lang="hu-HU" dirty="0" err="1">
+                <a:solidFill>
+                  <a:srgbClr val="FF0000"/>
+                </a:solidFill>
+              </a:rPr>
+              <a:t>macro</a:t>
+            </a:r>
+            <a:endParaRPr lang="hu-HU" dirty="0">
+              <a:solidFill>
+                <a:srgbClr val="FF0000"/>
+              </a:solidFill>
+            </a:endParaRPr>
+          </a:p>
+        </p:txBody>
+      </p:sp>
+      <p:sp>
+        <p:nvSpPr>
+          <p:cNvPr id="9" name="Rectangle: Rounded Corners 8">
+            <a:extLst>
+              <a:ext uri="{FF2B5EF4-FFF2-40B4-BE49-F238E27FC236}">
+                <a16:creationId xmlns:a16="http://schemas.microsoft.com/office/drawing/2014/main" id="{6A44773E-2EC6-7943-F164-AC730C11B6D8}"/>
+              </a:ext>
+            </a:extLst>
+          </p:cNvPr>
+          <p:cNvSpPr/>
+          <p:nvPr/>
+        </p:nvSpPr>
+        <p:spPr>
+          <a:xfrm>
+            <a:off x="3416143" y="2924040"/>
+            <a:ext cx="1894114" cy="772886"/>
+          </a:xfrm>
+          <a:prstGeom prst="roundRect">
+            <a:avLst/>
+          </a:prstGeom>
+          <a:solidFill>
+            <a:srgbClr val="004F9F"/>
+          </a:solidFill>
+        </p:spPr>
+        <p:style>
+          <a:lnRef idx="2">
+            <a:schemeClr val="accent1">
+              <a:shade val="15000"/>
+            </a:schemeClr>
+          </a:lnRef>
+          <a:fillRef idx="1">
+            <a:schemeClr val="accent1"/>
+          </a:fillRef>
+          <a:effectRef idx="0">
+            <a:schemeClr val="accent1"/>
+          </a:effectRef>
+          <a:fontRef idx="minor">
+            <a:schemeClr val="lt1"/>
+          </a:fontRef>
+        </p:style>
+        <p:txBody>
+          <a:bodyPr rtlCol="0" anchor="ctr"/>
+          <a:lstStyle/>
+          <a:p>
+            <a:pPr algn="ctr"/>
+            <a:r>
+              <a:rPr lang="hu-HU" dirty="0" err="1"/>
+              <a:t>I’m</a:t>
+            </a:r>
+            <a:r>
+              <a:rPr lang="hu-HU" dirty="0"/>
+              <a:t> </a:t>
+            </a:r>
+            <a:r>
+              <a:rPr lang="hu-HU" dirty="0" err="1"/>
+              <a:t>only</a:t>
+            </a:r>
+            <a:r>
+              <a:rPr lang="hu-HU" dirty="0"/>
+              <a:t> a script </a:t>
+            </a:r>
+            <a:r>
+              <a:rPr lang="hu-HU" dirty="0" err="1"/>
+              <a:t>kiddie</a:t>
+            </a:r>
+            <a:r>
+              <a:rPr lang="hu-HU" dirty="0"/>
+              <a:t>’</a:t>
             </a:r>
           </a:p>
         </p:txBody>
@@ -53169,95 +53420,95 @@
           <a:lstStyle/>
           <a:p>
             <a:r>
-              <a:rPr lang="en-US" noProof="0"/>
+              <a:rPr lang="en-US" noProof="0" dirty="0"/>
               <a:t>Threat Hunting</a:t>
             </a:r>
           </a:p>
           <a:p>
             <a:pPr lvl="2"/>
             <a:r>
-              <a:rPr lang="en-US" noProof="0"/>
+              <a:rPr lang="en-US" noProof="0" dirty="0"/>
               <a:t>Sophisticated attacks have different steps</a:t>
             </a:r>
           </a:p>
           <a:p>
             <a:pPr lvl="2"/>
             <a:r>
-              <a:rPr lang="en-US"/>
+              <a:rPr lang="en-US" dirty="0"/>
               <a:t>Attackers blend in</a:t>
             </a:r>
           </a:p>
           <a:p>
             <a:pPr lvl="3"/>
             <a:r>
-              <a:rPr lang="en-US"/>
+              <a:rPr lang="en-US" dirty="0"/>
               <a:t>Living of the Land</a:t>
             </a:r>
           </a:p>
           <a:p>
             <a:pPr lvl="3"/>
             <a:r>
-              <a:rPr lang="en-US"/>
+              <a:rPr lang="en-US" dirty="0"/>
               <a:t>Signature bypass</a:t>
             </a:r>
           </a:p>
           <a:p>
             <a:pPr lvl="3"/>
             <a:r>
-              <a:rPr lang="en-US"/>
+              <a:rPr lang="en-US" dirty="0"/>
               <a:t>Unknown techniques</a:t>
             </a:r>
           </a:p>
           <a:p>
             <a:pPr lvl="2"/>
-            <a:endParaRPr lang="en-US"/>
+            <a:endParaRPr lang="en-US" dirty="0"/>
           </a:p>
           <a:p>
             <a:pPr lvl="2"/>
             <a:r>
-              <a:rPr lang="en-US" b="1"/>
+              <a:rPr lang="en-US" b="1" dirty="0"/>
               <a:t>Anomaly</a:t>
             </a:r>
             <a:r>
-              <a:rPr lang="en-US"/>
+              <a:rPr lang="en-US" dirty="0"/>
               <a:t> detection</a:t>
             </a:r>
           </a:p>
           <a:p>
             <a:pPr lvl="2"/>
             <a:r>
-              <a:rPr lang="en-US" b="1"/>
+              <a:rPr lang="en-US" b="1" dirty="0"/>
               <a:t>Correlation</a:t>
             </a:r>
           </a:p>
           <a:p>
             <a:pPr lvl="3"/>
             <a:r>
-              <a:rPr lang="en-US"/>
+              <a:rPr lang="en-US" dirty="0"/>
               <a:t>Human factor</a:t>
             </a:r>
           </a:p>
           <a:p>
             <a:pPr lvl="3"/>
             <a:r>
-              <a:rPr lang="en-US"/>
+              <a:rPr lang="en-US" dirty="0"/>
               <a:t>Know your assets</a:t>
             </a:r>
           </a:p>
           <a:p>
             <a:pPr lvl="3"/>
             <a:r>
-              <a:rPr lang="en-US"/>
+              <a:rPr lang="en-US" dirty="0"/>
               <a:t>Connecting the dots</a:t>
             </a:r>
           </a:p>
           <a:p>
             <a:pPr lvl="2"/>
-            <a:endParaRPr lang="en-US" noProof="0"/>
+            <a:endParaRPr lang="en-US" noProof="0" dirty="0"/>
           </a:p>
           <a:p>
             <a:pPr lvl="3"/>
-            <a:endParaRPr lang="en-US" noProof="0"/>
+            <a:endParaRPr lang="en-US" noProof="0" dirty="0"/>
           </a:p>
         </p:txBody>
       </p:sp>
@@ -54818,12 +55069,6 @@
 </file>
 
 <file path=customXml/item1.xml><?xml version="1.0" encoding="utf-8"?>
-<p:properties xmlns:p="http://schemas.microsoft.com/office/2006/metadata/properties" xmlns:xsi="http://www.w3.org/2001/XMLSchema-instance" xmlns:pc="http://schemas.microsoft.com/office/infopath/2007/PartnerControls">
-  <documentManagement/>
-</p:properties>
-</file>
-
-<file path=customXml/item2.xml><?xml version="1.0" encoding="utf-8"?>
 <ct:contentTypeSchema xmlns:ct="http://schemas.microsoft.com/office/2006/metadata/contentType" xmlns:ma="http://schemas.microsoft.com/office/2006/metadata/properties/metaAttributes" ct:_="" ma:_="" ma:contentTypeName="Document" ma:contentTypeID="0x0101009A1848C9F21A504CA7152D81B4825E39" ma:contentTypeVersion="4" ma:contentTypeDescription="Create a new document." ma:contentTypeScope="" ma:versionID="98a07da6ef07519fcdec19bf065509a7">
   <xsd:schema xmlns:xsd="http://www.w3.org/2001/XMLSchema" xmlns:xs="http://www.w3.org/2001/XMLSchema" xmlns:p="http://schemas.microsoft.com/office/2006/metadata/properties" xmlns:ns2="d4b83485-4571-4848-b80f-9395d4c7fedb" targetNamespace="http://schemas.microsoft.com/office/2006/metadata/properties" ma:root="true" ma:fieldsID="ce4401a11adc0d635126e3dbcbedf590" ns2:_="">
     <xsd:import namespace="d4b83485-4571-4848-b80f-9395d4c7fedb"/>
@@ -54967,7 +55212,7 @@
 </ct:contentTypeSchema>
 </file>
 
-<file path=customXml/item3.xml><?xml version="1.0" encoding="utf-8"?>
+<file path=customXml/item2.xml><?xml version="1.0" encoding="utf-8"?>
 <?mso-contentType ?>
 <FormTemplates xmlns="http://schemas.microsoft.com/sharepoint/v3/contenttype/forms">
   <Display>DocumentLibraryForm</Display>
@@ -54976,16 +55221,13 @@
 </FormTemplates>
 </file>
 
-<file path=customXml/itemProps1.xml><?xml version="1.0" encoding="utf-8"?>
-<ds:datastoreItem xmlns:ds="http://schemas.openxmlformats.org/officeDocument/2006/customXml" ds:itemID="{8B9AA292-43A5-4729-8971-3F885FF3ED0C}">
-  <ds:schemaRefs>
-    <ds:schemaRef ds:uri="http://schemas.microsoft.com/office/2006/metadata/properties"/>
-    <ds:schemaRef ds:uri="http://schemas.microsoft.com/office/infopath/2007/PartnerControls"/>
-  </ds:schemaRefs>
-</ds:datastoreItem>
+<file path=customXml/item3.xml><?xml version="1.0" encoding="utf-8"?>
+<p:properties xmlns:p="http://schemas.microsoft.com/office/2006/metadata/properties" xmlns:xsi="http://www.w3.org/2001/XMLSchema-instance" xmlns:pc="http://schemas.microsoft.com/office/infopath/2007/PartnerControls">
+  <documentManagement/>
+</p:properties>
 </file>
 
-<file path=customXml/itemProps2.xml><?xml version="1.0" encoding="utf-8"?>
+<file path=customXml/itemProps1.xml><?xml version="1.0" encoding="utf-8"?>
 <ds:datastoreItem xmlns:ds="http://schemas.openxmlformats.org/officeDocument/2006/customXml" ds:itemID="{5C1CDA6F-0620-4809-85AD-69E9B388C165}">
   <ds:schemaRefs>
     <ds:schemaRef ds:uri="http://schemas.microsoft.com/office/2006/metadata/contentType"/>
@@ -55003,10 +55245,19 @@
 </ds:datastoreItem>
 </file>
 
-<file path=customXml/itemProps3.xml><?xml version="1.0" encoding="utf-8"?>
+<file path=customXml/itemProps2.xml><?xml version="1.0" encoding="utf-8"?>
 <ds:datastoreItem xmlns:ds="http://schemas.openxmlformats.org/officeDocument/2006/customXml" ds:itemID="{76FCC6D6-0EA7-4836-8197-8D03045983EB}">
   <ds:schemaRefs>
     <ds:schemaRef ds:uri="http://schemas.microsoft.com/sharepoint/v3/contenttype/forms"/>
   </ds:schemaRefs>
 </ds:datastoreItem>
+</file>
+
+<file path=customXml/itemProps3.xml><?xml version="1.0" encoding="utf-8"?>
+<ds:datastoreItem xmlns:ds="http://schemas.openxmlformats.org/officeDocument/2006/customXml" ds:itemID="{8B9AA292-43A5-4729-8971-3F885FF3ED0C}">
+  <ds:schemaRefs>
+    <ds:schemaRef ds:uri="http://schemas.microsoft.com/office/2006/metadata/properties"/>
+    <ds:schemaRef ds:uri="http://schemas.microsoft.com/office/infopath/2007/PartnerControls"/>
+  </ds:schemaRefs>
+</ds:datastoreItem>
 </file>
--- a/Cyber exercise.pptx
+++ b/Cyber exercise.pptx
@@ -48339,7 +48339,7 @@
             </a:r>
             <a:r>
               <a:rPr lang="hu-HU" dirty="0"/>
-              <a:t> „b.doc” file?</a:t>
+              <a:t> „b.exe” file?</a:t>
             </a:r>
           </a:p>
         </p:txBody>
@@ -48359,7 +48359,7 @@
         <p:spPr>
           <a:xfrm>
             <a:off x="2677885" y="1360025"/>
-            <a:ext cx="6193972" cy="2068976"/>
+            <a:ext cx="6193972" cy="2068975"/>
           </a:xfrm>
           <a:prstGeom prst="roundRect">
             <a:avLst/>
@@ -48394,7 +48394,7 @@
             </a:pPr>
             <a:r>
               <a:rPr lang="hu-HU" dirty="0"/>
-              <a:t>MD5: 4300f47829062049bf4893667c62da74</a:t>
+              <a:t>MD5: a59b8539af98a6a6df7af4a771d05ea5</a:t>
             </a:r>
           </a:p>
           <a:p>
@@ -48404,7 +48404,7 @@
             </a:pPr>
             <a:r>
               <a:rPr lang="hu-HU" dirty="0"/>
-              <a:t>SHA1: 52c0dab8432491b7a684dfd47ce0a5e29988e9e1</a:t>
+              <a:t> SHA-1: 0188756ec0173ba6af6c51551521997a316e588b</a:t>
             </a:r>
           </a:p>
           <a:p>
@@ -48414,7 +48414,7 @@
             </a:pPr>
             <a:r>
               <a:rPr lang="hu-HU" dirty="0"/>
-              <a:t>SHA256: f623fbdb4343252926d3bc6c1e6f26f44f5889107c32985c8e9e199e5eafb5e5</a:t>
+              <a:t> SHA-256: 9a080bb47fab612597fcb8d31b85f95fc080ed23ca86f75422a73b3f632a1e06</a:t>
             </a:r>
           </a:p>
         </p:txBody>
@@ -55069,6 +55069,21 @@
 </file>
 
 <file path=customXml/item1.xml><?xml version="1.0" encoding="utf-8"?>
+<?mso-contentType ?>
+<FormTemplates xmlns="http://schemas.microsoft.com/sharepoint/v3/contenttype/forms">
+  <Display>DocumentLibraryForm</Display>
+  <Edit>DocumentLibraryForm</Edit>
+  <New>DocumentLibraryForm</New>
+</FormTemplates>
+</file>
+
+<file path=customXml/item2.xml><?xml version="1.0" encoding="utf-8"?>
+<p:properties xmlns:p="http://schemas.microsoft.com/office/2006/metadata/properties" xmlns:xsi="http://www.w3.org/2001/XMLSchema-instance" xmlns:pc="http://schemas.microsoft.com/office/infopath/2007/PartnerControls">
+  <documentManagement/>
+</p:properties>
+</file>
+
+<file path=customXml/item3.xml><?xml version="1.0" encoding="utf-8"?>
 <ct:contentTypeSchema xmlns:ct="http://schemas.microsoft.com/office/2006/metadata/contentType" xmlns:ma="http://schemas.microsoft.com/office/2006/metadata/properties/metaAttributes" ct:_="" ma:_="" ma:contentTypeName="Document" ma:contentTypeID="0x0101009A1848C9F21A504CA7152D81B4825E39" ma:contentTypeVersion="4" ma:contentTypeDescription="Create a new document." ma:contentTypeScope="" ma:versionID="98a07da6ef07519fcdec19bf065509a7">
   <xsd:schema xmlns:xsd="http://www.w3.org/2001/XMLSchema" xmlns:xs="http://www.w3.org/2001/XMLSchema" xmlns:p="http://schemas.microsoft.com/office/2006/metadata/properties" xmlns:ns2="d4b83485-4571-4848-b80f-9395d4c7fedb" targetNamespace="http://schemas.microsoft.com/office/2006/metadata/properties" ma:root="true" ma:fieldsID="ce4401a11adc0d635126e3dbcbedf590" ns2:_="">
     <xsd:import namespace="d4b83485-4571-4848-b80f-9395d4c7fedb"/>
@@ -55212,22 +55227,24 @@
 </ct:contentTypeSchema>
 </file>
 
-<file path=customXml/item2.xml><?xml version="1.0" encoding="utf-8"?>
-<?mso-contentType ?>
-<FormTemplates xmlns="http://schemas.microsoft.com/sharepoint/v3/contenttype/forms">
-  <Display>DocumentLibraryForm</Display>
-  <Edit>DocumentLibraryForm</Edit>
-  <New>DocumentLibraryForm</New>
-</FormTemplates>
+<file path=customXml/itemProps1.xml><?xml version="1.0" encoding="utf-8"?>
+<ds:datastoreItem xmlns:ds="http://schemas.openxmlformats.org/officeDocument/2006/customXml" ds:itemID="{76FCC6D6-0EA7-4836-8197-8D03045983EB}">
+  <ds:schemaRefs>
+    <ds:schemaRef ds:uri="http://schemas.microsoft.com/sharepoint/v3/contenttype/forms"/>
+  </ds:schemaRefs>
+</ds:datastoreItem>
 </file>
 
-<file path=customXml/item3.xml><?xml version="1.0" encoding="utf-8"?>
-<p:properties xmlns:p="http://schemas.microsoft.com/office/2006/metadata/properties" xmlns:xsi="http://www.w3.org/2001/XMLSchema-instance" xmlns:pc="http://schemas.microsoft.com/office/infopath/2007/PartnerControls">
-  <documentManagement/>
-</p:properties>
+<file path=customXml/itemProps2.xml><?xml version="1.0" encoding="utf-8"?>
+<ds:datastoreItem xmlns:ds="http://schemas.openxmlformats.org/officeDocument/2006/customXml" ds:itemID="{8B9AA292-43A5-4729-8971-3F885FF3ED0C}">
+  <ds:schemaRefs>
+    <ds:schemaRef ds:uri="http://schemas.microsoft.com/office/2006/metadata/properties"/>
+    <ds:schemaRef ds:uri="http://schemas.microsoft.com/office/infopath/2007/PartnerControls"/>
+  </ds:schemaRefs>
+</ds:datastoreItem>
 </file>
 
-<file path=customXml/itemProps1.xml><?xml version="1.0" encoding="utf-8"?>
+<file path=customXml/itemProps3.xml><?xml version="1.0" encoding="utf-8"?>
 <ds:datastoreItem xmlns:ds="http://schemas.openxmlformats.org/officeDocument/2006/customXml" ds:itemID="{5C1CDA6F-0620-4809-85AD-69E9B388C165}">
   <ds:schemaRefs>
     <ds:schemaRef ds:uri="http://schemas.microsoft.com/office/2006/metadata/contentType"/>
@@ -55243,21 +55260,4 @@
     <ds:schemaRef ds:uri="http://schemas.microsoft.com/internal/obd"/>
   </ds:schemaRefs>
 </ds:datastoreItem>
-</file>
-
-<file path=customXml/itemProps2.xml><?xml version="1.0" encoding="utf-8"?>
-<ds:datastoreItem xmlns:ds="http://schemas.openxmlformats.org/officeDocument/2006/customXml" ds:itemID="{76FCC6D6-0EA7-4836-8197-8D03045983EB}">
-  <ds:schemaRefs>
-    <ds:schemaRef ds:uri="http://schemas.microsoft.com/sharepoint/v3/contenttype/forms"/>
-  </ds:schemaRefs>
-</ds:datastoreItem>
-</file>
-
-<file path=customXml/itemProps3.xml><?xml version="1.0" encoding="utf-8"?>
-<ds:datastoreItem xmlns:ds="http://schemas.openxmlformats.org/officeDocument/2006/customXml" ds:itemID="{8B9AA292-43A5-4729-8971-3F885FF3ED0C}">
-  <ds:schemaRefs>
-    <ds:schemaRef ds:uri="http://schemas.microsoft.com/office/2006/metadata/properties"/>
-    <ds:schemaRef ds:uri="http://schemas.microsoft.com/office/infopath/2007/PartnerControls"/>
-  </ds:schemaRefs>
-</ds:datastoreItem>
 </file>